--- a/MichelBrevis-Presentación examen final.pptx
+++ b/MichelBrevis-Presentación examen final.pptx
@@ -5,7 +5,7 @@
     <p:sldMasterId id="2147483648" r:id="rId1"/>
   </p:sldMasterIdLst>
   <p:notesMasterIdLst>
-    <p:notesMasterId r:id="rId21"/>
+    <p:notesMasterId r:id="rId19"/>
   </p:notesMasterIdLst>
   <p:sldIdLst>
     <p:sldId id="275" r:id="rId2"/>
@@ -17,28 +17,26 @@
     <p:sldId id="261" r:id="rId8"/>
     <p:sldId id="262" r:id="rId9"/>
     <p:sldId id="263" r:id="rId10"/>
-    <p:sldId id="264" r:id="rId11"/>
-    <p:sldId id="265" r:id="rId12"/>
-    <p:sldId id="266" r:id="rId13"/>
-    <p:sldId id="267" r:id="rId14"/>
-    <p:sldId id="268" r:id="rId15"/>
-    <p:sldId id="269" r:id="rId16"/>
-    <p:sldId id="270" r:id="rId17"/>
-    <p:sldId id="272" r:id="rId18"/>
-    <p:sldId id="273" r:id="rId19"/>
-    <p:sldId id="274" r:id="rId20"/>
+    <p:sldId id="265" r:id="rId11"/>
+    <p:sldId id="267" r:id="rId12"/>
+    <p:sldId id="268" r:id="rId13"/>
+    <p:sldId id="269" r:id="rId14"/>
+    <p:sldId id="270" r:id="rId15"/>
+    <p:sldId id="272" r:id="rId16"/>
+    <p:sldId id="273" r:id="rId17"/>
+    <p:sldId id="274" r:id="rId18"/>
   </p:sldIdLst>
   <p:sldSz cx="14630400" cy="8229600"/>
   <p:notesSz cx="8229600" cy="14630400"/>
   <p:embeddedFontLst>
     <p:embeddedFont>
       <p:font typeface="Instrument Sans Medium" panose="020B0604020202020204" charset="0"/>
-      <p:regular r:id="rId22"/>
+      <p:regular r:id="rId20"/>
     </p:embeddedFont>
     <p:embeddedFont>
       <p:font typeface="Open Sans" panose="020B0606030504020204" pitchFamily="34" charset="0"/>
-      <p:regular r:id="rId23"/>
-      <p:bold r:id="rId24"/>
+      <p:regular r:id="rId21"/>
+      <p:bold r:id="rId22"/>
     </p:embeddedFont>
   </p:embeddedFontLst>
   <p:defaultTextStyle>
@@ -1031,174 +1029,6 @@
             <a:fld id="{F7021451-1387-4CA6-816F-3879F97B5CBC}" type="slidenum">
               <a:rPr lang="en-US"/>
               <a:t>17</a:t>
-            </a:fld>
-            <a:endParaRPr lang="en-US"/>
-          </a:p>
-        </p:txBody>
-      </p:sp>
-    </p:spTree>
-    <p:extLst>
-      <p:ext uri="{BB962C8B-B14F-4D97-AF65-F5344CB8AC3E}">
-        <p14:creationId xmlns:p14="http://schemas.microsoft.com/office/powerpoint/2010/main" val="1024086991"/>
-      </p:ext>
-    </p:extLst>
-  </p:cSld>
-  <p:clrMapOvr>
-    <a:masterClrMapping/>
-  </p:clrMapOvr>
-</p:notes>
-</file>
-
-<file path=ppt/notesSlides/notesSlide18.xml><?xml version="1.0" encoding="utf-8"?>
-<p:notes xmlns:a="http://schemas.openxmlformats.org/drawingml/2006/main" xmlns:r="http://schemas.openxmlformats.org/officeDocument/2006/relationships" xmlns:p="http://schemas.openxmlformats.org/presentationml/2006/main">
-  <p:cSld>
-    <p:spTree>
-      <p:nvGrpSpPr>
-        <p:cNvPr id="1" name=""/>
-        <p:cNvGrpSpPr/>
-        <p:nvPr/>
-      </p:nvGrpSpPr>
-      <p:grpSpPr>
-        <a:xfrm>
-          <a:off x="0" y="0"/>
-          <a:ext cx="0" cy="0"/>
-          <a:chOff x="0" y="0"/>
-          <a:chExt cx="0" cy="0"/>
-        </a:xfrm>
-      </p:grpSpPr>
-      <p:sp>
-        <p:nvSpPr>
-          <p:cNvPr id="2" name="Slide Image Placeholder 1"/>
-          <p:cNvSpPr>
-            <a:spLocks noGrp="1" noRot="1" noChangeAspect="1"/>
-          </p:cNvSpPr>
-          <p:nvPr>
-            <p:ph type="sldImg"/>
-          </p:nvPr>
-        </p:nvSpPr>
-        <p:spPr/>
-      </p:sp>
-      <p:sp>
-        <p:nvSpPr>
-          <p:cNvPr id="3" name="Notes Placeholder 2"/>
-          <p:cNvSpPr>
-            <a:spLocks noGrp="1"/>
-          </p:cNvSpPr>
-          <p:nvPr>
-            <p:ph type="body" idx="1"/>
-          </p:nvPr>
-        </p:nvSpPr>
-        <p:spPr/>
-        <p:txBody>
-          <a:bodyPr/>
-          <a:lstStyle/>
-          <a:p>
-            <a:endParaRPr lang="en-US" dirty="0"/>
-          </a:p>
-        </p:txBody>
-      </p:sp>
-      <p:sp>
-        <p:nvSpPr>
-          <p:cNvPr id="4" name="Slide Number Placeholder 3"/>
-          <p:cNvSpPr>
-            <a:spLocks noGrp="1"/>
-          </p:cNvSpPr>
-          <p:nvPr>
-            <p:ph type="sldNum" sz="quarter" idx="10"/>
-          </p:nvPr>
-        </p:nvSpPr>
-        <p:spPr/>
-        <p:txBody>
-          <a:bodyPr/>
-          <a:lstStyle/>
-          <a:p>
-            <a:fld id="{F7021451-1387-4CA6-816F-3879F97B5CBC}" type="slidenum">
-              <a:rPr lang="en-US"/>
-              <a:t>18</a:t>
-            </a:fld>
-            <a:endParaRPr lang="en-US"/>
-          </a:p>
-        </p:txBody>
-      </p:sp>
-    </p:spTree>
-    <p:extLst>
-      <p:ext uri="{BB962C8B-B14F-4D97-AF65-F5344CB8AC3E}">
-        <p14:creationId xmlns:p14="http://schemas.microsoft.com/office/powerpoint/2010/main" val="1024086991"/>
-      </p:ext>
-    </p:extLst>
-  </p:cSld>
-  <p:clrMapOvr>
-    <a:masterClrMapping/>
-  </p:clrMapOvr>
-</p:notes>
-</file>
-
-<file path=ppt/notesSlides/notesSlide19.xml><?xml version="1.0" encoding="utf-8"?>
-<p:notes xmlns:a="http://schemas.openxmlformats.org/drawingml/2006/main" xmlns:r="http://schemas.openxmlformats.org/officeDocument/2006/relationships" xmlns:p="http://schemas.openxmlformats.org/presentationml/2006/main">
-  <p:cSld>
-    <p:spTree>
-      <p:nvGrpSpPr>
-        <p:cNvPr id="1" name=""/>
-        <p:cNvGrpSpPr/>
-        <p:nvPr/>
-      </p:nvGrpSpPr>
-      <p:grpSpPr>
-        <a:xfrm>
-          <a:off x="0" y="0"/>
-          <a:ext cx="0" cy="0"/>
-          <a:chOff x="0" y="0"/>
-          <a:chExt cx="0" cy="0"/>
-        </a:xfrm>
-      </p:grpSpPr>
-      <p:sp>
-        <p:nvSpPr>
-          <p:cNvPr id="2" name="Slide Image Placeholder 1"/>
-          <p:cNvSpPr>
-            <a:spLocks noGrp="1" noRot="1" noChangeAspect="1"/>
-          </p:cNvSpPr>
-          <p:nvPr>
-            <p:ph type="sldImg"/>
-          </p:nvPr>
-        </p:nvSpPr>
-        <p:spPr/>
-      </p:sp>
-      <p:sp>
-        <p:nvSpPr>
-          <p:cNvPr id="3" name="Notes Placeholder 2"/>
-          <p:cNvSpPr>
-            <a:spLocks noGrp="1"/>
-          </p:cNvSpPr>
-          <p:nvPr>
-            <p:ph type="body" idx="1"/>
-          </p:nvPr>
-        </p:nvSpPr>
-        <p:spPr/>
-        <p:txBody>
-          <a:bodyPr/>
-          <a:lstStyle/>
-          <a:p>
-            <a:endParaRPr lang="en-US" dirty="0"/>
-          </a:p>
-        </p:txBody>
-      </p:sp>
-      <p:sp>
-        <p:nvSpPr>
-          <p:cNvPr id="4" name="Slide Number Placeholder 3"/>
-          <p:cNvSpPr>
-            <a:spLocks noGrp="1"/>
-          </p:cNvSpPr>
-          <p:nvPr>
-            <p:ph type="sldNum" sz="quarter" idx="10"/>
-          </p:nvPr>
-        </p:nvSpPr>
-        <p:spPr/>
-        <p:txBody>
-          <a:bodyPr/>
-          <a:lstStyle/>
-          <a:p>
-            <a:fld id="{F7021451-1387-4CA6-816F-3879F97B5CBC}" type="slidenum">
-              <a:rPr lang="en-US"/>
-              <a:t>19</a:t>
             </a:fld>
             <a:endParaRPr lang="en-US"/>
           </a:p>
@@ -4304,24 +4134,6 @@
                 </a:solidFill>
                 <a:latin typeface="Instrument Sans Medium" pitchFamily="34" charset="0"/>
               </a:rPr>
-              <a:t> de mi </a:t>
-            </a:r>
-            <a:r>
-              <a:rPr lang="en-US" dirty="0" err="1">
-                <a:solidFill>
-                  <a:srgbClr val="FEFEFE"/>
-                </a:solidFill>
-                <a:latin typeface="Instrument Sans Medium" pitchFamily="34" charset="0"/>
-              </a:rPr>
-              <a:t>rubro</a:t>
-            </a:r>
-            <a:r>
-              <a:rPr lang="en-US" dirty="0">
-                <a:solidFill>
-                  <a:srgbClr val="FEFEFE"/>
-                </a:solidFill>
-                <a:latin typeface="Instrument Sans Medium" pitchFamily="34" charset="0"/>
-              </a:rPr>
               <a:t> professional </a:t>
             </a:r>
             <a:r>
@@ -4409,1018 +4221,6 @@
 </file>
 
 <file path=ppt/slides/slide10.xml><?xml version="1.0" encoding="utf-8"?>
-<p:sld xmlns:a="http://schemas.openxmlformats.org/drawingml/2006/main" xmlns:r="http://schemas.openxmlformats.org/officeDocument/2006/relationships" xmlns:p="http://schemas.openxmlformats.org/presentationml/2006/main">
-  <p:cSld name="Slide 9">
-    <p:spTree>
-      <p:nvGrpSpPr>
-        <p:cNvPr id="1" name=""/>
-        <p:cNvGrpSpPr/>
-        <p:nvPr/>
-      </p:nvGrpSpPr>
-      <p:grpSpPr>
-        <a:xfrm>
-          <a:off x="0" y="0"/>
-          <a:ext cx="0" cy="0"/>
-          <a:chOff x="0" y="0"/>
-          <a:chExt cx="0" cy="0"/>
-        </a:xfrm>
-      </p:grpSpPr>
-      <p:sp>
-        <p:nvSpPr>
-          <p:cNvPr id="2" name="Text 0"/>
-          <p:cNvSpPr/>
-          <p:nvPr/>
-        </p:nvSpPr>
-        <p:spPr>
-          <a:xfrm>
-            <a:off x="793790" y="905947"/>
-            <a:ext cx="5670590" cy="708779"/>
-          </a:xfrm>
-          <a:prstGeom prst="rect">
-            <a:avLst/>
-          </a:prstGeom>
-          <a:noFill/>
-          <a:ln/>
-        </p:spPr>
-        <p:txBody>
-          <a:bodyPr wrap="none" lIns="0" tIns="0" rIns="0" bIns="0" rtlCol="0" anchor="t"/>
-          <a:lstStyle/>
-          <a:p>
-            <a:pPr marL="0" indent="0" algn="l">
-              <a:lnSpc>
-                <a:spcPts val="5550"/>
-              </a:lnSpc>
-              <a:buNone/>
-            </a:pPr>
-            <a:r>
-              <a:rPr lang="en-US" sz="4450" dirty="0">
-                <a:solidFill>
-                  <a:srgbClr val="FEFEFE"/>
-                </a:solidFill>
-                <a:latin typeface="Instrument Sans Medium" pitchFamily="34" charset="0"/>
-                <a:ea typeface="Instrument Sans Medium" pitchFamily="34" charset="-122"/>
-                <a:cs typeface="Instrument Sans Medium" pitchFamily="34" charset="-120"/>
-              </a:rPr>
-              <a:t>Modelo de Datos</a:t>
-            </a:r>
-            <a:endParaRPr lang="en-US" sz="4450" dirty="0"/>
-          </a:p>
-        </p:txBody>
-      </p:sp>
-      <p:sp>
-        <p:nvSpPr>
-          <p:cNvPr id="3" name="Shape 1"/>
-          <p:cNvSpPr/>
-          <p:nvPr/>
-        </p:nvSpPr>
-        <p:spPr>
-          <a:xfrm>
-            <a:off x="793790" y="1954887"/>
-            <a:ext cx="13042821" cy="5368766"/>
-          </a:xfrm>
-          <a:prstGeom prst="roundRect">
-            <a:avLst>
-              <a:gd name="adj" fmla="val 634"/>
-            </a:avLst>
-          </a:prstGeom>
-          <a:noFill/>
-          <a:ln w="7620">
-            <a:solidFill>
-              <a:srgbClr val="FFFFFF">
-                <a:alpha val="24000"/>
-              </a:srgbClr>
-            </a:solidFill>
-            <a:prstDash val="solid"/>
-          </a:ln>
-        </p:spPr>
-      </p:sp>
-      <p:sp>
-        <p:nvSpPr>
-          <p:cNvPr id="4" name="Shape 2"/>
-          <p:cNvSpPr/>
-          <p:nvPr/>
-        </p:nvSpPr>
-        <p:spPr>
-          <a:xfrm>
-            <a:off x="801410" y="1962507"/>
-            <a:ext cx="13026271" cy="650319"/>
-          </a:xfrm>
-          <a:prstGeom prst="rect">
-            <a:avLst/>
-          </a:prstGeom>
-          <a:solidFill>
-            <a:srgbClr val="FFFFFF">
-              <a:alpha val="4000"/>
-            </a:srgbClr>
-          </a:solidFill>
-          <a:ln/>
-        </p:spPr>
-      </p:sp>
-      <p:sp>
-        <p:nvSpPr>
-          <p:cNvPr id="5" name="Text 3"/>
-          <p:cNvSpPr/>
-          <p:nvPr/>
-        </p:nvSpPr>
-        <p:spPr>
-          <a:xfrm>
-            <a:off x="1029653" y="2106216"/>
-            <a:ext cx="3884176" cy="362903"/>
-          </a:xfrm>
-          <a:prstGeom prst="rect">
-            <a:avLst/>
-          </a:prstGeom>
-          <a:noFill/>
-          <a:ln/>
-        </p:spPr>
-        <p:txBody>
-          <a:bodyPr wrap="none" lIns="0" tIns="0" rIns="0" bIns="0" rtlCol="0" anchor="t"/>
-          <a:lstStyle/>
-          <a:p>
-            <a:pPr marL="0" indent="0" algn="l">
-              <a:lnSpc>
-                <a:spcPts val="2850"/>
-              </a:lnSpc>
-              <a:buNone/>
-            </a:pPr>
-            <a:r>
-              <a:rPr lang="en-US" sz="1750" b="1" dirty="0">
-                <a:solidFill>
-                  <a:srgbClr val="BFBFBF"/>
-                </a:solidFill>
-                <a:latin typeface="Open Sans" pitchFamily="34" charset="0"/>
-                <a:ea typeface="Open Sans" pitchFamily="34" charset="-122"/>
-                <a:cs typeface="Open Sans" pitchFamily="34" charset="-120"/>
-              </a:rPr>
-              <a:t>Tabla</a:t>
-            </a:r>
-            <a:endParaRPr lang="en-US" sz="1750" dirty="0"/>
-          </a:p>
-        </p:txBody>
-      </p:sp>
-      <p:sp>
-        <p:nvSpPr>
-          <p:cNvPr id="6" name="Text 4"/>
-          <p:cNvSpPr/>
-          <p:nvPr/>
-        </p:nvSpPr>
-        <p:spPr>
-          <a:xfrm>
-            <a:off x="5375077" y="2106216"/>
-            <a:ext cx="3880366" cy="362903"/>
-          </a:xfrm>
-          <a:prstGeom prst="rect">
-            <a:avLst/>
-          </a:prstGeom>
-          <a:noFill/>
-          <a:ln/>
-        </p:spPr>
-        <p:txBody>
-          <a:bodyPr wrap="none" lIns="0" tIns="0" rIns="0" bIns="0" rtlCol="0" anchor="t"/>
-          <a:lstStyle/>
-          <a:p>
-            <a:pPr marL="0" indent="0" algn="l">
-              <a:lnSpc>
-                <a:spcPts val="2850"/>
-              </a:lnSpc>
-              <a:buNone/>
-            </a:pPr>
-            <a:r>
-              <a:rPr lang="en-US" sz="1750" b="1" dirty="0">
-                <a:solidFill>
-                  <a:srgbClr val="BFBFBF"/>
-                </a:solidFill>
-                <a:latin typeface="Open Sans" pitchFamily="34" charset="0"/>
-                <a:ea typeface="Open Sans" pitchFamily="34" charset="-122"/>
-                <a:cs typeface="Open Sans" pitchFamily="34" charset="-120"/>
-              </a:rPr>
-              <a:t>Atributos Principales</a:t>
-            </a:r>
-            <a:endParaRPr lang="en-US" sz="1750" dirty="0"/>
-          </a:p>
-        </p:txBody>
-      </p:sp>
-      <p:sp>
-        <p:nvSpPr>
-          <p:cNvPr id="7" name="Text 5"/>
-          <p:cNvSpPr/>
-          <p:nvPr/>
-        </p:nvSpPr>
-        <p:spPr>
-          <a:xfrm>
-            <a:off x="9716691" y="2106216"/>
-            <a:ext cx="3884176" cy="362903"/>
-          </a:xfrm>
-          <a:prstGeom prst="rect">
-            <a:avLst/>
-          </a:prstGeom>
-          <a:noFill/>
-          <a:ln/>
-        </p:spPr>
-        <p:txBody>
-          <a:bodyPr wrap="none" lIns="0" tIns="0" rIns="0" bIns="0" rtlCol="0" anchor="t"/>
-          <a:lstStyle/>
-          <a:p>
-            <a:pPr marL="0" indent="0" algn="l">
-              <a:lnSpc>
-                <a:spcPts val="2850"/>
-              </a:lnSpc>
-              <a:buNone/>
-            </a:pPr>
-            <a:r>
-              <a:rPr lang="en-US" sz="1750" b="1" dirty="0">
-                <a:solidFill>
-                  <a:srgbClr val="BFBFBF"/>
-                </a:solidFill>
-                <a:latin typeface="Open Sans" pitchFamily="34" charset="0"/>
-                <a:ea typeface="Open Sans" pitchFamily="34" charset="-122"/>
-                <a:cs typeface="Open Sans" pitchFamily="34" charset="-120"/>
-              </a:rPr>
-              <a:t>Relaciones</a:t>
-            </a:r>
-            <a:endParaRPr lang="en-US" sz="1750" dirty="0"/>
-          </a:p>
-        </p:txBody>
-      </p:sp>
-      <p:sp>
-        <p:nvSpPr>
-          <p:cNvPr id="8" name="Shape 6"/>
-          <p:cNvSpPr/>
-          <p:nvPr/>
-        </p:nvSpPr>
-        <p:spPr>
-          <a:xfrm>
-            <a:off x="801410" y="2612827"/>
-            <a:ext cx="13026271" cy="650319"/>
-          </a:xfrm>
-          <a:prstGeom prst="rect">
-            <a:avLst/>
-          </a:prstGeom>
-          <a:solidFill>
-            <a:srgbClr val="000000">
-              <a:alpha val="4000"/>
-            </a:srgbClr>
-          </a:solidFill>
-          <a:ln/>
-        </p:spPr>
-      </p:sp>
-      <p:sp>
-        <p:nvSpPr>
-          <p:cNvPr id="9" name="Text 7"/>
-          <p:cNvSpPr/>
-          <p:nvPr/>
-        </p:nvSpPr>
-        <p:spPr>
-          <a:xfrm>
-            <a:off x="1029653" y="2756535"/>
-            <a:ext cx="3884176" cy="362903"/>
-          </a:xfrm>
-          <a:prstGeom prst="rect">
-            <a:avLst/>
-          </a:prstGeom>
-          <a:noFill/>
-          <a:ln/>
-        </p:spPr>
-        <p:txBody>
-          <a:bodyPr wrap="none" lIns="0" tIns="0" rIns="0" bIns="0" rtlCol="0" anchor="t"/>
-          <a:lstStyle/>
-          <a:p>
-            <a:pPr marL="0" indent="0" algn="l">
-              <a:lnSpc>
-                <a:spcPts val="2850"/>
-              </a:lnSpc>
-              <a:buNone/>
-            </a:pPr>
-            <a:r>
-              <a:rPr lang="en-US" sz="1750" dirty="0">
-                <a:solidFill>
-                  <a:srgbClr val="BFBFBF"/>
-                </a:solidFill>
-                <a:latin typeface="Open Sans" pitchFamily="34" charset="0"/>
-                <a:ea typeface="Open Sans" pitchFamily="34" charset="-122"/>
-                <a:cs typeface="Open Sans" pitchFamily="34" charset="-120"/>
-              </a:rPr>
-              <a:t>usuarios</a:t>
-            </a:r>
-            <a:endParaRPr lang="en-US" sz="1750" dirty="0"/>
-          </a:p>
-        </p:txBody>
-      </p:sp>
-      <p:sp>
-        <p:nvSpPr>
-          <p:cNvPr id="10" name="Text 8"/>
-          <p:cNvSpPr/>
-          <p:nvPr/>
-        </p:nvSpPr>
-        <p:spPr>
-          <a:xfrm>
-            <a:off x="5375077" y="2756535"/>
-            <a:ext cx="3880366" cy="362903"/>
-          </a:xfrm>
-          <a:prstGeom prst="rect">
-            <a:avLst/>
-          </a:prstGeom>
-          <a:noFill/>
-          <a:ln/>
-        </p:spPr>
-        <p:txBody>
-          <a:bodyPr wrap="none" lIns="0" tIns="0" rIns="0" bIns="0" rtlCol="0" anchor="t"/>
-          <a:lstStyle/>
-          <a:p>
-            <a:pPr marL="0" indent="0" algn="l">
-              <a:lnSpc>
-                <a:spcPts val="2850"/>
-              </a:lnSpc>
-              <a:buNone/>
-            </a:pPr>
-            <a:r>
-              <a:rPr lang="en-US" sz="1750" dirty="0">
-                <a:solidFill>
-                  <a:srgbClr val="BFBFBF"/>
-                </a:solidFill>
-                <a:latin typeface="Open Sans" pitchFamily="34" charset="0"/>
-                <a:ea typeface="Open Sans" pitchFamily="34" charset="-122"/>
-                <a:cs typeface="Open Sans" pitchFamily="34" charset="-120"/>
-              </a:rPr>
-              <a:t>id, nombre, rol, email, password</a:t>
-            </a:r>
-            <a:endParaRPr lang="en-US" sz="1750" dirty="0"/>
-          </a:p>
-        </p:txBody>
-      </p:sp>
-      <p:sp>
-        <p:nvSpPr>
-          <p:cNvPr id="11" name="Text 9"/>
-          <p:cNvSpPr/>
-          <p:nvPr/>
-        </p:nvSpPr>
-        <p:spPr>
-          <a:xfrm>
-            <a:off x="9716691" y="2756535"/>
-            <a:ext cx="3884176" cy="362903"/>
-          </a:xfrm>
-          <a:prstGeom prst="rect">
-            <a:avLst/>
-          </a:prstGeom>
-          <a:noFill/>
-          <a:ln/>
-        </p:spPr>
-        <p:txBody>
-          <a:bodyPr wrap="none" lIns="0" tIns="0" rIns="0" bIns="0" rtlCol="0" anchor="t"/>
-          <a:lstStyle/>
-          <a:p>
-            <a:pPr marL="0" indent="0" algn="l">
-              <a:lnSpc>
-                <a:spcPts val="2850"/>
-              </a:lnSpc>
-              <a:buNone/>
-            </a:pPr>
-            <a:r>
-              <a:rPr lang="en-US" sz="1750" dirty="0">
-                <a:solidFill>
-                  <a:srgbClr val="BFBFBF"/>
-                </a:solidFill>
-                <a:latin typeface="Open Sans" pitchFamily="34" charset="0"/>
-                <a:ea typeface="Open Sans" pitchFamily="34" charset="-122"/>
-                <a:cs typeface="Open Sans" pitchFamily="34" charset="-120"/>
-              </a:rPr>
-              <a:t>Relacionada con despachos</a:t>
-            </a:r>
-            <a:endParaRPr lang="en-US" sz="1750" dirty="0"/>
-          </a:p>
-        </p:txBody>
-      </p:sp>
-      <p:sp>
-        <p:nvSpPr>
-          <p:cNvPr id="12" name="Shape 10"/>
-          <p:cNvSpPr/>
-          <p:nvPr/>
-        </p:nvSpPr>
-        <p:spPr>
-          <a:xfrm>
-            <a:off x="801410" y="3263146"/>
-            <a:ext cx="13026271" cy="1013222"/>
-          </a:xfrm>
-          <a:prstGeom prst="rect">
-            <a:avLst/>
-          </a:prstGeom>
-          <a:solidFill>
-            <a:srgbClr val="FFFFFF">
-              <a:alpha val="4000"/>
-            </a:srgbClr>
-          </a:solidFill>
-          <a:ln/>
-        </p:spPr>
-      </p:sp>
-      <p:sp>
-        <p:nvSpPr>
-          <p:cNvPr id="13" name="Text 11"/>
-          <p:cNvSpPr/>
-          <p:nvPr/>
-        </p:nvSpPr>
-        <p:spPr>
-          <a:xfrm>
-            <a:off x="1029653" y="3406854"/>
-            <a:ext cx="3884176" cy="362903"/>
-          </a:xfrm>
-          <a:prstGeom prst="rect">
-            <a:avLst/>
-          </a:prstGeom>
-          <a:noFill/>
-          <a:ln/>
-        </p:spPr>
-        <p:txBody>
-          <a:bodyPr wrap="none" lIns="0" tIns="0" rIns="0" bIns="0" rtlCol="0" anchor="t"/>
-          <a:lstStyle/>
-          <a:p>
-            <a:pPr marL="0" indent="0" algn="l">
-              <a:lnSpc>
-                <a:spcPts val="2850"/>
-              </a:lnSpc>
-              <a:buNone/>
-            </a:pPr>
-            <a:r>
-              <a:rPr lang="en-US" sz="1750" dirty="0">
-                <a:solidFill>
-                  <a:srgbClr val="BFBFBF"/>
-                </a:solidFill>
-                <a:latin typeface="Open Sans" pitchFamily="34" charset="0"/>
-                <a:ea typeface="Open Sans" pitchFamily="34" charset="-122"/>
-                <a:cs typeface="Open Sans" pitchFamily="34" charset="-120"/>
-              </a:rPr>
-              <a:t>proyectos</a:t>
-            </a:r>
-            <a:endParaRPr lang="en-US" sz="1750" dirty="0"/>
-          </a:p>
-        </p:txBody>
-      </p:sp>
-      <p:sp>
-        <p:nvSpPr>
-          <p:cNvPr id="14" name="Text 12"/>
-          <p:cNvSpPr/>
-          <p:nvPr/>
-        </p:nvSpPr>
-        <p:spPr>
-          <a:xfrm>
-            <a:off x="5375077" y="3406854"/>
-            <a:ext cx="3880366" cy="725805"/>
-          </a:xfrm>
-          <a:prstGeom prst="rect">
-            <a:avLst/>
-          </a:prstGeom>
-          <a:noFill/>
-          <a:ln/>
-        </p:spPr>
-        <p:txBody>
-          <a:bodyPr wrap="square" lIns="0" tIns="0" rIns="0" bIns="0" rtlCol="0" anchor="t"/>
-          <a:lstStyle/>
-          <a:p>
-            <a:pPr marL="0" indent="0" algn="l">
-              <a:lnSpc>
-                <a:spcPts val="2850"/>
-              </a:lnSpc>
-              <a:buNone/>
-            </a:pPr>
-            <a:r>
-              <a:rPr lang="en-US" sz="1750" dirty="0">
-                <a:solidFill>
-                  <a:srgbClr val="BFBFBF"/>
-                </a:solidFill>
-                <a:latin typeface="Open Sans" pitchFamily="34" charset="0"/>
-                <a:ea typeface="Open Sans" pitchFamily="34" charset="-122"/>
-                <a:cs typeface="Open Sans" pitchFamily="34" charset="-120"/>
-              </a:rPr>
-              <a:t>id, nombre_cliente, fecha_inicio, estado</a:t>
-            </a:r>
-            <a:endParaRPr lang="en-US" sz="1750" dirty="0"/>
-          </a:p>
-        </p:txBody>
-      </p:sp>
-      <p:sp>
-        <p:nvSpPr>
-          <p:cNvPr id="15" name="Text 13"/>
-          <p:cNvSpPr/>
-          <p:nvPr/>
-        </p:nvSpPr>
-        <p:spPr>
-          <a:xfrm>
-            <a:off x="9716691" y="3406854"/>
-            <a:ext cx="3884176" cy="362903"/>
-          </a:xfrm>
-          <a:prstGeom prst="rect">
-            <a:avLst/>
-          </a:prstGeom>
-          <a:noFill/>
-          <a:ln/>
-        </p:spPr>
-        <p:txBody>
-          <a:bodyPr wrap="none" lIns="0" tIns="0" rIns="0" bIns="0" rtlCol="0" anchor="t"/>
-          <a:lstStyle/>
-          <a:p>
-            <a:pPr marL="0" indent="0" algn="l">
-              <a:lnSpc>
-                <a:spcPts val="2850"/>
-              </a:lnSpc>
-              <a:buNone/>
-            </a:pPr>
-            <a:r>
-              <a:rPr lang="en-US" sz="1750" dirty="0">
-                <a:solidFill>
-                  <a:srgbClr val="BFBFBF"/>
-                </a:solidFill>
-                <a:latin typeface="Open Sans" pitchFamily="34" charset="0"/>
-                <a:ea typeface="Open Sans" pitchFamily="34" charset="-122"/>
-                <a:cs typeface="Open Sans" pitchFamily="34" charset="-120"/>
-              </a:rPr>
-              <a:t>Relacionada con despachos</a:t>
-            </a:r>
-            <a:endParaRPr lang="en-US" sz="1750" dirty="0"/>
-          </a:p>
-        </p:txBody>
-      </p:sp>
-      <p:sp>
-        <p:nvSpPr>
-          <p:cNvPr id="16" name="Shape 14"/>
-          <p:cNvSpPr/>
-          <p:nvPr/>
-        </p:nvSpPr>
-        <p:spPr>
-          <a:xfrm>
-            <a:off x="801410" y="4276368"/>
-            <a:ext cx="13026271" cy="1013222"/>
-          </a:xfrm>
-          <a:prstGeom prst="rect">
-            <a:avLst/>
-          </a:prstGeom>
-          <a:solidFill>
-            <a:srgbClr val="000000">
-              <a:alpha val="4000"/>
-            </a:srgbClr>
-          </a:solidFill>
-          <a:ln/>
-        </p:spPr>
-      </p:sp>
-      <p:sp>
-        <p:nvSpPr>
-          <p:cNvPr id="17" name="Text 15"/>
-          <p:cNvSpPr/>
-          <p:nvPr/>
-        </p:nvSpPr>
-        <p:spPr>
-          <a:xfrm>
-            <a:off x="1029653" y="4420076"/>
-            <a:ext cx="3884176" cy="362903"/>
-          </a:xfrm>
-          <a:prstGeom prst="rect">
-            <a:avLst/>
-          </a:prstGeom>
-          <a:noFill/>
-          <a:ln/>
-        </p:spPr>
-        <p:txBody>
-          <a:bodyPr wrap="none" lIns="0" tIns="0" rIns="0" bIns="0" rtlCol="0" anchor="t"/>
-          <a:lstStyle/>
-          <a:p>
-            <a:pPr marL="0" indent="0" algn="l">
-              <a:lnSpc>
-                <a:spcPts val="2850"/>
-              </a:lnSpc>
-              <a:buNone/>
-            </a:pPr>
-            <a:r>
-              <a:rPr lang="en-US" sz="1750" dirty="0">
-                <a:solidFill>
-                  <a:srgbClr val="BFBFBF"/>
-                </a:solidFill>
-                <a:latin typeface="Open Sans" pitchFamily="34" charset="0"/>
-                <a:ea typeface="Open Sans" pitchFamily="34" charset="-122"/>
-                <a:cs typeface="Open Sans" pitchFamily="34" charset="-120"/>
-              </a:rPr>
-              <a:t>componentes</a:t>
-            </a:r>
-            <a:endParaRPr lang="en-US" sz="1750" dirty="0"/>
-          </a:p>
-        </p:txBody>
-      </p:sp>
-      <p:sp>
-        <p:nvSpPr>
-          <p:cNvPr id="18" name="Text 16"/>
-          <p:cNvSpPr/>
-          <p:nvPr/>
-        </p:nvSpPr>
-        <p:spPr>
-          <a:xfrm>
-            <a:off x="5375077" y="4420076"/>
-            <a:ext cx="3880366" cy="362903"/>
-          </a:xfrm>
-          <a:prstGeom prst="rect">
-            <a:avLst/>
-          </a:prstGeom>
-          <a:noFill/>
-          <a:ln/>
-        </p:spPr>
-        <p:txBody>
-          <a:bodyPr wrap="none" lIns="0" tIns="0" rIns="0" bIns="0" rtlCol="0" anchor="t"/>
-          <a:lstStyle/>
-          <a:p>
-            <a:pPr marL="0" indent="0" algn="l">
-              <a:lnSpc>
-                <a:spcPts val="2850"/>
-              </a:lnSpc>
-              <a:buNone/>
-            </a:pPr>
-            <a:r>
-              <a:rPr lang="en-US" sz="1750" dirty="0">
-                <a:solidFill>
-                  <a:srgbClr val="BFBFBF"/>
-                </a:solidFill>
-                <a:latin typeface="Open Sans" pitchFamily="34" charset="0"/>
-                <a:ea typeface="Open Sans" pitchFamily="34" charset="-122"/>
-                <a:cs typeface="Open Sans" pitchFamily="34" charset="-120"/>
-              </a:rPr>
-              <a:t>id, nombre, stock</a:t>
-            </a:r>
-            <a:endParaRPr lang="en-US" sz="1750" dirty="0"/>
-          </a:p>
-        </p:txBody>
-      </p:sp>
-      <p:sp>
-        <p:nvSpPr>
-          <p:cNvPr id="19" name="Text 17"/>
-          <p:cNvSpPr/>
-          <p:nvPr/>
-        </p:nvSpPr>
-        <p:spPr>
-          <a:xfrm>
-            <a:off x="9716691" y="4420076"/>
-            <a:ext cx="3884176" cy="725805"/>
-          </a:xfrm>
-          <a:prstGeom prst="rect">
-            <a:avLst/>
-          </a:prstGeom>
-          <a:noFill/>
-          <a:ln/>
-        </p:spPr>
-        <p:txBody>
-          <a:bodyPr wrap="square" lIns="0" tIns="0" rIns="0" bIns="0" rtlCol="0" anchor="t"/>
-          <a:lstStyle/>
-          <a:p>
-            <a:pPr marL="0" indent="0" algn="l">
-              <a:lnSpc>
-                <a:spcPts val="2850"/>
-              </a:lnSpc>
-              <a:buNone/>
-            </a:pPr>
-            <a:r>
-              <a:rPr lang="en-US" sz="1750" dirty="0">
-                <a:solidFill>
-                  <a:srgbClr val="BFBFBF"/>
-                </a:solidFill>
-                <a:latin typeface="Open Sans" pitchFamily="34" charset="0"/>
-                <a:ea typeface="Open Sans" pitchFamily="34" charset="-122"/>
-                <a:cs typeface="Open Sans" pitchFamily="34" charset="-120"/>
-              </a:rPr>
-              <a:t>Relacionada con despachos_componentes</a:t>
-            </a:r>
-            <a:endParaRPr lang="en-US" sz="1750" dirty="0"/>
-          </a:p>
-        </p:txBody>
-      </p:sp>
-      <p:sp>
-        <p:nvSpPr>
-          <p:cNvPr id="20" name="Shape 18"/>
-          <p:cNvSpPr/>
-          <p:nvPr/>
-        </p:nvSpPr>
-        <p:spPr>
-          <a:xfrm>
-            <a:off x="801410" y="5289590"/>
-            <a:ext cx="13026271" cy="1013222"/>
-          </a:xfrm>
-          <a:prstGeom prst="rect">
-            <a:avLst/>
-          </a:prstGeom>
-          <a:solidFill>
-            <a:srgbClr val="FFFFFF">
-              <a:alpha val="4000"/>
-            </a:srgbClr>
-          </a:solidFill>
-          <a:ln/>
-        </p:spPr>
-      </p:sp>
-      <p:sp>
-        <p:nvSpPr>
-          <p:cNvPr id="21" name="Text 19"/>
-          <p:cNvSpPr/>
-          <p:nvPr/>
-        </p:nvSpPr>
-        <p:spPr>
-          <a:xfrm>
-            <a:off x="1029653" y="5433298"/>
-            <a:ext cx="3884176" cy="362903"/>
-          </a:xfrm>
-          <a:prstGeom prst="rect">
-            <a:avLst/>
-          </a:prstGeom>
-          <a:noFill/>
-          <a:ln/>
-        </p:spPr>
-        <p:txBody>
-          <a:bodyPr wrap="none" lIns="0" tIns="0" rIns="0" bIns="0" rtlCol="0" anchor="t"/>
-          <a:lstStyle/>
-          <a:p>
-            <a:pPr marL="0" indent="0" algn="l">
-              <a:lnSpc>
-                <a:spcPts val="2850"/>
-              </a:lnSpc>
-              <a:buNone/>
-            </a:pPr>
-            <a:r>
-              <a:rPr lang="en-US" sz="1750" dirty="0">
-                <a:solidFill>
-                  <a:srgbClr val="BFBFBF"/>
-                </a:solidFill>
-                <a:latin typeface="Open Sans" pitchFamily="34" charset="0"/>
-                <a:ea typeface="Open Sans" pitchFamily="34" charset="-122"/>
-                <a:cs typeface="Open Sans" pitchFamily="34" charset="-120"/>
-              </a:rPr>
-              <a:t>despachos</a:t>
-            </a:r>
-            <a:endParaRPr lang="en-US" sz="1750" dirty="0"/>
-          </a:p>
-        </p:txBody>
-      </p:sp>
-      <p:sp>
-        <p:nvSpPr>
-          <p:cNvPr id="22" name="Text 20"/>
-          <p:cNvSpPr/>
-          <p:nvPr/>
-        </p:nvSpPr>
-        <p:spPr>
-          <a:xfrm>
-            <a:off x="5375077" y="5433298"/>
-            <a:ext cx="3880366" cy="725805"/>
-          </a:xfrm>
-          <a:prstGeom prst="rect">
-            <a:avLst/>
-          </a:prstGeom>
-          <a:noFill/>
-          <a:ln/>
-        </p:spPr>
-        <p:txBody>
-          <a:bodyPr wrap="square" lIns="0" tIns="0" rIns="0" bIns="0" rtlCol="0" anchor="t"/>
-          <a:lstStyle/>
-          <a:p>
-            <a:pPr marL="0" indent="0" algn="l">
-              <a:lnSpc>
-                <a:spcPts val="2850"/>
-              </a:lnSpc>
-              <a:buNone/>
-            </a:pPr>
-            <a:r>
-              <a:rPr lang="en-US" sz="1750" dirty="0">
-                <a:solidFill>
-                  <a:srgbClr val="BFBFBF"/>
-                </a:solidFill>
-                <a:latin typeface="Open Sans" pitchFamily="34" charset="0"/>
-                <a:ea typeface="Open Sans" pitchFamily="34" charset="-122"/>
-                <a:cs typeface="Open Sans" pitchFamily="34" charset="-120"/>
-              </a:rPr>
-              <a:t>id, fecha, estado, proyecto_id, usuario_id</a:t>
-            </a:r>
-            <a:endParaRPr lang="en-US" sz="1750" dirty="0"/>
-          </a:p>
-        </p:txBody>
-      </p:sp>
-      <p:sp>
-        <p:nvSpPr>
-          <p:cNvPr id="23" name="Text 21"/>
-          <p:cNvSpPr/>
-          <p:nvPr/>
-        </p:nvSpPr>
-        <p:spPr>
-          <a:xfrm>
-            <a:off x="9716691" y="5433298"/>
-            <a:ext cx="3884176" cy="725805"/>
-          </a:xfrm>
-          <a:prstGeom prst="rect">
-            <a:avLst/>
-          </a:prstGeom>
-          <a:noFill/>
-          <a:ln/>
-        </p:spPr>
-        <p:txBody>
-          <a:bodyPr wrap="square" lIns="0" tIns="0" rIns="0" bIns="0" rtlCol="0" anchor="t"/>
-          <a:lstStyle/>
-          <a:p>
-            <a:pPr marL="0" indent="0" algn="l">
-              <a:lnSpc>
-                <a:spcPts val="2850"/>
-              </a:lnSpc>
-              <a:buNone/>
-            </a:pPr>
-            <a:r>
-              <a:rPr lang="en-US" sz="1750" dirty="0">
-                <a:solidFill>
-                  <a:srgbClr val="BFBFBF"/>
-                </a:solidFill>
-                <a:latin typeface="Open Sans" pitchFamily="34" charset="0"/>
-                <a:ea typeface="Open Sans" pitchFamily="34" charset="-122"/>
-                <a:cs typeface="Open Sans" pitchFamily="34" charset="-120"/>
-              </a:rPr>
-              <a:t>Relacionada con proyectos, usuarios y despachos_componentes</a:t>
-            </a:r>
-            <a:endParaRPr lang="en-US" sz="1750" dirty="0"/>
-          </a:p>
-        </p:txBody>
-      </p:sp>
-      <p:sp>
-        <p:nvSpPr>
-          <p:cNvPr id="24" name="Shape 22"/>
-          <p:cNvSpPr/>
-          <p:nvPr/>
-        </p:nvSpPr>
-        <p:spPr>
-          <a:xfrm>
-            <a:off x="801410" y="6302812"/>
-            <a:ext cx="13026271" cy="1013222"/>
-          </a:xfrm>
-          <a:prstGeom prst="rect">
-            <a:avLst/>
-          </a:prstGeom>
-          <a:solidFill>
-            <a:srgbClr val="000000">
-              <a:alpha val="4000"/>
-            </a:srgbClr>
-          </a:solidFill>
-          <a:ln/>
-        </p:spPr>
-      </p:sp>
-      <p:sp>
-        <p:nvSpPr>
-          <p:cNvPr id="25" name="Text 23"/>
-          <p:cNvSpPr/>
-          <p:nvPr/>
-        </p:nvSpPr>
-        <p:spPr>
-          <a:xfrm>
-            <a:off x="1029653" y="6446520"/>
-            <a:ext cx="3884176" cy="362903"/>
-          </a:xfrm>
-          <a:prstGeom prst="rect">
-            <a:avLst/>
-          </a:prstGeom>
-          <a:noFill/>
-          <a:ln/>
-        </p:spPr>
-        <p:txBody>
-          <a:bodyPr wrap="none" lIns="0" tIns="0" rIns="0" bIns="0" rtlCol="0" anchor="t"/>
-          <a:lstStyle/>
-          <a:p>
-            <a:pPr marL="0" indent="0" algn="l">
-              <a:lnSpc>
-                <a:spcPts val="2850"/>
-              </a:lnSpc>
-              <a:buNone/>
-            </a:pPr>
-            <a:r>
-              <a:rPr lang="en-US" sz="1750" dirty="0">
-                <a:solidFill>
-                  <a:srgbClr val="BFBFBF"/>
-                </a:solidFill>
-                <a:latin typeface="Open Sans" pitchFamily="34" charset="0"/>
-                <a:ea typeface="Open Sans" pitchFamily="34" charset="-122"/>
-                <a:cs typeface="Open Sans" pitchFamily="34" charset="-120"/>
-              </a:rPr>
-              <a:t>despachos_componentes</a:t>
-            </a:r>
-            <a:endParaRPr lang="en-US" sz="1750" dirty="0"/>
-          </a:p>
-        </p:txBody>
-      </p:sp>
-      <p:sp>
-        <p:nvSpPr>
-          <p:cNvPr id="26" name="Text 24"/>
-          <p:cNvSpPr/>
-          <p:nvPr/>
-        </p:nvSpPr>
-        <p:spPr>
-          <a:xfrm>
-            <a:off x="5375077" y="6446520"/>
-            <a:ext cx="3880366" cy="725805"/>
-          </a:xfrm>
-          <a:prstGeom prst="rect">
-            <a:avLst/>
-          </a:prstGeom>
-          <a:noFill/>
-          <a:ln/>
-        </p:spPr>
-        <p:txBody>
-          <a:bodyPr wrap="square" lIns="0" tIns="0" rIns="0" bIns="0" rtlCol="0" anchor="t"/>
-          <a:lstStyle/>
-          <a:p>
-            <a:pPr marL="0" indent="0" algn="l">
-              <a:lnSpc>
-                <a:spcPts val="2850"/>
-              </a:lnSpc>
-              <a:buNone/>
-            </a:pPr>
-            <a:r>
-              <a:rPr lang="en-US" sz="1750" dirty="0">
-                <a:solidFill>
-                  <a:srgbClr val="BFBFBF"/>
-                </a:solidFill>
-                <a:latin typeface="Open Sans" pitchFamily="34" charset="0"/>
-                <a:ea typeface="Open Sans" pitchFamily="34" charset="-122"/>
-                <a:cs typeface="Open Sans" pitchFamily="34" charset="-120"/>
-              </a:rPr>
-              <a:t>despacho_id, componente_id, cantidad</a:t>
-            </a:r>
-            <a:endParaRPr lang="en-US" sz="1750" dirty="0"/>
-          </a:p>
-        </p:txBody>
-      </p:sp>
-      <p:sp>
-        <p:nvSpPr>
-          <p:cNvPr id="27" name="Text 25"/>
-          <p:cNvSpPr/>
-          <p:nvPr/>
-        </p:nvSpPr>
-        <p:spPr>
-          <a:xfrm>
-            <a:off x="9716691" y="6446520"/>
-            <a:ext cx="3884176" cy="725805"/>
-          </a:xfrm>
-          <a:prstGeom prst="rect">
-            <a:avLst/>
-          </a:prstGeom>
-          <a:noFill/>
-          <a:ln/>
-        </p:spPr>
-        <p:txBody>
-          <a:bodyPr wrap="square" lIns="0" tIns="0" rIns="0" bIns="0" rtlCol="0" anchor="t"/>
-          <a:lstStyle/>
-          <a:p>
-            <a:pPr marL="0" indent="0" algn="l">
-              <a:lnSpc>
-                <a:spcPts val="2850"/>
-              </a:lnSpc>
-              <a:buNone/>
-            </a:pPr>
-            <a:r>
-              <a:rPr lang="en-US" sz="1750" dirty="0">
-                <a:solidFill>
-                  <a:srgbClr val="BFBFBF"/>
-                </a:solidFill>
-                <a:latin typeface="Open Sans" pitchFamily="34" charset="0"/>
-                <a:ea typeface="Open Sans" pitchFamily="34" charset="-122"/>
-                <a:cs typeface="Open Sans" pitchFamily="34" charset="-120"/>
-              </a:rPr>
-              <a:t>Relacionada con despachos y componentes</a:t>
-            </a:r>
-            <a:endParaRPr lang="en-US" sz="1750" dirty="0"/>
-          </a:p>
-        </p:txBody>
-      </p:sp>
-      <p:pic>
-        <p:nvPicPr>
-          <p:cNvPr id="28" name="Picture 27">
-            <a:extLst>
-              <a:ext uri="{FF2B5EF4-FFF2-40B4-BE49-F238E27FC236}">
-                <a16:creationId xmlns:a16="http://schemas.microsoft.com/office/drawing/2014/main" id="{957B1899-5076-ABE5-C750-8BF8210AC9A8}"/>
-              </a:ext>
-            </a:extLst>
-          </p:cNvPr>
-          <p:cNvPicPr>
-            <a:picLocks noChangeAspect="1"/>
-          </p:cNvPicPr>
-          <p:nvPr/>
-        </p:nvPicPr>
-        <p:blipFill>
-          <a:blip r:embed="rId3"/>
-          <a:stretch>
-            <a:fillRect/>
-          </a:stretch>
-        </p:blipFill>
-        <p:spPr>
-          <a:xfrm>
-            <a:off x="12863245" y="7647811"/>
-            <a:ext cx="1664025" cy="516422"/>
-          </a:xfrm>
-          <a:prstGeom prst="rect">
-            <a:avLst/>
-          </a:prstGeom>
-        </p:spPr>
-      </p:pic>
-    </p:spTree>
-  </p:cSld>
-  <p:clrMapOvr>
-    <a:masterClrMapping/>
-  </p:clrMapOvr>
-</p:sld>
-</file>
-
-<file path=ppt/slides/slide11.xml><?xml version="1.0" encoding="utf-8"?>
 <p:sld xmlns:a="http://schemas.openxmlformats.org/drawingml/2006/main" xmlns:r="http://schemas.openxmlformats.org/officeDocument/2006/relationships" xmlns:p="http://schemas.openxmlformats.org/presentationml/2006/main">
   <p:cSld name="Slide 10">
     <p:spTree>
@@ -5445,7 +4245,7 @@
         </p:nvSpPr>
         <p:spPr>
           <a:xfrm>
-            <a:off x="793790" y="1350764"/>
+            <a:off x="2817799" y="555889"/>
             <a:ext cx="8214360" cy="708779"/>
           </a:xfrm>
           <a:prstGeom prst="rect">
@@ -5465,7 +4265,7 @@
               <a:buNone/>
             </a:pPr>
             <a:r>
-              <a:rPr lang="en-US" sz="4450" dirty="0">
+              <a:rPr lang="es-419" sz="4450" noProof="0" dirty="0">
                 <a:solidFill>
                   <a:srgbClr val="FEFEFE"/>
                 </a:solidFill>
@@ -5475,19 +4275,19 @@
               </a:rPr>
               <a:t>Diseño de la Interfaz de Usuario</a:t>
             </a:r>
-            <a:endParaRPr lang="en-US" sz="4450" dirty="0"/>
-          </a:p>
-        </p:txBody>
-      </p:sp>
-      <p:sp>
-        <p:nvSpPr>
-          <p:cNvPr id="3" name="Text 1"/>
-          <p:cNvSpPr/>
-          <p:nvPr/>
-        </p:nvSpPr>
-        <p:spPr>
-          <a:xfrm>
-            <a:off x="793790" y="2603778"/>
+            <a:endParaRPr lang="es-419" sz="4450" noProof="0" dirty="0"/>
+          </a:p>
+        </p:txBody>
+      </p:sp>
+      <p:sp>
+        <p:nvSpPr>
+          <p:cNvPr id="4" name="Text 2"/>
+          <p:cNvSpPr/>
+          <p:nvPr/>
+        </p:nvSpPr>
+        <p:spPr>
+          <a:xfrm>
+            <a:off x="3680828" y="1217192"/>
             <a:ext cx="6244709" cy="725805"/>
           </a:xfrm>
           <a:prstGeom prst="rect">
@@ -5507,7 +4307,7 @@
               <a:buNone/>
             </a:pPr>
             <a:r>
-              <a:rPr lang="en-US" sz="1750" dirty="0">
+              <a:rPr lang="es-419" sz="1750" noProof="0" dirty="0">
                 <a:solidFill>
                   <a:srgbClr val="BFBFBF"/>
                 </a:solidFill>
@@ -5515,240 +4315,12 @@
                 <a:ea typeface="Open Sans" pitchFamily="34" charset="-122"/>
                 <a:cs typeface="Open Sans" pitchFamily="34" charset="-120"/>
               </a:rPr>
-              <a:t>Prototipo de pantallas y reportes diseñado para máxima usabilidad.</a:t>
-            </a:r>
-            <a:endParaRPr lang="en-US" sz="1750" dirty="0"/>
-          </a:p>
-        </p:txBody>
-      </p:sp>
-      <p:sp>
-        <p:nvSpPr>
-          <p:cNvPr id="4" name="Text 2"/>
-          <p:cNvSpPr/>
-          <p:nvPr/>
-        </p:nvSpPr>
-        <p:spPr>
-          <a:xfrm>
-            <a:off x="793790" y="3533656"/>
-            <a:ext cx="6244709" cy="725805"/>
-          </a:xfrm>
-          <a:prstGeom prst="rect">
-            <a:avLst/>
-          </a:prstGeom>
-          <a:noFill/>
-          <a:ln/>
-        </p:spPr>
-        <p:txBody>
-          <a:bodyPr wrap="square" lIns="0" tIns="0" rIns="0" bIns="0" rtlCol="0" anchor="t"/>
-          <a:lstStyle/>
-          <a:p>
-            <a:pPr marL="0" indent="0" algn="l">
-              <a:lnSpc>
-                <a:spcPts val="2850"/>
-              </a:lnSpc>
-              <a:buNone/>
-            </a:pPr>
-            <a:r>
-              <a:rPr lang="en-US" sz="1750" dirty="0">
-                <a:solidFill>
-                  <a:srgbClr val="BFBFBF"/>
-                </a:solidFill>
-                <a:latin typeface="Open Sans" pitchFamily="34" charset="0"/>
-                <a:ea typeface="Open Sans" pitchFamily="34" charset="-122"/>
-                <a:cs typeface="Open Sans" pitchFamily="34" charset="-120"/>
-              </a:rPr>
-              <a:t>Se emplean HTML, CSS y JavaScript con React o Vue.js para desarrollo flexible.</a:t>
-            </a:r>
-            <a:endParaRPr lang="en-US" sz="1750" dirty="0"/>
-          </a:p>
-        </p:txBody>
-      </p:sp>
-      <p:sp>
-        <p:nvSpPr>
-          <p:cNvPr id="5" name="Text 3"/>
-          <p:cNvSpPr/>
-          <p:nvPr/>
-        </p:nvSpPr>
-        <p:spPr>
-          <a:xfrm>
-            <a:off x="793790" y="4463534"/>
-            <a:ext cx="6244709" cy="725805"/>
-          </a:xfrm>
-          <a:prstGeom prst="rect">
-            <a:avLst/>
-          </a:prstGeom>
-          <a:noFill/>
-          <a:ln/>
-        </p:spPr>
-        <p:txBody>
-          <a:bodyPr wrap="square" lIns="0" tIns="0" rIns="0" bIns="0" rtlCol="0" anchor="t"/>
-          <a:lstStyle/>
-          <a:p>
-            <a:pPr marL="342900" indent="-342900" algn="l">
-              <a:lnSpc>
-                <a:spcPts val="2850"/>
-              </a:lnSpc>
-              <a:buSzPct val="100000"/>
-              <a:buChar char="•"/>
-            </a:pPr>
-            <a:r>
-              <a:rPr lang="en-US" sz="1750" b="1" dirty="0">
-                <a:solidFill>
-                  <a:srgbClr val="BFBFBF"/>
-                </a:solidFill>
-                <a:latin typeface="Open Sans" pitchFamily="34" charset="0"/>
-                <a:ea typeface="Open Sans" pitchFamily="34" charset="-122"/>
-                <a:cs typeface="Open Sans" pitchFamily="34" charset="-120"/>
-              </a:rPr>
-              <a:t>Responsive:</a:t>
-            </a:r>
-            <a:r>
-              <a:rPr lang="en-US" sz="1750" dirty="0">
-                <a:solidFill>
-                  <a:srgbClr val="BFBFBF"/>
-                </a:solidFill>
-                <a:latin typeface="Open Sans" pitchFamily="34" charset="0"/>
-                <a:ea typeface="Open Sans" pitchFamily="34" charset="-122"/>
-                <a:cs typeface="Open Sans" pitchFamily="34" charset="-120"/>
-              </a:rPr>
-              <a:t> Se adapta a móviles y navegadores web escalables.</a:t>
-            </a:r>
-            <a:endParaRPr lang="en-US" sz="1750" dirty="0"/>
-          </a:p>
-        </p:txBody>
-      </p:sp>
-      <p:sp>
-        <p:nvSpPr>
-          <p:cNvPr id="6" name="Text 4"/>
-          <p:cNvSpPr/>
-          <p:nvPr/>
-        </p:nvSpPr>
-        <p:spPr>
-          <a:xfrm>
-            <a:off x="793790" y="5268635"/>
-            <a:ext cx="6244709" cy="725805"/>
-          </a:xfrm>
-          <a:prstGeom prst="rect">
-            <a:avLst/>
-          </a:prstGeom>
-          <a:noFill/>
-          <a:ln/>
-        </p:spPr>
-        <p:txBody>
-          <a:bodyPr wrap="square" lIns="0" tIns="0" rIns="0" bIns="0" rtlCol="0" anchor="t"/>
-          <a:lstStyle/>
-          <a:p>
-            <a:pPr marL="342900" indent="-342900" algn="l">
-              <a:lnSpc>
-                <a:spcPts val="2850"/>
-              </a:lnSpc>
-              <a:buSzPct val="100000"/>
-              <a:buChar char="•"/>
-            </a:pPr>
-            <a:r>
-              <a:rPr lang="en-US" sz="1750" b="1" dirty="0">
-                <a:solidFill>
-                  <a:srgbClr val="BFBFBF"/>
-                </a:solidFill>
-                <a:latin typeface="Open Sans" pitchFamily="34" charset="0"/>
-                <a:ea typeface="Open Sans" pitchFamily="34" charset="-122"/>
-                <a:cs typeface="Open Sans" pitchFamily="34" charset="-120"/>
-              </a:rPr>
-              <a:t>Validación básica:</a:t>
-            </a:r>
-            <a:r>
-              <a:rPr lang="en-US" sz="1750" dirty="0">
-                <a:solidFill>
-                  <a:srgbClr val="BFBFBF"/>
-                </a:solidFill>
-                <a:latin typeface="Open Sans" pitchFamily="34" charset="0"/>
-                <a:ea typeface="Open Sans" pitchFamily="34" charset="-122"/>
-                <a:cs typeface="Open Sans" pitchFamily="34" charset="-120"/>
-              </a:rPr>
-              <a:t> Campos obligatorios para datos completos.</a:t>
-            </a:r>
-            <a:endParaRPr lang="en-US" sz="1750" dirty="0"/>
-          </a:p>
-        </p:txBody>
-      </p:sp>
-      <p:sp>
-        <p:nvSpPr>
-          <p:cNvPr id="7" name="Text 5"/>
-          <p:cNvSpPr/>
-          <p:nvPr/>
-        </p:nvSpPr>
-        <p:spPr>
-          <a:xfrm>
-            <a:off x="793790" y="6073735"/>
-            <a:ext cx="6244709" cy="725805"/>
-          </a:xfrm>
-          <a:prstGeom prst="rect">
-            <a:avLst/>
-          </a:prstGeom>
-          <a:noFill/>
-          <a:ln/>
-        </p:spPr>
-        <p:txBody>
-          <a:bodyPr wrap="square" lIns="0" tIns="0" rIns="0" bIns="0" rtlCol="0" anchor="t"/>
-          <a:lstStyle/>
-          <a:p>
-            <a:pPr marL="342900" indent="-342900" algn="l">
-              <a:lnSpc>
-                <a:spcPts val="2850"/>
-              </a:lnSpc>
-              <a:buSzPct val="100000"/>
-              <a:buChar char="•"/>
-            </a:pPr>
-            <a:r>
-              <a:rPr lang="en-US" sz="1750" b="1" dirty="0">
-                <a:solidFill>
-                  <a:srgbClr val="BFBFBF"/>
-                </a:solidFill>
-                <a:latin typeface="Open Sans" pitchFamily="34" charset="0"/>
-                <a:ea typeface="Open Sans" pitchFamily="34" charset="-122"/>
-                <a:cs typeface="Open Sans" pitchFamily="34" charset="-120"/>
-              </a:rPr>
-              <a:t>Flujo de usuario:</a:t>
-            </a:r>
-            <a:r>
-              <a:rPr lang="en-US" sz="1750" dirty="0">
-                <a:solidFill>
-                  <a:srgbClr val="BFBFBF"/>
-                </a:solidFill>
-                <a:latin typeface="Open Sans" pitchFamily="34" charset="0"/>
-                <a:ea typeface="Open Sans" pitchFamily="34" charset="-122"/>
-                <a:cs typeface="Open Sans" pitchFamily="34" charset="-120"/>
-              </a:rPr>
-              <a:t> Enlaces para recuperar contraseña y contacto admin.</a:t>
-            </a:r>
-            <a:endParaRPr lang="en-US" sz="1750" dirty="0"/>
-          </a:p>
-        </p:txBody>
-      </p:sp>
-      <p:pic>
-        <p:nvPicPr>
-          <p:cNvPr id="8" name="Image 0" descr="preencoded.png"/>
-          <p:cNvPicPr>
-            <a:picLocks noChangeAspect="1"/>
-          </p:cNvPicPr>
-          <p:nvPr/>
-        </p:nvPicPr>
-        <p:blipFill>
-          <a:blip r:embed="rId3"/>
-          <a:stretch>
-            <a:fillRect/>
-          </a:stretch>
-        </p:blipFill>
-        <p:spPr>
-          <a:xfrm>
-            <a:off x="7599521" y="2654856"/>
-            <a:ext cx="6244709" cy="3857149"/>
-          </a:xfrm>
-          <a:prstGeom prst="rect">
-            <a:avLst/>
-          </a:prstGeom>
-        </p:spPr>
-      </p:pic>
+              <a:t>Se emplean HTML, CSS y JavaScript para desarrollo flexible.</a:t>
+            </a:r>
+            <a:endParaRPr lang="es-419" sz="1750" noProof="0" dirty="0"/>
+          </a:p>
+        </p:txBody>
+      </p:sp>
       <p:pic>
         <p:nvPicPr>
           <p:cNvPr id="9" name="Picture 8">
@@ -5764,6 +4336,36 @@
           <p:nvPr/>
         </p:nvPicPr>
         <p:blipFill>
+          <a:blip r:embed="rId3"/>
+          <a:stretch>
+            <a:fillRect/>
+          </a:stretch>
+        </p:blipFill>
+        <p:spPr>
+          <a:xfrm>
+            <a:off x="12863245" y="7647811"/>
+            <a:ext cx="1664025" cy="516422"/>
+          </a:xfrm>
+          <a:prstGeom prst="rect">
+            <a:avLst/>
+          </a:prstGeom>
+        </p:spPr>
+      </p:pic>
+      <p:pic>
+        <p:nvPicPr>
+          <p:cNvPr id="11" name="Picture 10">
+            <a:extLst>
+              <a:ext uri="{FF2B5EF4-FFF2-40B4-BE49-F238E27FC236}">
+                <a16:creationId xmlns:a16="http://schemas.microsoft.com/office/drawing/2014/main" id="{D9F30594-7239-2212-8ABC-C3BDF23E6860}"/>
+              </a:ext>
+            </a:extLst>
+          </p:cNvPr>
+          <p:cNvPicPr>
+            <a:picLocks noChangeAspect="1"/>
+          </p:cNvPicPr>
+          <p:nvPr/>
+        </p:nvPicPr>
+        <p:blipFill>
           <a:blip r:embed="rId4"/>
           <a:stretch>
             <a:fillRect/>
@@ -5771,14 +4373,772 @@
         </p:blipFill>
         <p:spPr>
           <a:xfrm>
-            <a:off x="12863245" y="7647811"/>
-            <a:ext cx="1664025" cy="516422"/>
+            <a:off x="6447933" y="1910780"/>
+            <a:ext cx="7662329" cy="3686826"/>
           </a:xfrm>
           <a:prstGeom prst="rect">
             <a:avLst/>
           </a:prstGeom>
         </p:spPr>
       </p:pic>
+      <p:sp>
+        <p:nvSpPr>
+          <p:cNvPr id="3" name="Text 2"/>
+          <p:cNvSpPr/>
+          <p:nvPr/>
+        </p:nvSpPr>
+        <p:spPr>
+          <a:xfrm>
+            <a:off x="539266" y="1843144"/>
+            <a:ext cx="5428893" cy="3166137"/>
+          </a:xfrm>
+          <a:prstGeom prst="rect">
+            <a:avLst/>
+          </a:prstGeom>
+          <a:noFill/>
+          <a:ln/>
+        </p:spPr>
+        <p:txBody>
+          <a:bodyPr wrap="square" lIns="0" tIns="0" rIns="0" bIns="0" rtlCol="0" anchor="t"/>
+          <a:lstStyle/>
+          <a:p>
+            <a:pPr marL="342900" indent="-342900" algn="l">
+              <a:lnSpc>
+                <a:spcPts val="2850"/>
+              </a:lnSpc>
+              <a:buSzPct val="100000"/>
+              <a:buAutoNum type="arabicPeriod"/>
+            </a:pPr>
+            <a:r>
+              <a:rPr lang="en-US" sz="1750" dirty="0" err="1">
+                <a:solidFill>
+                  <a:srgbClr val="BFBFBF"/>
+                </a:solidFill>
+                <a:latin typeface="Open Sans" pitchFamily="34" charset="0"/>
+                <a:ea typeface="Open Sans" pitchFamily="34" charset="-122"/>
+                <a:cs typeface="Open Sans" pitchFamily="34" charset="-120"/>
+              </a:rPr>
+              <a:t>Busqueda</a:t>
+            </a:r>
+            <a:r>
+              <a:rPr lang="en-US" sz="1750" dirty="0">
+                <a:solidFill>
+                  <a:srgbClr val="BFBFBF"/>
+                </a:solidFill>
+                <a:latin typeface="Open Sans" pitchFamily="34" charset="0"/>
+                <a:ea typeface="Open Sans" pitchFamily="34" charset="-122"/>
+                <a:cs typeface="Open Sans" pitchFamily="34" charset="-120"/>
+              </a:rPr>
+              <a:t> rápida por ID de proyecto con filtro y botón </a:t>
+            </a:r>
+            <a:r>
+              <a:rPr lang="en-US" sz="1750" dirty="0" err="1">
+                <a:solidFill>
+                  <a:srgbClr val="BFBFBF"/>
+                </a:solidFill>
+                <a:latin typeface="Open Sans" pitchFamily="34" charset="0"/>
+                <a:ea typeface="Open Sans" pitchFamily="34" charset="-122"/>
+                <a:cs typeface="Open Sans" pitchFamily="34" charset="-120"/>
+              </a:rPr>
+              <a:t>interactivo</a:t>
+            </a:r>
+            <a:r>
+              <a:rPr lang="en-US" sz="1750" dirty="0">
+                <a:solidFill>
+                  <a:srgbClr val="BFBFBF"/>
+                </a:solidFill>
+                <a:latin typeface="Open Sans" pitchFamily="34" charset="0"/>
+                <a:ea typeface="Open Sans" pitchFamily="34" charset="-122"/>
+                <a:cs typeface="Open Sans" pitchFamily="34" charset="-120"/>
+              </a:rPr>
+              <a:t>.</a:t>
+            </a:r>
+          </a:p>
+          <a:p>
+            <a:pPr marL="342900" indent="-342900" algn="l">
+              <a:lnSpc>
+                <a:spcPts val="2850"/>
+              </a:lnSpc>
+              <a:buSzPct val="100000"/>
+              <a:buAutoNum type="arabicPeriod"/>
+            </a:pPr>
+            <a:r>
+              <a:rPr lang="en-US" sz="1750" dirty="0" err="1">
+                <a:solidFill>
+                  <a:srgbClr val="BFBFBF"/>
+                </a:solidFill>
+                <a:latin typeface="Open Sans" pitchFamily="34" charset="0"/>
+                <a:ea typeface="Open Sans" pitchFamily="34" charset="-122"/>
+                <a:cs typeface="Open Sans" pitchFamily="34" charset="-120"/>
+              </a:rPr>
+              <a:t>Boton</a:t>
+            </a:r>
+            <a:r>
+              <a:rPr lang="en-US" sz="1750" dirty="0">
+                <a:solidFill>
+                  <a:srgbClr val="BFBFBF"/>
+                </a:solidFill>
+                <a:latin typeface="Open Sans" pitchFamily="34" charset="0"/>
+                <a:ea typeface="Open Sans" pitchFamily="34" charset="-122"/>
+                <a:cs typeface="Open Sans" pitchFamily="34" charset="-120"/>
+              </a:rPr>
+              <a:t> </a:t>
+            </a:r>
+            <a:r>
+              <a:rPr lang="en-US" sz="1750" dirty="0" err="1">
+                <a:solidFill>
+                  <a:srgbClr val="BFBFBF"/>
+                </a:solidFill>
+                <a:latin typeface="Open Sans" pitchFamily="34" charset="0"/>
+                <a:ea typeface="Open Sans" pitchFamily="34" charset="-122"/>
+                <a:cs typeface="Open Sans" pitchFamily="34" charset="-120"/>
+              </a:rPr>
+              <a:t>destacado</a:t>
+            </a:r>
+            <a:r>
+              <a:rPr lang="en-US" sz="1750" dirty="0">
+                <a:solidFill>
+                  <a:srgbClr val="BFBFBF"/>
+                </a:solidFill>
+                <a:latin typeface="Open Sans" pitchFamily="34" charset="0"/>
+                <a:ea typeface="Open Sans" pitchFamily="34" charset="-122"/>
+                <a:cs typeface="Open Sans" pitchFamily="34" charset="-120"/>
+              </a:rPr>
+              <a:t> para </a:t>
+            </a:r>
+            <a:r>
+              <a:rPr lang="en-US" sz="1750" dirty="0" err="1">
+                <a:solidFill>
+                  <a:srgbClr val="BFBFBF"/>
+                </a:solidFill>
+                <a:latin typeface="Open Sans" pitchFamily="34" charset="0"/>
+                <a:ea typeface="Open Sans" pitchFamily="34" charset="-122"/>
+                <a:cs typeface="Open Sans" pitchFamily="34" charset="-120"/>
+              </a:rPr>
+              <a:t>agregar</a:t>
+            </a:r>
+            <a:r>
+              <a:rPr lang="en-US" sz="1750" dirty="0">
+                <a:solidFill>
+                  <a:srgbClr val="BFBFBF"/>
+                </a:solidFill>
+                <a:latin typeface="Open Sans" pitchFamily="34" charset="0"/>
+                <a:ea typeface="Open Sans" pitchFamily="34" charset="-122"/>
+                <a:cs typeface="Open Sans" pitchFamily="34" charset="-120"/>
+              </a:rPr>
+              <a:t> </a:t>
+            </a:r>
+            <a:r>
+              <a:rPr lang="en-US" sz="1750" dirty="0" err="1">
+                <a:solidFill>
+                  <a:srgbClr val="BFBFBF"/>
+                </a:solidFill>
+                <a:latin typeface="Open Sans" pitchFamily="34" charset="0"/>
+                <a:ea typeface="Open Sans" pitchFamily="34" charset="-122"/>
+                <a:cs typeface="Open Sans" pitchFamily="34" charset="-120"/>
+              </a:rPr>
+              <a:t>proyectos</a:t>
+            </a:r>
+            <a:r>
+              <a:rPr lang="en-US" sz="1750" dirty="0">
+                <a:solidFill>
+                  <a:srgbClr val="BFBFBF"/>
+                </a:solidFill>
+                <a:latin typeface="Open Sans" pitchFamily="34" charset="0"/>
+                <a:ea typeface="Open Sans" pitchFamily="34" charset="-122"/>
+                <a:cs typeface="Open Sans" pitchFamily="34" charset="-120"/>
+              </a:rPr>
+              <a:t> </a:t>
+            </a:r>
+            <a:r>
+              <a:rPr lang="en-US" sz="1750" dirty="0" err="1">
+                <a:solidFill>
+                  <a:srgbClr val="BFBFBF"/>
+                </a:solidFill>
+                <a:latin typeface="Open Sans" pitchFamily="34" charset="0"/>
+                <a:ea typeface="Open Sans" pitchFamily="34" charset="-122"/>
+                <a:cs typeface="Open Sans" pitchFamily="34" charset="-120"/>
+              </a:rPr>
+              <a:t>nuevos</a:t>
+            </a:r>
+            <a:r>
+              <a:rPr lang="en-US" sz="1750" dirty="0">
+                <a:solidFill>
+                  <a:srgbClr val="BFBFBF"/>
+                </a:solidFill>
+                <a:latin typeface="Open Sans" pitchFamily="34" charset="0"/>
+                <a:ea typeface="Open Sans" pitchFamily="34" charset="-122"/>
+                <a:cs typeface="Open Sans" pitchFamily="34" charset="-120"/>
+              </a:rPr>
+              <a:t>.</a:t>
+            </a:r>
+          </a:p>
+          <a:p>
+            <a:pPr marL="342900" indent="-342900" algn="l">
+              <a:lnSpc>
+                <a:spcPts val="2850"/>
+              </a:lnSpc>
+              <a:buSzPct val="100000"/>
+              <a:buAutoNum type="arabicPeriod"/>
+            </a:pPr>
+            <a:r>
+              <a:rPr lang="en-US" sz="1750" dirty="0" err="1">
+                <a:solidFill>
+                  <a:srgbClr val="BFBFBF"/>
+                </a:solidFill>
+                <a:latin typeface="Open Sans" pitchFamily="34" charset="0"/>
+                <a:ea typeface="Open Sans" pitchFamily="34" charset="-122"/>
+                <a:cs typeface="Open Sans" pitchFamily="34" charset="-120"/>
+              </a:rPr>
+              <a:t>Proyectos</a:t>
+            </a:r>
+            <a:r>
+              <a:rPr lang="en-US" sz="1750" dirty="0">
+                <a:solidFill>
+                  <a:srgbClr val="BFBFBF"/>
+                </a:solidFill>
+                <a:latin typeface="Open Sans" pitchFamily="34" charset="0"/>
+                <a:ea typeface="Open Sans" pitchFamily="34" charset="-122"/>
+                <a:cs typeface="Open Sans" pitchFamily="34" charset="-120"/>
+              </a:rPr>
+              <a:t> con sus </a:t>
+            </a:r>
+            <a:r>
+              <a:rPr lang="en-US" sz="1750" dirty="0" err="1">
+                <a:solidFill>
+                  <a:srgbClr val="BFBFBF"/>
+                </a:solidFill>
+                <a:latin typeface="Open Sans" pitchFamily="34" charset="0"/>
+                <a:ea typeface="Open Sans" pitchFamily="34" charset="-122"/>
+                <a:cs typeface="Open Sans" pitchFamily="34" charset="-120"/>
+              </a:rPr>
+              <a:t>respectivos</a:t>
+            </a:r>
+            <a:r>
+              <a:rPr lang="en-US" sz="1750" dirty="0">
+                <a:solidFill>
+                  <a:srgbClr val="BFBFBF"/>
+                </a:solidFill>
+                <a:latin typeface="Open Sans" pitchFamily="34" charset="0"/>
+                <a:ea typeface="Open Sans" pitchFamily="34" charset="-122"/>
+                <a:cs typeface="Open Sans" pitchFamily="34" charset="-120"/>
+              </a:rPr>
+              <a:t> ID, </a:t>
+            </a:r>
+            <a:r>
+              <a:rPr lang="en-US" sz="1750" dirty="0" err="1">
+                <a:solidFill>
+                  <a:srgbClr val="BFBFBF"/>
+                </a:solidFill>
+                <a:latin typeface="Open Sans" pitchFamily="34" charset="0"/>
+                <a:ea typeface="Open Sans" pitchFamily="34" charset="-122"/>
+                <a:cs typeface="Open Sans" pitchFamily="34" charset="-120"/>
+              </a:rPr>
+              <a:t>nombre</a:t>
+            </a:r>
+            <a:r>
+              <a:rPr lang="en-US" sz="1750" dirty="0">
+                <a:solidFill>
+                  <a:srgbClr val="BFBFBF"/>
+                </a:solidFill>
+                <a:latin typeface="Open Sans" pitchFamily="34" charset="0"/>
+                <a:ea typeface="Open Sans" pitchFamily="34" charset="-122"/>
+                <a:cs typeface="Open Sans" pitchFamily="34" charset="-120"/>
+              </a:rPr>
+              <a:t> y </a:t>
+            </a:r>
+            <a:r>
+              <a:rPr lang="en-US" sz="1750" dirty="0" err="1">
+                <a:solidFill>
+                  <a:srgbClr val="BFBFBF"/>
+                </a:solidFill>
+                <a:latin typeface="Open Sans" pitchFamily="34" charset="0"/>
+                <a:ea typeface="Open Sans" pitchFamily="34" charset="-122"/>
+                <a:cs typeface="Open Sans" pitchFamily="34" charset="-120"/>
+              </a:rPr>
+              <a:t>constructora</a:t>
+            </a:r>
+            <a:r>
+              <a:rPr lang="en-US" sz="1750" dirty="0">
+                <a:solidFill>
+                  <a:srgbClr val="BFBFBF"/>
+                </a:solidFill>
+                <a:latin typeface="Open Sans" pitchFamily="34" charset="0"/>
+                <a:ea typeface="Open Sans" pitchFamily="34" charset="-122"/>
+                <a:cs typeface="Open Sans" pitchFamily="34" charset="-120"/>
+              </a:rPr>
+              <a:t> responsible</a:t>
+            </a:r>
+          </a:p>
+          <a:p>
+            <a:pPr marL="342900" indent="-342900" algn="l">
+              <a:lnSpc>
+                <a:spcPts val="2850"/>
+              </a:lnSpc>
+              <a:buSzPct val="100000"/>
+              <a:buAutoNum type="arabicPeriod"/>
+            </a:pPr>
+            <a:r>
+              <a:rPr lang="en-US" sz="1750" dirty="0" err="1">
+                <a:solidFill>
+                  <a:srgbClr val="BFBFBF"/>
+                </a:solidFill>
+                <a:latin typeface="Open Sans" pitchFamily="34" charset="0"/>
+                <a:ea typeface="Open Sans" pitchFamily="34" charset="-122"/>
+                <a:cs typeface="Open Sans" pitchFamily="34" charset="-120"/>
+              </a:rPr>
+              <a:t>Funcionalidades</a:t>
+            </a:r>
+            <a:r>
+              <a:rPr lang="en-US" sz="1750" dirty="0">
+                <a:solidFill>
+                  <a:srgbClr val="BFBFBF"/>
+                </a:solidFill>
+                <a:latin typeface="Open Sans" pitchFamily="34" charset="0"/>
+                <a:ea typeface="Open Sans" pitchFamily="34" charset="-122"/>
+                <a:cs typeface="Open Sans" pitchFamily="34" charset="-120"/>
+              </a:rPr>
+              <a:t> para </a:t>
+            </a:r>
+            <a:r>
+              <a:rPr lang="en-US" sz="1750" dirty="0" err="1">
+                <a:solidFill>
+                  <a:srgbClr val="BFBFBF"/>
+                </a:solidFill>
+                <a:latin typeface="Open Sans" pitchFamily="34" charset="0"/>
+                <a:ea typeface="Open Sans" pitchFamily="34" charset="-122"/>
+                <a:cs typeface="Open Sans" pitchFamily="34" charset="-120"/>
+              </a:rPr>
+              <a:t>agregar</a:t>
+            </a:r>
+            <a:r>
+              <a:rPr lang="en-US" sz="1750" dirty="0">
+                <a:solidFill>
+                  <a:srgbClr val="BFBFBF"/>
+                </a:solidFill>
+                <a:latin typeface="Open Sans" pitchFamily="34" charset="0"/>
+                <a:ea typeface="Open Sans" pitchFamily="34" charset="-122"/>
+                <a:cs typeface="Open Sans" pitchFamily="34" charset="-120"/>
+              </a:rPr>
+              <a:t> components del Proyecto </a:t>
+            </a:r>
+            <a:r>
+              <a:rPr lang="en-US" sz="1750" dirty="0" err="1">
+                <a:solidFill>
+                  <a:srgbClr val="BFBFBF"/>
+                </a:solidFill>
+                <a:latin typeface="Open Sans" pitchFamily="34" charset="0"/>
+                <a:ea typeface="Open Sans" pitchFamily="34" charset="-122"/>
+                <a:cs typeface="Open Sans" pitchFamily="34" charset="-120"/>
+              </a:rPr>
+              <a:t>mediantes</a:t>
+            </a:r>
+            <a:r>
+              <a:rPr lang="en-US" sz="1750" dirty="0">
+                <a:solidFill>
+                  <a:srgbClr val="BFBFBF"/>
+                </a:solidFill>
+                <a:latin typeface="Open Sans" pitchFamily="34" charset="0"/>
+                <a:ea typeface="Open Sans" pitchFamily="34" charset="-122"/>
+                <a:cs typeface="Open Sans" pitchFamily="34" charset="-120"/>
+              </a:rPr>
+              <a:t> </a:t>
+            </a:r>
+            <a:r>
+              <a:rPr lang="en-US" sz="1750" dirty="0" err="1">
+                <a:solidFill>
+                  <a:srgbClr val="BFBFBF"/>
+                </a:solidFill>
+                <a:latin typeface="Open Sans" pitchFamily="34" charset="0"/>
+                <a:ea typeface="Open Sans" pitchFamily="34" charset="-122"/>
+                <a:cs typeface="Open Sans" pitchFamily="34" charset="-120"/>
+              </a:rPr>
+              <a:t>archivos</a:t>
+            </a:r>
+            <a:r>
+              <a:rPr lang="en-US" sz="1750" dirty="0">
+                <a:solidFill>
+                  <a:srgbClr val="BFBFBF"/>
+                </a:solidFill>
+                <a:latin typeface="Open Sans" pitchFamily="34" charset="0"/>
+                <a:ea typeface="Open Sans" pitchFamily="34" charset="-122"/>
+                <a:cs typeface="Open Sans" pitchFamily="34" charset="-120"/>
+              </a:rPr>
+              <a:t> excel. </a:t>
+            </a:r>
+          </a:p>
+          <a:p>
+            <a:pPr marL="342900" indent="-342900" algn="l">
+              <a:lnSpc>
+                <a:spcPts val="2850"/>
+              </a:lnSpc>
+              <a:buSzPct val="100000"/>
+              <a:buAutoNum type="arabicPeriod"/>
+            </a:pPr>
+            <a:r>
+              <a:rPr lang="en-US" sz="1750" dirty="0" err="1">
+                <a:solidFill>
+                  <a:srgbClr val="BFBFBF"/>
+                </a:solidFill>
+                <a:latin typeface="Open Sans" pitchFamily="34" charset="0"/>
+                <a:ea typeface="Open Sans" pitchFamily="34" charset="-122"/>
+                <a:cs typeface="Open Sans" pitchFamily="34" charset="-120"/>
+              </a:rPr>
+              <a:t>Muestra</a:t>
+            </a:r>
+            <a:r>
+              <a:rPr lang="en-US" sz="1750" dirty="0">
+                <a:solidFill>
+                  <a:srgbClr val="BFBFBF"/>
+                </a:solidFill>
+                <a:latin typeface="Open Sans" pitchFamily="34" charset="0"/>
+                <a:ea typeface="Open Sans" pitchFamily="34" charset="-122"/>
+                <a:cs typeface="Open Sans" pitchFamily="34" charset="-120"/>
+              </a:rPr>
+              <a:t> legible de </a:t>
+            </a:r>
+            <a:r>
+              <a:rPr lang="en-US" sz="1750" dirty="0" err="1">
+                <a:solidFill>
+                  <a:srgbClr val="BFBFBF"/>
+                </a:solidFill>
+                <a:latin typeface="Open Sans" pitchFamily="34" charset="0"/>
+                <a:ea typeface="Open Sans" pitchFamily="34" charset="-122"/>
+                <a:cs typeface="Open Sans" pitchFamily="34" charset="-120"/>
+              </a:rPr>
+              <a:t>componentes</a:t>
+            </a:r>
+            <a:r>
+              <a:rPr lang="en-US" sz="1750" dirty="0">
+                <a:solidFill>
+                  <a:srgbClr val="BFBFBF"/>
+                </a:solidFill>
+                <a:latin typeface="Open Sans" pitchFamily="34" charset="0"/>
+                <a:ea typeface="Open Sans" pitchFamily="34" charset="-122"/>
+                <a:cs typeface="Open Sans" pitchFamily="34" charset="-120"/>
+              </a:rPr>
+              <a:t> al </a:t>
+            </a:r>
+            <a:r>
+              <a:rPr lang="en-US" sz="1750" dirty="0" err="1">
+                <a:solidFill>
+                  <a:srgbClr val="BFBFBF"/>
+                </a:solidFill>
+                <a:latin typeface="Open Sans" pitchFamily="34" charset="0"/>
+                <a:ea typeface="Open Sans" pitchFamily="34" charset="-122"/>
+                <a:cs typeface="Open Sans" pitchFamily="34" charset="-120"/>
+              </a:rPr>
+              <a:t>usuario</a:t>
+            </a:r>
+            <a:r>
+              <a:rPr lang="en-US" sz="1750" dirty="0">
+                <a:solidFill>
+                  <a:srgbClr val="BFBFBF"/>
+                </a:solidFill>
+                <a:latin typeface="Open Sans" pitchFamily="34" charset="0"/>
+                <a:ea typeface="Open Sans" pitchFamily="34" charset="-122"/>
+                <a:cs typeface="Open Sans" pitchFamily="34" charset="-120"/>
+              </a:rPr>
+              <a:t> </a:t>
+            </a:r>
+            <a:endParaRPr lang="en-US" sz="1750" dirty="0"/>
+          </a:p>
+        </p:txBody>
+      </p:sp>
+      <p:pic>
+        <p:nvPicPr>
+          <p:cNvPr id="10" name="Imagen 9">
+            <a:extLst>
+              <a:ext uri="{FF2B5EF4-FFF2-40B4-BE49-F238E27FC236}">
+                <a16:creationId xmlns:a16="http://schemas.microsoft.com/office/drawing/2014/main" id="{3F2D6984-B122-E75F-5494-E687ADB9CC8D}"/>
+              </a:ext>
+            </a:extLst>
+          </p:cNvPr>
+          <p:cNvPicPr>
+            <a:picLocks noChangeAspect="1"/>
+          </p:cNvPicPr>
+          <p:nvPr/>
+        </p:nvPicPr>
+        <p:blipFill>
+          <a:blip r:embed="rId5"/>
+          <a:stretch>
+            <a:fillRect/>
+          </a:stretch>
+        </p:blipFill>
+        <p:spPr>
+          <a:xfrm>
+            <a:off x="4433359" y="4980225"/>
+            <a:ext cx="1407842" cy="2989354"/>
+          </a:xfrm>
+          <a:prstGeom prst="rect">
+            <a:avLst/>
+          </a:prstGeom>
+        </p:spPr>
+      </p:pic>
+      <p:pic>
+        <p:nvPicPr>
+          <p:cNvPr id="13" name="Imagen 12">
+            <a:extLst>
+              <a:ext uri="{FF2B5EF4-FFF2-40B4-BE49-F238E27FC236}">
+                <a16:creationId xmlns:a16="http://schemas.microsoft.com/office/drawing/2014/main" id="{5A121720-5B2A-2DC5-1E3C-31C33E59E668}"/>
+              </a:ext>
+            </a:extLst>
+          </p:cNvPr>
+          <p:cNvPicPr>
+            <a:picLocks noChangeAspect="1"/>
+          </p:cNvPicPr>
+          <p:nvPr/>
+        </p:nvPicPr>
+        <p:blipFill>
+          <a:blip r:embed="rId6"/>
+          <a:stretch>
+            <a:fillRect/>
+          </a:stretch>
+        </p:blipFill>
+        <p:spPr>
+          <a:xfrm>
+            <a:off x="6183927" y="6253145"/>
+            <a:ext cx="1848153" cy="1298571"/>
+          </a:xfrm>
+          <a:prstGeom prst="rect">
+            <a:avLst/>
+          </a:prstGeom>
+        </p:spPr>
+      </p:pic>
+      <p:pic>
+        <p:nvPicPr>
+          <p:cNvPr id="15" name="Imagen 14">
+            <a:extLst>
+              <a:ext uri="{FF2B5EF4-FFF2-40B4-BE49-F238E27FC236}">
+                <a16:creationId xmlns:a16="http://schemas.microsoft.com/office/drawing/2014/main" id="{005550E2-6F5E-BE71-E8A0-32B2468ABD7A}"/>
+              </a:ext>
+            </a:extLst>
+          </p:cNvPr>
+          <p:cNvPicPr>
+            <a:picLocks noChangeAspect="1"/>
+          </p:cNvPicPr>
+          <p:nvPr/>
+        </p:nvPicPr>
+        <p:blipFill>
+          <a:blip r:embed="rId7"/>
+          <a:stretch>
+            <a:fillRect/>
+          </a:stretch>
+        </p:blipFill>
+        <p:spPr>
+          <a:xfrm>
+            <a:off x="8355952" y="6230998"/>
+            <a:ext cx="1848153" cy="1381093"/>
+          </a:xfrm>
+          <a:prstGeom prst="rect">
+            <a:avLst/>
+          </a:prstGeom>
+        </p:spPr>
+      </p:pic>
+      <p:pic>
+        <p:nvPicPr>
+          <p:cNvPr id="17" name="Imagen 16">
+            <a:extLst>
+              <a:ext uri="{FF2B5EF4-FFF2-40B4-BE49-F238E27FC236}">
+                <a16:creationId xmlns:a16="http://schemas.microsoft.com/office/drawing/2014/main" id="{C52A3B9F-2A91-7958-E5D4-6F3457A9FE94}"/>
+              </a:ext>
+            </a:extLst>
+          </p:cNvPr>
+          <p:cNvPicPr>
+            <a:picLocks noChangeAspect="1"/>
+          </p:cNvPicPr>
+          <p:nvPr/>
+        </p:nvPicPr>
+        <p:blipFill>
+          <a:blip r:embed="rId8"/>
+          <a:stretch>
+            <a:fillRect/>
+          </a:stretch>
+        </p:blipFill>
+        <p:spPr>
+          <a:xfrm>
+            <a:off x="10617734" y="4697323"/>
+            <a:ext cx="2015051" cy="3337263"/>
+          </a:xfrm>
+          <a:prstGeom prst="rect">
+            <a:avLst/>
+          </a:prstGeom>
+        </p:spPr>
+      </p:pic>
+      <p:cxnSp>
+        <p:nvCxnSpPr>
+          <p:cNvPr id="19" name="Conector recto de flecha 18">
+            <a:extLst>
+              <a:ext uri="{FF2B5EF4-FFF2-40B4-BE49-F238E27FC236}">
+                <a16:creationId xmlns:a16="http://schemas.microsoft.com/office/drawing/2014/main" id="{49A852CB-874E-1562-B817-A353417F9CE1}"/>
+              </a:ext>
+            </a:extLst>
+          </p:cNvPr>
+          <p:cNvCxnSpPr/>
+          <p:nvPr/>
+        </p:nvCxnSpPr>
+        <p:spPr>
+          <a:xfrm flipH="1">
+            <a:off x="5850628" y="5121630"/>
+            <a:ext cx="757562" cy="0"/>
+          </a:xfrm>
+          <a:prstGeom prst="straightConnector1">
+            <a:avLst/>
+          </a:prstGeom>
+          <a:ln w="38100">
+            <a:solidFill>
+              <a:srgbClr val="FF0000"/>
+            </a:solidFill>
+            <a:tailEnd type="triangle"/>
+          </a:ln>
+        </p:spPr>
+        <p:style>
+          <a:lnRef idx="1">
+            <a:schemeClr val="accent1"/>
+          </a:lnRef>
+          <a:fillRef idx="0">
+            <a:schemeClr val="accent1"/>
+          </a:fillRef>
+          <a:effectRef idx="0">
+            <a:schemeClr val="accent1"/>
+          </a:effectRef>
+          <a:fontRef idx="minor">
+            <a:schemeClr val="tx1"/>
+          </a:fontRef>
+        </p:style>
+      </p:cxnSp>
+      <p:cxnSp>
+        <p:nvCxnSpPr>
+          <p:cNvPr id="20" name="Conector recto de flecha 19">
+            <a:extLst>
+              <a:ext uri="{FF2B5EF4-FFF2-40B4-BE49-F238E27FC236}">
+                <a16:creationId xmlns:a16="http://schemas.microsoft.com/office/drawing/2014/main" id="{AE6F2913-F06C-E7E5-DED2-2BC7BE64FECF}"/>
+              </a:ext>
+            </a:extLst>
+          </p:cNvPr>
+          <p:cNvCxnSpPr>
+            <a:cxnSpLocks/>
+          </p:cNvCxnSpPr>
+          <p:nvPr/>
+        </p:nvCxnSpPr>
+        <p:spPr>
+          <a:xfrm>
+            <a:off x="7070103" y="5213390"/>
+            <a:ext cx="0" cy="970473"/>
+          </a:xfrm>
+          <a:prstGeom prst="straightConnector1">
+            <a:avLst/>
+          </a:prstGeom>
+          <a:ln w="38100">
+            <a:solidFill>
+              <a:srgbClr val="FF0000"/>
+            </a:solidFill>
+            <a:tailEnd type="triangle"/>
+          </a:ln>
+        </p:spPr>
+        <p:style>
+          <a:lnRef idx="1">
+            <a:schemeClr val="accent1"/>
+          </a:lnRef>
+          <a:fillRef idx="0">
+            <a:schemeClr val="accent1"/>
+          </a:fillRef>
+          <a:effectRef idx="0">
+            <a:schemeClr val="accent1"/>
+          </a:effectRef>
+          <a:fontRef idx="minor">
+            <a:schemeClr val="tx1"/>
+          </a:fontRef>
+        </p:style>
+      </p:cxnSp>
+      <p:cxnSp>
+        <p:nvCxnSpPr>
+          <p:cNvPr id="23" name="Conector recto de flecha 22">
+            <a:extLst>
+              <a:ext uri="{FF2B5EF4-FFF2-40B4-BE49-F238E27FC236}">
+                <a16:creationId xmlns:a16="http://schemas.microsoft.com/office/drawing/2014/main" id="{C6040EE5-19DB-17FA-C152-AFDF7CEED557}"/>
+              </a:ext>
+            </a:extLst>
+          </p:cNvPr>
+          <p:cNvCxnSpPr>
+            <a:cxnSpLocks/>
+          </p:cNvCxnSpPr>
+          <p:nvPr/>
+        </p:nvCxnSpPr>
+        <p:spPr>
+          <a:xfrm>
+            <a:off x="9626338" y="5213390"/>
+            <a:ext cx="0" cy="970473"/>
+          </a:xfrm>
+          <a:prstGeom prst="straightConnector1">
+            <a:avLst/>
+          </a:prstGeom>
+          <a:ln w="38100">
+            <a:solidFill>
+              <a:srgbClr val="FF0000"/>
+            </a:solidFill>
+            <a:tailEnd type="triangle"/>
+          </a:ln>
+        </p:spPr>
+        <p:style>
+          <a:lnRef idx="1">
+            <a:schemeClr val="accent1"/>
+          </a:lnRef>
+          <a:fillRef idx="0">
+            <a:schemeClr val="accent1"/>
+          </a:fillRef>
+          <a:effectRef idx="0">
+            <a:schemeClr val="accent1"/>
+          </a:effectRef>
+          <a:fontRef idx="minor">
+            <a:schemeClr val="tx1"/>
+          </a:fontRef>
+        </p:style>
+      </p:cxnSp>
+      <p:cxnSp>
+        <p:nvCxnSpPr>
+          <p:cNvPr id="24" name="Conector recto de flecha 23">
+            <a:extLst>
+              <a:ext uri="{FF2B5EF4-FFF2-40B4-BE49-F238E27FC236}">
+                <a16:creationId xmlns:a16="http://schemas.microsoft.com/office/drawing/2014/main" id="{B00B8D6D-C42B-7DF1-C41A-39C932215C87}"/>
+              </a:ext>
+            </a:extLst>
+          </p:cNvPr>
+          <p:cNvCxnSpPr>
+            <a:cxnSpLocks/>
+          </p:cNvCxnSpPr>
+          <p:nvPr/>
+        </p:nvCxnSpPr>
+        <p:spPr>
+          <a:xfrm>
+            <a:off x="9484049" y="6886014"/>
+            <a:ext cx="1083399" cy="0"/>
+          </a:xfrm>
+          <a:prstGeom prst="straightConnector1">
+            <a:avLst/>
+          </a:prstGeom>
+          <a:ln w="38100">
+            <a:solidFill>
+              <a:srgbClr val="FF0000"/>
+            </a:solidFill>
+            <a:tailEnd type="triangle"/>
+          </a:ln>
+        </p:spPr>
+        <p:style>
+          <a:lnRef idx="1">
+            <a:schemeClr val="accent1"/>
+          </a:lnRef>
+          <a:fillRef idx="0">
+            <a:schemeClr val="accent1"/>
+          </a:fillRef>
+          <a:effectRef idx="0">
+            <a:schemeClr val="accent1"/>
+          </a:effectRef>
+          <a:fontRef idx="minor">
+            <a:schemeClr val="tx1"/>
+          </a:fontRef>
+        </p:style>
+      </p:cxnSp>
     </p:spTree>
   </p:cSld>
   <p:clrMapOvr>
@@ -5787,373 +5147,7 @@
 </p:sld>
 </file>
 
-<file path=ppt/slides/slide12.xml><?xml version="1.0" encoding="utf-8"?>
-<p:sld xmlns:a="http://schemas.openxmlformats.org/drawingml/2006/main" xmlns:r="http://schemas.openxmlformats.org/officeDocument/2006/relationships" xmlns:p="http://schemas.openxmlformats.org/presentationml/2006/main">
-  <p:cSld name="Slide 11">
-    <p:spTree>
-      <p:nvGrpSpPr>
-        <p:cNvPr id="1" name=""/>
-        <p:cNvGrpSpPr/>
-        <p:nvPr/>
-      </p:nvGrpSpPr>
-      <p:grpSpPr>
-        <a:xfrm>
-          <a:off x="0" y="0"/>
-          <a:ext cx="0" cy="0"/>
-          <a:chOff x="0" y="0"/>
-          <a:chExt cx="0" cy="0"/>
-        </a:xfrm>
-      </p:grpSpPr>
-      <p:sp>
-        <p:nvSpPr>
-          <p:cNvPr id="2" name="Text 0"/>
-          <p:cNvSpPr/>
-          <p:nvPr/>
-        </p:nvSpPr>
-        <p:spPr>
-          <a:xfrm>
-            <a:off x="793790" y="934045"/>
-            <a:ext cx="13042821" cy="1417558"/>
-          </a:xfrm>
-          <a:prstGeom prst="rect">
-            <a:avLst/>
-          </a:prstGeom>
-          <a:noFill/>
-          <a:ln/>
-        </p:spPr>
-        <p:txBody>
-          <a:bodyPr wrap="square" lIns="0" tIns="0" rIns="0" bIns="0" rtlCol="0" anchor="t"/>
-          <a:lstStyle/>
-          <a:p>
-            <a:pPr marL="0" indent="0" algn="l">
-              <a:lnSpc>
-                <a:spcPts val="5550"/>
-              </a:lnSpc>
-              <a:buNone/>
-            </a:pPr>
-            <a:r>
-              <a:rPr lang="en-US" sz="4450" dirty="0">
-                <a:solidFill>
-                  <a:srgbClr val="FEFEFE"/>
-                </a:solidFill>
-                <a:latin typeface="Instrument Sans Medium" pitchFamily="34" charset="0"/>
-                <a:ea typeface="Instrument Sans Medium" pitchFamily="34" charset="-122"/>
-                <a:cs typeface="Instrument Sans Medium" pitchFamily="34" charset="-120"/>
-              </a:rPr>
-              <a:t>Gestión de Despachos: Registro y Seguimiento en Tiempo Real</a:t>
-            </a:r>
-            <a:endParaRPr lang="en-US" sz="4450" dirty="0"/>
-          </a:p>
-        </p:txBody>
-      </p:sp>
-      <p:sp>
-        <p:nvSpPr>
-          <p:cNvPr id="3" name="Text 1"/>
-          <p:cNvSpPr/>
-          <p:nvPr/>
-        </p:nvSpPr>
-        <p:spPr>
-          <a:xfrm>
-            <a:off x="793790" y="2918579"/>
-            <a:ext cx="2835235" cy="354330"/>
-          </a:xfrm>
-          <a:prstGeom prst="rect">
-            <a:avLst/>
-          </a:prstGeom>
-          <a:noFill/>
-          <a:ln/>
-        </p:spPr>
-        <p:txBody>
-          <a:bodyPr wrap="none" lIns="0" tIns="0" rIns="0" bIns="0" rtlCol="0" anchor="t"/>
-          <a:lstStyle/>
-          <a:p>
-            <a:pPr marL="0" indent="0" algn="l">
-              <a:lnSpc>
-                <a:spcPts val="2750"/>
-              </a:lnSpc>
-              <a:buNone/>
-            </a:pPr>
-            <a:r>
-              <a:rPr lang="en-US" sz="2200" dirty="0">
-                <a:solidFill>
-                  <a:srgbClr val="FEFEFE"/>
-                </a:solidFill>
-                <a:latin typeface="Instrument Sans Medium" pitchFamily="34" charset="0"/>
-                <a:ea typeface="Instrument Sans Medium" pitchFamily="34" charset="-122"/>
-                <a:cs typeface="Instrument Sans Medium" pitchFamily="34" charset="-120"/>
-              </a:rPr>
-              <a:t>Características Clave</a:t>
-            </a:r>
-            <a:endParaRPr lang="en-US" sz="2200" dirty="0"/>
-          </a:p>
-        </p:txBody>
-      </p:sp>
-      <p:sp>
-        <p:nvSpPr>
-          <p:cNvPr id="4" name="Text 2"/>
-          <p:cNvSpPr/>
-          <p:nvPr/>
-        </p:nvSpPr>
-        <p:spPr>
-          <a:xfrm>
-            <a:off x="793790" y="3499723"/>
-            <a:ext cx="5428893" cy="725805"/>
-          </a:xfrm>
-          <a:prstGeom prst="rect">
-            <a:avLst/>
-          </a:prstGeom>
-          <a:noFill/>
-          <a:ln/>
-        </p:spPr>
-        <p:txBody>
-          <a:bodyPr wrap="square" lIns="0" tIns="0" rIns="0" bIns="0" rtlCol="0" anchor="t"/>
-          <a:lstStyle/>
-          <a:p>
-            <a:pPr marL="342900" indent="-342900" algn="l">
-              <a:lnSpc>
-                <a:spcPts val="2850"/>
-              </a:lnSpc>
-              <a:buSzPct val="100000"/>
-              <a:buChar char="•"/>
-            </a:pPr>
-            <a:r>
-              <a:rPr lang="en-US" sz="1750" dirty="0">
-                <a:solidFill>
-                  <a:srgbClr val="BFBFBF"/>
-                </a:solidFill>
-                <a:latin typeface="Open Sans" pitchFamily="34" charset="0"/>
-                <a:ea typeface="Open Sans" pitchFamily="34" charset="-122"/>
-                <a:cs typeface="Open Sans" pitchFamily="34" charset="-120"/>
-              </a:rPr>
-              <a:t>Búsqueda rápida por ID de proyecto con filtro y botón interactivo.</a:t>
-            </a:r>
-            <a:endParaRPr lang="en-US" sz="1750" dirty="0"/>
-          </a:p>
-        </p:txBody>
-      </p:sp>
-      <p:sp>
-        <p:nvSpPr>
-          <p:cNvPr id="5" name="Text 3"/>
-          <p:cNvSpPr/>
-          <p:nvPr/>
-        </p:nvSpPr>
-        <p:spPr>
-          <a:xfrm>
-            <a:off x="793790" y="4304824"/>
-            <a:ext cx="5428893" cy="725805"/>
-          </a:xfrm>
-          <a:prstGeom prst="rect">
-            <a:avLst/>
-          </a:prstGeom>
-          <a:noFill/>
-          <a:ln/>
-        </p:spPr>
-        <p:txBody>
-          <a:bodyPr wrap="square" lIns="0" tIns="0" rIns="0" bIns="0" rtlCol="0" anchor="t"/>
-          <a:lstStyle/>
-          <a:p>
-            <a:pPr marL="342900" indent="-342900" algn="l">
-              <a:lnSpc>
-                <a:spcPts val="2850"/>
-              </a:lnSpc>
-              <a:buSzPct val="100000"/>
-              <a:buChar char="•"/>
-            </a:pPr>
-            <a:r>
-              <a:rPr lang="en-US" sz="1750" dirty="0">
-                <a:solidFill>
-                  <a:srgbClr val="BFBFBF"/>
-                </a:solidFill>
-                <a:latin typeface="Open Sans" pitchFamily="34" charset="0"/>
-                <a:ea typeface="Open Sans" pitchFamily="34" charset="-122"/>
-                <a:cs typeface="Open Sans" pitchFamily="34" charset="-120"/>
-              </a:rPr>
-              <a:t>Tarjeta clara con ID destacado, nombre y constructora.</a:t>
-            </a:r>
-            <a:endParaRPr lang="en-US" sz="1750" dirty="0"/>
-          </a:p>
-        </p:txBody>
-      </p:sp>
-      <p:sp>
-        <p:nvSpPr>
-          <p:cNvPr id="6" name="Text 4"/>
-          <p:cNvSpPr/>
-          <p:nvPr/>
-        </p:nvSpPr>
-        <p:spPr>
-          <a:xfrm>
-            <a:off x="793790" y="5109924"/>
-            <a:ext cx="5428893" cy="725805"/>
-          </a:xfrm>
-          <a:prstGeom prst="rect">
-            <a:avLst/>
-          </a:prstGeom>
-          <a:noFill/>
-          <a:ln/>
-        </p:spPr>
-        <p:txBody>
-          <a:bodyPr wrap="square" lIns="0" tIns="0" rIns="0" bIns="0" rtlCol="0" anchor="t"/>
-          <a:lstStyle/>
-          <a:p>
-            <a:pPr marL="342900" indent="-342900" algn="l">
-              <a:lnSpc>
-                <a:spcPts val="2850"/>
-              </a:lnSpc>
-              <a:buSzPct val="100000"/>
-              <a:buChar char="•"/>
-            </a:pPr>
-            <a:r>
-              <a:rPr lang="en-US" sz="1750" dirty="0">
-                <a:solidFill>
-                  <a:srgbClr val="BFBFBF"/>
-                </a:solidFill>
-                <a:latin typeface="Open Sans" pitchFamily="34" charset="0"/>
-                <a:ea typeface="Open Sans" pitchFamily="34" charset="-122"/>
-                <a:cs typeface="Open Sans" pitchFamily="34" charset="-120"/>
-              </a:rPr>
-              <a:t>Secciones visuales para componentes, envíos y pendientes.</a:t>
-            </a:r>
-            <a:endParaRPr lang="en-US" sz="1750" dirty="0"/>
-          </a:p>
-        </p:txBody>
-      </p:sp>
-      <p:sp>
-        <p:nvSpPr>
-          <p:cNvPr id="7" name="Text 5"/>
-          <p:cNvSpPr/>
-          <p:nvPr/>
-        </p:nvSpPr>
-        <p:spPr>
-          <a:xfrm>
-            <a:off x="793790" y="5915025"/>
-            <a:ext cx="5428893" cy="725805"/>
-          </a:xfrm>
-          <a:prstGeom prst="rect">
-            <a:avLst/>
-          </a:prstGeom>
-          <a:noFill/>
-          <a:ln/>
-        </p:spPr>
-        <p:txBody>
-          <a:bodyPr wrap="square" lIns="0" tIns="0" rIns="0" bIns="0" rtlCol="0" anchor="t"/>
-          <a:lstStyle/>
-          <a:p>
-            <a:pPr marL="342900" indent="-342900" algn="l">
-              <a:lnSpc>
-                <a:spcPts val="2850"/>
-              </a:lnSpc>
-              <a:buSzPct val="100000"/>
-              <a:buChar char="•"/>
-            </a:pPr>
-            <a:r>
-              <a:rPr lang="en-US" sz="1750" dirty="0">
-                <a:solidFill>
-                  <a:srgbClr val="BFBFBF"/>
-                </a:solidFill>
-                <a:latin typeface="Open Sans" pitchFamily="34" charset="0"/>
-                <a:ea typeface="Open Sans" pitchFamily="34" charset="-122"/>
-                <a:cs typeface="Open Sans" pitchFamily="34" charset="-120"/>
-              </a:rPr>
-              <a:t>Diseño adaptable: tres columnas en escritorio, una en móvil.</a:t>
-            </a:r>
-            <a:endParaRPr lang="en-US" sz="1750" dirty="0"/>
-          </a:p>
-        </p:txBody>
-      </p:sp>
-      <p:pic>
-        <p:nvPicPr>
-          <p:cNvPr id="8" name="Image 0" descr="preencoded.png"/>
-          <p:cNvPicPr>
-            <a:picLocks noChangeAspect="1"/>
-          </p:cNvPicPr>
-          <p:nvPr/>
-        </p:nvPicPr>
-        <p:blipFill>
-          <a:blip r:embed="rId3"/>
-          <a:stretch>
-            <a:fillRect/>
-          </a:stretch>
-        </p:blipFill>
-        <p:spPr>
-          <a:xfrm>
-            <a:off x="7230547" y="2906911"/>
-            <a:ext cx="6166723" cy="3402330"/>
-          </a:xfrm>
-          <a:prstGeom prst="rect">
-            <a:avLst/>
-          </a:prstGeom>
-        </p:spPr>
-      </p:pic>
-      <p:sp>
-        <p:nvSpPr>
-          <p:cNvPr id="9" name="Text 6"/>
-          <p:cNvSpPr/>
-          <p:nvPr/>
-        </p:nvSpPr>
-        <p:spPr>
-          <a:xfrm>
-            <a:off x="6783705" y="6728460"/>
-            <a:ext cx="7060406" cy="362903"/>
-          </a:xfrm>
-          <a:prstGeom prst="rect">
-            <a:avLst/>
-          </a:prstGeom>
-          <a:noFill/>
-          <a:ln/>
-        </p:spPr>
-        <p:txBody>
-          <a:bodyPr wrap="none" lIns="0" tIns="0" rIns="0" bIns="0" rtlCol="0" anchor="t"/>
-          <a:lstStyle/>
-          <a:p>
-            <a:pPr marL="0" indent="0" algn="l">
-              <a:lnSpc>
-                <a:spcPts val="2850"/>
-              </a:lnSpc>
-              <a:buNone/>
-            </a:pPr>
-            <a:endParaRPr lang="en-US" sz="1750" dirty="0"/>
-          </a:p>
-        </p:txBody>
-      </p:sp>
-      <p:pic>
-        <p:nvPicPr>
-          <p:cNvPr id="10" name="Picture 9">
-            <a:extLst>
-              <a:ext uri="{FF2B5EF4-FFF2-40B4-BE49-F238E27FC236}">
-                <a16:creationId xmlns:a16="http://schemas.microsoft.com/office/drawing/2014/main" id="{59337059-91D1-56E0-0807-976DB64219AC}"/>
-              </a:ext>
-            </a:extLst>
-          </p:cNvPr>
-          <p:cNvPicPr>
-            <a:picLocks noChangeAspect="1"/>
-          </p:cNvPicPr>
-          <p:nvPr/>
-        </p:nvPicPr>
-        <p:blipFill>
-          <a:blip r:embed="rId4"/>
-          <a:stretch>
-            <a:fillRect/>
-          </a:stretch>
-        </p:blipFill>
-        <p:spPr>
-          <a:xfrm>
-            <a:off x="12863245" y="7647811"/>
-            <a:ext cx="1664025" cy="516422"/>
-          </a:xfrm>
-          <a:prstGeom prst="rect">
-            <a:avLst/>
-          </a:prstGeom>
-        </p:spPr>
-      </p:pic>
-    </p:spTree>
-  </p:cSld>
-  <p:clrMapOvr>
-    <a:masterClrMapping/>
-  </p:clrMapOvr>
-</p:sld>
-</file>
-
-<file path=ppt/slides/slide13.xml><?xml version="1.0" encoding="utf-8"?>
+<file path=ppt/slides/slide11.xml><?xml version="1.0" encoding="utf-8"?>
 <p:sld xmlns:a="http://schemas.openxmlformats.org/drawingml/2006/main" xmlns:r="http://schemas.openxmlformats.org/officeDocument/2006/relationships" xmlns:p="http://schemas.openxmlformats.org/presentationml/2006/main">
   <p:cSld name="Slide 12">
     <p:spTree>
@@ -6347,7 +5341,7 @@
 </p:sld>
 </file>
 
-<file path=ppt/slides/slide14.xml><?xml version="1.0" encoding="utf-8"?>
+<file path=ppt/slides/slide12.xml><?xml version="1.0" encoding="utf-8"?>
 <p:sld xmlns:a="http://schemas.openxmlformats.org/drawingml/2006/main" xmlns:r="http://schemas.openxmlformats.org/officeDocument/2006/relationships" xmlns:p="http://schemas.openxmlformats.org/presentationml/2006/main">
   <p:cSld name="Slide 13">
     <p:spTree>
@@ -6510,7 +5504,7 @@
 </p:sld>
 </file>
 
-<file path=ppt/slides/slide15.xml><?xml version="1.0" encoding="utf-8"?>
+<file path=ppt/slides/slide13.xml><?xml version="1.0" encoding="utf-8"?>
 <p:sld xmlns:a="http://schemas.openxmlformats.org/drawingml/2006/main" xmlns:r="http://schemas.openxmlformats.org/officeDocument/2006/relationships" xmlns:p="http://schemas.openxmlformats.org/presentationml/2006/main">
   <p:cSld name="Slide 14">
     <p:spTree>
@@ -6832,7 +5826,7 @@
 </p:sld>
 </file>
 
-<file path=ppt/slides/slide16.xml><?xml version="1.0" encoding="utf-8"?>
+<file path=ppt/slides/slide14.xml><?xml version="1.0" encoding="utf-8"?>
 <p:sld xmlns:a="http://schemas.openxmlformats.org/drawingml/2006/main" xmlns:r="http://schemas.openxmlformats.org/officeDocument/2006/relationships" xmlns:p="http://schemas.openxmlformats.org/presentationml/2006/main">
   <p:cSld name="Slide 15">
     <p:spTree>
@@ -7231,6 +6225,1604 @@
         </p:nvPicPr>
         <p:blipFill>
           <a:blip r:embed="rId6"/>
+          <a:stretch>
+            <a:fillRect/>
+          </a:stretch>
+        </p:blipFill>
+        <p:spPr>
+          <a:xfrm>
+            <a:off x="12863245" y="7647811"/>
+            <a:ext cx="1664025" cy="516422"/>
+          </a:xfrm>
+          <a:prstGeom prst="rect">
+            <a:avLst/>
+          </a:prstGeom>
+        </p:spPr>
+      </p:pic>
+    </p:spTree>
+  </p:cSld>
+  <p:clrMapOvr>
+    <a:masterClrMapping/>
+  </p:clrMapOvr>
+</p:sld>
+</file>
+
+<file path=ppt/slides/slide15.xml><?xml version="1.0" encoding="utf-8"?>
+<p:sld xmlns:a="http://schemas.openxmlformats.org/drawingml/2006/main" xmlns:r="http://schemas.openxmlformats.org/officeDocument/2006/relationships" xmlns:p="http://schemas.openxmlformats.org/presentationml/2006/main">
+  <p:cSld>
+    <p:spTree>
+      <p:nvGrpSpPr>
+        <p:cNvPr id="1" name=""/>
+        <p:cNvGrpSpPr/>
+        <p:nvPr/>
+      </p:nvGrpSpPr>
+      <p:grpSpPr>
+        <a:xfrm>
+          <a:off x="0" y="0"/>
+          <a:ext cx="0" cy="0"/>
+          <a:chOff x="0" y="0"/>
+          <a:chExt cx="0" cy="0"/>
+        </a:xfrm>
+      </p:grpSpPr>
+      <p:sp>
+        <p:nvSpPr>
+          <p:cNvPr id="2" name="Text 0"/>
+          <p:cNvSpPr/>
+          <p:nvPr/>
+        </p:nvSpPr>
+        <p:spPr>
+          <a:xfrm>
+            <a:off x="793790" y="990719"/>
+            <a:ext cx="5670590" cy="708779"/>
+          </a:xfrm>
+          <a:prstGeom prst="rect">
+            <a:avLst/>
+          </a:prstGeom>
+          <a:noFill/>
+          <a:ln/>
+        </p:spPr>
+        <p:txBody>
+          <a:bodyPr wrap="none" lIns="0" tIns="0" rIns="0" bIns="0" rtlCol="0" anchor="t"/>
+          <a:lstStyle/>
+          <a:p>
+            <a:pPr marL="0" indent="0" algn="l">
+              <a:lnSpc>
+                <a:spcPts val="5550"/>
+              </a:lnSpc>
+              <a:buNone/>
+            </a:pPr>
+            <a:r>
+              <a:rPr lang="en-US" sz="4450" dirty="0">
+                <a:solidFill>
+                  <a:srgbClr val="FEFEFE"/>
+                </a:solidFill>
+                <a:latin typeface="Instrument Sans Medium" pitchFamily="34" charset="0"/>
+                <a:ea typeface="Instrument Sans Medium" pitchFamily="34" charset="-122"/>
+                <a:cs typeface="Instrument Sans Medium" pitchFamily="34" charset="-120"/>
+              </a:rPr>
+              <a:t>Conclusiones </a:t>
+            </a:r>
+            <a:endParaRPr lang="en-US" sz="4450" dirty="0"/>
+          </a:p>
+        </p:txBody>
+      </p:sp>
+      <p:sp>
+        <p:nvSpPr>
+          <p:cNvPr id="3" name="Shape 1"/>
+          <p:cNvSpPr/>
+          <p:nvPr/>
+        </p:nvSpPr>
+        <p:spPr>
+          <a:xfrm>
+            <a:off x="1048941" y="2153126"/>
+            <a:ext cx="30480" cy="5085636"/>
+          </a:xfrm>
+          <a:prstGeom prst="roundRect">
+            <a:avLst>
+              <a:gd name="adj" fmla="val 111628"/>
+            </a:avLst>
+          </a:prstGeom>
+          <a:solidFill>
+            <a:srgbClr val="575757"/>
+          </a:solidFill>
+          <a:ln/>
+        </p:spPr>
+      </p:sp>
+      <p:sp>
+        <p:nvSpPr>
+          <p:cNvPr id="4" name="Shape 2"/>
+          <p:cNvSpPr/>
+          <p:nvPr/>
+        </p:nvSpPr>
+        <p:spPr>
+          <a:xfrm>
+            <a:off x="1273612" y="2393037"/>
+            <a:ext cx="680442" cy="30480"/>
+          </a:xfrm>
+          <a:prstGeom prst="roundRect">
+            <a:avLst>
+              <a:gd name="adj" fmla="val 111628"/>
+            </a:avLst>
+          </a:prstGeom>
+          <a:solidFill>
+            <a:srgbClr val="575757"/>
+          </a:solidFill>
+          <a:ln/>
+        </p:spPr>
+      </p:sp>
+      <p:sp>
+        <p:nvSpPr>
+          <p:cNvPr id="5" name="Shape 3"/>
+          <p:cNvSpPr/>
+          <p:nvPr/>
+        </p:nvSpPr>
+        <p:spPr>
+          <a:xfrm>
+            <a:off x="793790" y="2153126"/>
+            <a:ext cx="510302" cy="510302"/>
+          </a:xfrm>
+          <a:prstGeom prst="roundRect">
+            <a:avLst>
+              <a:gd name="adj" fmla="val 6667"/>
+            </a:avLst>
+          </a:prstGeom>
+          <a:solidFill>
+            <a:srgbClr val="3E3E3E"/>
+          </a:solidFill>
+          <a:ln/>
+        </p:spPr>
+      </p:sp>
+      <p:sp>
+        <p:nvSpPr>
+          <p:cNvPr id="6" name="Text 4"/>
+          <p:cNvSpPr/>
+          <p:nvPr/>
+        </p:nvSpPr>
+        <p:spPr>
+          <a:xfrm>
+            <a:off x="878860" y="2195632"/>
+            <a:ext cx="340162" cy="425291"/>
+          </a:xfrm>
+          <a:prstGeom prst="rect">
+            <a:avLst/>
+          </a:prstGeom>
+          <a:noFill/>
+          <a:ln/>
+        </p:spPr>
+        <p:txBody>
+          <a:bodyPr wrap="none" lIns="0" tIns="0" rIns="0" bIns="0" rtlCol="0" anchor="t"/>
+          <a:lstStyle/>
+          <a:p>
+            <a:pPr marL="0" indent="0" algn="ctr">
+              <a:lnSpc>
+                <a:spcPts val="2650"/>
+              </a:lnSpc>
+              <a:buNone/>
+            </a:pPr>
+            <a:r>
+              <a:rPr lang="en-US" sz="2650" dirty="0">
+                <a:solidFill>
+                  <a:srgbClr val="BFBFBF"/>
+                </a:solidFill>
+                <a:latin typeface="Instrument Sans Medium" pitchFamily="34" charset="0"/>
+                <a:ea typeface="Instrument Sans Medium" pitchFamily="34" charset="-122"/>
+                <a:cs typeface="Instrument Sans Medium" pitchFamily="34" charset="-120"/>
+              </a:rPr>
+              <a:t>1</a:t>
+            </a:r>
+            <a:endParaRPr lang="en-US" sz="2650" dirty="0"/>
+          </a:p>
+        </p:txBody>
+      </p:sp>
+      <p:sp>
+        <p:nvSpPr>
+          <p:cNvPr id="7" name="Text 5"/>
+          <p:cNvSpPr/>
+          <p:nvPr/>
+        </p:nvSpPr>
+        <p:spPr>
+          <a:xfrm>
+            <a:off x="2183011" y="2230993"/>
+            <a:ext cx="2835235" cy="354330"/>
+          </a:xfrm>
+          <a:prstGeom prst="rect">
+            <a:avLst/>
+          </a:prstGeom>
+          <a:noFill/>
+          <a:ln/>
+        </p:spPr>
+        <p:txBody>
+          <a:bodyPr wrap="none" lIns="0" tIns="0" rIns="0" bIns="0" rtlCol="0" anchor="t"/>
+          <a:lstStyle/>
+          <a:p>
+            <a:pPr marL="0" indent="0" algn="l">
+              <a:lnSpc>
+                <a:spcPts val="2750"/>
+              </a:lnSpc>
+              <a:buNone/>
+            </a:pPr>
+            <a:r>
+              <a:rPr lang="en-US" sz="2200" dirty="0">
+                <a:solidFill>
+                  <a:srgbClr val="BFBFBF"/>
+                </a:solidFill>
+                <a:latin typeface="Instrument Sans Medium" pitchFamily="34" charset="0"/>
+                <a:ea typeface="Instrument Sans Medium" pitchFamily="34" charset="-122"/>
+                <a:cs typeface="Instrument Sans Medium" pitchFamily="34" charset="-120"/>
+              </a:rPr>
+              <a:t>Diagnóstico Inicial</a:t>
+            </a:r>
+            <a:endParaRPr lang="en-US" sz="2200" dirty="0"/>
+          </a:p>
+        </p:txBody>
+      </p:sp>
+      <p:sp>
+        <p:nvSpPr>
+          <p:cNvPr id="8" name="Text 6"/>
+          <p:cNvSpPr/>
+          <p:nvPr/>
+        </p:nvSpPr>
+        <p:spPr>
+          <a:xfrm>
+            <a:off x="2183011" y="2721412"/>
+            <a:ext cx="11653599" cy="362903"/>
+          </a:xfrm>
+          <a:prstGeom prst="rect">
+            <a:avLst/>
+          </a:prstGeom>
+          <a:noFill/>
+          <a:ln/>
+        </p:spPr>
+        <p:txBody>
+          <a:bodyPr wrap="none" lIns="0" tIns="0" rIns="0" bIns="0" rtlCol="0" anchor="t"/>
+          <a:lstStyle/>
+          <a:p>
+            <a:pPr marL="0" indent="0" algn="l">
+              <a:lnSpc>
+                <a:spcPts val="2850"/>
+              </a:lnSpc>
+              <a:buNone/>
+            </a:pPr>
+            <a:r>
+              <a:rPr lang="en-US" sz="1750" dirty="0">
+                <a:solidFill>
+                  <a:srgbClr val="BFBFBF"/>
+                </a:solidFill>
+                <a:latin typeface="Open Sans" pitchFamily="34" charset="0"/>
+                <a:ea typeface="Open Sans" pitchFamily="34" charset="-122"/>
+                <a:cs typeface="Open Sans" pitchFamily="34" charset="-120"/>
+              </a:rPr>
+              <a:t>Identificamos la falta de seguimiento en tiempo real y procesos manuales.</a:t>
+            </a:r>
+            <a:endParaRPr lang="en-US" sz="1750" dirty="0"/>
+          </a:p>
+        </p:txBody>
+      </p:sp>
+      <p:sp>
+        <p:nvSpPr>
+          <p:cNvPr id="9" name="Shape 7"/>
+          <p:cNvSpPr/>
+          <p:nvPr/>
+        </p:nvSpPr>
+        <p:spPr>
+          <a:xfrm>
+            <a:off x="1273612" y="3777853"/>
+            <a:ext cx="680442" cy="30480"/>
+          </a:xfrm>
+          <a:prstGeom prst="roundRect">
+            <a:avLst>
+              <a:gd name="adj" fmla="val 111628"/>
+            </a:avLst>
+          </a:prstGeom>
+          <a:solidFill>
+            <a:srgbClr val="575757"/>
+          </a:solidFill>
+          <a:ln/>
+        </p:spPr>
+      </p:sp>
+      <p:sp>
+        <p:nvSpPr>
+          <p:cNvPr id="10" name="Shape 8"/>
+          <p:cNvSpPr/>
+          <p:nvPr/>
+        </p:nvSpPr>
+        <p:spPr>
+          <a:xfrm>
+            <a:off x="793790" y="3537942"/>
+            <a:ext cx="510302" cy="510302"/>
+          </a:xfrm>
+          <a:prstGeom prst="roundRect">
+            <a:avLst>
+              <a:gd name="adj" fmla="val 6667"/>
+            </a:avLst>
+          </a:prstGeom>
+          <a:solidFill>
+            <a:srgbClr val="3E3E3E"/>
+          </a:solidFill>
+          <a:ln/>
+        </p:spPr>
+      </p:sp>
+      <p:sp>
+        <p:nvSpPr>
+          <p:cNvPr id="11" name="Text 9"/>
+          <p:cNvSpPr/>
+          <p:nvPr/>
+        </p:nvSpPr>
+        <p:spPr>
+          <a:xfrm>
+            <a:off x="878860" y="3580448"/>
+            <a:ext cx="340162" cy="425291"/>
+          </a:xfrm>
+          <a:prstGeom prst="rect">
+            <a:avLst/>
+          </a:prstGeom>
+          <a:noFill/>
+          <a:ln/>
+        </p:spPr>
+        <p:txBody>
+          <a:bodyPr wrap="none" lIns="0" tIns="0" rIns="0" bIns="0" rtlCol="0" anchor="t"/>
+          <a:lstStyle/>
+          <a:p>
+            <a:pPr marL="0" indent="0" algn="ctr">
+              <a:lnSpc>
+                <a:spcPts val="2650"/>
+              </a:lnSpc>
+              <a:buNone/>
+            </a:pPr>
+            <a:r>
+              <a:rPr lang="en-US" sz="2650" dirty="0">
+                <a:solidFill>
+                  <a:srgbClr val="BFBFBF"/>
+                </a:solidFill>
+                <a:latin typeface="Instrument Sans Medium" pitchFamily="34" charset="0"/>
+                <a:ea typeface="Instrument Sans Medium" pitchFamily="34" charset="-122"/>
+                <a:cs typeface="Instrument Sans Medium" pitchFamily="34" charset="-120"/>
+              </a:rPr>
+              <a:t>2</a:t>
+            </a:r>
+            <a:endParaRPr lang="en-US" sz="2650" dirty="0"/>
+          </a:p>
+        </p:txBody>
+      </p:sp>
+      <p:sp>
+        <p:nvSpPr>
+          <p:cNvPr id="12" name="Text 10"/>
+          <p:cNvSpPr/>
+          <p:nvPr/>
+        </p:nvSpPr>
+        <p:spPr>
+          <a:xfrm>
+            <a:off x="2183011" y="3615809"/>
+            <a:ext cx="2835235" cy="354330"/>
+          </a:xfrm>
+          <a:prstGeom prst="rect">
+            <a:avLst/>
+          </a:prstGeom>
+          <a:noFill/>
+          <a:ln/>
+        </p:spPr>
+        <p:txBody>
+          <a:bodyPr wrap="none" lIns="0" tIns="0" rIns="0" bIns="0" rtlCol="0" anchor="t"/>
+          <a:lstStyle/>
+          <a:p>
+            <a:pPr marL="0" indent="0" algn="l">
+              <a:lnSpc>
+                <a:spcPts val="2750"/>
+              </a:lnSpc>
+              <a:buNone/>
+            </a:pPr>
+            <a:r>
+              <a:rPr lang="en-US" sz="2200" dirty="0">
+                <a:solidFill>
+                  <a:srgbClr val="BFBFBF"/>
+                </a:solidFill>
+                <a:latin typeface="Instrument Sans Medium" pitchFamily="34" charset="0"/>
+                <a:ea typeface="Instrument Sans Medium" pitchFamily="34" charset="-122"/>
+                <a:cs typeface="Instrument Sans Medium" pitchFamily="34" charset="-120"/>
+              </a:rPr>
+              <a:t>Diseño del Sistema</a:t>
+            </a:r>
+            <a:endParaRPr lang="en-US" sz="2200" dirty="0"/>
+          </a:p>
+        </p:txBody>
+      </p:sp>
+      <p:sp>
+        <p:nvSpPr>
+          <p:cNvPr id="13" name="Text 11"/>
+          <p:cNvSpPr/>
+          <p:nvPr/>
+        </p:nvSpPr>
+        <p:spPr>
+          <a:xfrm>
+            <a:off x="2183011" y="4106228"/>
+            <a:ext cx="11653599" cy="362903"/>
+          </a:xfrm>
+          <a:prstGeom prst="rect">
+            <a:avLst/>
+          </a:prstGeom>
+          <a:noFill/>
+          <a:ln/>
+        </p:spPr>
+        <p:txBody>
+          <a:bodyPr wrap="none" lIns="0" tIns="0" rIns="0" bIns="0" rtlCol="0" anchor="t"/>
+          <a:lstStyle/>
+          <a:p>
+            <a:pPr marL="0" indent="0" algn="l">
+              <a:lnSpc>
+                <a:spcPts val="2850"/>
+              </a:lnSpc>
+              <a:buNone/>
+            </a:pPr>
+            <a:r>
+              <a:rPr lang="en-US" sz="1750" dirty="0">
+                <a:solidFill>
+                  <a:srgbClr val="BFBFBF"/>
+                </a:solidFill>
+                <a:latin typeface="Open Sans" pitchFamily="34" charset="0"/>
+                <a:ea typeface="Open Sans" pitchFamily="34" charset="-122"/>
+                <a:cs typeface="Open Sans" pitchFamily="34" charset="-120"/>
+              </a:rPr>
+              <a:t>Interfaz y arquitectura validan un acceso rápido y confiable para usuarios.</a:t>
+            </a:r>
+            <a:endParaRPr lang="en-US" sz="1750" dirty="0"/>
+          </a:p>
+        </p:txBody>
+      </p:sp>
+      <p:sp>
+        <p:nvSpPr>
+          <p:cNvPr id="14" name="Shape 12"/>
+          <p:cNvSpPr/>
+          <p:nvPr/>
+        </p:nvSpPr>
+        <p:spPr>
+          <a:xfrm>
+            <a:off x="1273612" y="5162669"/>
+            <a:ext cx="680442" cy="30480"/>
+          </a:xfrm>
+          <a:prstGeom prst="roundRect">
+            <a:avLst>
+              <a:gd name="adj" fmla="val 111628"/>
+            </a:avLst>
+          </a:prstGeom>
+          <a:solidFill>
+            <a:srgbClr val="575757"/>
+          </a:solidFill>
+          <a:ln/>
+        </p:spPr>
+      </p:sp>
+      <p:sp>
+        <p:nvSpPr>
+          <p:cNvPr id="15" name="Shape 13"/>
+          <p:cNvSpPr/>
+          <p:nvPr/>
+        </p:nvSpPr>
+        <p:spPr>
+          <a:xfrm>
+            <a:off x="793790" y="4922758"/>
+            <a:ext cx="510302" cy="510302"/>
+          </a:xfrm>
+          <a:prstGeom prst="roundRect">
+            <a:avLst>
+              <a:gd name="adj" fmla="val 6667"/>
+            </a:avLst>
+          </a:prstGeom>
+          <a:solidFill>
+            <a:srgbClr val="3E3E3E"/>
+          </a:solidFill>
+          <a:ln/>
+        </p:spPr>
+      </p:sp>
+      <p:sp>
+        <p:nvSpPr>
+          <p:cNvPr id="16" name="Text 14"/>
+          <p:cNvSpPr/>
+          <p:nvPr/>
+        </p:nvSpPr>
+        <p:spPr>
+          <a:xfrm>
+            <a:off x="878860" y="4965263"/>
+            <a:ext cx="340162" cy="425291"/>
+          </a:xfrm>
+          <a:prstGeom prst="rect">
+            <a:avLst/>
+          </a:prstGeom>
+          <a:noFill/>
+          <a:ln/>
+        </p:spPr>
+        <p:txBody>
+          <a:bodyPr wrap="none" lIns="0" tIns="0" rIns="0" bIns="0" rtlCol="0" anchor="t"/>
+          <a:lstStyle/>
+          <a:p>
+            <a:pPr marL="0" indent="0" algn="ctr">
+              <a:lnSpc>
+                <a:spcPts val="2650"/>
+              </a:lnSpc>
+              <a:buNone/>
+            </a:pPr>
+            <a:r>
+              <a:rPr lang="en-US" sz="2650" dirty="0">
+                <a:solidFill>
+                  <a:srgbClr val="BFBFBF"/>
+                </a:solidFill>
+                <a:latin typeface="Instrument Sans Medium" pitchFamily="34" charset="0"/>
+                <a:ea typeface="Instrument Sans Medium" pitchFamily="34" charset="-122"/>
+                <a:cs typeface="Instrument Sans Medium" pitchFamily="34" charset="-120"/>
+              </a:rPr>
+              <a:t>3</a:t>
+            </a:r>
+            <a:endParaRPr lang="en-US" sz="2650" dirty="0"/>
+          </a:p>
+        </p:txBody>
+      </p:sp>
+      <p:sp>
+        <p:nvSpPr>
+          <p:cNvPr id="17" name="Text 15"/>
+          <p:cNvSpPr/>
+          <p:nvPr/>
+        </p:nvSpPr>
+        <p:spPr>
+          <a:xfrm>
+            <a:off x="2183011" y="5000625"/>
+            <a:ext cx="2980015" cy="354330"/>
+          </a:xfrm>
+          <a:prstGeom prst="rect">
+            <a:avLst/>
+          </a:prstGeom>
+          <a:noFill/>
+          <a:ln/>
+        </p:spPr>
+        <p:txBody>
+          <a:bodyPr wrap="none" lIns="0" tIns="0" rIns="0" bIns="0" rtlCol="0" anchor="t"/>
+          <a:lstStyle/>
+          <a:p>
+            <a:pPr marL="0" indent="0" algn="l">
+              <a:lnSpc>
+                <a:spcPts val="2750"/>
+              </a:lnSpc>
+              <a:buNone/>
+            </a:pPr>
+            <a:r>
+              <a:rPr lang="en-US" sz="2200" dirty="0">
+                <a:solidFill>
+                  <a:srgbClr val="BFBFBF"/>
+                </a:solidFill>
+                <a:latin typeface="Instrument Sans Medium" pitchFamily="34" charset="0"/>
+                <a:ea typeface="Instrument Sans Medium" pitchFamily="34" charset="-122"/>
+                <a:cs typeface="Instrument Sans Medium" pitchFamily="34" charset="-120"/>
+              </a:rPr>
+              <a:t>Implementación Piloto</a:t>
+            </a:r>
+            <a:endParaRPr lang="en-US" sz="2200" dirty="0"/>
+          </a:p>
+        </p:txBody>
+      </p:sp>
+      <p:sp>
+        <p:nvSpPr>
+          <p:cNvPr id="18" name="Text 16"/>
+          <p:cNvSpPr/>
+          <p:nvPr/>
+        </p:nvSpPr>
+        <p:spPr>
+          <a:xfrm>
+            <a:off x="2183011" y="5491043"/>
+            <a:ext cx="11653599" cy="362903"/>
+          </a:xfrm>
+          <a:prstGeom prst="rect">
+            <a:avLst/>
+          </a:prstGeom>
+          <a:noFill/>
+          <a:ln/>
+        </p:spPr>
+        <p:txBody>
+          <a:bodyPr wrap="none" lIns="0" tIns="0" rIns="0" bIns="0" rtlCol="0" anchor="t"/>
+          <a:lstStyle/>
+          <a:p>
+            <a:pPr marL="0" indent="0" algn="l">
+              <a:lnSpc>
+                <a:spcPts val="2850"/>
+              </a:lnSpc>
+              <a:buNone/>
+            </a:pPr>
+            <a:r>
+              <a:rPr lang="en-US" sz="1750" dirty="0">
+                <a:solidFill>
+                  <a:srgbClr val="BFBFBF"/>
+                </a:solidFill>
+                <a:latin typeface="Open Sans" pitchFamily="34" charset="0"/>
+                <a:ea typeface="Open Sans" pitchFamily="34" charset="-122"/>
+                <a:cs typeface="Open Sans" pitchFamily="34" charset="-120"/>
+              </a:rPr>
+              <a:t>Disminución del 75 % en errores y coordinación efectiva entre áreas.</a:t>
+            </a:r>
+            <a:endParaRPr lang="en-US" sz="1750" dirty="0"/>
+          </a:p>
+        </p:txBody>
+      </p:sp>
+      <p:sp>
+        <p:nvSpPr>
+          <p:cNvPr id="19" name="Shape 17"/>
+          <p:cNvSpPr/>
+          <p:nvPr/>
+        </p:nvSpPr>
+        <p:spPr>
+          <a:xfrm>
+            <a:off x="1273612" y="6547485"/>
+            <a:ext cx="680442" cy="30480"/>
+          </a:xfrm>
+          <a:prstGeom prst="roundRect">
+            <a:avLst>
+              <a:gd name="adj" fmla="val 111628"/>
+            </a:avLst>
+          </a:prstGeom>
+          <a:solidFill>
+            <a:srgbClr val="575757"/>
+          </a:solidFill>
+          <a:ln/>
+        </p:spPr>
+      </p:sp>
+      <p:sp>
+        <p:nvSpPr>
+          <p:cNvPr id="20" name="Shape 18"/>
+          <p:cNvSpPr/>
+          <p:nvPr/>
+        </p:nvSpPr>
+        <p:spPr>
+          <a:xfrm>
+            <a:off x="793790" y="6307574"/>
+            <a:ext cx="510302" cy="510302"/>
+          </a:xfrm>
+          <a:prstGeom prst="roundRect">
+            <a:avLst>
+              <a:gd name="adj" fmla="val 6667"/>
+            </a:avLst>
+          </a:prstGeom>
+          <a:solidFill>
+            <a:srgbClr val="3E3E3E"/>
+          </a:solidFill>
+          <a:ln/>
+        </p:spPr>
+      </p:sp>
+      <p:sp>
+        <p:nvSpPr>
+          <p:cNvPr id="21" name="Text 19"/>
+          <p:cNvSpPr/>
+          <p:nvPr/>
+        </p:nvSpPr>
+        <p:spPr>
+          <a:xfrm>
+            <a:off x="878860" y="6350079"/>
+            <a:ext cx="340162" cy="425291"/>
+          </a:xfrm>
+          <a:prstGeom prst="rect">
+            <a:avLst/>
+          </a:prstGeom>
+          <a:noFill/>
+          <a:ln/>
+        </p:spPr>
+        <p:txBody>
+          <a:bodyPr wrap="none" lIns="0" tIns="0" rIns="0" bIns="0" rtlCol="0" anchor="t"/>
+          <a:lstStyle/>
+          <a:p>
+            <a:pPr marL="0" indent="0" algn="ctr">
+              <a:lnSpc>
+                <a:spcPts val="2650"/>
+              </a:lnSpc>
+              <a:buNone/>
+            </a:pPr>
+            <a:r>
+              <a:rPr lang="en-US" sz="2650" dirty="0">
+                <a:solidFill>
+                  <a:srgbClr val="BFBFBF"/>
+                </a:solidFill>
+                <a:latin typeface="Instrument Sans Medium" pitchFamily="34" charset="0"/>
+                <a:ea typeface="Instrument Sans Medium" pitchFamily="34" charset="-122"/>
+                <a:cs typeface="Instrument Sans Medium" pitchFamily="34" charset="-120"/>
+              </a:rPr>
+              <a:t>4</a:t>
+            </a:r>
+            <a:endParaRPr lang="en-US" sz="2650" dirty="0"/>
+          </a:p>
+        </p:txBody>
+      </p:sp>
+      <p:sp>
+        <p:nvSpPr>
+          <p:cNvPr id="22" name="Text 20"/>
+          <p:cNvSpPr/>
+          <p:nvPr/>
+        </p:nvSpPr>
+        <p:spPr>
+          <a:xfrm>
+            <a:off x="2183011" y="6385441"/>
+            <a:ext cx="2955846" cy="354330"/>
+          </a:xfrm>
+          <a:prstGeom prst="rect">
+            <a:avLst/>
+          </a:prstGeom>
+          <a:noFill/>
+          <a:ln/>
+        </p:spPr>
+        <p:txBody>
+          <a:bodyPr wrap="none" lIns="0" tIns="0" rIns="0" bIns="0" rtlCol="0" anchor="t"/>
+          <a:lstStyle/>
+          <a:p>
+            <a:pPr marL="0" indent="0" algn="l">
+              <a:lnSpc>
+                <a:spcPts val="2750"/>
+              </a:lnSpc>
+              <a:buNone/>
+            </a:pPr>
+            <a:r>
+              <a:rPr lang="en-US" sz="2200" dirty="0">
+                <a:solidFill>
+                  <a:srgbClr val="BFBFBF"/>
+                </a:solidFill>
+                <a:latin typeface="Instrument Sans Medium" pitchFamily="34" charset="0"/>
+                <a:ea typeface="Instrument Sans Medium" pitchFamily="34" charset="-122"/>
+                <a:cs typeface="Instrument Sans Medium" pitchFamily="34" charset="-120"/>
+              </a:rPr>
+              <a:t>Evaluación de Impacto</a:t>
+            </a:r>
+            <a:endParaRPr lang="en-US" sz="2200" dirty="0"/>
+          </a:p>
+        </p:txBody>
+      </p:sp>
+      <p:sp>
+        <p:nvSpPr>
+          <p:cNvPr id="23" name="Text 21"/>
+          <p:cNvSpPr/>
+          <p:nvPr/>
+        </p:nvSpPr>
+        <p:spPr>
+          <a:xfrm>
+            <a:off x="2183011" y="6875859"/>
+            <a:ext cx="11653599" cy="362903"/>
+          </a:xfrm>
+          <a:prstGeom prst="rect">
+            <a:avLst/>
+          </a:prstGeom>
+          <a:noFill/>
+          <a:ln/>
+        </p:spPr>
+        <p:txBody>
+          <a:bodyPr wrap="none" lIns="0" tIns="0" rIns="0" bIns="0" rtlCol="0" anchor="t"/>
+          <a:lstStyle/>
+          <a:p>
+            <a:pPr marL="0" indent="0" algn="l">
+              <a:lnSpc>
+                <a:spcPts val="2850"/>
+              </a:lnSpc>
+              <a:buNone/>
+            </a:pPr>
+            <a:r>
+              <a:rPr lang="en-US" sz="1750" dirty="0">
+                <a:solidFill>
+                  <a:srgbClr val="BFBFBF"/>
+                </a:solidFill>
+                <a:latin typeface="Open Sans" pitchFamily="34" charset="0"/>
+                <a:ea typeface="Open Sans" pitchFamily="34" charset="-122"/>
+                <a:cs typeface="Open Sans" pitchFamily="34" charset="-120"/>
+              </a:rPr>
+              <a:t>Mejoras significativas en eficiencia, reducción de tiempos y satisfacción.</a:t>
+            </a:r>
+            <a:endParaRPr lang="en-US" sz="1750" dirty="0"/>
+          </a:p>
+        </p:txBody>
+      </p:sp>
+      <p:pic>
+        <p:nvPicPr>
+          <p:cNvPr id="24" name="Picture 23">
+            <a:extLst>
+              <a:ext uri="{FF2B5EF4-FFF2-40B4-BE49-F238E27FC236}">
+                <a16:creationId xmlns:a16="http://schemas.microsoft.com/office/drawing/2014/main" id="{7FD13F82-AEE9-18CE-EC0C-017836257F1F}"/>
+              </a:ext>
+            </a:extLst>
+          </p:cNvPr>
+          <p:cNvPicPr>
+            <a:picLocks noChangeAspect="1"/>
+          </p:cNvPicPr>
+          <p:nvPr/>
+        </p:nvPicPr>
+        <p:blipFill>
+          <a:blip r:embed="rId3"/>
+          <a:stretch>
+            <a:fillRect/>
+          </a:stretch>
+        </p:blipFill>
+        <p:spPr>
+          <a:xfrm>
+            <a:off x="12863245" y="7647811"/>
+            <a:ext cx="1664025" cy="516422"/>
+          </a:xfrm>
+          <a:prstGeom prst="rect">
+            <a:avLst/>
+          </a:prstGeom>
+        </p:spPr>
+      </p:pic>
+    </p:spTree>
+  </p:cSld>
+  <p:clrMapOvr>
+    <a:masterClrMapping/>
+  </p:clrMapOvr>
+</p:sld>
+</file>
+
+<file path=ppt/slides/slide16.xml><?xml version="1.0" encoding="utf-8"?>
+<p:sld xmlns:a="http://schemas.openxmlformats.org/drawingml/2006/main" xmlns:r="http://schemas.openxmlformats.org/officeDocument/2006/relationships" xmlns:p="http://schemas.openxmlformats.org/presentationml/2006/main">
+  <p:cSld>
+    <p:spTree>
+      <p:nvGrpSpPr>
+        <p:cNvPr id="1" name=""/>
+        <p:cNvGrpSpPr/>
+        <p:nvPr/>
+      </p:nvGrpSpPr>
+      <p:grpSpPr>
+        <a:xfrm>
+          <a:off x="0" y="0"/>
+          <a:ext cx="0" cy="0"/>
+          <a:chOff x="0" y="0"/>
+          <a:chExt cx="0" cy="0"/>
+        </a:xfrm>
+      </p:grpSpPr>
+      <p:sp>
+        <p:nvSpPr>
+          <p:cNvPr id="2" name="Text 0"/>
+          <p:cNvSpPr/>
+          <p:nvPr/>
+        </p:nvSpPr>
+        <p:spPr>
+          <a:xfrm>
+            <a:off x="793790" y="990719"/>
+            <a:ext cx="11223308" cy="708779"/>
+          </a:xfrm>
+          <a:prstGeom prst="rect">
+            <a:avLst/>
+          </a:prstGeom>
+          <a:noFill/>
+          <a:ln/>
+        </p:spPr>
+        <p:txBody>
+          <a:bodyPr wrap="none" lIns="0" tIns="0" rIns="0" bIns="0" rtlCol="0" anchor="t"/>
+          <a:lstStyle/>
+          <a:p>
+            <a:pPr marL="0" indent="0" algn="l">
+              <a:lnSpc>
+                <a:spcPts val="5550"/>
+              </a:lnSpc>
+              <a:buNone/>
+            </a:pPr>
+            <a:r>
+              <a:rPr lang="en-US" sz="4450" dirty="0">
+                <a:solidFill>
+                  <a:srgbClr val="FEFEFE"/>
+                </a:solidFill>
+                <a:latin typeface="Instrument Sans Medium" pitchFamily="34" charset="0"/>
+                <a:ea typeface="Instrument Sans Medium" pitchFamily="34" charset="-122"/>
+                <a:cs typeface="Instrument Sans Medium" pitchFamily="34" charset="-120"/>
+              </a:rPr>
+              <a:t>Recomendaciones para la Mejora Continua</a:t>
+            </a:r>
+            <a:endParaRPr lang="en-US" sz="4450" dirty="0"/>
+          </a:p>
+        </p:txBody>
+      </p:sp>
+      <p:sp>
+        <p:nvSpPr>
+          <p:cNvPr id="3" name="Shape 1"/>
+          <p:cNvSpPr/>
+          <p:nvPr/>
+        </p:nvSpPr>
+        <p:spPr>
+          <a:xfrm>
+            <a:off x="1048941" y="2153126"/>
+            <a:ext cx="30480" cy="5085636"/>
+          </a:xfrm>
+          <a:prstGeom prst="roundRect">
+            <a:avLst>
+              <a:gd name="adj" fmla="val 111628"/>
+            </a:avLst>
+          </a:prstGeom>
+          <a:solidFill>
+            <a:srgbClr val="575757"/>
+          </a:solidFill>
+          <a:ln/>
+        </p:spPr>
+      </p:sp>
+      <p:sp>
+        <p:nvSpPr>
+          <p:cNvPr id="4" name="Shape 2"/>
+          <p:cNvSpPr/>
+          <p:nvPr/>
+        </p:nvSpPr>
+        <p:spPr>
+          <a:xfrm>
+            <a:off x="1273612" y="2393037"/>
+            <a:ext cx="680442" cy="30480"/>
+          </a:xfrm>
+          <a:prstGeom prst="roundRect">
+            <a:avLst>
+              <a:gd name="adj" fmla="val 111628"/>
+            </a:avLst>
+          </a:prstGeom>
+          <a:solidFill>
+            <a:srgbClr val="575757"/>
+          </a:solidFill>
+          <a:ln/>
+        </p:spPr>
+      </p:sp>
+      <p:sp>
+        <p:nvSpPr>
+          <p:cNvPr id="5" name="Shape 3"/>
+          <p:cNvSpPr/>
+          <p:nvPr/>
+        </p:nvSpPr>
+        <p:spPr>
+          <a:xfrm>
+            <a:off x="793790" y="2153126"/>
+            <a:ext cx="510302" cy="510302"/>
+          </a:xfrm>
+          <a:prstGeom prst="roundRect">
+            <a:avLst>
+              <a:gd name="adj" fmla="val 6667"/>
+            </a:avLst>
+          </a:prstGeom>
+          <a:solidFill>
+            <a:srgbClr val="3E3E3E"/>
+          </a:solidFill>
+          <a:ln/>
+        </p:spPr>
+      </p:sp>
+      <p:sp>
+        <p:nvSpPr>
+          <p:cNvPr id="6" name="Text 4"/>
+          <p:cNvSpPr/>
+          <p:nvPr/>
+        </p:nvSpPr>
+        <p:spPr>
+          <a:xfrm>
+            <a:off x="878860" y="2195632"/>
+            <a:ext cx="340162" cy="425291"/>
+          </a:xfrm>
+          <a:prstGeom prst="rect">
+            <a:avLst/>
+          </a:prstGeom>
+          <a:noFill/>
+          <a:ln/>
+        </p:spPr>
+        <p:txBody>
+          <a:bodyPr wrap="none" lIns="0" tIns="0" rIns="0" bIns="0" rtlCol="0" anchor="t"/>
+          <a:lstStyle/>
+          <a:p>
+            <a:pPr marL="0" indent="0" algn="ctr">
+              <a:lnSpc>
+                <a:spcPts val="2650"/>
+              </a:lnSpc>
+              <a:buNone/>
+            </a:pPr>
+            <a:r>
+              <a:rPr lang="en-US" sz="2650" dirty="0">
+                <a:solidFill>
+                  <a:srgbClr val="BFBFBF"/>
+                </a:solidFill>
+                <a:latin typeface="Instrument Sans Medium" pitchFamily="34" charset="0"/>
+                <a:ea typeface="Instrument Sans Medium" pitchFamily="34" charset="-122"/>
+                <a:cs typeface="Instrument Sans Medium" pitchFamily="34" charset="-120"/>
+              </a:rPr>
+              <a:t>1</a:t>
+            </a:r>
+            <a:endParaRPr lang="en-US" sz="2650" dirty="0"/>
+          </a:p>
+        </p:txBody>
+      </p:sp>
+      <p:sp>
+        <p:nvSpPr>
+          <p:cNvPr id="7" name="Text 5"/>
+          <p:cNvSpPr/>
+          <p:nvPr/>
+        </p:nvSpPr>
+        <p:spPr>
+          <a:xfrm>
+            <a:off x="2183011" y="2230993"/>
+            <a:ext cx="3008828" cy="354330"/>
+          </a:xfrm>
+          <a:prstGeom prst="rect">
+            <a:avLst/>
+          </a:prstGeom>
+          <a:noFill/>
+          <a:ln/>
+        </p:spPr>
+        <p:txBody>
+          <a:bodyPr wrap="none" lIns="0" tIns="0" rIns="0" bIns="0" rtlCol="0" anchor="t"/>
+          <a:lstStyle/>
+          <a:p>
+            <a:pPr marL="0" indent="0" algn="l">
+              <a:lnSpc>
+                <a:spcPts val="2750"/>
+              </a:lnSpc>
+              <a:buNone/>
+            </a:pPr>
+            <a:r>
+              <a:rPr lang="en-US" sz="2200" dirty="0">
+                <a:solidFill>
+                  <a:srgbClr val="BFBFBF"/>
+                </a:solidFill>
+                <a:latin typeface="Instrument Sans Medium" pitchFamily="34" charset="0"/>
+                <a:ea typeface="Instrument Sans Medium" pitchFamily="34" charset="-122"/>
+                <a:cs typeface="Instrument Sans Medium" pitchFamily="34" charset="-120"/>
+              </a:rPr>
+              <a:t>Capacitación Continua</a:t>
+            </a:r>
+            <a:endParaRPr lang="en-US" sz="2200" dirty="0"/>
+          </a:p>
+        </p:txBody>
+      </p:sp>
+      <p:sp>
+        <p:nvSpPr>
+          <p:cNvPr id="8" name="Text 6"/>
+          <p:cNvSpPr/>
+          <p:nvPr/>
+        </p:nvSpPr>
+        <p:spPr>
+          <a:xfrm>
+            <a:off x="2183011" y="2721412"/>
+            <a:ext cx="11653599" cy="362903"/>
+          </a:xfrm>
+          <a:prstGeom prst="rect">
+            <a:avLst/>
+          </a:prstGeom>
+          <a:noFill/>
+          <a:ln/>
+        </p:spPr>
+        <p:txBody>
+          <a:bodyPr wrap="none" lIns="0" tIns="0" rIns="0" bIns="0" rtlCol="0" anchor="t"/>
+          <a:lstStyle/>
+          <a:p>
+            <a:pPr marL="0" indent="0" algn="l">
+              <a:lnSpc>
+                <a:spcPts val="2850"/>
+              </a:lnSpc>
+              <a:buNone/>
+            </a:pPr>
+            <a:r>
+              <a:rPr lang="en-US" sz="1750" dirty="0">
+                <a:solidFill>
+                  <a:srgbClr val="BFBFBF"/>
+                </a:solidFill>
+                <a:latin typeface="Open Sans" pitchFamily="34" charset="0"/>
+                <a:ea typeface="Open Sans" pitchFamily="34" charset="-122"/>
+                <a:cs typeface="Open Sans" pitchFamily="34" charset="-120"/>
+              </a:rPr>
+              <a:t>Implementar programas constantes para mejorar habilidades de los usuarios.</a:t>
+            </a:r>
+            <a:endParaRPr lang="en-US" sz="1750" dirty="0"/>
+          </a:p>
+        </p:txBody>
+      </p:sp>
+      <p:sp>
+        <p:nvSpPr>
+          <p:cNvPr id="9" name="Shape 7"/>
+          <p:cNvSpPr/>
+          <p:nvPr/>
+        </p:nvSpPr>
+        <p:spPr>
+          <a:xfrm>
+            <a:off x="1273612" y="3777853"/>
+            <a:ext cx="680442" cy="30480"/>
+          </a:xfrm>
+          <a:prstGeom prst="roundRect">
+            <a:avLst>
+              <a:gd name="adj" fmla="val 111628"/>
+            </a:avLst>
+          </a:prstGeom>
+          <a:solidFill>
+            <a:srgbClr val="575757"/>
+          </a:solidFill>
+          <a:ln/>
+        </p:spPr>
+      </p:sp>
+      <p:sp>
+        <p:nvSpPr>
+          <p:cNvPr id="10" name="Shape 8"/>
+          <p:cNvSpPr/>
+          <p:nvPr/>
+        </p:nvSpPr>
+        <p:spPr>
+          <a:xfrm>
+            <a:off x="793790" y="3537942"/>
+            <a:ext cx="510302" cy="510302"/>
+          </a:xfrm>
+          <a:prstGeom prst="roundRect">
+            <a:avLst>
+              <a:gd name="adj" fmla="val 6667"/>
+            </a:avLst>
+          </a:prstGeom>
+          <a:solidFill>
+            <a:srgbClr val="3E3E3E"/>
+          </a:solidFill>
+          <a:ln/>
+        </p:spPr>
+      </p:sp>
+      <p:sp>
+        <p:nvSpPr>
+          <p:cNvPr id="11" name="Text 9"/>
+          <p:cNvSpPr/>
+          <p:nvPr/>
+        </p:nvSpPr>
+        <p:spPr>
+          <a:xfrm>
+            <a:off x="878860" y="3580448"/>
+            <a:ext cx="340162" cy="425291"/>
+          </a:xfrm>
+          <a:prstGeom prst="rect">
+            <a:avLst/>
+          </a:prstGeom>
+          <a:noFill/>
+          <a:ln/>
+        </p:spPr>
+        <p:txBody>
+          <a:bodyPr wrap="none" lIns="0" tIns="0" rIns="0" bIns="0" rtlCol="0" anchor="t"/>
+          <a:lstStyle/>
+          <a:p>
+            <a:pPr marL="0" indent="0" algn="ctr">
+              <a:lnSpc>
+                <a:spcPts val="2650"/>
+              </a:lnSpc>
+              <a:buNone/>
+            </a:pPr>
+            <a:r>
+              <a:rPr lang="en-US" sz="2650" dirty="0">
+                <a:solidFill>
+                  <a:srgbClr val="BFBFBF"/>
+                </a:solidFill>
+                <a:latin typeface="Instrument Sans Medium" pitchFamily="34" charset="0"/>
+                <a:ea typeface="Instrument Sans Medium" pitchFamily="34" charset="-122"/>
+                <a:cs typeface="Instrument Sans Medium" pitchFamily="34" charset="-120"/>
+              </a:rPr>
+              <a:t>2</a:t>
+            </a:r>
+            <a:endParaRPr lang="en-US" sz="2650" dirty="0"/>
+          </a:p>
+        </p:txBody>
+      </p:sp>
+      <p:sp>
+        <p:nvSpPr>
+          <p:cNvPr id="12" name="Text 10"/>
+          <p:cNvSpPr/>
+          <p:nvPr/>
+        </p:nvSpPr>
+        <p:spPr>
+          <a:xfrm>
+            <a:off x="2183011" y="3615809"/>
+            <a:ext cx="2835235" cy="354330"/>
+          </a:xfrm>
+          <a:prstGeom prst="rect">
+            <a:avLst/>
+          </a:prstGeom>
+          <a:noFill/>
+          <a:ln/>
+        </p:spPr>
+        <p:txBody>
+          <a:bodyPr wrap="none" lIns="0" tIns="0" rIns="0" bIns="0" rtlCol="0" anchor="t"/>
+          <a:lstStyle/>
+          <a:p>
+            <a:pPr marL="0" indent="0" algn="l">
+              <a:lnSpc>
+                <a:spcPts val="2750"/>
+              </a:lnSpc>
+              <a:buNone/>
+            </a:pPr>
+            <a:r>
+              <a:rPr lang="en-US" sz="2200" dirty="0">
+                <a:solidFill>
+                  <a:srgbClr val="BFBFBF"/>
+                </a:solidFill>
+                <a:latin typeface="Instrument Sans Medium" pitchFamily="34" charset="0"/>
+                <a:ea typeface="Instrument Sans Medium" pitchFamily="34" charset="-122"/>
+                <a:cs typeface="Instrument Sans Medium" pitchFamily="34" charset="-120"/>
+              </a:rPr>
+              <a:t>Adaptación Móvil</a:t>
+            </a:r>
+            <a:endParaRPr lang="en-US" sz="2200" dirty="0"/>
+          </a:p>
+        </p:txBody>
+      </p:sp>
+      <p:sp>
+        <p:nvSpPr>
+          <p:cNvPr id="13" name="Text 11"/>
+          <p:cNvSpPr/>
+          <p:nvPr/>
+        </p:nvSpPr>
+        <p:spPr>
+          <a:xfrm>
+            <a:off x="2183011" y="4106228"/>
+            <a:ext cx="11653599" cy="362903"/>
+          </a:xfrm>
+          <a:prstGeom prst="rect">
+            <a:avLst/>
+          </a:prstGeom>
+          <a:noFill/>
+          <a:ln/>
+        </p:spPr>
+        <p:txBody>
+          <a:bodyPr wrap="none" lIns="0" tIns="0" rIns="0" bIns="0" rtlCol="0" anchor="t"/>
+          <a:lstStyle/>
+          <a:p>
+            <a:pPr marL="0" indent="0" algn="l">
+              <a:lnSpc>
+                <a:spcPts val="2850"/>
+              </a:lnSpc>
+              <a:buNone/>
+            </a:pPr>
+            <a:r>
+              <a:rPr lang="en-US" sz="1750" dirty="0">
+                <a:solidFill>
+                  <a:srgbClr val="BFBFBF"/>
+                </a:solidFill>
+                <a:latin typeface="Open Sans" pitchFamily="34" charset="0"/>
+                <a:ea typeface="Open Sans" pitchFamily="34" charset="-122"/>
+                <a:cs typeface="Open Sans" pitchFamily="34" charset="-120"/>
+              </a:rPr>
+              <a:t>Optimizar el sistema para facilitar acceso y gestión desde dispositivos móviles.</a:t>
+            </a:r>
+            <a:endParaRPr lang="en-US" sz="1750" dirty="0"/>
+          </a:p>
+        </p:txBody>
+      </p:sp>
+      <p:sp>
+        <p:nvSpPr>
+          <p:cNvPr id="14" name="Shape 12"/>
+          <p:cNvSpPr/>
+          <p:nvPr/>
+        </p:nvSpPr>
+        <p:spPr>
+          <a:xfrm>
+            <a:off x="1273612" y="5162669"/>
+            <a:ext cx="680442" cy="30480"/>
+          </a:xfrm>
+          <a:prstGeom prst="roundRect">
+            <a:avLst>
+              <a:gd name="adj" fmla="val 111628"/>
+            </a:avLst>
+          </a:prstGeom>
+          <a:solidFill>
+            <a:srgbClr val="575757"/>
+          </a:solidFill>
+          <a:ln/>
+        </p:spPr>
+      </p:sp>
+      <p:sp>
+        <p:nvSpPr>
+          <p:cNvPr id="15" name="Shape 13"/>
+          <p:cNvSpPr/>
+          <p:nvPr/>
+        </p:nvSpPr>
+        <p:spPr>
+          <a:xfrm>
+            <a:off x="793790" y="4922758"/>
+            <a:ext cx="510302" cy="510302"/>
+          </a:xfrm>
+          <a:prstGeom prst="roundRect">
+            <a:avLst>
+              <a:gd name="adj" fmla="val 6667"/>
+            </a:avLst>
+          </a:prstGeom>
+          <a:solidFill>
+            <a:srgbClr val="3E3E3E"/>
+          </a:solidFill>
+          <a:ln/>
+        </p:spPr>
+      </p:sp>
+      <p:sp>
+        <p:nvSpPr>
+          <p:cNvPr id="16" name="Text 14"/>
+          <p:cNvSpPr/>
+          <p:nvPr/>
+        </p:nvSpPr>
+        <p:spPr>
+          <a:xfrm>
+            <a:off x="878860" y="4965263"/>
+            <a:ext cx="340162" cy="425291"/>
+          </a:xfrm>
+          <a:prstGeom prst="rect">
+            <a:avLst/>
+          </a:prstGeom>
+          <a:noFill/>
+          <a:ln/>
+        </p:spPr>
+        <p:txBody>
+          <a:bodyPr wrap="none" lIns="0" tIns="0" rIns="0" bIns="0" rtlCol="0" anchor="t"/>
+          <a:lstStyle/>
+          <a:p>
+            <a:pPr marL="0" indent="0" algn="ctr">
+              <a:lnSpc>
+                <a:spcPts val="2650"/>
+              </a:lnSpc>
+              <a:buNone/>
+            </a:pPr>
+            <a:r>
+              <a:rPr lang="en-US" sz="2650" dirty="0">
+                <a:solidFill>
+                  <a:srgbClr val="BFBFBF"/>
+                </a:solidFill>
+                <a:latin typeface="Instrument Sans Medium" pitchFamily="34" charset="0"/>
+                <a:ea typeface="Instrument Sans Medium" pitchFamily="34" charset="-122"/>
+                <a:cs typeface="Instrument Sans Medium" pitchFamily="34" charset="-120"/>
+              </a:rPr>
+              <a:t>3</a:t>
+            </a:r>
+            <a:endParaRPr lang="en-US" sz="2650" dirty="0"/>
+          </a:p>
+        </p:txBody>
+      </p:sp>
+      <p:sp>
+        <p:nvSpPr>
+          <p:cNvPr id="17" name="Text 15"/>
+          <p:cNvSpPr/>
+          <p:nvPr/>
+        </p:nvSpPr>
+        <p:spPr>
+          <a:xfrm>
+            <a:off x="2183011" y="5000625"/>
+            <a:ext cx="3348037" cy="354330"/>
+          </a:xfrm>
+          <a:prstGeom prst="rect">
+            <a:avLst/>
+          </a:prstGeom>
+          <a:noFill/>
+          <a:ln/>
+        </p:spPr>
+        <p:txBody>
+          <a:bodyPr wrap="none" lIns="0" tIns="0" rIns="0" bIns="0" rtlCol="0" anchor="t"/>
+          <a:lstStyle/>
+          <a:p>
+            <a:pPr marL="0" indent="0" algn="l">
+              <a:lnSpc>
+                <a:spcPts val="2750"/>
+              </a:lnSpc>
+              <a:buNone/>
+            </a:pPr>
+            <a:r>
+              <a:rPr lang="en-US" sz="2200" dirty="0">
+                <a:solidFill>
+                  <a:srgbClr val="BFBFBF"/>
+                </a:solidFill>
+                <a:latin typeface="Instrument Sans Medium" pitchFamily="34" charset="0"/>
+                <a:ea typeface="Instrument Sans Medium" pitchFamily="34" charset="-122"/>
+                <a:cs typeface="Instrument Sans Medium" pitchFamily="34" charset="-120"/>
+              </a:rPr>
+              <a:t>Personalización por Roles</a:t>
+            </a:r>
+            <a:endParaRPr lang="en-US" sz="2200" dirty="0"/>
+          </a:p>
+        </p:txBody>
+      </p:sp>
+      <p:sp>
+        <p:nvSpPr>
+          <p:cNvPr id="18" name="Text 16"/>
+          <p:cNvSpPr/>
+          <p:nvPr/>
+        </p:nvSpPr>
+        <p:spPr>
+          <a:xfrm>
+            <a:off x="2183011" y="5491043"/>
+            <a:ext cx="11653599" cy="362903"/>
+          </a:xfrm>
+          <a:prstGeom prst="rect">
+            <a:avLst/>
+          </a:prstGeom>
+          <a:noFill/>
+          <a:ln/>
+        </p:spPr>
+        <p:txBody>
+          <a:bodyPr wrap="none" lIns="0" tIns="0" rIns="0" bIns="0" rtlCol="0" anchor="t"/>
+          <a:lstStyle/>
+          <a:p>
+            <a:pPr marL="0" indent="0" algn="l">
+              <a:lnSpc>
+                <a:spcPts val="2850"/>
+              </a:lnSpc>
+              <a:buNone/>
+            </a:pPr>
+            <a:r>
+              <a:rPr lang="en-US" sz="1750" dirty="0">
+                <a:solidFill>
+                  <a:srgbClr val="BFBFBF"/>
+                </a:solidFill>
+                <a:latin typeface="Open Sans" pitchFamily="34" charset="0"/>
+                <a:ea typeface="Open Sans" pitchFamily="34" charset="-122"/>
+                <a:cs typeface="Open Sans" pitchFamily="34" charset="-120"/>
+              </a:rPr>
+              <a:t>Configurar paneles según funciones para aumentar la eficiencia operativa.</a:t>
+            </a:r>
+            <a:endParaRPr lang="en-US" sz="1750" dirty="0"/>
+          </a:p>
+        </p:txBody>
+      </p:sp>
+      <p:sp>
+        <p:nvSpPr>
+          <p:cNvPr id="19" name="Shape 17"/>
+          <p:cNvSpPr/>
+          <p:nvPr/>
+        </p:nvSpPr>
+        <p:spPr>
+          <a:xfrm>
+            <a:off x="1273612" y="6547485"/>
+            <a:ext cx="680442" cy="30480"/>
+          </a:xfrm>
+          <a:prstGeom prst="roundRect">
+            <a:avLst>
+              <a:gd name="adj" fmla="val 111628"/>
+            </a:avLst>
+          </a:prstGeom>
+          <a:solidFill>
+            <a:srgbClr val="575757"/>
+          </a:solidFill>
+          <a:ln/>
+        </p:spPr>
+      </p:sp>
+      <p:sp>
+        <p:nvSpPr>
+          <p:cNvPr id="20" name="Shape 18"/>
+          <p:cNvSpPr/>
+          <p:nvPr/>
+        </p:nvSpPr>
+        <p:spPr>
+          <a:xfrm>
+            <a:off x="793790" y="6307574"/>
+            <a:ext cx="510302" cy="510302"/>
+          </a:xfrm>
+          <a:prstGeom prst="roundRect">
+            <a:avLst>
+              <a:gd name="adj" fmla="val 6667"/>
+            </a:avLst>
+          </a:prstGeom>
+          <a:solidFill>
+            <a:srgbClr val="3E3E3E"/>
+          </a:solidFill>
+          <a:ln/>
+        </p:spPr>
+      </p:sp>
+      <p:sp>
+        <p:nvSpPr>
+          <p:cNvPr id="21" name="Text 19"/>
+          <p:cNvSpPr/>
+          <p:nvPr/>
+        </p:nvSpPr>
+        <p:spPr>
+          <a:xfrm>
+            <a:off x="878860" y="6350079"/>
+            <a:ext cx="340162" cy="425291"/>
+          </a:xfrm>
+          <a:prstGeom prst="rect">
+            <a:avLst/>
+          </a:prstGeom>
+          <a:noFill/>
+          <a:ln/>
+        </p:spPr>
+        <p:txBody>
+          <a:bodyPr wrap="none" lIns="0" tIns="0" rIns="0" bIns="0" rtlCol="0" anchor="t"/>
+          <a:lstStyle/>
+          <a:p>
+            <a:pPr marL="0" indent="0" algn="ctr">
+              <a:lnSpc>
+                <a:spcPts val="2650"/>
+              </a:lnSpc>
+              <a:buNone/>
+            </a:pPr>
+            <a:r>
+              <a:rPr lang="en-US" sz="2650" dirty="0">
+                <a:solidFill>
+                  <a:srgbClr val="BFBFBF"/>
+                </a:solidFill>
+                <a:latin typeface="Instrument Sans Medium" pitchFamily="34" charset="0"/>
+                <a:ea typeface="Instrument Sans Medium" pitchFamily="34" charset="-122"/>
+                <a:cs typeface="Instrument Sans Medium" pitchFamily="34" charset="-120"/>
+              </a:rPr>
+              <a:t>4</a:t>
+            </a:r>
+            <a:endParaRPr lang="en-US" sz="2650" dirty="0"/>
+          </a:p>
+        </p:txBody>
+      </p:sp>
+      <p:sp>
+        <p:nvSpPr>
+          <p:cNvPr id="22" name="Text 20"/>
+          <p:cNvSpPr/>
+          <p:nvPr/>
+        </p:nvSpPr>
+        <p:spPr>
+          <a:xfrm>
+            <a:off x="2183011" y="6385441"/>
+            <a:ext cx="4046339" cy="354330"/>
+          </a:xfrm>
+          <a:prstGeom prst="rect">
+            <a:avLst/>
+          </a:prstGeom>
+          <a:noFill/>
+          <a:ln/>
+        </p:spPr>
+        <p:txBody>
+          <a:bodyPr wrap="none" lIns="0" tIns="0" rIns="0" bIns="0" rtlCol="0" anchor="t"/>
+          <a:lstStyle/>
+          <a:p>
+            <a:pPr marL="0" indent="0" algn="l">
+              <a:lnSpc>
+                <a:spcPts val="2750"/>
+              </a:lnSpc>
+              <a:buNone/>
+            </a:pPr>
+            <a:r>
+              <a:rPr lang="en-US" sz="2200" dirty="0">
+                <a:solidFill>
+                  <a:srgbClr val="BFBFBF"/>
+                </a:solidFill>
+                <a:latin typeface="Instrument Sans Medium" pitchFamily="34" charset="0"/>
+                <a:ea typeface="Instrument Sans Medium" pitchFamily="34" charset="-122"/>
+                <a:cs typeface="Instrument Sans Medium" pitchFamily="34" charset="-120"/>
+              </a:rPr>
+              <a:t>Inversión y Gestión del Cambio</a:t>
+            </a:r>
+            <a:endParaRPr lang="en-US" sz="2200" dirty="0"/>
+          </a:p>
+        </p:txBody>
+      </p:sp>
+      <p:sp>
+        <p:nvSpPr>
+          <p:cNvPr id="23" name="Text 21"/>
+          <p:cNvSpPr/>
+          <p:nvPr/>
+        </p:nvSpPr>
+        <p:spPr>
+          <a:xfrm>
+            <a:off x="2183011" y="6875859"/>
+            <a:ext cx="11653599" cy="362903"/>
+          </a:xfrm>
+          <a:prstGeom prst="rect">
+            <a:avLst/>
+          </a:prstGeom>
+          <a:noFill/>
+          <a:ln/>
+        </p:spPr>
+        <p:txBody>
+          <a:bodyPr wrap="none" lIns="0" tIns="0" rIns="0" bIns="0" rtlCol="0" anchor="t"/>
+          <a:lstStyle/>
+          <a:p>
+            <a:pPr marL="0" indent="0" algn="l">
+              <a:lnSpc>
+                <a:spcPts val="2850"/>
+              </a:lnSpc>
+              <a:buNone/>
+            </a:pPr>
+            <a:r>
+              <a:rPr lang="en-US" sz="1750" dirty="0">
+                <a:solidFill>
+                  <a:srgbClr val="BFBFBF"/>
+                </a:solidFill>
+                <a:latin typeface="Open Sans" pitchFamily="34" charset="0"/>
+                <a:ea typeface="Open Sans" pitchFamily="34" charset="-122"/>
+                <a:cs typeface="Open Sans" pitchFamily="34" charset="-120"/>
+              </a:rPr>
+              <a:t>Preparar recursos tecnológicos y abordar resistencia al cambio tecnológico.</a:t>
+            </a:r>
+            <a:endParaRPr lang="en-US" sz="1750" dirty="0"/>
+          </a:p>
+        </p:txBody>
+      </p:sp>
+      <p:pic>
+        <p:nvPicPr>
+          <p:cNvPr id="24" name="Picture 23">
+            <a:extLst>
+              <a:ext uri="{FF2B5EF4-FFF2-40B4-BE49-F238E27FC236}">
+                <a16:creationId xmlns:a16="http://schemas.microsoft.com/office/drawing/2014/main" id="{41FF0B35-02B9-A83B-CD95-CA6DB2E0B242}"/>
+              </a:ext>
+            </a:extLst>
+          </p:cNvPr>
+          <p:cNvPicPr>
+            <a:picLocks noChangeAspect="1"/>
+          </p:cNvPicPr>
+          <p:nvPr/>
+        </p:nvPicPr>
+        <p:blipFill>
+          <a:blip r:embed="rId3"/>
           <a:stretch>
             <a:fillRect/>
           </a:stretch>
@@ -7278,1604 +7870,6 @@
         </p:nvSpPr>
         <p:spPr>
           <a:xfrm>
-            <a:off x="793790" y="990719"/>
-            <a:ext cx="5670590" cy="708779"/>
-          </a:xfrm>
-          <a:prstGeom prst="rect">
-            <a:avLst/>
-          </a:prstGeom>
-          <a:noFill/>
-          <a:ln/>
-        </p:spPr>
-        <p:txBody>
-          <a:bodyPr wrap="none" lIns="0" tIns="0" rIns="0" bIns="0" rtlCol="0" anchor="t"/>
-          <a:lstStyle/>
-          <a:p>
-            <a:pPr marL="0" indent="0" algn="l">
-              <a:lnSpc>
-                <a:spcPts val="5550"/>
-              </a:lnSpc>
-              <a:buNone/>
-            </a:pPr>
-            <a:r>
-              <a:rPr lang="en-US" sz="4450" dirty="0">
-                <a:solidFill>
-                  <a:srgbClr val="FEFEFE"/>
-                </a:solidFill>
-                <a:latin typeface="Instrument Sans Medium" pitchFamily="34" charset="0"/>
-                <a:ea typeface="Instrument Sans Medium" pitchFamily="34" charset="-122"/>
-                <a:cs typeface="Instrument Sans Medium" pitchFamily="34" charset="-120"/>
-              </a:rPr>
-              <a:t>Conclusiones </a:t>
-            </a:r>
-            <a:endParaRPr lang="en-US" sz="4450" dirty="0"/>
-          </a:p>
-        </p:txBody>
-      </p:sp>
-      <p:sp>
-        <p:nvSpPr>
-          <p:cNvPr id="3" name="Shape 1"/>
-          <p:cNvSpPr/>
-          <p:nvPr/>
-        </p:nvSpPr>
-        <p:spPr>
-          <a:xfrm>
-            <a:off x="1048941" y="2153126"/>
-            <a:ext cx="30480" cy="5085636"/>
-          </a:xfrm>
-          <a:prstGeom prst="roundRect">
-            <a:avLst>
-              <a:gd name="adj" fmla="val 111628"/>
-            </a:avLst>
-          </a:prstGeom>
-          <a:solidFill>
-            <a:srgbClr val="575757"/>
-          </a:solidFill>
-          <a:ln/>
-        </p:spPr>
-      </p:sp>
-      <p:sp>
-        <p:nvSpPr>
-          <p:cNvPr id="4" name="Shape 2"/>
-          <p:cNvSpPr/>
-          <p:nvPr/>
-        </p:nvSpPr>
-        <p:spPr>
-          <a:xfrm>
-            <a:off x="1273612" y="2393037"/>
-            <a:ext cx="680442" cy="30480"/>
-          </a:xfrm>
-          <a:prstGeom prst="roundRect">
-            <a:avLst>
-              <a:gd name="adj" fmla="val 111628"/>
-            </a:avLst>
-          </a:prstGeom>
-          <a:solidFill>
-            <a:srgbClr val="575757"/>
-          </a:solidFill>
-          <a:ln/>
-        </p:spPr>
-      </p:sp>
-      <p:sp>
-        <p:nvSpPr>
-          <p:cNvPr id="5" name="Shape 3"/>
-          <p:cNvSpPr/>
-          <p:nvPr/>
-        </p:nvSpPr>
-        <p:spPr>
-          <a:xfrm>
-            <a:off x="793790" y="2153126"/>
-            <a:ext cx="510302" cy="510302"/>
-          </a:xfrm>
-          <a:prstGeom prst="roundRect">
-            <a:avLst>
-              <a:gd name="adj" fmla="val 6667"/>
-            </a:avLst>
-          </a:prstGeom>
-          <a:solidFill>
-            <a:srgbClr val="3E3E3E"/>
-          </a:solidFill>
-          <a:ln/>
-        </p:spPr>
-      </p:sp>
-      <p:sp>
-        <p:nvSpPr>
-          <p:cNvPr id="6" name="Text 4"/>
-          <p:cNvSpPr/>
-          <p:nvPr/>
-        </p:nvSpPr>
-        <p:spPr>
-          <a:xfrm>
-            <a:off x="878860" y="2195632"/>
-            <a:ext cx="340162" cy="425291"/>
-          </a:xfrm>
-          <a:prstGeom prst="rect">
-            <a:avLst/>
-          </a:prstGeom>
-          <a:noFill/>
-          <a:ln/>
-        </p:spPr>
-        <p:txBody>
-          <a:bodyPr wrap="none" lIns="0" tIns="0" rIns="0" bIns="0" rtlCol="0" anchor="t"/>
-          <a:lstStyle/>
-          <a:p>
-            <a:pPr marL="0" indent="0" algn="ctr">
-              <a:lnSpc>
-                <a:spcPts val="2650"/>
-              </a:lnSpc>
-              <a:buNone/>
-            </a:pPr>
-            <a:r>
-              <a:rPr lang="en-US" sz="2650" dirty="0">
-                <a:solidFill>
-                  <a:srgbClr val="BFBFBF"/>
-                </a:solidFill>
-                <a:latin typeface="Instrument Sans Medium" pitchFamily="34" charset="0"/>
-                <a:ea typeface="Instrument Sans Medium" pitchFamily="34" charset="-122"/>
-                <a:cs typeface="Instrument Sans Medium" pitchFamily="34" charset="-120"/>
-              </a:rPr>
-              <a:t>1</a:t>
-            </a:r>
-            <a:endParaRPr lang="en-US" sz="2650" dirty="0"/>
-          </a:p>
-        </p:txBody>
-      </p:sp>
-      <p:sp>
-        <p:nvSpPr>
-          <p:cNvPr id="7" name="Text 5"/>
-          <p:cNvSpPr/>
-          <p:nvPr/>
-        </p:nvSpPr>
-        <p:spPr>
-          <a:xfrm>
-            <a:off x="2183011" y="2230993"/>
-            <a:ext cx="2835235" cy="354330"/>
-          </a:xfrm>
-          <a:prstGeom prst="rect">
-            <a:avLst/>
-          </a:prstGeom>
-          <a:noFill/>
-          <a:ln/>
-        </p:spPr>
-        <p:txBody>
-          <a:bodyPr wrap="none" lIns="0" tIns="0" rIns="0" bIns="0" rtlCol="0" anchor="t"/>
-          <a:lstStyle/>
-          <a:p>
-            <a:pPr marL="0" indent="0" algn="l">
-              <a:lnSpc>
-                <a:spcPts val="2750"/>
-              </a:lnSpc>
-              <a:buNone/>
-            </a:pPr>
-            <a:r>
-              <a:rPr lang="en-US" sz="2200" dirty="0">
-                <a:solidFill>
-                  <a:srgbClr val="BFBFBF"/>
-                </a:solidFill>
-                <a:latin typeface="Instrument Sans Medium" pitchFamily="34" charset="0"/>
-                <a:ea typeface="Instrument Sans Medium" pitchFamily="34" charset="-122"/>
-                <a:cs typeface="Instrument Sans Medium" pitchFamily="34" charset="-120"/>
-              </a:rPr>
-              <a:t>Diagnóstico Inicial</a:t>
-            </a:r>
-            <a:endParaRPr lang="en-US" sz="2200" dirty="0"/>
-          </a:p>
-        </p:txBody>
-      </p:sp>
-      <p:sp>
-        <p:nvSpPr>
-          <p:cNvPr id="8" name="Text 6"/>
-          <p:cNvSpPr/>
-          <p:nvPr/>
-        </p:nvSpPr>
-        <p:spPr>
-          <a:xfrm>
-            <a:off x="2183011" y="2721412"/>
-            <a:ext cx="11653599" cy="362903"/>
-          </a:xfrm>
-          <a:prstGeom prst="rect">
-            <a:avLst/>
-          </a:prstGeom>
-          <a:noFill/>
-          <a:ln/>
-        </p:spPr>
-        <p:txBody>
-          <a:bodyPr wrap="none" lIns="0" tIns="0" rIns="0" bIns="0" rtlCol="0" anchor="t"/>
-          <a:lstStyle/>
-          <a:p>
-            <a:pPr marL="0" indent="0" algn="l">
-              <a:lnSpc>
-                <a:spcPts val="2850"/>
-              </a:lnSpc>
-              <a:buNone/>
-            </a:pPr>
-            <a:r>
-              <a:rPr lang="en-US" sz="1750" dirty="0">
-                <a:solidFill>
-                  <a:srgbClr val="BFBFBF"/>
-                </a:solidFill>
-                <a:latin typeface="Open Sans" pitchFamily="34" charset="0"/>
-                <a:ea typeface="Open Sans" pitchFamily="34" charset="-122"/>
-                <a:cs typeface="Open Sans" pitchFamily="34" charset="-120"/>
-              </a:rPr>
-              <a:t>Identificamos la falta de seguimiento en tiempo real y procesos manuales.</a:t>
-            </a:r>
-            <a:endParaRPr lang="en-US" sz="1750" dirty="0"/>
-          </a:p>
-        </p:txBody>
-      </p:sp>
-      <p:sp>
-        <p:nvSpPr>
-          <p:cNvPr id="9" name="Shape 7"/>
-          <p:cNvSpPr/>
-          <p:nvPr/>
-        </p:nvSpPr>
-        <p:spPr>
-          <a:xfrm>
-            <a:off x="1273612" y="3777853"/>
-            <a:ext cx="680442" cy="30480"/>
-          </a:xfrm>
-          <a:prstGeom prst="roundRect">
-            <a:avLst>
-              <a:gd name="adj" fmla="val 111628"/>
-            </a:avLst>
-          </a:prstGeom>
-          <a:solidFill>
-            <a:srgbClr val="575757"/>
-          </a:solidFill>
-          <a:ln/>
-        </p:spPr>
-      </p:sp>
-      <p:sp>
-        <p:nvSpPr>
-          <p:cNvPr id="10" name="Shape 8"/>
-          <p:cNvSpPr/>
-          <p:nvPr/>
-        </p:nvSpPr>
-        <p:spPr>
-          <a:xfrm>
-            <a:off x="793790" y="3537942"/>
-            <a:ext cx="510302" cy="510302"/>
-          </a:xfrm>
-          <a:prstGeom prst="roundRect">
-            <a:avLst>
-              <a:gd name="adj" fmla="val 6667"/>
-            </a:avLst>
-          </a:prstGeom>
-          <a:solidFill>
-            <a:srgbClr val="3E3E3E"/>
-          </a:solidFill>
-          <a:ln/>
-        </p:spPr>
-      </p:sp>
-      <p:sp>
-        <p:nvSpPr>
-          <p:cNvPr id="11" name="Text 9"/>
-          <p:cNvSpPr/>
-          <p:nvPr/>
-        </p:nvSpPr>
-        <p:spPr>
-          <a:xfrm>
-            <a:off x="878860" y="3580448"/>
-            <a:ext cx="340162" cy="425291"/>
-          </a:xfrm>
-          <a:prstGeom prst="rect">
-            <a:avLst/>
-          </a:prstGeom>
-          <a:noFill/>
-          <a:ln/>
-        </p:spPr>
-        <p:txBody>
-          <a:bodyPr wrap="none" lIns="0" tIns="0" rIns="0" bIns="0" rtlCol="0" anchor="t"/>
-          <a:lstStyle/>
-          <a:p>
-            <a:pPr marL="0" indent="0" algn="ctr">
-              <a:lnSpc>
-                <a:spcPts val="2650"/>
-              </a:lnSpc>
-              <a:buNone/>
-            </a:pPr>
-            <a:r>
-              <a:rPr lang="en-US" sz="2650" dirty="0">
-                <a:solidFill>
-                  <a:srgbClr val="BFBFBF"/>
-                </a:solidFill>
-                <a:latin typeface="Instrument Sans Medium" pitchFamily="34" charset="0"/>
-                <a:ea typeface="Instrument Sans Medium" pitchFamily="34" charset="-122"/>
-                <a:cs typeface="Instrument Sans Medium" pitchFamily="34" charset="-120"/>
-              </a:rPr>
-              <a:t>2</a:t>
-            </a:r>
-            <a:endParaRPr lang="en-US" sz="2650" dirty="0"/>
-          </a:p>
-        </p:txBody>
-      </p:sp>
-      <p:sp>
-        <p:nvSpPr>
-          <p:cNvPr id="12" name="Text 10"/>
-          <p:cNvSpPr/>
-          <p:nvPr/>
-        </p:nvSpPr>
-        <p:spPr>
-          <a:xfrm>
-            <a:off x="2183011" y="3615809"/>
-            <a:ext cx="2835235" cy="354330"/>
-          </a:xfrm>
-          <a:prstGeom prst="rect">
-            <a:avLst/>
-          </a:prstGeom>
-          <a:noFill/>
-          <a:ln/>
-        </p:spPr>
-        <p:txBody>
-          <a:bodyPr wrap="none" lIns="0" tIns="0" rIns="0" bIns="0" rtlCol="0" anchor="t"/>
-          <a:lstStyle/>
-          <a:p>
-            <a:pPr marL="0" indent="0" algn="l">
-              <a:lnSpc>
-                <a:spcPts val="2750"/>
-              </a:lnSpc>
-              <a:buNone/>
-            </a:pPr>
-            <a:r>
-              <a:rPr lang="en-US" sz="2200" dirty="0">
-                <a:solidFill>
-                  <a:srgbClr val="BFBFBF"/>
-                </a:solidFill>
-                <a:latin typeface="Instrument Sans Medium" pitchFamily="34" charset="0"/>
-                <a:ea typeface="Instrument Sans Medium" pitchFamily="34" charset="-122"/>
-                <a:cs typeface="Instrument Sans Medium" pitchFamily="34" charset="-120"/>
-              </a:rPr>
-              <a:t>Diseño del Sistema</a:t>
-            </a:r>
-            <a:endParaRPr lang="en-US" sz="2200" dirty="0"/>
-          </a:p>
-        </p:txBody>
-      </p:sp>
-      <p:sp>
-        <p:nvSpPr>
-          <p:cNvPr id="13" name="Text 11"/>
-          <p:cNvSpPr/>
-          <p:nvPr/>
-        </p:nvSpPr>
-        <p:spPr>
-          <a:xfrm>
-            <a:off x="2183011" y="4106228"/>
-            <a:ext cx="11653599" cy="362903"/>
-          </a:xfrm>
-          <a:prstGeom prst="rect">
-            <a:avLst/>
-          </a:prstGeom>
-          <a:noFill/>
-          <a:ln/>
-        </p:spPr>
-        <p:txBody>
-          <a:bodyPr wrap="none" lIns="0" tIns="0" rIns="0" bIns="0" rtlCol="0" anchor="t"/>
-          <a:lstStyle/>
-          <a:p>
-            <a:pPr marL="0" indent="0" algn="l">
-              <a:lnSpc>
-                <a:spcPts val="2850"/>
-              </a:lnSpc>
-              <a:buNone/>
-            </a:pPr>
-            <a:r>
-              <a:rPr lang="en-US" sz="1750" dirty="0">
-                <a:solidFill>
-                  <a:srgbClr val="BFBFBF"/>
-                </a:solidFill>
-                <a:latin typeface="Open Sans" pitchFamily="34" charset="0"/>
-                <a:ea typeface="Open Sans" pitchFamily="34" charset="-122"/>
-                <a:cs typeface="Open Sans" pitchFamily="34" charset="-120"/>
-              </a:rPr>
-              <a:t>Interfaz y arquitectura validan un acceso rápido y confiable para usuarios.</a:t>
-            </a:r>
-            <a:endParaRPr lang="en-US" sz="1750" dirty="0"/>
-          </a:p>
-        </p:txBody>
-      </p:sp>
-      <p:sp>
-        <p:nvSpPr>
-          <p:cNvPr id="14" name="Shape 12"/>
-          <p:cNvSpPr/>
-          <p:nvPr/>
-        </p:nvSpPr>
-        <p:spPr>
-          <a:xfrm>
-            <a:off x="1273612" y="5162669"/>
-            <a:ext cx="680442" cy="30480"/>
-          </a:xfrm>
-          <a:prstGeom prst="roundRect">
-            <a:avLst>
-              <a:gd name="adj" fmla="val 111628"/>
-            </a:avLst>
-          </a:prstGeom>
-          <a:solidFill>
-            <a:srgbClr val="575757"/>
-          </a:solidFill>
-          <a:ln/>
-        </p:spPr>
-      </p:sp>
-      <p:sp>
-        <p:nvSpPr>
-          <p:cNvPr id="15" name="Shape 13"/>
-          <p:cNvSpPr/>
-          <p:nvPr/>
-        </p:nvSpPr>
-        <p:spPr>
-          <a:xfrm>
-            <a:off x="793790" y="4922758"/>
-            <a:ext cx="510302" cy="510302"/>
-          </a:xfrm>
-          <a:prstGeom prst="roundRect">
-            <a:avLst>
-              <a:gd name="adj" fmla="val 6667"/>
-            </a:avLst>
-          </a:prstGeom>
-          <a:solidFill>
-            <a:srgbClr val="3E3E3E"/>
-          </a:solidFill>
-          <a:ln/>
-        </p:spPr>
-      </p:sp>
-      <p:sp>
-        <p:nvSpPr>
-          <p:cNvPr id="16" name="Text 14"/>
-          <p:cNvSpPr/>
-          <p:nvPr/>
-        </p:nvSpPr>
-        <p:spPr>
-          <a:xfrm>
-            <a:off x="878860" y="4965263"/>
-            <a:ext cx="340162" cy="425291"/>
-          </a:xfrm>
-          <a:prstGeom prst="rect">
-            <a:avLst/>
-          </a:prstGeom>
-          <a:noFill/>
-          <a:ln/>
-        </p:spPr>
-        <p:txBody>
-          <a:bodyPr wrap="none" lIns="0" tIns="0" rIns="0" bIns="0" rtlCol="0" anchor="t"/>
-          <a:lstStyle/>
-          <a:p>
-            <a:pPr marL="0" indent="0" algn="ctr">
-              <a:lnSpc>
-                <a:spcPts val="2650"/>
-              </a:lnSpc>
-              <a:buNone/>
-            </a:pPr>
-            <a:r>
-              <a:rPr lang="en-US" sz="2650" dirty="0">
-                <a:solidFill>
-                  <a:srgbClr val="BFBFBF"/>
-                </a:solidFill>
-                <a:latin typeface="Instrument Sans Medium" pitchFamily="34" charset="0"/>
-                <a:ea typeface="Instrument Sans Medium" pitchFamily="34" charset="-122"/>
-                <a:cs typeface="Instrument Sans Medium" pitchFamily="34" charset="-120"/>
-              </a:rPr>
-              <a:t>3</a:t>
-            </a:r>
-            <a:endParaRPr lang="en-US" sz="2650" dirty="0"/>
-          </a:p>
-        </p:txBody>
-      </p:sp>
-      <p:sp>
-        <p:nvSpPr>
-          <p:cNvPr id="17" name="Text 15"/>
-          <p:cNvSpPr/>
-          <p:nvPr/>
-        </p:nvSpPr>
-        <p:spPr>
-          <a:xfrm>
-            <a:off x="2183011" y="5000625"/>
-            <a:ext cx="2980015" cy="354330"/>
-          </a:xfrm>
-          <a:prstGeom prst="rect">
-            <a:avLst/>
-          </a:prstGeom>
-          <a:noFill/>
-          <a:ln/>
-        </p:spPr>
-        <p:txBody>
-          <a:bodyPr wrap="none" lIns="0" tIns="0" rIns="0" bIns="0" rtlCol="0" anchor="t"/>
-          <a:lstStyle/>
-          <a:p>
-            <a:pPr marL="0" indent="0" algn="l">
-              <a:lnSpc>
-                <a:spcPts val="2750"/>
-              </a:lnSpc>
-              <a:buNone/>
-            </a:pPr>
-            <a:r>
-              <a:rPr lang="en-US" sz="2200" dirty="0">
-                <a:solidFill>
-                  <a:srgbClr val="BFBFBF"/>
-                </a:solidFill>
-                <a:latin typeface="Instrument Sans Medium" pitchFamily="34" charset="0"/>
-                <a:ea typeface="Instrument Sans Medium" pitchFamily="34" charset="-122"/>
-                <a:cs typeface="Instrument Sans Medium" pitchFamily="34" charset="-120"/>
-              </a:rPr>
-              <a:t>Implementación Piloto</a:t>
-            </a:r>
-            <a:endParaRPr lang="en-US" sz="2200" dirty="0"/>
-          </a:p>
-        </p:txBody>
-      </p:sp>
-      <p:sp>
-        <p:nvSpPr>
-          <p:cNvPr id="18" name="Text 16"/>
-          <p:cNvSpPr/>
-          <p:nvPr/>
-        </p:nvSpPr>
-        <p:spPr>
-          <a:xfrm>
-            <a:off x="2183011" y="5491043"/>
-            <a:ext cx="11653599" cy="362903"/>
-          </a:xfrm>
-          <a:prstGeom prst="rect">
-            <a:avLst/>
-          </a:prstGeom>
-          <a:noFill/>
-          <a:ln/>
-        </p:spPr>
-        <p:txBody>
-          <a:bodyPr wrap="none" lIns="0" tIns="0" rIns="0" bIns="0" rtlCol="0" anchor="t"/>
-          <a:lstStyle/>
-          <a:p>
-            <a:pPr marL="0" indent="0" algn="l">
-              <a:lnSpc>
-                <a:spcPts val="2850"/>
-              </a:lnSpc>
-              <a:buNone/>
-            </a:pPr>
-            <a:r>
-              <a:rPr lang="en-US" sz="1750" dirty="0">
-                <a:solidFill>
-                  <a:srgbClr val="BFBFBF"/>
-                </a:solidFill>
-                <a:latin typeface="Open Sans" pitchFamily="34" charset="0"/>
-                <a:ea typeface="Open Sans" pitchFamily="34" charset="-122"/>
-                <a:cs typeface="Open Sans" pitchFamily="34" charset="-120"/>
-              </a:rPr>
-              <a:t>Disminución del 75 % en errores y coordinación efectiva entre áreas.</a:t>
-            </a:r>
-            <a:endParaRPr lang="en-US" sz="1750" dirty="0"/>
-          </a:p>
-        </p:txBody>
-      </p:sp>
-      <p:sp>
-        <p:nvSpPr>
-          <p:cNvPr id="19" name="Shape 17"/>
-          <p:cNvSpPr/>
-          <p:nvPr/>
-        </p:nvSpPr>
-        <p:spPr>
-          <a:xfrm>
-            <a:off x="1273612" y="6547485"/>
-            <a:ext cx="680442" cy="30480"/>
-          </a:xfrm>
-          <a:prstGeom prst="roundRect">
-            <a:avLst>
-              <a:gd name="adj" fmla="val 111628"/>
-            </a:avLst>
-          </a:prstGeom>
-          <a:solidFill>
-            <a:srgbClr val="575757"/>
-          </a:solidFill>
-          <a:ln/>
-        </p:spPr>
-      </p:sp>
-      <p:sp>
-        <p:nvSpPr>
-          <p:cNvPr id="20" name="Shape 18"/>
-          <p:cNvSpPr/>
-          <p:nvPr/>
-        </p:nvSpPr>
-        <p:spPr>
-          <a:xfrm>
-            <a:off x="793790" y="6307574"/>
-            <a:ext cx="510302" cy="510302"/>
-          </a:xfrm>
-          <a:prstGeom prst="roundRect">
-            <a:avLst>
-              <a:gd name="adj" fmla="val 6667"/>
-            </a:avLst>
-          </a:prstGeom>
-          <a:solidFill>
-            <a:srgbClr val="3E3E3E"/>
-          </a:solidFill>
-          <a:ln/>
-        </p:spPr>
-      </p:sp>
-      <p:sp>
-        <p:nvSpPr>
-          <p:cNvPr id="21" name="Text 19"/>
-          <p:cNvSpPr/>
-          <p:nvPr/>
-        </p:nvSpPr>
-        <p:spPr>
-          <a:xfrm>
-            <a:off x="878860" y="6350079"/>
-            <a:ext cx="340162" cy="425291"/>
-          </a:xfrm>
-          <a:prstGeom prst="rect">
-            <a:avLst/>
-          </a:prstGeom>
-          <a:noFill/>
-          <a:ln/>
-        </p:spPr>
-        <p:txBody>
-          <a:bodyPr wrap="none" lIns="0" tIns="0" rIns="0" bIns="0" rtlCol="0" anchor="t"/>
-          <a:lstStyle/>
-          <a:p>
-            <a:pPr marL="0" indent="0" algn="ctr">
-              <a:lnSpc>
-                <a:spcPts val="2650"/>
-              </a:lnSpc>
-              <a:buNone/>
-            </a:pPr>
-            <a:r>
-              <a:rPr lang="en-US" sz="2650" dirty="0">
-                <a:solidFill>
-                  <a:srgbClr val="BFBFBF"/>
-                </a:solidFill>
-                <a:latin typeface="Instrument Sans Medium" pitchFamily="34" charset="0"/>
-                <a:ea typeface="Instrument Sans Medium" pitchFamily="34" charset="-122"/>
-                <a:cs typeface="Instrument Sans Medium" pitchFamily="34" charset="-120"/>
-              </a:rPr>
-              <a:t>4</a:t>
-            </a:r>
-            <a:endParaRPr lang="en-US" sz="2650" dirty="0"/>
-          </a:p>
-        </p:txBody>
-      </p:sp>
-      <p:sp>
-        <p:nvSpPr>
-          <p:cNvPr id="22" name="Text 20"/>
-          <p:cNvSpPr/>
-          <p:nvPr/>
-        </p:nvSpPr>
-        <p:spPr>
-          <a:xfrm>
-            <a:off x="2183011" y="6385441"/>
-            <a:ext cx="2955846" cy="354330"/>
-          </a:xfrm>
-          <a:prstGeom prst="rect">
-            <a:avLst/>
-          </a:prstGeom>
-          <a:noFill/>
-          <a:ln/>
-        </p:spPr>
-        <p:txBody>
-          <a:bodyPr wrap="none" lIns="0" tIns="0" rIns="0" bIns="0" rtlCol="0" anchor="t"/>
-          <a:lstStyle/>
-          <a:p>
-            <a:pPr marL="0" indent="0" algn="l">
-              <a:lnSpc>
-                <a:spcPts val="2750"/>
-              </a:lnSpc>
-              <a:buNone/>
-            </a:pPr>
-            <a:r>
-              <a:rPr lang="en-US" sz="2200" dirty="0">
-                <a:solidFill>
-                  <a:srgbClr val="BFBFBF"/>
-                </a:solidFill>
-                <a:latin typeface="Instrument Sans Medium" pitchFamily="34" charset="0"/>
-                <a:ea typeface="Instrument Sans Medium" pitchFamily="34" charset="-122"/>
-                <a:cs typeface="Instrument Sans Medium" pitchFamily="34" charset="-120"/>
-              </a:rPr>
-              <a:t>Evaluación de Impacto</a:t>
-            </a:r>
-            <a:endParaRPr lang="en-US" sz="2200" dirty="0"/>
-          </a:p>
-        </p:txBody>
-      </p:sp>
-      <p:sp>
-        <p:nvSpPr>
-          <p:cNvPr id="23" name="Text 21"/>
-          <p:cNvSpPr/>
-          <p:nvPr/>
-        </p:nvSpPr>
-        <p:spPr>
-          <a:xfrm>
-            <a:off x="2183011" y="6875859"/>
-            <a:ext cx="11653599" cy="362903"/>
-          </a:xfrm>
-          <a:prstGeom prst="rect">
-            <a:avLst/>
-          </a:prstGeom>
-          <a:noFill/>
-          <a:ln/>
-        </p:spPr>
-        <p:txBody>
-          <a:bodyPr wrap="none" lIns="0" tIns="0" rIns="0" bIns="0" rtlCol="0" anchor="t"/>
-          <a:lstStyle/>
-          <a:p>
-            <a:pPr marL="0" indent="0" algn="l">
-              <a:lnSpc>
-                <a:spcPts val="2850"/>
-              </a:lnSpc>
-              <a:buNone/>
-            </a:pPr>
-            <a:r>
-              <a:rPr lang="en-US" sz="1750" dirty="0">
-                <a:solidFill>
-                  <a:srgbClr val="BFBFBF"/>
-                </a:solidFill>
-                <a:latin typeface="Open Sans" pitchFamily="34" charset="0"/>
-                <a:ea typeface="Open Sans" pitchFamily="34" charset="-122"/>
-                <a:cs typeface="Open Sans" pitchFamily="34" charset="-120"/>
-              </a:rPr>
-              <a:t>Mejoras significativas en eficiencia, reducción de tiempos y satisfacción.</a:t>
-            </a:r>
-            <a:endParaRPr lang="en-US" sz="1750" dirty="0"/>
-          </a:p>
-        </p:txBody>
-      </p:sp>
-      <p:pic>
-        <p:nvPicPr>
-          <p:cNvPr id="24" name="Picture 23">
-            <a:extLst>
-              <a:ext uri="{FF2B5EF4-FFF2-40B4-BE49-F238E27FC236}">
-                <a16:creationId xmlns:a16="http://schemas.microsoft.com/office/drawing/2014/main" id="{7FD13F82-AEE9-18CE-EC0C-017836257F1F}"/>
-              </a:ext>
-            </a:extLst>
-          </p:cNvPr>
-          <p:cNvPicPr>
-            <a:picLocks noChangeAspect="1"/>
-          </p:cNvPicPr>
-          <p:nvPr/>
-        </p:nvPicPr>
-        <p:blipFill>
-          <a:blip r:embed="rId3"/>
-          <a:stretch>
-            <a:fillRect/>
-          </a:stretch>
-        </p:blipFill>
-        <p:spPr>
-          <a:xfrm>
-            <a:off x="12863245" y="7647811"/>
-            <a:ext cx="1664025" cy="516422"/>
-          </a:xfrm>
-          <a:prstGeom prst="rect">
-            <a:avLst/>
-          </a:prstGeom>
-        </p:spPr>
-      </p:pic>
-    </p:spTree>
-  </p:cSld>
-  <p:clrMapOvr>
-    <a:masterClrMapping/>
-  </p:clrMapOvr>
-</p:sld>
-</file>
-
-<file path=ppt/slides/slide18.xml><?xml version="1.0" encoding="utf-8"?>
-<p:sld xmlns:a="http://schemas.openxmlformats.org/drawingml/2006/main" xmlns:r="http://schemas.openxmlformats.org/officeDocument/2006/relationships" xmlns:p="http://schemas.openxmlformats.org/presentationml/2006/main">
-  <p:cSld>
-    <p:spTree>
-      <p:nvGrpSpPr>
-        <p:cNvPr id="1" name=""/>
-        <p:cNvGrpSpPr/>
-        <p:nvPr/>
-      </p:nvGrpSpPr>
-      <p:grpSpPr>
-        <a:xfrm>
-          <a:off x="0" y="0"/>
-          <a:ext cx="0" cy="0"/>
-          <a:chOff x="0" y="0"/>
-          <a:chExt cx="0" cy="0"/>
-        </a:xfrm>
-      </p:grpSpPr>
-      <p:sp>
-        <p:nvSpPr>
-          <p:cNvPr id="2" name="Text 0"/>
-          <p:cNvSpPr/>
-          <p:nvPr/>
-        </p:nvSpPr>
-        <p:spPr>
-          <a:xfrm>
-            <a:off x="793790" y="990719"/>
-            <a:ext cx="11223308" cy="708779"/>
-          </a:xfrm>
-          <a:prstGeom prst="rect">
-            <a:avLst/>
-          </a:prstGeom>
-          <a:noFill/>
-          <a:ln/>
-        </p:spPr>
-        <p:txBody>
-          <a:bodyPr wrap="none" lIns="0" tIns="0" rIns="0" bIns="0" rtlCol="0" anchor="t"/>
-          <a:lstStyle/>
-          <a:p>
-            <a:pPr marL="0" indent="0" algn="l">
-              <a:lnSpc>
-                <a:spcPts val="5550"/>
-              </a:lnSpc>
-              <a:buNone/>
-            </a:pPr>
-            <a:r>
-              <a:rPr lang="en-US" sz="4450" dirty="0">
-                <a:solidFill>
-                  <a:srgbClr val="FEFEFE"/>
-                </a:solidFill>
-                <a:latin typeface="Instrument Sans Medium" pitchFamily="34" charset="0"/>
-                <a:ea typeface="Instrument Sans Medium" pitchFamily="34" charset="-122"/>
-                <a:cs typeface="Instrument Sans Medium" pitchFamily="34" charset="-120"/>
-              </a:rPr>
-              <a:t>Recomendaciones para la Mejora Continua</a:t>
-            </a:r>
-            <a:endParaRPr lang="en-US" sz="4450" dirty="0"/>
-          </a:p>
-        </p:txBody>
-      </p:sp>
-      <p:sp>
-        <p:nvSpPr>
-          <p:cNvPr id="3" name="Shape 1"/>
-          <p:cNvSpPr/>
-          <p:nvPr/>
-        </p:nvSpPr>
-        <p:spPr>
-          <a:xfrm>
-            <a:off x="1048941" y="2153126"/>
-            <a:ext cx="30480" cy="5085636"/>
-          </a:xfrm>
-          <a:prstGeom prst="roundRect">
-            <a:avLst>
-              <a:gd name="adj" fmla="val 111628"/>
-            </a:avLst>
-          </a:prstGeom>
-          <a:solidFill>
-            <a:srgbClr val="575757"/>
-          </a:solidFill>
-          <a:ln/>
-        </p:spPr>
-      </p:sp>
-      <p:sp>
-        <p:nvSpPr>
-          <p:cNvPr id="4" name="Shape 2"/>
-          <p:cNvSpPr/>
-          <p:nvPr/>
-        </p:nvSpPr>
-        <p:spPr>
-          <a:xfrm>
-            <a:off x="1273612" y="2393037"/>
-            <a:ext cx="680442" cy="30480"/>
-          </a:xfrm>
-          <a:prstGeom prst="roundRect">
-            <a:avLst>
-              <a:gd name="adj" fmla="val 111628"/>
-            </a:avLst>
-          </a:prstGeom>
-          <a:solidFill>
-            <a:srgbClr val="575757"/>
-          </a:solidFill>
-          <a:ln/>
-        </p:spPr>
-      </p:sp>
-      <p:sp>
-        <p:nvSpPr>
-          <p:cNvPr id="5" name="Shape 3"/>
-          <p:cNvSpPr/>
-          <p:nvPr/>
-        </p:nvSpPr>
-        <p:spPr>
-          <a:xfrm>
-            <a:off x="793790" y="2153126"/>
-            <a:ext cx="510302" cy="510302"/>
-          </a:xfrm>
-          <a:prstGeom prst="roundRect">
-            <a:avLst>
-              <a:gd name="adj" fmla="val 6667"/>
-            </a:avLst>
-          </a:prstGeom>
-          <a:solidFill>
-            <a:srgbClr val="3E3E3E"/>
-          </a:solidFill>
-          <a:ln/>
-        </p:spPr>
-      </p:sp>
-      <p:sp>
-        <p:nvSpPr>
-          <p:cNvPr id="6" name="Text 4"/>
-          <p:cNvSpPr/>
-          <p:nvPr/>
-        </p:nvSpPr>
-        <p:spPr>
-          <a:xfrm>
-            <a:off x="878860" y="2195632"/>
-            <a:ext cx="340162" cy="425291"/>
-          </a:xfrm>
-          <a:prstGeom prst="rect">
-            <a:avLst/>
-          </a:prstGeom>
-          <a:noFill/>
-          <a:ln/>
-        </p:spPr>
-        <p:txBody>
-          <a:bodyPr wrap="none" lIns="0" tIns="0" rIns="0" bIns="0" rtlCol="0" anchor="t"/>
-          <a:lstStyle/>
-          <a:p>
-            <a:pPr marL="0" indent="0" algn="ctr">
-              <a:lnSpc>
-                <a:spcPts val="2650"/>
-              </a:lnSpc>
-              <a:buNone/>
-            </a:pPr>
-            <a:r>
-              <a:rPr lang="en-US" sz="2650" dirty="0">
-                <a:solidFill>
-                  <a:srgbClr val="BFBFBF"/>
-                </a:solidFill>
-                <a:latin typeface="Instrument Sans Medium" pitchFamily="34" charset="0"/>
-                <a:ea typeface="Instrument Sans Medium" pitchFamily="34" charset="-122"/>
-                <a:cs typeface="Instrument Sans Medium" pitchFamily="34" charset="-120"/>
-              </a:rPr>
-              <a:t>1</a:t>
-            </a:r>
-            <a:endParaRPr lang="en-US" sz="2650" dirty="0"/>
-          </a:p>
-        </p:txBody>
-      </p:sp>
-      <p:sp>
-        <p:nvSpPr>
-          <p:cNvPr id="7" name="Text 5"/>
-          <p:cNvSpPr/>
-          <p:nvPr/>
-        </p:nvSpPr>
-        <p:spPr>
-          <a:xfrm>
-            <a:off x="2183011" y="2230993"/>
-            <a:ext cx="3008828" cy="354330"/>
-          </a:xfrm>
-          <a:prstGeom prst="rect">
-            <a:avLst/>
-          </a:prstGeom>
-          <a:noFill/>
-          <a:ln/>
-        </p:spPr>
-        <p:txBody>
-          <a:bodyPr wrap="none" lIns="0" tIns="0" rIns="0" bIns="0" rtlCol="0" anchor="t"/>
-          <a:lstStyle/>
-          <a:p>
-            <a:pPr marL="0" indent="0" algn="l">
-              <a:lnSpc>
-                <a:spcPts val="2750"/>
-              </a:lnSpc>
-              <a:buNone/>
-            </a:pPr>
-            <a:r>
-              <a:rPr lang="en-US" sz="2200" dirty="0">
-                <a:solidFill>
-                  <a:srgbClr val="BFBFBF"/>
-                </a:solidFill>
-                <a:latin typeface="Instrument Sans Medium" pitchFamily="34" charset="0"/>
-                <a:ea typeface="Instrument Sans Medium" pitchFamily="34" charset="-122"/>
-                <a:cs typeface="Instrument Sans Medium" pitchFamily="34" charset="-120"/>
-              </a:rPr>
-              <a:t>Capacitación Continua</a:t>
-            </a:r>
-            <a:endParaRPr lang="en-US" sz="2200" dirty="0"/>
-          </a:p>
-        </p:txBody>
-      </p:sp>
-      <p:sp>
-        <p:nvSpPr>
-          <p:cNvPr id="8" name="Text 6"/>
-          <p:cNvSpPr/>
-          <p:nvPr/>
-        </p:nvSpPr>
-        <p:spPr>
-          <a:xfrm>
-            <a:off x="2183011" y="2721412"/>
-            <a:ext cx="11653599" cy="362903"/>
-          </a:xfrm>
-          <a:prstGeom prst="rect">
-            <a:avLst/>
-          </a:prstGeom>
-          <a:noFill/>
-          <a:ln/>
-        </p:spPr>
-        <p:txBody>
-          <a:bodyPr wrap="none" lIns="0" tIns="0" rIns="0" bIns="0" rtlCol="0" anchor="t"/>
-          <a:lstStyle/>
-          <a:p>
-            <a:pPr marL="0" indent="0" algn="l">
-              <a:lnSpc>
-                <a:spcPts val="2850"/>
-              </a:lnSpc>
-              <a:buNone/>
-            </a:pPr>
-            <a:r>
-              <a:rPr lang="en-US" sz="1750" dirty="0">
-                <a:solidFill>
-                  <a:srgbClr val="BFBFBF"/>
-                </a:solidFill>
-                <a:latin typeface="Open Sans" pitchFamily="34" charset="0"/>
-                <a:ea typeface="Open Sans" pitchFamily="34" charset="-122"/>
-                <a:cs typeface="Open Sans" pitchFamily="34" charset="-120"/>
-              </a:rPr>
-              <a:t>Implementar programas constantes para mejorar habilidades de los usuarios.</a:t>
-            </a:r>
-            <a:endParaRPr lang="en-US" sz="1750" dirty="0"/>
-          </a:p>
-        </p:txBody>
-      </p:sp>
-      <p:sp>
-        <p:nvSpPr>
-          <p:cNvPr id="9" name="Shape 7"/>
-          <p:cNvSpPr/>
-          <p:nvPr/>
-        </p:nvSpPr>
-        <p:spPr>
-          <a:xfrm>
-            <a:off x="1273612" y="3777853"/>
-            <a:ext cx="680442" cy="30480"/>
-          </a:xfrm>
-          <a:prstGeom prst="roundRect">
-            <a:avLst>
-              <a:gd name="adj" fmla="val 111628"/>
-            </a:avLst>
-          </a:prstGeom>
-          <a:solidFill>
-            <a:srgbClr val="575757"/>
-          </a:solidFill>
-          <a:ln/>
-        </p:spPr>
-      </p:sp>
-      <p:sp>
-        <p:nvSpPr>
-          <p:cNvPr id="10" name="Shape 8"/>
-          <p:cNvSpPr/>
-          <p:nvPr/>
-        </p:nvSpPr>
-        <p:spPr>
-          <a:xfrm>
-            <a:off x="793790" y="3537942"/>
-            <a:ext cx="510302" cy="510302"/>
-          </a:xfrm>
-          <a:prstGeom prst="roundRect">
-            <a:avLst>
-              <a:gd name="adj" fmla="val 6667"/>
-            </a:avLst>
-          </a:prstGeom>
-          <a:solidFill>
-            <a:srgbClr val="3E3E3E"/>
-          </a:solidFill>
-          <a:ln/>
-        </p:spPr>
-      </p:sp>
-      <p:sp>
-        <p:nvSpPr>
-          <p:cNvPr id="11" name="Text 9"/>
-          <p:cNvSpPr/>
-          <p:nvPr/>
-        </p:nvSpPr>
-        <p:spPr>
-          <a:xfrm>
-            <a:off x="878860" y="3580448"/>
-            <a:ext cx="340162" cy="425291"/>
-          </a:xfrm>
-          <a:prstGeom prst="rect">
-            <a:avLst/>
-          </a:prstGeom>
-          <a:noFill/>
-          <a:ln/>
-        </p:spPr>
-        <p:txBody>
-          <a:bodyPr wrap="none" lIns="0" tIns="0" rIns="0" bIns="0" rtlCol="0" anchor="t"/>
-          <a:lstStyle/>
-          <a:p>
-            <a:pPr marL="0" indent="0" algn="ctr">
-              <a:lnSpc>
-                <a:spcPts val="2650"/>
-              </a:lnSpc>
-              <a:buNone/>
-            </a:pPr>
-            <a:r>
-              <a:rPr lang="en-US" sz="2650" dirty="0">
-                <a:solidFill>
-                  <a:srgbClr val="BFBFBF"/>
-                </a:solidFill>
-                <a:latin typeface="Instrument Sans Medium" pitchFamily="34" charset="0"/>
-                <a:ea typeface="Instrument Sans Medium" pitchFamily="34" charset="-122"/>
-                <a:cs typeface="Instrument Sans Medium" pitchFamily="34" charset="-120"/>
-              </a:rPr>
-              <a:t>2</a:t>
-            </a:r>
-            <a:endParaRPr lang="en-US" sz="2650" dirty="0"/>
-          </a:p>
-        </p:txBody>
-      </p:sp>
-      <p:sp>
-        <p:nvSpPr>
-          <p:cNvPr id="12" name="Text 10"/>
-          <p:cNvSpPr/>
-          <p:nvPr/>
-        </p:nvSpPr>
-        <p:spPr>
-          <a:xfrm>
-            <a:off x="2183011" y="3615809"/>
-            <a:ext cx="2835235" cy="354330"/>
-          </a:xfrm>
-          <a:prstGeom prst="rect">
-            <a:avLst/>
-          </a:prstGeom>
-          <a:noFill/>
-          <a:ln/>
-        </p:spPr>
-        <p:txBody>
-          <a:bodyPr wrap="none" lIns="0" tIns="0" rIns="0" bIns="0" rtlCol="0" anchor="t"/>
-          <a:lstStyle/>
-          <a:p>
-            <a:pPr marL="0" indent="0" algn="l">
-              <a:lnSpc>
-                <a:spcPts val="2750"/>
-              </a:lnSpc>
-              <a:buNone/>
-            </a:pPr>
-            <a:r>
-              <a:rPr lang="en-US" sz="2200" dirty="0">
-                <a:solidFill>
-                  <a:srgbClr val="BFBFBF"/>
-                </a:solidFill>
-                <a:latin typeface="Instrument Sans Medium" pitchFamily="34" charset="0"/>
-                <a:ea typeface="Instrument Sans Medium" pitchFamily="34" charset="-122"/>
-                <a:cs typeface="Instrument Sans Medium" pitchFamily="34" charset="-120"/>
-              </a:rPr>
-              <a:t>Adaptación Móvil</a:t>
-            </a:r>
-            <a:endParaRPr lang="en-US" sz="2200" dirty="0"/>
-          </a:p>
-        </p:txBody>
-      </p:sp>
-      <p:sp>
-        <p:nvSpPr>
-          <p:cNvPr id="13" name="Text 11"/>
-          <p:cNvSpPr/>
-          <p:nvPr/>
-        </p:nvSpPr>
-        <p:spPr>
-          <a:xfrm>
-            <a:off x="2183011" y="4106228"/>
-            <a:ext cx="11653599" cy="362903"/>
-          </a:xfrm>
-          <a:prstGeom prst="rect">
-            <a:avLst/>
-          </a:prstGeom>
-          <a:noFill/>
-          <a:ln/>
-        </p:spPr>
-        <p:txBody>
-          <a:bodyPr wrap="none" lIns="0" tIns="0" rIns="0" bIns="0" rtlCol="0" anchor="t"/>
-          <a:lstStyle/>
-          <a:p>
-            <a:pPr marL="0" indent="0" algn="l">
-              <a:lnSpc>
-                <a:spcPts val="2850"/>
-              </a:lnSpc>
-              <a:buNone/>
-            </a:pPr>
-            <a:r>
-              <a:rPr lang="en-US" sz="1750" dirty="0">
-                <a:solidFill>
-                  <a:srgbClr val="BFBFBF"/>
-                </a:solidFill>
-                <a:latin typeface="Open Sans" pitchFamily="34" charset="0"/>
-                <a:ea typeface="Open Sans" pitchFamily="34" charset="-122"/>
-                <a:cs typeface="Open Sans" pitchFamily="34" charset="-120"/>
-              </a:rPr>
-              <a:t>Optimizar el sistema para facilitar acceso y gestión desde dispositivos móviles.</a:t>
-            </a:r>
-            <a:endParaRPr lang="en-US" sz="1750" dirty="0"/>
-          </a:p>
-        </p:txBody>
-      </p:sp>
-      <p:sp>
-        <p:nvSpPr>
-          <p:cNvPr id="14" name="Shape 12"/>
-          <p:cNvSpPr/>
-          <p:nvPr/>
-        </p:nvSpPr>
-        <p:spPr>
-          <a:xfrm>
-            <a:off x="1273612" y="5162669"/>
-            <a:ext cx="680442" cy="30480"/>
-          </a:xfrm>
-          <a:prstGeom prst="roundRect">
-            <a:avLst>
-              <a:gd name="adj" fmla="val 111628"/>
-            </a:avLst>
-          </a:prstGeom>
-          <a:solidFill>
-            <a:srgbClr val="575757"/>
-          </a:solidFill>
-          <a:ln/>
-        </p:spPr>
-      </p:sp>
-      <p:sp>
-        <p:nvSpPr>
-          <p:cNvPr id="15" name="Shape 13"/>
-          <p:cNvSpPr/>
-          <p:nvPr/>
-        </p:nvSpPr>
-        <p:spPr>
-          <a:xfrm>
-            <a:off x="793790" y="4922758"/>
-            <a:ext cx="510302" cy="510302"/>
-          </a:xfrm>
-          <a:prstGeom prst="roundRect">
-            <a:avLst>
-              <a:gd name="adj" fmla="val 6667"/>
-            </a:avLst>
-          </a:prstGeom>
-          <a:solidFill>
-            <a:srgbClr val="3E3E3E"/>
-          </a:solidFill>
-          <a:ln/>
-        </p:spPr>
-      </p:sp>
-      <p:sp>
-        <p:nvSpPr>
-          <p:cNvPr id="16" name="Text 14"/>
-          <p:cNvSpPr/>
-          <p:nvPr/>
-        </p:nvSpPr>
-        <p:spPr>
-          <a:xfrm>
-            <a:off x="878860" y="4965263"/>
-            <a:ext cx="340162" cy="425291"/>
-          </a:xfrm>
-          <a:prstGeom prst="rect">
-            <a:avLst/>
-          </a:prstGeom>
-          <a:noFill/>
-          <a:ln/>
-        </p:spPr>
-        <p:txBody>
-          <a:bodyPr wrap="none" lIns="0" tIns="0" rIns="0" bIns="0" rtlCol="0" anchor="t"/>
-          <a:lstStyle/>
-          <a:p>
-            <a:pPr marL="0" indent="0" algn="ctr">
-              <a:lnSpc>
-                <a:spcPts val="2650"/>
-              </a:lnSpc>
-              <a:buNone/>
-            </a:pPr>
-            <a:r>
-              <a:rPr lang="en-US" sz="2650" dirty="0">
-                <a:solidFill>
-                  <a:srgbClr val="BFBFBF"/>
-                </a:solidFill>
-                <a:latin typeface="Instrument Sans Medium" pitchFamily="34" charset="0"/>
-                <a:ea typeface="Instrument Sans Medium" pitchFamily="34" charset="-122"/>
-                <a:cs typeface="Instrument Sans Medium" pitchFamily="34" charset="-120"/>
-              </a:rPr>
-              <a:t>3</a:t>
-            </a:r>
-            <a:endParaRPr lang="en-US" sz="2650" dirty="0"/>
-          </a:p>
-        </p:txBody>
-      </p:sp>
-      <p:sp>
-        <p:nvSpPr>
-          <p:cNvPr id="17" name="Text 15"/>
-          <p:cNvSpPr/>
-          <p:nvPr/>
-        </p:nvSpPr>
-        <p:spPr>
-          <a:xfrm>
-            <a:off x="2183011" y="5000625"/>
-            <a:ext cx="3348037" cy="354330"/>
-          </a:xfrm>
-          <a:prstGeom prst="rect">
-            <a:avLst/>
-          </a:prstGeom>
-          <a:noFill/>
-          <a:ln/>
-        </p:spPr>
-        <p:txBody>
-          <a:bodyPr wrap="none" lIns="0" tIns="0" rIns="0" bIns="0" rtlCol="0" anchor="t"/>
-          <a:lstStyle/>
-          <a:p>
-            <a:pPr marL="0" indent="0" algn="l">
-              <a:lnSpc>
-                <a:spcPts val="2750"/>
-              </a:lnSpc>
-              <a:buNone/>
-            </a:pPr>
-            <a:r>
-              <a:rPr lang="en-US" sz="2200" dirty="0">
-                <a:solidFill>
-                  <a:srgbClr val="BFBFBF"/>
-                </a:solidFill>
-                <a:latin typeface="Instrument Sans Medium" pitchFamily="34" charset="0"/>
-                <a:ea typeface="Instrument Sans Medium" pitchFamily="34" charset="-122"/>
-                <a:cs typeface="Instrument Sans Medium" pitchFamily="34" charset="-120"/>
-              </a:rPr>
-              <a:t>Personalización por Roles</a:t>
-            </a:r>
-            <a:endParaRPr lang="en-US" sz="2200" dirty="0"/>
-          </a:p>
-        </p:txBody>
-      </p:sp>
-      <p:sp>
-        <p:nvSpPr>
-          <p:cNvPr id="18" name="Text 16"/>
-          <p:cNvSpPr/>
-          <p:nvPr/>
-        </p:nvSpPr>
-        <p:spPr>
-          <a:xfrm>
-            <a:off x="2183011" y="5491043"/>
-            <a:ext cx="11653599" cy="362903"/>
-          </a:xfrm>
-          <a:prstGeom prst="rect">
-            <a:avLst/>
-          </a:prstGeom>
-          <a:noFill/>
-          <a:ln/>
-        </p:spPr>
-        <p:txBody>
-          <a:bodyPr wrap="none" lIns="0" tIns="0" rIns="0" bIns="0" rtlCol="0" anchor="t"/>
-          <a:lstStyle/>
-          <a:p>
-            <a:pPr marL="0" indent="0" algn="l">
-              <a:lnSpc>
-                <a:spcPts val="2850"/>
-              </a:lnSpc>
-              <a:buNone/>
-            </a:pPr>
-            <a:r>
-              <a:rPr lang="en-US" sz="1750" dirty="0">
-                <a:solidFill>
-                  <a:srgbClr val="BFBFBF"/>
-                </a:solidFill>
-                <a:latin typeface="Open Sans" pitchFamily="34" charset="0"/>
-                <a:ea typeface="Open Sans" pitchFamily="34" charset="-122"/>
-                <a:cs typeface="Open Sans" pitchFamily="34" charset="-120"/>
-              </a:rPr>
-              <a:t>Configurar paneles según funciones para aumentar la eficiencia operativa.</a:t>
-            </a:r>
-            <a:endParaRPr lang="en-US" sz="1750" dirty="0"/>
-          </a:p>
-        </p:txBody>
-      </p:sp>
-      <p:sp>
-        <p:nvSpPr>
-          <p:cNvPr id="19" name="Shape 17"/>
-          <p:cNvSpPr/>
-          <p:nvPr/>
-        </p:nvSpPr>
-        <p:spPr>
-          <a:xfrm>
-            <a:off x="1273612" y="6547485"/>
-            <a:ext cx="680442" cy="30480"/>
-          </a:xfrm>
-          <a:prstGeom prst="roundRect">
-            <a:avLst>
-              <a:gd name="adj" fmla="val 111628"/>
-            </a:avLst>
-          </a:prstGeom>
-          <a:solidFill>
-            <a:srgbClr val="575757"/>
-          </a:solidFill>
-          <a:ln/>
-        </p:spPr>
-      </p:sp>
-      <p:sp>
-        <p:nvSpPr>
-          <p:cNvPr id="20" name="Shape 18"/>
-          <p:cNvSpPr/>
-          <p:nvPr/>
-        </p:nvSpPr>
-        <p:spPr>
-          <a:xfrm>
-            <a:off x="793790" y="6307574"/>
-            <a:ext cx="510302" cy="510302"/>
-          </a:xfrm>
-          <a:prstGeom prst="roundRect">
-            <a:avLst>
-              <a:gd name="adj" fmla="val 6667"/>
-            </a:avLst>
-          </a:prstGeom>
-          <a:solidFill>
-            <a:srgbClr val="3E3E3E"/>
-          </a:solidFill>
-          <a:ln/>
-        </p:spPr>
-      </p:sp>
-      <p:sp>
-        <p:nvSpPr>
-          <p:cNvPr id="21" name="Text 19"/>
-          <p:cNvSpPr/>
-          <p:nvPr/>
-        </p:nvSpPr>
-        <p:spPr>
-          <a:xfrm>
-            <a:off x="878860" y="6350079"/>
-            <a:ext cx="340162" cy="425291"/>
-          </a:xfrm>
-          <a:prstGeom prst="rect">
-            <a:avLst/>
-          </a:prstGeom>
-          <a:noFill/>
-          <a:ln/>
-        </p:spPr>
-        <p:txBody>
-          <a:bodyPr wrap="none" lIns="0" tIns="0" rIns="0" bIns="0" rtlCol="0" anchor="t"/>
-          <a:lstStyle/>
-          <a:p>
-            <a:pPr marL="0" indent="0" algn="ctr">
-              <a:lnSpc>
-                <a:spcPts val="2650"/>
-              </a:lnSpc>
-              <a:buNone/>
-            </a:pPr>
-            <a:r>
-              <a:rPr lang="en-US" sz="2650" dirty="0">
-                <a:solidFill>
-                  <a:srgbClr val="BFBFBF"/>
-                </a:solidFill>
-                <a:latin typeface="Instrument Sans Medium" pitchFamily="34" charset="0"/>
-                <a:ea typeface="Instrument Sans Medium" pitchFamily="34" charset="-122"/>
-                <a:cs typeface="Instrument Sans Medium" pitchFamily="34" charset="-120"/>
-              </a:rPr>
-              <a:t>4</a:t>
-            </a:r>
-            <a:endParaRPr lang="en-US" sz="2650" dirty="0"/>
-          </a:p>
-        </p:txBody>
-      </p:sp>
-      <p:sp>
-        <p:nvSpPr>
-          <p:cNvPr id="22" name="Text 20"/>
-          <p:cNvSpPr/>
-          <p:nvPr/>
-        </p:nvSpPr>
-        <p:spPr>
-          <a:xfrm>
-            <a:off x="2183011" y="6385441"/>
-            <a:ext cx="4046339" cy="354330"/>
-          </a:xfrm>
-          <a:prstGeom prst="rect">
-            <a:avLst/>
-          </a:prstGeom>
-          <a:noFill/>
-          <a:ln/>
-        </p:spPr>
-        <p:txBody>
-          <a:bodyPr wrap="none" lIns="0" tIns="0" rIns="0" bIns="0" rtlCol="0" anchor="t"/>
-          <a:lstStyle/>
-          <a:p>
-            <a:pPr marL="0" indent="0" algn="l">
-              <a:lnSpc>
-                <a:spcPts val="2750"/>
-              </a:lnSpc>
-              <a:buNone/>
-            </a:pPr>
-            <a:r>
-              <a:rPr lang="en-US" sz="2200" dirty="0">
-                <a:solidFill>
-                  <a:srgbClr val="BFBFBF"/>
-                </a:solidFill>
-                <a:latin typeface="Instrument Sans Medium" pitchFamily="34" charset="0"/>
-                <a:ea typeface="Instrument Sans Medium" pitchFamily="34" charset="-122"/>
-                <a:cs typeface="Instrument Sans Medium" pitchFamily="34" charset="-120"/>
-              </a:rPr>
-              <a:t>Inversión y Gestión del Cambio</a:t>
-            </a:r>
-            <a:endParaRPr lang="en-US" sz="2200" dirty="0"/>
-          </a:p>
-        </p:txBody>
-      </p:sp>
-      <p:sp>
-        <p:nvSpPr>
-          <p:cNvPr id="23" name="Text 21"/>
-          <p:cNvSpPr/>
-          <p:nvPr/>
-        </p:nvSpPr>
-        <p:spPr>
-          <a:xfrm>
-            <a:off x="2183011" y="6875859"/>
-            <a:ext cx="11653599" cy="362903"/>
-          </a:xfrm>
-          <a:prstGeom prst="rect">
-            <a:avLst/>
-          </a:prstGeom>
-          <a:noFill/>
-          <a:ln/>
-        </p:spPr>
-        <p:txBody>
-          <a:bodyPr wrap="none" lIns="0" tIns="0" rIns="0" bIns="0" rtlCol="0" anchor="t"/>
-          <a:lstStyle/>
-          <a:p>
-            <a:pPr marL="0" indent="0" algn="l">
-              <a:lnSpc>
-                <a:spcPts val="2850"/>
-              </a:lnSpc>
-              <a:buNone/>
-            </a:pPr>
-            <a:r>
-              <a:rPr lang="en-US" sz="1750" dirty="0">
-                <a:solidFill>
-                  <a:srgbClr val="BFBFBF"/>
-                </a:solidFill>
-                <a:latin typeface="Open Sans" pitchFamily="34" charset="0"/>
-                <a:ea typeface="Open Sans" pitchFamily="34" charset="-122"/>
-                <a:cs typeface="Open Sans" pitchFamily="34" charset="-120"/>
-              </a:rPr>
-              <a:t>Preparar recursos tecnológicos y abordar resistencia al cambio tecnológico.</a:t>
-            </a:r>
-            <a:endParaRPr lang="en-US" sz="1750" dirty="0"/>
-          </a:p>
-        </p:txBody>
-      </p:sp>
-      <p:pic>
-        <p:nvPicPr>
-          <p:cNvPr id="24" name="Picture 23">
-            <a:extLst>
-              <a:ext uri="{FF2B5EF4-FFF2-40B4-BE49-F238E27FC236}">
-                <a16:creationId xmlns:a16="http://schemas.microsoft.com/office/drawing/2014/main" id="{41FF0B35-02B9-A83B-CD95-CA6DB2E0B242}"/>
-              </a:ext>
-            </a:extLst>
-          </p:cNvPr>
-          <p:cNvPicPr>
-            <a:picLocks noChangeAspect="1"/>
-          </p:cNvPicPr>
-          <p:nvPr/>
-        </p:nvPicPr>
-        <p:blipFill>
-          <a:blip r:embed="rId3"/>
-          <a:stretch>
-            <a:fillRect/>
-          </a:stretch>
-        </p:blipFill>
-        <p:spPr>
-          <a:xfrm>
-            <a:off x="12863245" y="7647811"/>
-            <a:ext cx="1664025" cy="516422"/>
-          </a:xfrm>
-          <a:prstGeom prst="rect">
-            <a:avLst/>
-          </a:prstGeom>
-        </p:spPr>
-      </p:pic>
-    </p:spTree>
-  </p:cSld>
-  <p:clrMapOvr>
-    <a:masterClrMapping/>
-  </p:clrMapOvr>
-</p:sld>
-</file>
-
-<file path=ppt/slides/slide19.xml><?xml version="1.0" encoding="utf-8"?>
-<p:sld xmlns:a="http://schemas.openxmlformats.org/drawingml/2006/main" xmlns:r="http://schemas.openxmlformats.org/officeDocument/2006/relationships" xmlns:p="http://schemas.openxmlformats.org/presentationml/2006/main">
-  <p:cSld>
-    <p:spTree>
-      <p:nvGrpSpPr>
-        <p:cNvPr id="1" name=""/>
-        <p:cNvGrpSpPr/>
-        <p:nvPr/>
-      </p:nvGrpSpPr>
-      <p:grpSpPr>
-        <a:xfrm>
-          <a:off x="0" y="0"/>
-          <a:ext cx="0" cy="0"/>
-          <a:chOff x="0" y="0"/>
-          <a:chExt cx="0" cy="0"/>
-        </a:xfrm>
-      </p:grpSpPr>
-      <p:sp>
-        <p:nvSpPr>
-          <p:cNvPr id="2" name="Text 0"/>
-          <p:cNvSpPr/>
-          <p:nvPr/>
-        </p:nvSpPr>
-        <p:spPr>
-          <a:xfrm>
             <a:off x="3845214" y="1389688"/>
             <a:ext cx="6752749" cy="708779"/>
           </a:xfrm>
@@ -9243,8 +8237,8 @@
         </p:nvSpPr>
         <p:spPr>
           <a:xfrm>
-            <a:off x="6280190" y="624377"/>
-            <a:ext cx="7556421" cy="1417558"/>
+            <a:off x="6197997" y="614911"/>
+            <a:ext cx="8087743" cy="1475252"/>
           </a:xfrm>
           <a:prstGeom prst="rect">
             <a:avLst/>
@@ -9256,14 +8250,14 @@
           <a:bodyPr wrap="square" lIns="0" tIns="0" rIns="0" bIns="0" rtlCol="0" anchor="t"/>
           <a:lstStyle/>
           <a:p>
-            <a:pPr marL="0" indent="0">
+            <a:pPr marL="0" indent="0" algn="ctr">
               <a:lnSpc>
                 <a:spcPts val="5550"/>
               </a:lnSpc>
               <a:buNone/>
             </a:pPr>
             <a:r>
-              <a:rPr lang="en-US" sz="4450" dirty="0">
+              <a:rPr lang="en-US" sz="2800" dirty="0">
                 <a:solidFill>
                   <a:srgbClr val="FEFEFE"/>
                 </a:solidFill>
@@ -9271,97 +8265,9 @@
                 <a:ea typeface="Instrument Sans Medium" pitchFamily="34" charset="-122"/>
                 <a:cs typeface="Instrument Sans Medium" pitchFamily="34" charset="-120"/>
               </a:rPr>
-              <a:t>Gestion de </a:t>
-            </a:r>
-            <a:r>
-              <a:rPr lang="en-US" sz="4450" dirty="0" err="1">
-                <a:solidFill>
-                  <a:srgbClr val="FEFEFE"/>
-                </a:solidFill>
-                <a:latin typeface="Instrument Sans Medium" pitchFamily="34" charset="0"/>
-                <a:ea typeface="Instrument Sans Medium" pitchFamily="34" charset="-122"/>
-                <a:cs typeface="Instrument Sans Medium" pitchFamily="34" charset="-120"/>
-              </a:rPr>
-              <a:t>proyectos</a:t>
-            </a:r>
-            <a:r>
-              <a:rPr lang="en-US" sz="4450" dirty="0">
-                <a:solidFill>
-                  <a:srgbClr val="FEFEFE"/>
-                </a:solidFill>
-                <a:latin typeface="Instrument Sans Medium" pitchFamily="34" charset="0"/>
-                <a:ea typeface="Instrument Sans Medium" pitchFamily="34" charset="-122"/>
-                <a:cs typeface="Instrument Sans Medium" pitchFamily="34" charset="-120"/>
-              </a:rPr>
-              <a:t> de </a:t>
-            </a:r>
-            <a:r>
-              <a:rPr lang="en-US" sz="4450" dirty="0" err="1">
-                <a:solidFill>
-                  <a:srgbClr val="FEFEFE"/>
-                </a:solidFill>
-                <a:latin typeface="Instrument Sans Medium" pitchFamily="34" charset="0"/>
-                <a:ea typeface="Instrument Sans Medium" pitchFamily="34" charset="-122"/>
-                <a:cs typeface="Instrument Sans Medium" pitchFamily="34" charset="-120"/>
-              </a:rPr>
-              <a:t>edificación</a:t>
-            </a:r>
-            <a:r>
-              <a:rPr lang="en-US" sz="4450" dirty="0">
-                <a:solidFill>
-                  <a:srgbClr val="FEFEFE"/>
-                </a:solidFill>
-                <a:latin typeface="Instrument Sans Medium" pitchFamily="34" charset="0"/>
-                <a:ea typeface="Instrument Sans Medium" pitchFamily="34" charset="-122"/>
-                <a:cs typeface="Instrument Sans Medium" pitchFamily="34" charset="-120"/>
-              </a:rPr>
-              <a:t> para </a:t>
-            </a:r>
-            <a:r>
-              <a:rPr lang="en-US" sz="4450" dirty="0" err="1">
-                <a:solidFill>
-                  <a:srgbClr val="FEFEFE"/>
-                </a:solidFill>
-                <a:latin typeface="Instrument Sans Medium" pitchFamily="34" charset="0"/>
-                <a:ea typeface="Instrument Sans Medium" pitchFamily="34" charset="-122"/>
-                <a:cs typeface="Instrument Sans Medium" pitchFamily="34" charset="-120"/>
-              </a:rPr>
-              <a:t>empresa</a:t>
-            </a:r>
-            <a:r>
-              <a:rPr lang="en-US" sz="4450" dirty="0">
-                <a:solidFill>
-                  <a:srgbClr val="FEFEFE"/>
-                </a:solidFill>
-                <a:latin typeface="Instrument Sans Medium" pitchFamily="34" charset="0"/>
-                <a:ea typeface="Instrument Sans Medium" pitchFamily="34" charset="-122"/>
-                <a:cs typeface="Instrument Sans Medium" pitchFamily="34" charset="-120"/>
-              </a:rPr>
-              <a:t> de </a:t>
-            </a:r>
-            <a:r>
-              <a:rPr lang="en-US" sz="4450" dirty="0" err="1">
-                <a:solidFill>
-                  <a:srgbClr val="FEFEFE"/>
-                </a:solidFill>
-                <a:latin typeface="Instrument Sans Medium" pitchFamily="34" charset="0"/>
-                <a:ea typeface="Instrument Sans Medium" pitchFamily="34" charset="-122"/>
-                <a:cs typeface="Instrument Sans Medium" pitchFamily="34" charset="-120"/>
-              </a:rPr>
-              <a:t>andamios</a:t>
-            </a:r>
-            <a:r>
-              <a:rPr lang="en-US" sz="4450" dirty="0">
-                <a:solidFill>
-                  <a:srgbClr val="FEFEFE"/>
-                </a:solidFill>
-                <a:latin typeface="Instrument Sans Medium" pitchFamily="34" charset="0"/>
-                <a:ea typeface="Instrument Sans Medium" pitchFamily="34" charset="-122"/>
-                <a:cs typeface="Instrument Sans Medium" pitchFamily="34" charset="-120"/>
-              </a:rPr>
-              <a:t>.</a:t>
-            </a:r>
-            <a:endParaRPr lang="en-US" sz="4450" dirty="0"/>
+              <a:t>FABRICACIÓN Y EXPORTACIÓN DE EQUIPOS DE ANDAMIAJE Y APONTALAMIENTO</a:t>
+            </a:r>
+            <a:endParaRPr lang="en-US" sz="2800" dirty="0"/>
           </a:p>
         </p:txBody>
       </p:sp>
@@ -9444,10 +8350,10 @@
       </p:pic>
       <p:sp>
         <p:nvSpPr>
-          <p:cNvPr id="6" name="Flecha: a la derecha 5">
+          <p:cNvPr id="2" name="Text 0">
             <a:extLst>
               <a:ext uri="{FF2B5EF4-FFF2-40B4-BE49-F238E27FC236}">
-                <a16:creationId xmlns:a16="http://schemas.microsoft.com/office/drawing/2014/main" id="{057BE01E-00D5-2423-E66D-11BB837CF0E8}"/>
+                <a16:creationId xmlns:a16="http://schemas.microsoft.com/office/drawing/2014/main" id="{92839DB6-4C34-E068-C22F-3FF12DC22335}"/>
               </a:ext>
             </a:extLst>
           </p:cNvPr>
@@ -9456,35 +8362,419 @@
         </p:nvSpPr>
         <p:spPr>
           <a:xfrm>
-            <a:off x="6280190" y="3183467"/>
-            <a:ext cx="899543" cy="812800"/>
-          </a:xfrm>
-          <a:prstGeom prst="rightArrow">
-            <a:avLst/>
-          </a:prstGeom>
-        </p:spPr>
-        <p:style>
-          <a:lnRef idx="2">
-            <a:schemeClr val="accent1">
-              <a:shade val="15000"/>
-            </a:schemeClr>
-          </a:lnRef>
-          <a:fillRef idx="1">
-            <a:schemeClr val="accent1"/>
-          </a:fillRef>
-          <a:effectRef idx="0">
-            <a:schemeClr val="accent1"/>
-          </a:effectRef>
-          <a:fontRef idx="minor">
-            <a:schemeClr val="lt1"/>
-          </a:fontRef>
-        </p:style>
-        <p:txBody>
-          <a:bodyPr rtlCol="0" anchor="ctr"/>
-          <a:lstStyle/>
-          <a:p>
-            <a:pPr algn="ctr"/>
-            <a:endParaRPr lang="es-CL"/>
+            <a:off x="6389552" y="2506490"/>
+            <a:ext cx="4581837" cy="2090790"/>
+          </a:xfrm>
+          <a:prstGeom prst="rect">
+            <a:avLst/>
+          </a:prstGeom>
+          <a:noFill/>
+          <a:ln/>
+        </p:spPr>
+        <p:txBody>
+          <a:bodyPr wrap="square" lIns="0" tIns="0" rIns="0" bIns="0" rtlCol="0" anchor="t"/>
+          <a:lstStyle/>
+          <a:p>
+            <a:pPr algn="just"/>
+            <a:r>
+              <a:rPr lang="es-CL" dirty="0">
+                <a:solidFill>
+                  <a:schemeClr val="bg2"/>
+                </a:solidFill>
+              </a:rPr>
+              <a:t>Se enfrenta un problema relacionado con la falta de un historial o registro actualizado de los componentes de andamios despachados y pendientes. Esta carencia genera dificultades en la planificación y seguimiento de los proyectos, afectando la eficiencia operativa y la satisfacción del cliente. </a:t>
+            </a:r>
+            <a:endParaRPr lang="es-CL" b="1" dirty="0">
+              <a:solidFill>
+                <a:schemeClr val="bg2"/>
+              </a:solidFill>
+            </a:endParaRPr>
+          </a:p>
+        </p:txBody>
+      </p:sp>
+      <p:pic>
+        <p:nvPicPr>
+          <p:cNvPr id="4" name="Picture 2" descr="A Complete Guide on Constructors In C# | Simplilearn">
+            <a:extLst>
+              <a:ext uri="{FF2B5EF4-FFF2-40B4-BE49-F238E27FC236}">
+                <a16:creationId xmlns:a16="http://schemas.microsoft.com/office/drawing/2014/main" id="{EDFE8F16-40CB-4BCA-11E0-A0ABFECC7005}"/>
+              </a:ext>
+            </a:extLst>
+          </p:cNvPr>
+          <p:cNvPicPr>
+            <a:picLocks noChangeAspect="1" noChangeArrowheads="1"/>
+          </p:cNvPicPr>
+          <p:nvPr/>
+        </p:nvPicPr>
+        <p:blipFill>
+          <a:blip r:embed="rId5">
+            <a:extLst>
+              <a:ext uri="{28A0092B-C50C-407E-A947-70E740481C1C}">
+                <a14:useLocalDpi xmlns:a14="http://schemas.microsoft.com/office/drawing/2010/main" val="0"/>
+              </a:ext>
+            </a:extLst>
+          </a:blip>
+          <a:srcRect/>
+          <a:stretch>
+            <a:fillRect/>
+          </a:stretch>
+        </p:blipFill>
+        <p:spPr bwMode="auto">
+          <a:xfrm>
+            <a:off x="11486033" y="2912724"/>
+            <a:ext cx="2840804" cy="2840804"/>
+          </a:xfrm>
+          <a:prstGeom prst="rect">
+            <a:avLst/>
+          </a:prstGeom>
+          <a:noFill/>
+          <a:extLst>
+            <a:ext uri="{909E8E84-426E-40DD-AFC4-6F175D3DCCD1}">
+              <a14:hiddenFill xmlns:a14="http://schemas.microsoft.com/office/drawing/2010/main">
+                <a:solidFill>
+                  <a:srgbClr val="FFFFFF"/>
+                </a:solidFill>
+              </a14:hiddenFill>
+            </a:ext>
+          </a:extLst>
+        </p:spPr>
+      </p:pic>
+      <p:sp>
+        <p:nvSpPr>
+          <p:cNvPr id="5" name="Text 0">
+            <a:extLst>
+              <a:ext uri="{FF2B5EF4-FFF2-40B4-BE49-F238E27FC236}">
+                <a16:creationId xmlns:a16="http://schemas.microsoft.com/office/drawing/2014/main" id="{1FB43C24-7D02-637E-8F40-EB867C65A185}"/>
+              </a:ext>
+            </a:extLst>
+          </p:cNvPr>
+          <p:cNvSpPr/>
+          <p:nvPr/>
+        </p:nvSpPr>
+        <p:spPr>
+          <a:xfrm>
+            <a:off x="5763303" y="4876038"/>
+            <a:ext cx="4478565" cy="831005"/>
+          </a:xfrm>
+          <a:prstGeom prst="rect">
+            <a:avLst/>
+          </a:prstGeom>
+          <a:noFill/>
+          <a:ln/>
+        </p:spPr>
+        <p:txBody>
+          <a:bodyPr wrap="square" lIns="0" tIns="0" rIns="0" bIns="0" rtlCol="0" anchor="t"/>
+          <a:lstStyle/>
+          <a:p>
+            <a:pPr marL="0" indent="0" algn="ctr">
+              <a:lnSpc>
+                <a:spcPts val="5550"/>
+              </a:lnSpc>
+              <a:buNone/>
+            </a:pPr>
+            <a:r>
+              <a:rPr lang="en-US" sz="2800" dirty="0">
+                <a:solidFill>
+                  <a:srgbClr val="FEFEFE"/>
+                </a:solidFill>
+                <a:latin typeface="Instrument Sans Medium" pitchFamily="34" charset="0"/>
+                <a:ea typeface="Instrument Sans Medium" pitchFamily="34" charset="-122"/>
+                <a:cs typeface="Instrument Sans Medium" pitchFamily="34" charset="-120"/>
+              </a:rPr>
+              <a:t>PROBLEMAS</a:t>
+            </a:r>
+            <a:endParaRPr lang="en-US" sz="2800" dirty="0"/>
+          </a:p>
+        </p:txBody>
+      </p:sp>
+      <p:sp>
+        <p:nvSpPr>
+          <p:cNvPr id="7" name="Text 0">
+            <a:extLst>
+              <a:ext uri="{FF2B5EF4-FFF2-40B4-BE49-F238E27FC236}">
+                <a16:creationId xmlns:a16="http://schemas.microsoft.com/office/drawing/2014/main" id="{7DC3218C-AC90-5D19-CB0A-CE51C2781E64}"/>
+              </a:ext>
+            </a:extLst>
+          </p:cNvPr>
+          <p:cNvSpPr/>
+          <p:nvPr/>
+        </p:nvSpPr>
+        <p:spPr>
+          <a:xfrm>
+            <a:off x="6519435" y="5707043"/>
+            <a:ext cx="6605317" cy="831005"/>
+          </a:xfrm>
+          <a:prstGeom prst="rect">
+            <a:avLst/>
+          </a:prstGeom>
+          <a:noFill/>
+          <a:ln/>
+        </p:spPr>
+        <p:txBody>
+          <a:bodyPr wrap="square" lIns="0" tIns="0" rIns="0" bIns="0" rtlCol="0" anchor="t"/>
+          <a:lstStyle/>
+          <a:p>
+            <a:pPr marL="457200" indent="-457200">
+              <a:lnSpc>
+                <a:spcPts val="5550"/>
+              </a:lnSpc>
+              <a:buFont typeface="Arial" panose="020B0604020202020204" pitchFamily="34" charset="0"/>
+              <a:buChar char="•"/>
+            </a:pPr>
+            <a:r>
+              <a:rPr lang="en-US" sz="2000" dirty="0">
+                <a:solidFill>
+                  <a:schemeClr val="bg2"/>
+                </a:solidFill>
+              </a:rPr>
+              <a:t>Falta de </a:t>
+            </a:r>
+            <a:r>
+              <a:rPr lang="en-US" sz="2000" dirty="0" err="1">
+                <a:solidFill>
+                  <a:schemeClr val="bg2"/>
+                </a:solidFill>
+              </a:rPr>
+              <a:t>visualización</a:t>
+            </a:r>
+            <a:r>
+              <a:rPr lang="en-US" sz="2000" dirty="0">
+                <a:solidFill>
+                  <a:schemeClr val="bg2"/>
+                </a:solidFill>
+              </a:rPr>
+              <a:t> </a:t>
+            </a:r>
+            <a:r>
+              <a:rPr lang="en-US" sz="2000" dirty="0" err="1">
+                <a:solidFill>
+                  <a:schemeClr val="bg2"/>
+                </a:solidFill>
+              </a:rPr>
+              <a:t>en</a:t>
+            </a:r>
+            <a:r>
+              <a:rPr lang="en-US" sz="2000" dirty="0">
+                <a:solidFill>
+                  <a:schemeClr val="bg2"/>
+                </a:solidFill>
+              </a:rPr>
+              <a:t> </a:t>
+            </a:r>
+            <a:r>
+              <a:rPr lang="en-US" sz="2000" dirty="0" err="1">
+                <a:solidFill>
+                  <a:schemeClr val="bg2"/>
+                </a:solidFill>
+              </a:rPr>
+              <a:t>tiempo</a:t>
+            </a:r>
+            <a:r>
+              <a:rPr lang="en-US" sz="2000" dirty="0">
+                <a:solidFill>
+                  <a:schemeClr val="bg2"/>
+                </a:solidFill>
+              </a:rPr>
+              <a:t> real</a:t>
+            </a:r>
+          </a:p>
+          <a:p>
+            <a:pPr marL="457200" indent="-457200">
+              <a:lnSpc>
+                <a:spcPts val="5550"/>
+              </a:lnSpc>
+              <a:buFont typeface="Arial" panose="020B0604020202020204" pitchFamily="34" charset="0"/>
+              <a:buChar char="•"/>
+            </a:pPr>
+            <a:r>
+              <a:rPr lang="en-US" sz="2000" dirty="0" err="1">
+                <a:solidFill>
+                  <a:schemeClr val="bg2"/>
+                </a:solidFill>
+              </a:rPr>
+              <a:t>Errores</a:t>
+            </a:r>
+            <a:r>
+              <a:rPr lang="en-US" sz="2000" dirty="0">
+                <a:solidFill>
+                  <a:schemeClr val="bg2"/>
+                </a:solidFill>
+              </a:rPr>
+              <a:t> </a:t>
+            </a:r>
+            <a:r>
+              <a:rPr lang="en-US" sz="2000" dirty="0" err="1">
+                <a:solidFill>
+                  <a:schemeClr val="bg2"/>
+                </a:solidFill>
+              </a:rPr>
+              <a:t>en</a:t>
+            </a:r>
+            <a:r>
+              <a:rPr lang="en-US" sz="2000" dirty="0">
+                <a:solidFill>
+                  <a:schemeClr val="bg2"/>
+                </a:solidFill>
+              </a:rPr>
+              <a:t> </a:t>
+            </a:r>
+            <a:r>
+              <a:rPr lang="en-US" sz="2000" dirty="0" err="1">
+                <a:solidFill>
+                  <a:schemeClr val="bg2"/>
+                </a:solidFill>
+              </a:rPr>
+              <a:t>el</a:t>
+            </a:r>
+            <a:r>
+              <a:rPr lang="en-US" sz="2000" dirty="0">
+                <a:solidFill>
+                  <a:schemeClr val="bg2"/>
+                </a:solidFill>
+              </a:rPr>
+              <a:t> </a:t>
+            </a:r>
+            <a:r>
+              <a:rPr lang="en-US" sz="2000" dirty="0" err="1">
+                <a:solidFill>
+                  <a:schemeClr val="bg2"/>
+                </a:solidFill>
+              </a:rPr>
+              <a:t>inventario</a:t>
+            </a:r>
+            <a:r>
+              <a:rPr lang="en-US" sz="2000" dirty="0">
+                <a:solidFill>
+                  <a:schemeClr val="bg2"/>
+                </a:solidFill>
+              </a:rPr>
+              <a:t> </a:t>
+            </a:r>
+            <a:r>
+              <a:rPr lang="en-US" sz="2000" dirty="0" err="1">
+                <a:solidFill>
+                  <a:schemeClr val="bg2"/>
+                </a:solidFill>
+              </a:rPr>
+              <a:t>por</a:t>
+            </a:r>
+            <a:r>
+              <a:rPr lang="en-US" sz="2000" dirty="0">
+                <a:solidFill>
+                  <a:schemeClr val="bg2"/>
+                </a:solidFill>
+              </a:rPr>
+              <a:t> </a:t>
+            </a:r>
+            <a:r>
+              <a:rPr lang="en-US" sz="2000" dirty="0" err="1">
+                <a:solidFill>
+                  <a:schemeClr val="bg2"/>
+                </a:solidFill>
+              </a:rPr>
+              <a:t>falta</a:t>
+            </a:r>
+            <a:r>
+              <a:rPr lang="en-US" sz="2000" dirty="0">
+                <a:solidFill>
+                  <a:schemeClr val="bg2"/>
+                </a:solidFill>
+              </a:rPr>
+              <a:t> de </a:t>
+            </a:r>
+            <a:r>
+              <a:rPr lang="en-US" sz="2000" dirty="0" err="1">
+                <a:solidFill>
+                  <a:schemeClr val="bg2"/>
+                </a:solidFill>
+              </a:rPr>
+              <a:t>registros</a:t>
+            </a:r>
+            <a:endParaRPr lang="en-US" sz="2000" dirty="0">
+              <a:solidFill>
+                <a:schemeClr val="bg2"/>
+              </a:solidFill>
+            </a:endParaRPr>
+          </a:p>
+          <a:p>
+            <a:pPr marL="457200" indent="-457200">
+              <a:lnSpc>
+                <a:spcPts val="5550"/>
+              </a:lnSpc>
+              <a:buFont typeface="Arial" panose="020B0604020202020204" pitchFamily="34" charset="0"/>
+              <a:buChar char="•"/>
+            </a:pPr>
+            <a:r>
+              <a:rPr lang="en-US" sz="2000" dirty="0">
+                <a:solidFill>
+                  <a:schemeClr val="bg2"/>
+                </a:solidFill>
+              </a:rPr>
+              <a:t>Falta de </a:t>
+            </a:r>
+            <a:r>
+              <a:rPr lang="en-US" sz="2000" dirty="0" err="1">
+                <a:solidFill>
+                  <a:schemeClr val="bg2"/>
+                </a:solidFill>
+              </a:rPr>
+              <a:t>coordinación</a:t>
+            </a:r>
+            <a:r>
+              <a:rPr lang="en-US" sz="2000" dirty="0">
+                <a:solidFill>
+                  <a:schemeClr val="bg2"/>
+                </a:solidFill>
+              </a:rPr>
+              <a:t> </a:t>
+            </a:r>
+            <a:r>
+              <a:rPr lang="en-US" sz="2000" dirty="0" err="1">
+                <a:solidFill>
+                  <a:schemeClr val="bg2"/>
+                </a:solidFill>
+              </a:rPr>
+              <a:t>en</a:t>
+            </a:r>
+            <a:r>
+              <a:rPr lang="en-US" sz="2000" dirty="0">
+                <a:solidFill>
+                  <a:schemeClr val="bg2"/>
+                </a:solidFill>
+              </a:rPr>
+              <a:t> areas </a:t>
+            </a:r>
+            <a:r>
+              <a:rPr lang="en-US" sz="2000" dirty="0" err="1">
+                <a:solidFill>
+                  <a:schemeClr val="bg2"/>
+                </a:solidFill>
+              </a:rPr>
+              <a:t>relacionadas</a:t>
+            </a:r>
+            <a:endParaRPr lang="en-US" sz="2000" dirty="0">
+              <a:solidFill>
+                <a:schemeClr val="bg2"/>
+              </a:solidFill>
+            </a:endParaRPr>
+          </a:p>
+          <a:p>
+            <a:pPr marL="0" indent="0">
+              <a:lnSpc>
+                <a:spcPts val="5550"/>
+              </a:lnSpc>
+              <a:buNone/>
+            </a:pPr>
+            <a:endParaRPr lang="en-US" sz="2800" dirty="0"/>
+          </a:p>
+          <a:p>
+            <a:pPr marL="0" indent="0">
+              <a:lnSpc>
+                <a:spcPts val="5550"/>
+              </a:lnSpc>
+              <a:buNone/>
+            </a:pPr>
+            <a:endParaRPr lang="en-US" sz="2800" dirty="0"/>
           </a:p>
         </p:txBody>
       </p:sp>
@@ -9545,7 +8835,7 @@
         </p:nvSpPr>
         <p:spPr>
           <a:xfrm>
-            <a:off x="617458" y="2692360"/>
+            <a:off x="617458" y="2603957"/>
             <a:ext cx="4614267" cy="551378"/>
           </a:xfrm>
           <a:prstGeom prst="rect">
@@ -9565,17 +8855,32 @@
               <a:buNone/>
             </a:pPr>
             <a:r>
-              <a:rPr lang="en-US" sz="3450" dirty="0">
+              <a:rPr lang="es-CL" sz="3450" i="1" noProof="0" dirty="0">
                 <a:solidFill>
                   <a:srgbClr val="FEFEFE"/>
                 </a:solidFill>
+                <a:effectLst>
+                  <a:outerShdw blurRad="38100" dist="38100" dir="2700000" algn="tl">
+                    <a:srgbClr val="000000">
+                      <a:alpha val="43137"/>
+                    </a:srgbClr>
+                  </a:outerShdw>
+                </a:effectLst>
                 <a:latin typeface="Instrument Sans Medium" pitchFamily="34" charset="0"/>
                 <a:ea typeface="Instrument Sans Medium" pitchFamily="34" charset="-122"/>
                 <a:cs typeface="Instrument Sans Medium" pitchFamily="34" charset="-120"/>
               </a:rPr>
-              <a:t>Objetivos del Proyecto</a:t>
-            </a:r>
-            <a:endParaRPr lang="en-US" sz="3450" dirty="0"/>
+              <a:t>Implementación sistema de gestión de despachos</a:t>
+            </a:r>
+            <a:endParaRPr lang="es-CL" sz="3450" i="1" noProof="0" dirty="0">
+              <a:effectLst>
+                <a:outerShdw blurRad="38100" dist="38100" dir="2700000" algn="tl">
+                  <a:srgbClr val="000000">
+                    <a:alpha val="43137"/>
+                  </a:srgbClr>
+                </a:outerShdw>
+              </a:effectLst>
+            </a:endParaRPr>
           </a:p>
         </p:txBody>
       </p:sp>
@@ -9631,7 +8936,7 @@
               <a:buNone/>
             </a:pPr>
             <a:r>
-              <a:rPr lang="en-US" sz="1700" dirty="0">
+              <a:rPr lang="es-CL" sz="1700" noProof="0" dirty="0">
                 <a:solidFill>
                   <a:srgbClr val="BFBFBF"/>
                 </a:solidFill>
@@ -9641,7 +8946,7 @@
               </a:rPr>
               <a:t>Diagnosticar deficiencias</a:t>
             </a:r>
-            <a:endParaRPr lang="en-US" sz="1700" dirty="0"/>
+            <a:endParaRPr lang="es-CL" sz="1700" noProof="0" dirty="0"/>
           </a:p>
         </p:txBody>
       </p:sp>
@@ -9673,7 +8978,7 @@
               <a:buNone/>
             </a:pPr>
             <a:r>
-              <a:rPr lang="en-US" sz="1350" dirty="0">
+              <a:rPr lang="es-CL" sz="1350" noProof="0" dirty="0">
                 <a:solidFill>
                   <a:srgbClr val="BFBFBF"/>
                 </a:solidFill>
@@ -9683,7 +8988,7 @@
               </a:rPr>
               <a:t>Analizar las necesidades y dificultades operativas en el proceso actual de gestión de despachos.</a:t>
             </a:r>
-            <a:endParaRPr lang="en-US" sz="1350" dirty="0"/>
+            <a:endParaRPr lang="es-CL" sz="1350" noProof="0" dirty="0"/>
           </a:p>
         </p:txBody>
       </p:sp>
@@ -9739,7 +9044,7 @@
               <a:buNone/>
             </a:pPr>
             <a:r>
-              <a:rPr lang="en-US" sz="1700" dirty="0">
+              <a:rPr lang="es-CL" sz="1700" noProof="0" dirty="0">
                 <a:solidFill>
                   <a:srgbClr val="BFBFBF"/>
                 </a:solidFill>
@@ -9749,7 +9054,7 @@
               </a:rPr>
               <a:t>Diseñar sistema</a:t>
             </a:r>
-            <a:endParaRPr lang="en-US" sz="1700" dirty="0"/>
+            <a:endParaRPr lang="es-CL" sz="1700" noProof="0" dirty="0"/>
           </a:p>
         </p:txBody>
       </p:sp>
@@ -9781,7 +9086,7 @@
               <a:buNone/>
             </a:pPr>
             <a:r>
-              <a:rPr lang="en-US" sz="1350" dirty="0">
+              <a:rPr lang="es-CL" sz="1350" noProof="0" dirty="0">
                 <a:solidFill>
                   <a:srgbClr val="BFBFBF"/>
                 </a:solidFill>
@@ -9789,9 +9094,9 @@
                 <a:ea typeface="Open Sans" pitchFamily="34" charset="-122"/>
                 <a:cs typeface="Open Sans" pitchFamily="34" charset="-120"/>
               </a:rPr>
-              <a:t>Crear un sistema que registre en tiempo real el estado de los componentes de andamios.</a:t>
-            </a:r>
-            <a:endParaRPr lang="en-US" sz="1350" dirty="0"/>
+              <a:t>Crear un sistema que registre en tiempo real el estado de los componentes de andamios de las diferentes sucursales</a:t>
+            </a:r>
+            <a:endParaRPr lang="es-CL" sz="1350" noProof="0" dirty="0"/>
           </a:p>
         </p:txBody>
       </p:sp>
@@ -9847,7 +9152,7 @@
               <a:buNone/>
             </a:pPr>
             <a:r>
-              <a:rPr lang="en-US" sz="1700" dirty="0">
+              <a:rPr lang="es-CL" sz="1700" noProof="0" dirty="0">
                 <a:solidFill>
                   <a:srgbClr val="BFBFBF"/>
                 </a:solidFill>
@@ -9857,7 +9162,7 @@
               </a:rPr>
               <a:t>Implementar en pruebas</a:t>
             </a:r>
-            <a:endParaRPr lang="en-US" sz="1700" dirty="0"/>
+            <a:endParaRPr lang="es-CL" sz="1700" noProof="0" dirty="0"/>
           </a:p>
         </p:txBody>
       </p:sp>
@@ -9889,7 +9194,7 @@
               <a:buNone/>
             </a:pPr>
             <a:r>
-              <a:rPr lang="en-US" sz="1350" dirty="0">
+              <a:rPr lang="es-CL" sz="1350" noProof="0" dirty="0">
                 <a:solidFill>
                   <a:srgbClr val="BFBFBF"/>
                 </a:solidFill>
@@ -9899,7 +9204,7 @@
               </a:rPr>
               <a:t>Poner en marcha el sistema en un entorno controlado para evaluar su funcionalidad y eficiencia.</a:t>
             </a:r>
-            <a:endParaRPr lang="en-US" sz="1350" dirty="0"/>
+            <a:endParaRPr lang="es-CL" sz="1350" noProof="0" dirty="0"/>
           </a:p>
         </p:txBody>
       </p:sp>
@@ -9955,7 +9260,7 @@
               <a:buNone/>
             </a:pPr>
             <a:r>
-              <a:rPr lang="en-US" sz="1700" dirty="0">
+              <a:rPr lang="es-CL" sz="1700" noProof="0" dirty="0">
                 <a:solidFill>
                   <a:srgbClr val="BFBFBF"/>
                 </a:solidFill>
@@ -9965,7 +9270,7 @@
               </a:rPr>
               <a:t>Evaluar impacto</a:t>
             </a:r>
-            <a:endParaRPr lang="en-US" sz="1700" dirty="0"/>
+            <a:endParaRPr lang="es-CL" sz="1700" noProof="0" dirty="0"/>
           </a:p>
         </p:txBody>
       </p:sp>
@@ -9997,7 +9302,7 @@
               <a:buNone/>
             </a:pPr>
             <a:r>
-              <a:rPr lang="en-US" sz="1350" dirty="0">
+              <a:rPr lang="es-CL" sz="1350" noProof="0" dirty="0">
                 <a:solidFill>
                   <a:srgbClr val="BFBFBF"/>
                 </a:solidFill>
@@ -10007,7 +9312,7 @@
               </a:rPr>
               <a:t>Medir la eficiencia operativa y satisfacción del cliente mediante métricas de desempeño y encuestas.</a:t>
             </a:r>
-            <a:endParaRPr lang="en-US" sz="1350" dirty="0"/>
+            <a:endParaRPr lang="es-CL" sz="1350" noProof="0" dirty="0"/>
           </a:p>
         </p:txBody>
       </p:sp>
@@ -10899,7 +10204,7 @@
               <a:buNone/>
             </a:pPr>
             <a:r>
-              <a:rPr lang="en-US" sz="2200" dirty="0">
+              <a:rPr lang="en-US" sz="2200" dirty="0" err="1">
                 <a:solidFill>
                   <a:srgbClr val="BFBFBF"/>
                 </a:solidFill>
@@ -10907,7 +10212,29 @@
                 <a:ea typeface="Instrument Sans Medium" pitchFamily="34" charset="-122"/>
                 <a:cs typeface="Instrument Sans Medium" pitchFamily="34" charset="-120"/>
               </a:rPr>
-              <a:t>Gestión logística y trazabilidad</a:t>
+              <a:t>Gestión</a:t>
+            </a:r>
+            <a:r>
+              <a:rPr lang="en-US" sz="2200" dirty="0">
+                <a:solidFill>
+                  <a:srgbClr val="BFBFBF"/>
+                </a:solidFill>
+                <a:latin typeface="Instrument Sans Medium" pitchFamily="34" charset="0"/>
+                <a:ea typeface="Instrument Sans Medium" pitchFamily="34" charset="-122"/>
+                <a:cs typeface="Instrument Sans Medium" pitchFamily="34" charset="-120"/>
+              </a:rPr>
+              <a:t> </a:t>
+            </a:r>
+            <a:r>
+              <a:rPr lang="en-US" sz="2200" dirty="0" err="1">
+                <a:solidFill>
+                  <a:srgbClr val="BFBFBF"/>
+                </a:solidFill>
+                <a:latin typeface="Instrument Sans Medium" pitchFamily="34" charset="0"/>
+                <a:ea typeface="Instrument Sans Medium" pitchFamily="34" charset="-122"/>
+                <a:cs typeface="Instrument Sans Medium" pitchFamily="34" charset="-120"/>
+              </a:rPr>
+              <a:t>logística</a:t>
             </a:r>
             <a:endParaRPr lang="en-US" sz="2200" dirty="0"/>
           </a:p>
@@ -10949,7 +10276,7 @@
                 <a:ea typeface="Open Sans" pitchFamily="34" charset="-122"/>
                 <a:cs typeface="Open Sans" pitchFamily="34" charset="-120"/>
               </a:rPr>
-              <a:t>La trazabilidad en la cadena de suministro es un factor clave para optimizar procesos logísticos. La digitalización de los procesos de despacho permite mejorar la planificación interna y responder más rápidamente a los requerimientos del cliente.</a:t>
+              <a:t>La digitalización de los procesos de despacho permite mejorar la planificación interna y responder más rápidamente a los requerimientos del cliente.</a:t>
             </a:r>
             <a:endParaRPr lang="en-US" sz="1750" dirty="0"/>
           </a:p>
@@ -13135,7 +12462,7 @@
                 <a:ea typeface="Open Sans" pitchFamily="34" charset="-122"/>
                 <a:cs typeface="Open Sans" pitchFamily="34" charset="-120"/>
               </a:rPr>
-              <a:t>Cliente (Frontend): Interfaz web responsiva (HTML, CSS, JavaScript + React/Vue.js)</a:t>
+              <a:t>Cliente (Frontend): Interfaz web responsiva (HTML, CSS, JavaScript )</a:t>
             </a:r>
             <a:endParaRPr lang="en-US" sz="1200" dirty="0"/>
           </a:p>
@@ -13221,7 +12548,51 @@
                 <a:ea typeface="Open Sans" pitchFamily="34" charset="-122"/>
                 <a:cs typeface="Open Sans" pitchFamily="34" charset="-120"/>
               </a:rPr>
-              <a:t>Base de Datos: Modelo Relacional (MySQL o PostgreSQL)</a:t>
+              <a:t>Base de Datos: MongoDB con </a:t>
+            </a:r>
+            <a:r>
+              <a:rPr lang="en-US" sz="1200" dirty="0" err="1">
+                <a:solidFill>
+                  <a:srgbClr val="BFBFBF"/>
+                </a:solidFill>
+                <a:latin typeface="Open Sans" pitchFamily="34" charset="0"/>
+                <a:ea typeface="Open Sans" pitchFamily="34" charset="-122"/>
+                <a:cs typeface="Open Sans" pitchFamily="34" charset="-120"/>
+              </a:rPr>
+              <a:t>visualizacion</a:t>
+            </a:r>
+            <a:r>
+              <a:rPr lang="en-US" sz="1200" dirty="0">
+                <a:solidFill>
+                  <a:srgbClr val="BFBFBF"/>
+                </a:solidFill>
+                <a:latin typeface="Open Sans" pitchFamily="34" charset="0"/>
+                <a:ea typeface="Open Sans" pitchFamily="34" charset="-122"/>
+                <a:cs typeface="Open Sans" pitchFamily="34" charset="-120"/>
+              </a:rPr>
+              <a:t> </a:t>
+            </a:r>
+            <a:r>
+              <a:rPr lang="en-US" sz="1200" dirty="0" err="1">
+                <a:solidFill>
+                  <a:srgbClr val="BFBFBF"/>
+                </a:solidFill>
+                <a:latin typeface="Open Sans" pitchFamily="34" charset="0"/>
+                <a:ea typeface="Open Sans" pitchFamily="34" charset="-122"/>
+                <a:cs typeface="Open Sans" pitchFamily="34" charset="-120"/>
+              </a:rPr>
+              <a:t>en</a:t>
+            </a:r>
+            <a:r>
+              <a:rPr lang="en-US" sz="1200" dirty="0">
+                <a:solidFill>
+                  <a:srgbClr val="BFBFBF"/>
+                </a:solidFill>
+                <a:latin typeface="Open Sans" pitchFamily="34" charset="0"/>
+                <a:ea typeface="Open Sans" pitchFamily="34" charset="-122"/>
+                <a:cs typeface="Open Sans" pitchFamily="34" charset="-120"/>
+              </a:rPr>
+              <a:t> MongoDB Compass</a:t>
             </a:r>
             <a:endParaRPr lang="en-US" sz="1200" dirty="0"/>
           </a:p>
@@ -13271,13 +12642,13 @@
       </p:sp>
       <p:sp>
         <p:nvSpPr>
-          <p:cNvPr id="9" name="Text 7"/>
-          <p:cNvSpPr/>
-          <p:nvPr/>
-        </p:nvSpPr>
-        <p:spPr>
-          <a:xfrm>
-            <a:off x="7511058" y="1687830"/>
+          <p:cNvPr id="10" name="Text 8"/>
+          <p:cNvSpPr/>
+          <p:nvPr/>
+        </p:nvSpPr>
+        <p:spPr>
+          <a:xfrm>
+            <a:off x="7503437" y="1693500"/>
             <a:ext cx="6586776" cy="246817"/>
           </a:xfrm>
           <a:prstGeom prst="rect">
@@ -13306,7 +12677,7 @@
                 <a:ea typeface="Open Sans" pitchFamily="34" charset="-122"/>
                 <a:cs typeface="Open Sans" pitchFamily="34" charset="-120"/>
               </a:rPr>
-              <a:t>Autenticación: Control de acceso por roles</a:t>
+              <a:t>Gestión de Despachos: Registro y seguimiento en tiempo real</a:t>
             </a:r>
             <a:endParaRPr lang="en-US" sz="1200" dirty="0"/>
           </a:p>
@@ -13314,13 +12685,13 @@
       </p:sp>
       <p:sp>
         <p:nvSpPr>
-          <p:cNvPr id="10" name="Text 8"/>
-          <p:cNvSpPr/>
-          <p:nvPr/>
-        </p:nvSpPr>
-        <p:spPr>
-          <a:xfrm>
-            <a:off x="7511058" y="1988582"/>
+          <p:cNvPr id="11" name="Text 9"/>
+          <p:cNvSpPr/>
+          <p:nvPr/>
+        </p:nvSpPr>
+        <p:spPr>
+          <a:xfrm>
+            <a:off x="7503437" y="2058054"/>
             <a:ext cx="6586776" cy="246817"/>
           </a:xfrm>
           <a:prstGeom prst="rect">
@@ -13349,7 +12720,40 @@
                 <a:ea typeface="Open Sans" pitchFamily="34" charset="-122"/>
                 <a:cs typeface="Open Sans" pitchFamily="34" charset="-120"/>
               </a:rPr>
-              <a:t>Gestión de Despachos: Registro y seguimiento en tiempo real</a:t>
+              <a:t>Inventario: </a:t>
+            </a:r>
+            <a:r>
+              <a:rPr lang="en-US" sz="1200" dirty="0" err="1">
+                <a:solidFill>
+                  <a:srgbClr val="BFBFBF"/>
+                </a:solidFill>
+                <a:latin typeface="Open Sans" pitchFamily="34" charset="0"/>
+                <a:ea typeface="Open Sans" pitchFamily="34" charset="-122"/>
+                <a:cs typeface="Open Sans" pitchFamily="34" charset="-120"/>
+              </a:rPr>
+              <a:t>Visualización</a:t>
+            </a:r>
+            <a:r>
+              <a:rPr lang="en-US" sz="1200" dirty="0">
+                <a:solidFill>
+                  <a:srgbClr val="BFBFBF"/>
+                </a:solidFill>
+                <a:latin typeface="Open Sans" pitchFamily="34" charset="0"/>
+                <a:ea typeface="Open Sans" pitchFamily="34" charset="-122"/>
+                <a:cs typeface="Open Sans" pitchFamily="34" charset="-120"/>
+              </a:rPr>
+              <a:t> de stock y </a:t>
+            </a:r>
+            <a:r>
+              <a:rPr lang="en-US" sz="1200" dirty="0" err="1">
+                <a:solidFill>
+                  <a:srgbClr val="BFBFBF"/>
+                </a:solidFill>
+                <a:latin typeface="Open Sans" pitchFamily="34" charset="0"/>
+                <a:ea typeface="Open Sans" pitchFamily="34" charset="-122"/>
+                <a:cs typeface="Open Sans" pitchFamily="34" charset="-120"/>
+              </a:rPr>
+              <a:t>envios</a:t>
             </a:r>
             <a:endParaRPr lang="en-US" sz="1200" dirty="0"/>
           </a:p>
@@ -13357,13 +12761,13 @@
       </p:sp>
       <p:sp>
         <p:nvSpPr>
-          <p:cNvPr id="11" name="Text 9"/>
-          <p:cNvSpPr/>
-          <p:nvPr/>
-        </p:nvSpPr>
-        <p:spPr>
-          <a:xfrm>
-            <a:off x="7511058" y="2289334"/>
+          <p:cNvPr id="12" name="Text 10"/>
+          <p:cNvSpPr/>
+          <p:nvPr/>
+        </p:nvSpPr>
+        <p:spPr>
+          <a:xfrm>
+            <a:off x="7511058" y="2444934"/>
             <a:ext cx="6586776" cy="246817"/>
           </a:xfrm>
           <a:prstGeom prst="rect">
@@ -13392,42 +12796,10 @@
                 <a:ea typeface="Open Sans" pitchFamily="34" charset="-122"/>
                 <a:cs typeface="Open Sans" pitchFamily="34" charset="-120"/>
               </a:rPr>
-              <a:t>Inventario: Actualización automática de stock</a:t>
-            </a:r>
-            <a:endParaRPr lang="en-US" sz="1200" dirty="0"/>
-          </a:p>
-        </p:txBody>
-      </p:sp>
-      <p:sp>
-        <p:nvSpPr>
-          <p:cNvPr id="12" name="Text 10"/>
-          <p:cNvSpPr/>
-          <p:nvPr/>
-        </p:nvSpPr>
-        <p:spPr>
-          <a:xfrm>
-            <a:off x="7511058" y="2590086"/>
-            <a:ext cx="6586776" cy="246817"/>
-          </a:xfrm>
-          <a:prstGeom prst="rect">
-            <a:avLst/>
-          </a:prstGeom>
-          <a:noFill/>
-          <a:ln/>
-        </p:spPr>
-        <p:txBody>
-          <a:bodyPr wrap="none" lIns="0" tIns="0" rIns="0" bIns="0" rtlCol="0" anchor="t"/>
-          <a:lstStyle/>
-          <a:p>
-            <a:pPr marL="342900" indent="-342900" algn="l">
-              <a:lnSpc>
-                <a:spcPts val="1900"/>
-              </a:lnSpc>
-              <a:buSzPct val="100000"/>
-              <a:buChar char="•"/>
-            </a:pPr>
-            <a:r>
-              <a:rPr lang="en-US" sz="1200" dirty="0">
+              <a:t>Reportes: </a:t>
+            </a:r>
+            <a:r>
+              <a:rPr lang="en-US" sz="1200" dirty="0" err="1">
                 <a:solidFill>
                   <a:srgbClr val="BFBFBF"/>
                 </a:solidFill>
@@ -13435,40 +12807,8 @@
                 <a:ea typeface="Open Sans" pitchFamily="34" charset="-122"/>
                 <a:cs typeface="Open Sans" pitchFamily="34" charset="-120"/>
               </a:rPr>
-              <a:t>Reportes: Generación de PDF/Excel con historiales</a:t>
-            </a:r>
-            <a:endParaRPr lang="en-US" sz="1200" dirty="0"/>
-          </a:p>
-        </p:txBody>
-      </p:sp>
-      <p:sp>
-        <p:nvSpPr>
-          <p:cNvPr id="13" name="Text 11"/>
-          <p:cNvSpPr/>
-          <p:nvPr/>
-        </p:nvSpPr>
-        <p:spPr>
-          <a:xfrm>
-            <a:off x="7511058" y="2890838"/>
-            <a:ext cx="6586776" cy="246817"/>
-          </a:xfrm>
-          <a:prstGeom prst="rect">
-            <a:avLst/>
-          </a:prstGeom>
-          <a:noFill/>
-          <a:ln/>
-        </p:spPr>
-        <p:txBody>
-          <a:bodyPr wrap="none" lIns="0" tIns="0" rIns="0" bIns="0" rtlCol="0" anchor="t"/>
-          <a:lstStyle/>
-          <a:p>
-            <a:pPr marL="342900" indent="-342900" algn="l">
-              <a:lnSpc>
-                <a:spcPts val="1900"/>
-              </a:lnSpc>
-              <a:buSzPct val="100000"/>
-              <a:buChar char="•"/>
-            </a:pPr>
+              <a:t>ingresar</a:t>
+            </a:r>
             <a:r>
               <a:rPr lang="en-US" sz="1200" dirty="0">
                 <a:solidFill>
@@ -13478,7 +12818,73 @@
                 <a:ea typeface="Open Sans" pitchFamily="34" charset="-122"/>
                 <a:cs typeface="Open Sans" pitchFamily="34" charset="-120"/>
               </a:rPr>
-              <a:t>Administración: Configuración de parámetros y usuarios</a:t>
+              <a:t> </a:t>
+            </a:r>
+            <a:r>
+              <a:rPr lang="en-US" sz="1200" dirty="0" err="1">
+                <a:solidFill>
+                  <a:srgbClr val="BFBFBF"/>
+                </a:solidFill>
+                <a:latin typeface="Open Sans" pitchFamily="34" charset="0"/>
+                <a:ea typeface="Open Sans" pitchFamily="34" charset="-122"/>
+                <a:cs typeface="Open Sans" pitchFamily="34" charset="-120"/>
+              </a:rPr>
+              <a:t>cantidades</a:t>
+            </a:r>
+            <a:r>
+              <a:rPr lang="en-US" sz="1200" dirty="0">
+                <a:solidFill>
+                  <a:srgbClr val="BFBFBF"/>
+                </a:solidFill>
+                <a:latin typeface="Open Sans" pitchFamily="34" charset="0"/>
+                <a:ea typeface="Open Sans" pitchFamily="34" charset="-122"/>
+                <a:cs typeface="Open Sans" pitchFamily="34" charset="-120"/>
+              </a:rPr>
+              <a:t> </a:t>
+            </a:r>
+            <a:r>
+              <a:rPr lang="en-US" sz="1200" dirty="0" err="1">
+                <a:solidFill>
+                  <a:srgbClr val="BFBFBF"/>
+                </a:solidFill>
+                <a:latin typeface="Open Sans" pitchFamily="34" charset="0"/>
+                <a:ea typeface="Open Sans" pitchFamily="34" charset="-122"/>
+                <a:cs typeface="Open Sans" pitchFamily="34" charset="-120"/>
+              </a:rPr>
+              <a:t>mediante</a:t>
+            </a:r>
+            <a:r>
+              <a:rPr lang="en-US" sz="1200" dirty="0">
+                <a:solidFill>
+                  <a:srgbClr val="BFBFBF"/>
+                </a:solidFill>
+                <a:latin typeface="Open Sans" pitchFamily="34" charset="0"/>
+                <a:ea typeface="Open Sans" pitchFamily="34" charset="-122"/>
+                <a:cs typeface="Open Sans" pitchFamily="34" charset="-120"/>
+              </a:rPr>
+              <a:t> </a:t>
+            </a:r>
+            <a:r>
+              <a:rPr lang="en-US" sz="1200" dirty="0" err="1">
+                <a:solidFill>
+                  <a:srgbClr val="BFBFBF"/>
+                </a:solidFill>
+                <a:latin typeface="Open Sans" pitchFamily="34" charset="0"/>
+                <a:ea typeface="Open Sans" pitchFamily="34" charset="-122"/>
+                <a:cs typeface="Open Sans" pitchFamily="34" charset="-120"/>
+              </a:rPr>
+              <a:t>archivos</a:t>
+            </a:r>
+            <a:r>
+              <a:rPr lang="en-US" sz="1200" dirty="0">
+                <a:solidFill>
+                  <a:srgbClr val="BFBFBF"/>
+                </a:solidFill>
+                <a:latin typeface="Open Sans" pitchFamily="34" charset="0"/>
+                <a:ea typeface="Open Sans" pitchFamily="34" charset="-122"/>
+                <a:cs typeface="Open Sans" pitchFamily="34" charset="-120"/>
+              </a:rPr>
+              <a:t> excel</a:t>
             </a:r>
             <a:endParaRPr lang="en-US" sz="1200" dirty="0"/>
           </a:p>
@@ -13500,7 +12906,7 @@
         </p:blipFill>
         <p:spPr>
           <a:xfrm>
-            <a:off x="540187" y="3642955"/>
+            <a:off x="2185393" y="3546513"/>
             <a:ext cx="9883140" cy="4617720"/>
           </a:xfrm>
           <a:prstGeom prst="rect">

--- a/MichelBrevis-Presentación examen final.pptx
+++ b/MichelBrevis-Presentación examen final.pptx
@@ -5,38 +5,37 @@
     <p:sldMasterId id="2147483648" r:id="rId1"/>
   </p:sldMasterIdLst>
   <p:notesMasterIdLst>
-    <p:notesMasterId r:id="rId19"/>
+    <p:notesMasterId r:id="rId18"/>
   </p:notesMasterIdLst>
   <p:sldIdLst>
     <p:sldId id="275" r:id="rId2"/>
     <p:sldId id="256" r:id="rId3"/>
     <p:sldId id="257" r:id="rId4"/>
     <p:sldId id="258" r:id="rId5"/>
-    <p:sldId id="259" r:id="rId6"/>
-    <p:sldId id="260" r:id="rId7"/>
-    <p:sldId id="261" r:id="rId8"/>
-    <p:sldId id="262" r:id="rId9"/>
-    <p:sldId id="263" r:id="rId10"/>
-    <p:sldId id="265" r:id="rId11"/>
-    <p:sldId id="267" r:id="rId12"/>
-    <p:sldId id="268" r:id="rId13"/>
-    <p:sldId id="269" r:id="rId14"/>
-    <p:sldId id="270" r:id="rId15"/>
-    <p:sldId id="272" r:id="rId16"/>
-    <p:sldId id="273" r:id="rId17"/>
-    <p:sldId id="274" r:id="rId18"/>
+    <p:sldId id="261" r:id="rId6"/>
+    <p:sldId id="262" r:id="rId7"/>
+    <p:sldId id="263" r:id="rId8"/>
+    <p:sldId id="276" r:id="rId9"/>
+    <p:sldId id="265" r:id="rId10"/>
+    <p:sldId id="267" r:id="rId11"/>
+    <p:sldId id="268" r:id="rId12"/>
+    <p:sldId id="269" r:id="rId13"/>
+    <p:sldId id="270" r:id="rId14"/>
+    <p:sldId id="272" r:id="rId15"/>
+    <p:sldId id="273" r:id="rId16"/>
+    <p:sldId id="274" r:id="rId17"/>
   </p:sldIdLst>
   <p:sldSz cx="14630400" cy="8229600"/>
   <p:notesSz cx="8229600" cy="14630400"/>
   <p:embeddedFontLst>
     <p:embeddedFont>
       <p:font typeface="Instrument Sans Medium" panose="020B0604020202020204" charset="0"/>
-      <p:regular r:id="rId20"/>
+      <p:regular r:id="rId19"/>
     </p:embeddedFont>
     <p:embeddedFont>
       <p:font typeface="Open Sans" panose="020B0606030504020204" pitchFamily="34" charset="0"/>
-      <p:regular r:id="rId21"/>
-      <p:bold r:id="rId22"/>
+      <p:regular r:id="rId20"/>
+      <p:bold r:id="rId21"/>
     </p:embeddedFont>
   </p:embeddedFontLst>
   <p:defaultTextStyle>
@@ -963,90 +962,6 @@
 </p:notes>
 </file>
 
-<file path=ppt/notesSlides/notesSlide17.xml><?xml version="1.0" encoding="utf-8"?>
-<p:notes xmlns:a="http://schemas.openxmlformats.org/drawingml/2006/main" xmlns:r="http://schemas.openxmlformats.org/officeDocument/2006/relationships" xmlns:p="http://schemas.openxmlformats.org/presentationml/2006/main">
-  <p:cSld>
-    <p:spTree>
-      <p:nvGrpSpPr>
-        <p:cNvPr id="1" name=""/>
-        <p:cNvGrpSpPr/>
-        <p:nvPr/>
-      </p:nvGrpSpPr>
-      <p:grpSpPr>
-        <a:xfrm>
-          <a:off x="0" y="0"/>
-          <a:ext cx="0" cy="0"/>
-          <a:chOff x="0" y="0"/>
-          <a:chExt cx="0" cy="0"/>
-        </a:xfrm>
-      </p:grpSpPr>
-      <p:sp>
-        <p:nvSpPr>
-          <p:cNvPr id="2" name="Slide Image Placeholder 1"/>
-          <p:cNvSpPr>
-            <a:spLocks noGrp="1" noRot="1" noChangeAspect="1"/>
-          </p:cNvSpPr>
-          <p:nvPr>
-            <p:ph type="sldImg"/>
-          </p:nvPr>
-        </p:nvSpPr>
-        <p:spPr/>
-      </p:sp>
-      <p:sp>
-        <p:nvSpPr>
-          <p:cNvPr id="3" name="Notes Placeholder 2"/>
-          <p:cNvSpPr>
-            <a:spLocks noGrp="1"/>
-          </p:cNvSpPr>
-          <p:nvPr>
-            <p:ph type="body" idx="1"/>
-          </p:nvPr>
-        </p:nvSpPr>
-        <p:spPr/>
-        <p:txBody>
-          <a:bodyPr/>
-          <a:lstStyle/>
-          <a:p>
-            <a:endParaRPr lang="en-US" dirty="0"/>
-          </a:p>
-        </p:txBody>
-      </p:sp>
-      <p:sp>
-        <p:nvSpPr>
-          <p:cNvPr id="4" name="Slide Number Placeholder 3"/>
-          <p:cNvSpPr>
-            <a:spLocks noGrp="1"/>
-          </p:cNvSpPr>
-          <p:nvPr>
-            <p:ph type="sldNum" sz="quarter" idx="10"/>
-          </p:nvPr>
-        </p:nvSpPr>
-        <p:spPr/>
-        <p:txBody>
-          <a:bodyPr/>
-          <a:lstStyle/>
-          <a:p>
-            <a:fld id="{F7021451-1387-4CA6-816F-3879F97B5CBC}" type="slidenum">
-              <a:rPr lang="en-US"/>
-              <a:t>17</a:t>
-            </a:fld>
-            <a:endParaRPr lang="en-US"/>
-          </a:p>
-        </p:txBody>
-      </p:sp>
-    </p:spTree>
-    <p:extLst>
-      <p:ext uri="{BB962C8B-B14F-4D97-AF65-F5344CB8AC3E}">
-        <p14:creationId xmlns:p14="http://schemas.microsoft.com/office/powerpoint/2010/main" val="1024086991"/>
-      </p:ext>
-    </p:extLst>
-  </p:cSld>
-  <p:clrMapOvr>
-    <a:masterClrMapping/>
-  </p:clrMapOvr>
-</p:notes>
-</file>
-
 <file path=ppt/notesSlides/notesSlide2.xml><?xml version="1.0" encoding="utf-8"?>
 <p:notes xmlns:a="http://schemas.openxmlformats.org/drawingml/2006/main" xmlns:r="http://schemas.openxmlformats.org/officeDocument/2006/relationships" xmlns:p="http://schemas.openxmlformats.org/presentationml/2006/main">
   <p:cSld>
@@ -1556,7 +1471,13 @@
   <p:cSld>
     <p:spTree>
       <p:nvGrpSpPr>
-        <p:cNvPr id="1" name=""/>
+        <p:cNvPr id="1" name="">
+          <a:extLst>
+            <a:ext uri="{FF2B5EF4-FFF2-40B4-BE49-F238E27FC236}">
+              <a16:creationId xmlns:a16="http://schemas.microsoft.com/office/drawing/2014/main" id="{1F25BCF1-6B3E-E42D-57A8-56A46A47FDC5}"/>
+            </a:ext>
+          </a:extLst>
+        </p:cNvPr>
         <p:cNvGrpSpPr/>
         <p:nvPr/>
       </p:nvGrpSpPr>
@@ -1570,7 +1491,13 @@
       </p:grpSpPr>
       <p:sp>
         <p:nvSpPr>
-          <p:cNvPr id="2" name="Slide Image Placeholder 1"/>
+          <p:cNvPr id="2" name="Slide Image Placeholder 1">
+            <a:extLst>
+              <a:ext uri="{FF2B5EF4-FFF2-40B4-BE49-F238E27FC236}">
+                <a16:creationId xmlns:a16="http://schemas.microsoft.com/office/drawing/2014/main" id="{5CDD96A6-240A-B72F-DE6A-685764C96015}"/>
+              </a:ext>
+            </a:extLst>
+          </p:cNvPr>
           <p:cNvSpPr>
             <a:spLocks noGrp="1" noRot="1" noChangeAspect="1"/>
           </p:cNvSpPr>
@@ -1582,7 +1509,13 @@
       </p:sp>
       <p:sp>
         <p:nvSpPr>
-          <p:cNvPr id="3" name="Notes Placeholder 2"/>
+          <p:cNvPr id="3" name="Notes Placeholder 2">
+            <a:extLst>
+              <a:ext uri="{FF2B5EF4-FFF2-40B4-BE49-F238E27FC236}">
+                <a16:creationId xmlns:a16="http://schemas.microsoft.com/office/drawing/2014/main" id="{1F2553CE-D274-8868-4B61-50E06BFCCF9A}"/>
+              </a:ext>
+            </a:extLst>
+          </p:cNvPr>
           <p:cNvSpPr>
             <a:spLocks noGrp="1"/>
           </p:cNvSpPr>
@@ -1601,7 +1534,13 @@
       </p:sp>
       <p:sp>
         <p:nvSpPr>
-          <p:cNvPr id="4" name="Slide Number Placeholder 3"/>
+          <p:cNvPr id="4" name="Slide Number Placeholder 3">
+            <a:extLst>
+              <a:ext uri="{FF2B5EF4-FFF2-40B4-BE49-F238E27FC236}">
+                <a16:creationId xmlns:a16="http://schemas.microsoft.com/office/drawing/2014/main" id="{7421B011-1FD2-F66B-43E0-D12B49B3FB43}"/>
+              </a:ext>
+            </a:extLst>
+          </p:cNvPr>
           <p:cNvSpPr>
             <a:spLocks noGrp="1"/>
           </p:cNvSpPr>
@@ -1625,7 +1564,7 @@
     </p:spTree>
     <p:extLst>
       <p:ext uri="{BB962C8B-B14F-4D97-AF65-F5344CB8AC3E}">
-        <p14:creationId xmlns:p14="http://schemas.microsoft.com/office/powerpoint/2010/main" val="1024086991"/>
+        <p14:creationId xmlns:p14="http://schemas.microsoft.com/office/powerpoint/2010/main" val="2380400750"/>
       </p:ext>
     </p:extLst>
   </p:cSld>
@@ -3759,7 +3698,7 @@
               <a:buNone/>
             </a:pPr>
             <a:r>
-              <a:rPr lang="en-US" sz="4450" dirty="0">
+              <a:rPr lang="es-419" sz="4450" noProof="0" dirty="0">
                 <a:solidFill>
                   <a:srgbClr val="FEFEFE"/>
                 </a:solidFill>
@@ -3775,14 +3714,14 @@
               </a:lnSpc>
             </a:pPr>
             <a:r>
-              <a:rPr lang="es-MX" sz="2800" dirty="0">
+              <a:rPr lang="es-419" sz="2800" noProof="0" dirty="0">
                 <a:highlight>
                   <a:srgbClr val="FFFF00"/>
                 </a:highlight>
               </a:rPr>
               <a:t>TÉCNICO DE NIVEL SUPERIOR EN ANÁLISIS Y PROGRAMACIÓN COMPUTACIONAL</a:t>
             </a:r>
-            <a:endParaRPr lang="en-US" sz="6000" dirty="0">
+            <a:endParaRPr lang="es-419" sz="6000" noProof="0" dirty="0">
               <a:highlight>
                 <a:srgbClr val="FFFF00"/>
               </a:highlight>
@@ -3834,7 +3773,7 @@
         </p:nvSpPr>
         <p:spPr>
           <a:xfrm>
-            <a:off x="8720667" y="3285331"/>
+            <a:off x="8720667" y="2797574"/>
             <a:ext cx="6062133" cy="829469"/>
           </a:xfrm>
           <a:prstGeom prst="rect">
@@ -3854,7 +3793,7 @@
               <a:buNone/>
             </a:pPr>
             <a:r>
-              <a:rPr lang="en-US" sz="4450" dirty="0">
+              <a:rPr lang="es-419" sz="4450" noProof="0" dirty="0">
                 <a:solidFill>
                   <a:srgbClr val="FEFEFE"/>
                 </a:solidFill>
@@ -3887,7 +3826,7 @@
         </p:blipFill>
         <p:spPr>
           <a:xfrm>
-            <a:off x="440269" y="3134958"/>
+            <a:off x="389470" y="3084159"/>
             <a:ext cx="7811590" cy="3477110"/>
           </a:xfrm>
           <a:prstGeom prst="rect">
@@ -3909,8 +3848,8 @@
         </p:nvSpPr>
         <p:spPr>
           <a:xfrm>
-            <a:off x="10295469" y="4205290"/>
-            <a:ext cx="2269068" cy="829469"/>
+            <a:off x="10467845" y="3787858"/>
+            <a:ext cx="2567776" cy="829469"/>
           </a:xfrm>
           <a:prstGeom prst="rect">
             <a:avLst/>
@@ -3929,29 +3868,14 @@
               <a:buNone/>
             </a:pPr>
             <a:r>
-              <a:rPr lang="en-US" sz="4450" dirty="0">
+              <a:rPr lang="es-419" sz="4450" noProof="0" dirty="0">
                 <a:solidFill>
                   <a:srgbClr val="FEFEFE"/>
                 </a:solidFill>
                 <a:latin typeface="Instrument Sans Medium" pitchFamily="34" charset="0"/>
               </a:rPr>
-              <a:t>36 </a:t>
-            </a:r>
-            <a:r>
-              <a:rPr lang="en-US" sz="4450" dirty="0" err="1">
-                <a:solidFill>
-                  <a:srgbClr val="FEFEFE"/>
-                </a:solidFill>
-                <a:latin typeface="Instrument Sans Medium" pitchFamily="34" charset="0"/>
-              </a:rPr>
-              <a:t>años</a:t>
-            </a:r>
-            <a:endParaRPr lang="en-US" sz="4450" dirty="0">
-              <a:solidFill>
-                <a:srgbClr val="FEFEFE"/>
-              </a:solidFill>
-              <a:latin typeface="Instrument Sans Medium" pitchFamily="34" charset="0"/>
-            </a:endParaRPr>
+              <a:t>35 años</a:t>
+            </a:r>
           </a:p>
           <a:p>
             <a:pPr marL="0" indent="0" algn="l">
@@ -3960,7 +3884,7 @@
               </a:lnSpc>
               <a:buNone/>
             </a:pPr>
-            <a:endParaRPr lang="en-US" sz="4450" dirty="0">
+            <a:endParaRPr lang="es-419" sz="4450" noProof="0" dirty="0">
               <a:solidFill>
                 <a:srgbClr val="FEFEFE"/>
               </a:solidFill>
@@ -3983,8 +3907,8 @@
         </p:nvSpPr>
         <p:spPr>
           <a:xfrm>
-            <a:off x="8568267" y="5159115"/>
-            <a:ext cx="6062133" cy="1452953"/>
+            <a:off x="8466669" y="4879741"/>
+            <a:ext cx="6062133" cy="1834352"/>
           </a:xfrm>
           <a:prstGeom prst="rect">
             <a:avLst/>
@@ -4003,192 +3927,13 @@
               <a:buNone/>
             </a:pPr>
             <a:r>
-              <a:rPr lang="en-US" dirty="0">
+              <a:rPr lang="es-419" noProof="0" dirty="0">
                 <a:solidFill>
                   <a:srgbClr val="FEFEFE"/>
                 </a:solidFill>
                 <a:latin typeface="Instrument Sans Medium" pitchFamily="34" charset="0"/>
               </a:rPr>
-              <a:t>Dibujante </a:t>
-            </a:r>
-            <a:r>
-              <a:rPr lang="en-US" dirty="0" err="1">
-                <a:solidFill>
-                  <a:srgbClr val="FEFEFE"/>
-                </a:solidFill>
-                <a:latin typeface="Instrument Sans Medium" pitchFamily="34" charset="0"/>
-              </a:rPr>
-              <a:t>técnico</a:t>
-            </a:r>
-            <a:r>
-              <a:rPr lang="en-US" dirty="0">
-                <a:solidFill>
-                  <a:srgbClr val="FEFEFE"/>
-                </a:solidFill>
-                <a:latin typeface="Instrument Sans Medium" pitchFamily="34" charset="0"/>
-              </a:rPr>
-              <a:t> de </a:t>
-            </a:r>
-            <a:r>
-              <a:rPr lang="en-US" dirty="0" err="1">
-                <a:solidFill>
-                  <a:srgbClr val="FEFEFE"/>
-                </a:solidFill>
-                <a:latin typeface="Instrument Sans Medium" pitchFamily="34" charset="0"/>
-              </a:rPr>
-              <a:t>profesión</a:t>
-            </a:r>
-            <a:r>
-              <a:rPr lang="en-US" dirty="0">
-                <a:solidFill>
-                  <a:srgbClr val="FEFEFE"/>
-                </a:solidFill>
-                <a:latin typeface="Instrument Sans Medium" pitchFamily="34" charset="0"/>
-              </a:rPr>
-              <a:t> </a:t>
-            </a:r>
-            <a:r>
-              <a:rPr lang="en-US" dirty="0" err="1">
-                <a:solidFill>
-                  <a:srgbClr val="FEFEFE"/>
-                </a:solidFill>
-                <a:latin typeface="Instrument Sans Medium" pitchFamily="34" charset="0"/>
-              </a:rPr>
-              <a:t>hace</a:t>
-            </a:r>
-            <a:r>
-              <a:rPr lang="en-US" dirty="0">
-                <a:solidFill>
-                  <a:srgbClr val="FEFEFE"/>
-                </a:solidFill>
-                <a:latin typeface="Instrument Sans Medium" pitchFamily="34" charset="0"/>
-              </a:rPr>
-              <a:t> 15 </a:t>
-            </a:r>
-            <a:r>
-              <a:rPr lang="en-US" dirty="0" err="1">
-                <a:solidFill>
-                  <a:srgbClr val="FEFEFE"/>
-                </a:solidFill>
-                <a:latin typeface="Instrument Sans Medium" pitchFamily="34" charset="0"/>
-              </a:rPr>
-              <a:t>años</a:t>
-            </a:r>
-            <a:r>
-              <a:rPr lang="en-US" dirty="0">
-                <a:solidFill>
-                  <a:srgbClr val="FEFEFE"/>
-                </a:solidFill>
-                <a:latin typeface="Instrument Sans Medium" pitchFamily="34" charset="0"/>
-              </a:rPr>
-              <a:t>. </a:t>
-            </a:r>
-            <a:r>
-              <a:rPr lang="en-US" dirty="0" err="1">
-                <a:solidFill>
-                  <a:srgbClr val="FEFEFE"/>
-                </a:solidFill>
-                <a:latin typeface="Instrument Sans Medium" pitchFamily="34" charset="0"/>
-              </a:rPr>
-              <a:t>Entusiasta</a:t>
-            </a:r>
-            <a:r>
-              <a:rPr lang="en-US" dirty="0">
-                <a:solidFill>
-                  <a:srgbClr val="FEFEFE"/>
-                </a:solidFill>
-                <a:latin typeface="Instrument Sans Medium" pitchFamily="34" charset="0"/>
-              </a:rPr>
-              <a:t> </a:t>
-            </a:r>
-          </a:p>
-          <a:p>
-            <a:pPr marL="0" indent="0">
-              <a:lnSpc>
-                <a:spcPct val="150000"/>
-              </a:lnSpc>
-              <a:buNone/>
-            </a:pPr>
-            <a:r>
-              <a:rPr lang="en-US" dirty="0">
-                <a:solidFill>
-                  <a:srgbClr val="FEFEFE"/>
-                </a:solidFill>
-                <a:latin typeface="Instrument Sans Medium" pitchFamily="34" charset="0"/>
-              </a:rPr>
-              <a:t>En la </a:t>
-            </a:r>
-            <a:r>
-              <a:rPr lang="en-US" dirty="0" err="1">
-                <a:solidFill>
-                  <a:srgbClr val="FEFEFE"/>
-                </a:solidFill>
-                <a:latin typeface="Instrument Sans Medium" pitchFamily="34" charset="0"/>
-              </a:rPr>
-              <a:t>reinvencion</a:t>
-            </a:r>
-            <a:r>
-              <a:rPr lang="en-US" dirty="0">
-                <a:solidFill>
-                  <a:srgbClr val="FEFEFE"/>
-                </a:solidFill>
-                <a:latin typeface="Instrument Sans Medium" pitchFamily="34" charset="0"/>
-              </a:rPr>
-              <a:t> professional </a:t>
-            </a:r>
-            <a:r>
-              <a:rPr lang="en-US" dirty="0" err="1">
-                <a:solidFill>
-                  <a:srgbClr val="FEFEFE"/>
-                </a:solidFill>
-                <a:latin typeface="Instrument Sans Medium" pitchFamily="34" charset="0"/>
-              </a:rPr>
-              <a:t>orientado</a:t>
-            </a:r>
-            <a:r>
-              <a:rPr lang="en-US" dirty="0">
-                <a:solidFill>
-                  <a:srgbClr val="FEFEFE"/>
-                </a:solidFill>
-                <a:latin typeface="Instrument Sans Medium" pitchFamily="34" charset="0"/>
-              </a:rPr>
-              <a:t> a la </a:t>
-            </a:r>
-            <a:r>
-              <a:rPr lang="en-US" dirty="0" err="1">
-                <a:solidFill>
-                  <a:srgbClr val="FEFEFE"/>
-                </a:solidFill>
-                <a:latin typeface="Instrument Sans Medium" pitchFamily="34" charset="0"/>
-              </a:rPr>
-              <a:t>computación</a:t>
-            </a:r>
-            <a:r>
-              <a:rPr lang="en-US" dirty="0">
-                <a:solidFill>
-                  <a:srgbClr val="FEFEFE"/>
-                </a:solidFill>
-                <a:latin typeface="Instrument Sans Medium" pitchFamily="34" charset="0"/>
-              </a:rPr>
-              <a:t> y </a:t>
-            </a:r>
-            <a:r>
-              <a:rPr lang="en-US" dirty="0" err="1">
-                <a:solidFill>
-                  <a:srgbClr val="FEFEFE"/>
-                </a:solidFill>
-                <a:latin typeface="Instrument Sans Medium" pitchFamily="34" charset="0"/>
-              </a:rPr>
-              <a:t>programación</a:t>
-            </a:r>
-            <a:r>
-              <a:rPr lang="en-US" dirty="0">
-                <a:solidFill>
-                  <a:srgbClr val="FEFEFE"/>
-                </a:solidFill>
-                <a:latin typeface="Instrument Sans Medium" pitchFamily="34" charset="0"/>
-              </a:rPr>
-              <a:t>.</a:t>
+              <a:t>Dibujante técnico de profesión con 15 años de experiencia. Entusiasta en el aprendizaje  con el objetivo  de la reinvención profesional orientado a la computación y programación.</a:t>
             </a:r>
           </a:p>
           <a:p>
@@ -4198,7 +3943,7 @@
               </a:lnSpc>
               <a:buNone/>
             </a:pPr>
-            <a:endParaRPr lang="en-US" sz="4450" dirty="0">
+            <a:endParaRPr lang="es-419" sz="4450" noProof="0" dirty="0">
               <a:solidFill>
                 <a:srgbClr val="FEFEFE"/>
               </a:solidFill>
@@ -4221,933 +3966,6 @@
 </file>
 
 <file path=ppt/slides/slide10.xml><?xml version="1.0" encoding="utf-8"?>
-<p:sld xmlns:a="http://schemas.openxmlformats.org/drawingml/2006/main" xmlns:r="http://schemas.openxmlformats.org/officeDocument/2006/relationships" xmlns:p="http://schemas.openxmlformats.org/presentationml/2006/main">
-  <p:cSld name="Slide 10">
-    <p:spTree>
-      <p:nvGrpSpPr>
-        <p:cNvPr id="1" name=""/>
-        <p:cNvGrpSpPr/>
-        <p:nvPr/>
-      </p:nvGrpSpPr>
-      <p:grpSpPr>
-        <a:xfrm>
-          <a:off x="0" y="0"/>
-          <a:ext cx="0" cy="0"/>
-          <a:chOff x="0" y="0"/>
-          <a:chExt cx="0" cy="0"/>
-        </a:xfrm>
-      </p:grpSpPr>
-      <p:sp>
-        <p:nvSpPr>
-          <p:cNvPr id="2" name="Text 0"/>
-          <p:cNvSpPr/>
-          <p:nvPr/>
-        </p:nvSpPr>
-        <p:spPr>
-          <a:xfrm>
-            <a:off x="2817799" y="555889"/>
-            <a:ext cx="8214360" cy="708779"/>
-          </a:xfrm>
-          <a:prstGeom prst="rect">
-            <a:avLst/>
-          </a:prstGeom>
-          <a:noFill/>
-          <a:ln/>
-        </p:spPr>
-        <p:txBody>
-          <a:bodyPr wrap="none" lIns="0" tIns="0" rIns="0" bIns="0" rtlCol="0" anchor="t"/>
-          <a:lstStyle/>
-          <a:p>
-            <a:pPr marL="0" indent="0" algn="l">
-              <a:lnSpc>
-                <a:spcPts val="5550"/>
-              </a:lnSpc>
-              <a:buNone/>
-            </a:pPr>
-            <a:r>
-              <a:rPr lang="es-419" sz="4450" noProof="0" dirty="0">
-                <a:solidFill>
-                  <a:srgbClr val="FEFEFE"/>
-                </a:solidFill>
-                <a:latin typeface="Instrument Sans Medium" pitchFamily="34" charset="0"/>
-                <a:ea typeface="Instrument Sans Medium" pitchFamily="34" charset="-122"/>
-                <a:cs typeface="Instrument Sans Medium" pitchFamily="34" charset="-120"/>
-              </a:rPr>
-              <a:t>Diseño de la Interfaz de Usuario</a:t>
-            </a:r>
-            <a:endParaRPr lang="es-419" sz="4450" noProof="0" dirty="0"/>
-          </a:p>
-        </p:txBody>
-      </p:sp>
-      <p:sp>
-        <p:nvSpPr>
-          <p:cNvPr id="4" name="Text 2"/>
-          <p:cNvSpPr/>
-          <p:nvPr/>
-        </p:nvSpPr>
-        <p:spPr>
-          <a:xfrm>
-            <a:off x="3680828" y="1217192"/>
-            <a:ext cx="6244709" cy="725805"/>
-          </a:xfrm>
-          <a:prstGeom prst="rect">
-            <a:avLst/>
-          </a:prstGeom>
-          <a:noFill/>
-          <a:ln/>
-        </p:spPr>
-        <p:txBody>
-          <a:bodyPr wrap="square" lIns="0" tIns="0" rIns="0" bIns="0" rtlCol="0" anchor="t"/>
-          <a:lstStyle/>
-          <a:p>
-            <a:pPr marL="0" indent="0" algn="l">
-              <a:lnSpc>
-                <a:spcPts val="2850"/>
-              </a:lnSpc>
-              <a:buNone/>
-            </a:pPr>
-            <a:r>
-              <a:rPr lang="es-419" sz="1750" noProof="0" dirty="0">
-                <a:solidFill>
-                  <a:srgbClr val="BFBFBF"/>
-                </a:solidFill>
-                <a:latin typeface="Open Sans" pitchFamily="34" charset="0"/>
-                <a:ea typeface="Open Sans" pitchFamily="34" charset="-122"/>
-                <a:cs typeface="Open Sans" pitchFamily="34" charset="-120"/>
-              </a:rPr>
-              <a:t>Se emplean HTML, CSS y JavaScript para desarrollo flexible.</a:t>
-            </a:r>
-            <a:endParaRPr lang="es-419" sz="1750" noProof="0" dirty="0"/>
-          </a:p>
-        </p:txBody>
-      </p:sp>
-      <p:pic>
-        <p:nvPicPr>
-          <p:cNvPr id="9" name="Picture 8">
-            <a:extLst>
-              <a:ext uri="{FF2B5EF4-FFF2-40B4-BE49-F238E27FC236}">
-                <a16:creationId xmlns:a16="http://schemas.microsoft.com/office/drawing/2014/main" id="{8A6C7585-09D4-4F50-3168-78C4D63E1A6C}"/>
-              </a:ext>
-            </a:extLst>
-          </p:cNvPr>
-          <p:cNvPicPr>
-            <a:picLocks noChangeAspect="1"/>
-          </p:cNvPicPr>
-          <p:nvPr/>
-        </p:nvPicPr>
-        <p:blipFill>
-          <a:blip r:embed="rId3"/>
-          <a:stretch>
-            <a:fillRect/>
-          </a:stretch>
-        </p:blipFill>
-        <p:spPr>
-          <a:xfrm>
-            <a:off x="12863245" y="7647811"/>
-            <a:ext cx="1664025" cy="516422"/>
-          </a:xfrm>
-          <a:prstGeom prst="rect">
-            <a:avLst/>
-          </a:prstGeom>
-        </p:spPr>
-      </p:pic>
-      <p:pic>
-        <p:nvPicPr>
-          <p:cNvPr id="11" name="Picture 10">
-            <a:extLst>
-              <a:ext uri="{FF2B5EF4-FFF2-40B4-BE49-F238E27FC236}">
-                <a16:creationId xmlns:a16="http://schemas.microsoft.com/office/drawing/2014/main" id="{D9F30594-7239-2212-8ABC-C3BDF23E6860}"/>
-              </a:ext>
-            </a:extLst>
-          </p:cNvPr>
-          <p:cNvPicPr>
-            <a:picLocks noChangeAspect="1"/>
-          </p:cNvPicPr>
-          <p:nvPr/>
-        </p:nvPicPr>
-        <p:blipFill>
-          <a:blip r:embed="rId4"/>
-          <a:stretch>
-            <a:fillRect/>
-          </a:stretch>
-        </p:blipFill>
-        <p:spPr>
-          <a:xfrm>
-            <a:off x="6447933" y="1910780"/>
-            <a:ext cx="7662329" cy="3686826"/>
-          </a:xfrm>
-          <a:prstGeom prst="rect">
-            <a:avLst/>
-          </a:prstGeom>
-        </p:spPr>
-      </p:pic>
-      <p:sp>
-        <p:nvSpPr>
-          <p:cNvPr id="3" name="Text 2"/>
-          <p:cNvSpPr/>
-          <p:nvPr/>
-        </p:nvSpPr>
-        <p:spPr>
-          <a:xfrm>
-            <a:off x="539266" y="1843144"/>
-            <a:ext cx="5428893" cy="3166137"/>
-          </a:xfrm>
-          <a:prstGeom prst="rect">
-            <a:avLst/>
-          </a:prstGeom>
-          <a:noFill/>
-          <a:ln/>
-        </p:spPr>
-        <p:txBody>
-          <a:bodyPr wrap="square" lIns="0" tIns="0" rIns="0" bIns="0" rtlCol="0" anchor="t"/>
-          <a:lstStyle/>
-          <a:p>
-            <a:pPr marL="342900" indent="-342900" algn="l">
-              <a:lnSpc>
-                <a:spcPts val="2850"/>
-              </a:lnSpc>
-              <a:buSzPct val="100000"/>
-              <a:buAutoNum type="arabicPeriod"/>
-            </a:pPr>
-            <a:r>
-              <a:rPr lang="en-US" sz="1750" dirty="0" err="1">
-                <a:solidFill>
-                  <a:srgbClr val="BFBFBF"/>
-                </a:solidFill>
-                <a:latin typeface="Open Sans" pitchFamily="34" charset="0"/>
-                <a:ea typeface="Open Sans" pitchFamily="34" charset="-122"/>
-                <a:cs typeface="Open Sans" pitchFamily="34" charset="-120"/>
-              </a:rPr>
-              <a:t>Busqueda</a:t>
-            </a:r>
-            <a:r>
-              <a:rPr lang="en-US" sz="1750" dirty="0">
-                <a:solidFill>
-                  <a:srgbClr val="BFBFBF"/>
-                </a:solidFill>
-                <a:latin typeface="Open Sans" pitchFamily="34" charset="0"/>
-                <a:ea typeface="Open Sans" pitchFamily="34" charset="-122"/>
-                <a:cs typeface="Open Sans" pitchFamily="34" charset="-120"/>
-              </a:rPr>
-              <a:t> rápida por ID de proyecto con filtro y botón </a:t>
-            </a:r>
-            <a:r>
-              <a:rPr lang="en-US" sz="1750" dirty="0" err="1">
-                <a:solidFill>
-                  <a:srgbClr val="BFBFBF"/>
-                </a:solidFill>
-                <a:latin typeface="Open Sans" pitchFamily="34" charset="0"/>
-                <a:ea typeface="Open Sans" pitchFamily="34" charset="-122"/>
-                <a:cs typeface="Open Sans" pitchFamily="34" charset="-120"/>
-              </a:rPr>
-              <a:t>interactivo</a:t>
-            </a:r>
-            <a:r>
-              <a:rPr lang="en-US" sz="1750" dirty="0">
-                <a:solidFill>
-                  <a:srgbClr val="BFBFBF"/>
-                </a:solidFill>
-                <a:latin typeface="Open Sans" pitchFamily="34" charset="0"/>
-                <a:ea typeface="Open Sans" pitchFamily="34" charset="-122"/>
-                <a:cs typeface="Open Sans" pitchFamily="34" charset="-120"/>
-              </a:rPr>
-              <a:t>.</a:t>
-            </a:r>
-          </a:p>
-          <a:p>
-            <a:pPr marL="342900" indent="-342900" algn="l">
-              <a:lnSpc>
-                <a:spcPts val="2850"/>
-              </a:lnSpc>
-              <a:buSzPct val="100000"/>
-              <a:buAutoNum type="arabicPeriod"/>
-            </a:pPr>
-            <a:r>
-              <a:rPr lang="en-US" sz="1750" dirty="0" err="1">
-                <a:solidFill>
-                  <a:srgbClr val="BFBFBF"/>
-                </a:solidFill>
-                <a:latin typeface="Open Sans" pitchFamily="34" charset="0"/>
-                <a:ea typeface="Open Sans" pitchFamily="34" charset="-122"/>
-                <a:cs typeface="Open Sans" pitchFamily="34" charset="-120"/>
-              </a:rPr>
-              <a:t>Boton</a:t>
-            </a:r>
-            <a:r>
-              <a:rPr lang="en-US" sz="1750" dirty="0">
-                <a:solidFill>
-                  <a:srgbClr val="BFBFBF"/>
-                </a:solidFill>
-                <a:latin typeface="Open Sans" pitchFamily="34" charset="0"/>
-                <a:ea typeface="Open Sans" pitchFamily="34" charset="-122"/>
-                <a:cs typeface="Open Sans" pitchFamily="34" charset="-120"/>
-              </a:rPr>
-              <a:t> </a:t>
-            </a:r>
-            <a:r>
-              <a:rPr lang="en-US" sz="1750" dirty="0" err="1">
-                <a:solidFill>
-                  <a:srgbClr val="BFBFBF"/>
-                </a:solidFill>
-                <a:latin typeface="Open Sans" pitchFamily="34" charset="0"/>
-                <a:ea typeface="Open Sans" pitchFamily="34" charset="-122"/>
-                <a:cs typeface="Open Sans" pitchFamily="34" charset="-120"/>
-              </a:rPr>
-              <a:t>destacado</a:t>
-            </a:r>
-            <a:r>
-              <a:rPr lang="en-US" sz="1750" dirty="0">
-                <a:solidFill>
-                  <a:srgbClr val="BFBFBF"/>
-                </a:solidFill>
-                <a:latin typeface="Open Sans" pitchFamily="34" charset="0"/>
-                <a:ea typeface="Open Sans" pitchFamily="34" charset="-122"/>
-                <a:cs typeface="Open Sans" pitchFamily="34" charset="-120"/>
-              </a:rPr>
-              <a:t> para </a:t>
-            </a:r>
-            <a:r>
-              <a:rPr lang="en-US" sz="1750" dirty="0" err="1">
-                <a:solidFill>
-                  <a:srgbClr val="BFBFBF"/>
-                </a:solidFill>
-                <a:latin typeface="Open Sans" pitchFamily="34" charset="0"/>
-                <a:ea typeface="Open Sans" pitchFamily="34" charset="-122"/>
-                <a:cs typeface="Open Sans" pitchFamily="34" charset="-120"/>
-              </a:rPr>
-              <a:t>agregar</a:t>
-            </a:r>
-            <a:r>
-              <a:rPr lang="en-US" sz="1750" dirty="0">
-                <a:solidFill>
-                  <a:srgbClr val="BFBFBF"/>
-                </a:solidFill>
-                <a:latin typeface="Open Sans" pitchFamily="34" charset="0"/>
-                <a:ea typeface="Open Sans" pitchFamily="34" charset="-122"/>
-                <a:cs typeface="Open Sans" pitchFamily="34" charset="-120"/>
-              </a:rPr>
-              <a:t> </a:t>
-            </a:r>
-            <a:r>
-              <a:rPr lang="en-US" sz="1750" dirty="0" err="1">
-                <a:solidFill>
-                  <a:srgbClr val="BFBFBF"/>
-                </a:solidFill>
-                <a:latin typeface="Open Sans" pitchFamily="34" charset="0"/>
-                <a:ea typeface="Open Sans" pitchFamily="34" charset="-122"/>
-                <a:cs typeface="Open Sans" pitchFamily="34" charset="-120"/>
-              </a:rPr>
-              <a:t>proyectos</a:t>
-            </a:r>
-            <a:r>
-              <a:rPr lang="en-US" sz="1750" dirty="0">
-                <a:solidFill>
-                  <a:srgbClr val="BFBFBF"/>
-                </a:solidFill>
-                <a:latin typeface="Open Sans" pitchFamily="34" charset="0"/>
-                <a:ea typeface="Open Sans" pitchFamily="34" charset="-122"/>
-                <a:cs typeface="Open Sans" pitchFamily="34" charset="-120"/>
-              </a:rPr>
-              <a:t> </a:t>
-            </a:r>
-            <a:r>
-              <a:rPr lang="en-US" sz="1750" dirty="0" err="1">
-                <a:solidFill>
-                  <a:srgbClr val="BFBFBF"/>
-                </a:solidFill>
-                <a:latin typeface="Open Sans" pitchFamily="34" charset="0"/>
-                <a:ea typeface="Open Sans" pitchFamily="34" charset="-122"/>
-                <a:cs typeface="Open Sans" pitchFamily="34" charset="-120"/>
-              </a:rPr>
-              <a:t>nuevos</a:t>
-            </a:r>
-            <a:r>
-              <a:rPr lang="en-US" sz="1750" dirty="0">
-                <a:solidFill>
-                  <a:srgbClr val="BFBFBF"/>
-                </a:solidFill>
-                <a:latin typeface="Open Sans" pitchFamily="34" charset="0"/>
-                <a:ea typeface="Open Sans" pitchFamily="34" charset="-122"/>
-                <a:cs typeface="Open Sans" pitchFamily="34" charset="-120"/>
-              </a:rPr>
-              <a:t>.</a:t>
-            </a:r>
-          </a:p>
-          <a:p>
-            <a:pPr marL="342900" indent="-342900" algn="l">
-              <a:lnSpc>
-                <a:spcPts val="2850"/>
-              </a:lnSpc>
-              <a:buSzPct val="100000"/>
-              <a:buAutoNum type="arabicPeriod"/>
-            </a:pPr>
-            <a:r>
-              <a:rPr lang="en-US" sz="1750" dirty="0" err="1">
-                <a:solidFill>
-                  <a:srgbClr val="BFBFBF"/>
-                </a:solidFill>
-                <a:latin typeface="Open Sans" pitchFamily="34" charset="0"/>
-                <a:ea typeface="Open Sans" pitchFamily="34" charset="-122"/>
-                <a:cs typeface="Open Sans" pitchFamily="34" charset="-120"/>
-              </a:rPr>
-              <a:t>Proyectos</a:t>
-            </a:r>
-            <a:r>
-              <a:rPr lang="en-US" sz="1750" dirty="0">
-                <a:solidFill>
-                  <a:srgbClr val="BFBFBF"/>
-                </a:solidFill>
-                <a:latin typeface="Open Sans" pitchFamily="34" charset="0"/>
-                <a:ea typeface="Open Sans" pitchFamily="34" charset="-122"/>
-                <a:cs typeface="Open Sans" pitchFamily="34" charset="-120"/>
-              </a:rPr>
-              <a:t> con sus </a:t>
-            </a:r>
-            <a:r>
-              <a:rPr lang="en-US" sz="1750" dirty="0" err="1">
-                <a:solidFill>
-                  <a:srgbClr val="BFBFBF"/>
-                </a:solidFill>
-                <a:latin typeface="Open Sans" pitchFamily="34" charset="0"/>
-                <a:ea typeface="Open Sans" pitchFamily="34" charset="-122"/>
-                <a:cs typeface="Open Sans" pitchFamily="34" charset="-120"/>
-              </a:rPr>
-              <a:t>respectivos</a:t>
-            </a:r>
-            <a:r>
-              <a:rPr lang="en-US" sz="1750" dirty="0">
-                <a:solidFill>
-                  <a:srgbClr val="BFBFBF"/>
-                </a:solidFill>
-                <a:latin typeface="Open Sans" pitchFamily="34" charset="0"/>
-                <a:ea typeface="Open Sans" pitchFamily="34" charset="-122"/>
-                <a:cs typeface="Open Sans" pitchFamily="34" charset="-120"/>
-              </a:rPr>
-              <a:t> ID, </a:t>
-            </a:r>
-            <a:r>
-              <a:rPr lang="en-US" sz="1750" dirty="0" err="1">
-                <a:solidFill>
-                  <a:srgbClr val="BFBFBF"/>
-                </a:solidFill>
-                <a:latin typeface="Open Sans" pitchFamily="34" charset="0"/>
-                <a:ea typeface="Open Sans" pitchFamily="34" charset="-122"/>
-                <a:cs typeface="Open Sans" pitchFamily="34" charset="-120"/>
-              </a:rPr>
-              <a:t>nombre</a:t>
-            </a:r>
-            <a:r>
-              <a:rPr lang="en-US" sz="1750" dirty="0">
-                <a:solidFill>
-                  <a:srgbClr val="BFBFBF"/>
-                </a:solidFill>
-                <a:latin typeface="Open Sans" pitchFamily="34" charset="0"/>
-                <a:ea typeface="Open Sans" pitchFamily="34" charset="-122"/>
-                <a:cs typeface="Open Sans" pitchFamily="34" charset="-120"/>
-              </a:rPr>
-              <a:t> y </a:t>
-            </a:r>
-            <a:r>
-              <a:rPr lang="en-US" sz="1750" dirty="0" err="1">
-                <a:solidFill>
-                  <a:srgbClr val="BFBFBF"/>
-                </a:solidFill>
-                <a:latin typeface="Open Sans" pitchFamily="34" charset="0"/>
-                <a:ea typeface="Open Sans" pitchFamily="34" charset="-122"/>
-                <a:cs typeface="Open Sans" pitchFamily="34" charset="-120"/>
-              </a:rPr>
-              <a:t>constructora</a:t>
-            </a:r>
-            <a:r>
-              <a:rPr lang="en-US" sz="1750" dirty="0">
-                <a:solidFill>
-                  <a:srgbClr val="BFBFBF"/>
-                </a:solidFill>
-                <a:latin typeface="Open Sans" pitchFamily="34" charset="0"/>
-                <a:ea typeface="Open Sans" pitchFamily="34" charset="-122"/>
-                <a:cs typeface="Open Sans" pitchFamily="34" charset="-120"/>
-              </a:rPr>
-              <a:t> responsible</a:t>
-            </a:r>
-          </a:p>
-          <a:p>
-            <a:pPr marL="342900" indent="-342900" algn="l">
-              <a:lnSpc>
-                <a:spcPts val="2850"/>
-              </a:lnSpc>
-              <a:buSzPct val="100000"/>
-              <a:buAutoNum type="arabicPeriod"/>
-            </a:pPr>
-            <a:r>
-              <a:rPr lang="en-US" sz="1750" dirty="0" err="1">
-                <a:solidFill>
-                  <a:srgbClr val="BFBFBF"/>
-                </a:solidFill>
-                <a:latin typeface="Open Sans" pitchFamily="34" charset="0"/>
-                <a:ea typeface="Open Sans" pitchFamily="34" charset="-122"/>
-                <a:cs typeface="Open Sans" pitchFamily="34" charset="-120"/>
-              </a:rPr>
-              <a:t>Funcionalidades</a:t>
-            </a:r>
-            <a:r>
-              <a:rPr lang="en-US" sz="1750" dirty="0">
-                <a:solidFill>
-                  <a:srgbClr val="BFBFBF"/>
-                </a:solidFill>
-                <a:latin typeface="Open Sans" pitchFamily="34" charset="0"/>
-                <a:ea typeface="Open Sans" pitchFamily="34" charset="-122"/>
-                <a:cs typeface="Open Sans" pitchFamily="34" charset="-120"/>
-              </a:rPr>
-              <a:t> para </a:t>
-            </a:r>
-            <a:r>
-              <a:rPr lang="en-US" sz="1750" dirty="0" err="1">
-                <a:solidFill>
-                  <a:srgbClr val="BFBFBF"/>
-                </a:solidFill>
-                <a:latin typeface="Open Sans" pitchFamily="34" charset="0"/>
-                <a:ea typeface="Open Sans" pitchFamily="34" charset="-122"/>
-                <a:cs typeface="Open Sans" pitchFamily="34" charset="-120"/>
-              </a:rPr>
-              <a:t>agregar</a:t>
-            </a:r>
-            <a:r>
-              <a:rPr lang="en-US" sz="1750" dirty="0">
-                <a:solidFill>
-                  <a:srgbClr val="BFBFBF"/>
-                </a:solidFill>
-                <a:latin typeface="Open Sans" pitchFamily="34" charset="0"/>
-                <a:ea typeface="Open Sans" pitchFamily="34" charset="-122"/>
-                <a:cs typeface="Open Sans" pitchFamily="34" charset="-120"/>
-              </a:rPr>
-              <a:t> components del Proyecto </a:t>
-            </a:r>
-            <a:r>
-              <a:rPr lang="en-US" sz="1750" dirty="0" err="1">
-                <a:solidFill>
-                  <a:srgbClr val="BFBFBF"/>
-                </a:solidFill>
-                <a:latin typeface="Open Sans" pitchFamily="34" charset="0"/>
-                <a:ea typeface="Open Sans" pitchFamily="34" charset="-122"/>
-                <a:cs typeface="Open Sans" pitchFamily="34" charset="-120"/>
-              </a:rPr>
-              <a:t>mediantes</a:t>
-            </a:r>
-            <a:r>
-              <a:rPr lang="en-US" sz="1750" dirty="0">
-                <a:solidFill>
-                  <a:srgbClr val="BFBFBF"/>
-                </a:solidFill>
-                <a:latin typeface="Open Sans" pitchFamily="34" charset="0"/>
-                <a:ea typeface="Open Sans" pitchFamily="34" charset="-122"/>
-                <a:cs typeface="Open Sans" pitchFamily="34" charset="-120"/>
-              </a:rPr>
-              <a:t> </a:t>
-            </a:r>
-            <a:r>
-              <a:rPr lang="en-US" sz="1750" dirty="0" err="1">
-                <a:solidFill>
-                  <a:srgbClr val="BFBFBF"/>
-                </a:solidFill>
-                <a:latin typeface="Open Sans" pitchFamily="34" charset="0"/>
-                <a:ea typeface="Open Sans" pitchFamily="34" charset="-122"/>
-                <a:cs typeface="Open Sans" pitchFamily="34" charset="-120"/>
-              </a:rPr>
-              <a:t>archivos</a:t>
-            </a:r>
-            <a:r>
-              <a:rPr lang="en-US" sz="1750" dirty="0">
-                <a:solidFill>
-                  <a:srgbClr val="BFBFBF"/>
-                </a:solidFill>
-                <a:latin typeface="Open Sans" pitchFamily="34" charset="0"/>
-                <a:ea typeface="Open Sans" pitchFamily="34" charset="-122"/>
-                <a:cs typeface="Open Sans" pitchFamily="34" charset="-120"/>
-              </a:rPr>
-              <a:t> excel. </a:t>
-            </a:r>
-          </a:p>
-          <a:p>
-            <a:pPr marL="342900" indent="-342900" algn="l">
-              <a:lnSpc>
-                <a:spcPts val="2850"/>
-              </a:lnSpc>
-              <a:buSzPct val="100000"/>
-              <a:buAutoNum type="arabicPeriod"/>
-            </a:pPr>
-            <a:r>
-              <a:rPr lang="en-US" sz="1750" dirty="0" err="1">
-                <a:solidFill>
-                  <a:srgbClr val="BFBFBF"/>
-                </a:solidFill>
-                <a:latin typeface="Open Sans" pitchFamily="34" charset="0"/>
-                <a:ea typeface="Open Sans" pitchFamily="34" charset="-122"/>
-                <a:cs typeface="Open Sans" pitchFamily="34" charset="-120"/>
-              </a:rPr>
-              <a:t>Muestra</a:t>
-            </a:r>
-            <a:r>
-              <a:rPr lang="en-US" sz="1750" dirty="0">
-                <a:solidFill>
-                  <a:srgbClr val="BFBFBF"/>
-                </a:solidFill>
-                <a:latin typeface="Open Sans" pitchFamily="34" charset="0"/>
-                <a:ea typeface="Open Sans" pitchFamily="34" charset="-122"/>
-                <a:cs typeface="Open Sans" pitchFamily="34" charset="-120"/>
-              </a:rPr>
-              <a:t> legible de </a:t>
-            </a:r>
-            <a:r>
-              <a:rPr lang="en-US" sz="1750" dirty="0" err="1">
-                <a:solidFill>
-                  <a:srgbClr val="BFBFBF"/>
-                </a:solidFill>
-                <a:latin typeface="Open Sans" pitchFamily="34" charset="0"/>
-                <a:ea typeface="Open Sans" pitchFamily="34" charset="-122"/>
-                <a:cs typeface="Open Sans" pitchFamily="34" charset="-120"/>
-              </a:rPr>
-              <a:t>componentes</a:t>
-            </a:r>
-            <a:r>
-              <a:rPr lang="en-US" sz="1750" dirty="0">
-                <a:solidFill>
-                  <a:srgbClr val="BFBFBF"/>
-                </a:solidFill>
-                <a:latin typeface="Open Sans" pitchFamily="34" charset="0"/>
-                <a:ea typeface="Open Sans" pitchFamily="34" charset="-122"/>
-                <a:cs typeface="Open Sans" pitchFamily="34" charset="-120"/>
-              </a:rPr>
-              <a:t> al </a:t>
-            </a:r>
-            <a:r>
-              <a:rPr lang="en-US" sz="1750" dirty="0" err="1">
-                <a:solidFill>
-                  <a:srgbClr val="BFBFBF"/>
-                </a:solidFill>
-                <a:latin typeface="Open Sans" pitchFamily="34" charset="0"/>
-                <a:ea typeface="Open Sans" pitchFamily="34" charset="-122"/>
-                <a:cs typeface="Open Sans" pitchFamily="34" charset="-120"/>
-              </a:rPr>
-              <a:t>usuario</a:t>
-            </a:r>
-            <a:r>
-              <a:rPr lang="en-US" sz="1750" dirty="0">
-                <a:solidFill>
-                  <a:srgbClr val="BFBFBF"/>
-                </a:solidFill>
-                <a:latin typeface="Open Sans" pitchFamily="34" charset="0"/>
-                <a:ea typeface="Open Sans" pitchFamily="34" charset="-122"/>
-                <a:cs typeface="Open Sans" pitchFamily="34" charset="-120"/>
-              </a:rPr>
-              <a:t> </a:t>
-            </a:r>
-            <a:endParaRPr lang="en-US" sz="1750" dirty="0"/>
-          </a:p>
-        </p:txBody>
-      </p:sp>
-      <p:pic>
-        <p:nvPicPr>
-          <p:cNvPr id="10" name="Imagen 9">
-            <a:extLst>
-              <a:ext uri="{FF2B5EF4-FFF2-40B4-BE49-F238E27FC236}">
-                <a16:creationId xmlns:a16="http://schemas.microsoft.com/office/drawing/2014/main" id="{3F2D6984-B122-E75F-5494-E687ADB9CC8D}"/>
-              </a:ext>
-            </a:extLst>
-          </p:cNvPr>
-          <p:cNvPicPr>
-            <a:picLocks noChangeAspect="1"/>
-          </p:cNvPicPr>
-          <p:nvPr/>
-        </p:nvPicPr>
-        <p:blipFill>
-          <a:blip r:embed="rId5"/>
-          <a:stretch>
-            <a:fillRect/>
-          </a:stretch>
-        </p:blipFill>
-        <p:spPr>
-          <a:xfrm>
-            <a:off x="4433359" y="4980225"/>
-            <a:ext cx="1407842" cy="2989354"/>
-          </a:xfrm>
-          <a:prstGeom prst="rect">
-            <a:avLst/>
-          </a:prstGeom>
-        </p:spPr>
-      </p:pic>
-      <p:pic>
-        <p:nvPicPr>
-          <p:cNvPr id="13" name="Imagen 12">
-            <a:extLst>
-              <a:ext uri="{FF2B5EF4-FFF2-40B4-BE49-F238E27FC236}">
-                <a16:creationId xmlns:a16="http://schemas.microsoft.com/office/drawing/2014/main" id="{5A121720-5B2A-2DC5-1E3C-31C33E59E668}"/>
-              </a:ext>
-            </a:extLst>
-          </p:cNvPr>
-          <p:cNvPicPr>
-            <a:picLocks noChangeAspect="1"/>
-          </p:cNvPicPr>
-          <p:nvPr/>
-        </p:nvPicPr>
-        <p:blipFill>
-          <a:blip r:embed="rId6"/>
-          <a:stretch>
-            <a:fillRect/>
-          </a:stretch>
-        </p:blipFill>
-        <p:spPr>
-          <a:xfrm>
-            <a:off x="6183927" y="6253145"/>
-            <a:ext cx="1848153" cy="1298571"/>
-          </a:xfrm>
-          <a:prstGeom prst="rect">
-            <a:avLst/>
-          </a:prstGeom>
-        </p:spPr>
-      </p:pic>
-      <p:pic>
-        <p:nvPicPr>
-          <p:cNvPr id="15" name="Imagen 14">
-            <a:extLst>
-              <a:ext uri="{FF2B5EF4-FFF2-40B4-BE49-F238E27FC236}">
-                <a16:creationId xmlns:a16="http://schemas.microsoft.com/office/drawing/2014/main" id="{005550E2-6F5E-BE71-E8A0-32B2468ABD7A}"/>
-              </a:ext>
-            </a:extLst>
-          </p:cNvPr>
-          <p:cNvPicPr>
-            <a:picLocks noChangeAspect="1"/>
-          </p:cNvPicPr>
-          <p:nvPr/>
-        </p:nvPicPr>
-        <p:blipFill>
-          <a:blip r:embed="rId7"/>
-          <a:stretch>
-            <a:fillRect/>
-          </a:stretch>
-        </p:blipFill>
-        <p:spPr>
-          <a:xfrm>
-            <a:off x="8355952" y="6230998"/>
-            <a:ext cx="1848153" cy="1381093"/>
-          </a:xfrm>
-          <a:prstGeom prst="rect">
-            <a:avLst/>
-          </a:prstGeom>
-        </p:spPr>
-      </p:pic>
-      <p:pic>
-        <p:nvPicPr>
-          <p:cNvPr id="17" name="Imagen 16">
-            <a:extLst>
-              <a:ext uri="{FF2B5EF4-FFF2-40B4-BE49-F238E27FC236}">
-                <a16:creationId xmlns:a16="http://schemas.microsoft.com/office/drawing/2014/main" id="{C52A3B9F-2A91-7958-E5D4-6F3457A9FE94}"/>
-              </a:ext>
-            </a:extLst>
-          </p:cNvPr>
-          <p:cNvPicPr>
-            <a:picLocks noChangeAspect="1"/>
-          </p:cNvPicPr>
-          <p:nvPr/>
-        </p:nvPicPr>
-        <p:blipFill>
-          <a:blip r:embed="rId8"/>
-          <a:stretch>
-            <a:fillRect/>
-          </a:stretch>
-        </p:blipFill>
-        <p:spPr>
-          <a:xfrm>
-            <a:off x="10617734" y="4697323"/>
-            <a:ext cx="2015051" cy="3337263"/>
-          </a:xfrm>
-          <a:prstGeom prst="rect">
-            <a:avLst/>
-          </a:prstGeom>
-        </p:spPr>
-      </p:pic>
-      <p:cxnSp>
-        <p:nvCxnSpPr>
-          <p:cNvPr id="19" name="Conector recto de flecha 18">
-            <a:extLst>
-              <a:ext uri="{FF2B5EF4-FFF2-40B4-BE49-F238E27FC236}">
-                <a16:creationId xmlns:a16="http://schemas.microsoft.com/office/drawing/2014/main" id="{49A852CB-874E-1562-B817-A353417F9CE1}"/>
-              </a:ext>
-            </a:extLst>
-          </p:cNvPr>
-          <p:cNvCxnSpPr/>
-          <p:nvPr/>
-        </p:nvCxnSpPr>
-        <p:spPr>
-          <a:xfrm flipH="1">
-            <a:off x="5850628" y="5121630"/>
-            <a:ext cx="757562" cy="0"/>
-          </a:xfrm>
-          <a:prstGeom prst="straightConnector1">
-            <a:avLst/>
-          </a:prstGeom>
-          <a:ln w="38100">
-            <a:solidFill>
-              <a:srgbClr val="FF0000"/>
-            </a:solidFill>
-            <a:tailEnd type="triangle"/>
-          </a:ln>
-        </p:spPr>
-        <p:style>
-          <a:lnRef idx="1">
-            <a:schemeClr val="accent1"/>
-          </a:lnRef>
-          <a:fillRef idx="0">
-            <a:schemeClr val="accent1"/>
-          </a:fillRef>
-          <a:effectRef idx="0">
-            <a:schemeClr val="accent1"/>
-          </a:effectRef>
-          <a:fontRef idx="minor">
-            <a:schemeClr val="tx1"/>
-          </a:fontRef>
-        </p:style>
-      </p:cxnSp>
-      <p:cxnSp>
-        <p:nvCxnSpPr>
-          <p:cNvPr id="20" name="Conector recto de flecha 19">
-            <a:extLst>
-              <a:ext uri="{FF2B5EF4-FFF2-40B4-BE49-F238E27FC236}">
-                <a16:creationId xmlns:a16="http://schemas.microsoft.com/office/drawing/2014/main" id="{AE6F2913-F06C-E7E5-DED2-2BC7BE64FECF}"/>
-              </a:ext>
-            </a:extLst>
-          </p:cNvPr>
-          <p:cNvCxnSpPr>
-            <a:cxnSpLocks/>
-          </p:cNvCxnSpPr>
-          <p:nvPr/>
-        </p:nvCxnSpPr>
-        <p:spPr>
-          <a:xfrm>
-            <a:off x="7070103" y="5213390"/>
-            <a:ext cx="0" cy="970473"/>
-          </a:xfrm>
-          <a:prstGeom prst="straightConnector1">
-            <a:avLst/>
-          </a:prstGeom>
-          <a:ln w="38100">
-            <a:solidFill>
-              <a:srgbClr val="FF0000"/>
-            </a:solidFill>
-            <a:tailEnd type="triangle"/>
-          </a:ln>
-        </p:spPr>
-        <p:style>
-          <a:lnRef idx="1">
-            <a:schemeClr val="accent1"/>
-          </a:lnRef>
-          <a:fillRef idx="0">
-            <a:schemeClr val="accent1"/>
-          </a:fillRef>
-          <a:effectRef idx="0">
-            <a:schemeClr val="accent1"/>
-          </a:effectRef>
-          <a:fontRef idx="minor">
-            <a:schemeClr val="tx1"/>
-          </a:fontRef>
-        </p:style>
-      </p:cxnSp>
-      <p:cxnSp>
-        <p:nvCxnSpPr>
-          <p:cNvPr id="23" name="Conector recto de flecha 22">
-            <a:extLst>
-              <a:ext uri="{FF2B5EF4-FFF2-40B4-BE49-F238E27FC236}">
-                <a16:creationId xmlns:a16="http://schemas.microsoft.com/office/drawing/2014/main" id="{C6040EE5-19DB-17FA-C152-AFDF7CEED557}"/>
-              </a:ext>
-            </a:extLst>
-          </p:cNvPr>
-          <p:cNvCxnSpPr>
-            <a:cxnSpLocks/>
-          </p:cNvCxnSpPr>
-          <p:nvPr/>
-        </p:nvCxnSpPr>
-        <p:spPr>
-          <a:xfrm>
-            <a:off x="9626338" y="5213390"/>
-            <a:ext cx="0" cy="970473"/>
-          </a:xfrm>
-          <a:prstGeom prst="straightConnector1">
-            <a:avLst/>
-          </a:prstGeom>
-          <a:ln w="38100">
-            <a:solidFill>
-              <a:srgbClr val="FF0000"/>
-            </a:solidFill>
-            <a:tailEnd type="triangle"/>
-          </a:ln>
-        </p:spPr>
-        <p:style>
-          <a:lnRef idx="1">
-            <a:schemeClr val="accent1"/>
-          </a:lnRef>
-          <a:fillRef idx="0">
-            <a:schemeClr val="accent1"/>
-          </a:fillRef>
-          <a:effectRef idx="0">
-            <a:schemeClr val="accent1"/>
-          </a:effectRef>
-          <a:fontRef idx="minor">
-            <a:schemeClr val="tx1"/>
-          </a:fontRef>
-        </p:style>
-      </p:cxnSp>
-      <p:cxnSp>
-        <p:nvCxnSpPr>
-          <p:cNvPr id="24" name="Conector recto de flecha 23">
-            <a:extLst>
-              <a:ext uri="{FF2B5EF4-FFF2-40B4-BE49-F238E27FC236}">
-                <a16:creationId xmlns:a16="http://schemas.microsoft.com/office/drawing/2014/main" id="{B00B8D6D-C42B-7DF1-C41A-39C932215C87}"/>
-              </a:ext>
-            </a:extLst>
-          </p:cNvPr>
-          <p:cNvCxnSpPr>
-            <a:cxnSpLocks/>
-          </p:cNvCxnSpPr>
-          <p:nvPr/>
-        </p:nvCxnSpPr>
-        <p:spPr>
-          <a:xfrm>
-            <a:off x="9484049" y="6886014"/>
-            <a:ext cx="1083399" cy="0"/>
-          </a:xfrm>
-          <a:prstGeom prst="straightConnector1">
-            <a:avLst/>
-          </a:prstGeom>
-          <a:ln w="38100">
-            <a:solidFill>
-              <a:srgbClr val="FF0000"/>
-            </a:solidFill>
-            <a:tailEnd type="triangle"/>
-          </a:ln>
-        </p:spPr>
-        <p:style>
-          <a:lnRef idx="1">
-            <a:schemeClr val="accent1"/>
-          </a:lnRef>
-          <a:fillRef idx="0">
-            <a:schemeClr val="accent1"/>
-          </a:fillRef>
-          <a:effectRef idx="0">
-            <a:schemeClr val="accent1"/>
-          </a:effectRef>
-          <a:fontRef idx="minor">
-            <a:schemeClr val="tx1"/>
-          </a:fontRef>
-        </p:style>
-      </p:cxnSp>
-    </p:spTree>
-  </p:cSld>
-  <p:clrMapOvr>
-    <a:masterClrMapping/>
-  </p:clrMapOvr>
-</p:sld>
-</file>
-
-<file path=ppt/slides/slide11.xml><?xml version="1.0" encoding="utf-8"?>
 <p:sld xmlns:a="http://schemas.openxmlformats.org/drawingml/2006/main" xmlns:r="http://schemas.openxmlformats.org/officeDocument/2006/relationships" xmlns:p="http://schemas.openxmlformats.org/presentationml/2006/main">
   <p:cSld name="Slide 12">
     <p:spTree>
@@ -5216,7 +4034,7 @@
               <a:buNone/>
             </a:pPr>
             <a:r>
-              <a:rPr lang="en-US" sz="4450" dirty="0">
+              <a:rPr lang="es-419" sz="4450" noProof="0" dirty="0">
                 <a:solidFill>
                   <a:srgbClr val="FEFEFE"/>
                 </a:solidFill>
@@ -5226,7 +4044,7 @@
               </a:rPr>
               <a:t>Capacitación de los usuarios. </a:t>
             </a:r>
-            <a:endParaRPr lang="en-US" sz="4450" dirty="0"/>
+            <a:endParaRPr lang="es-419" sz="4450" noProof="0" dirty="0"/>
           </a:p>
         </p:txBody>
       </p:sp>
@@ -5258,7 +4076,7 @@
               <a:buNone/>
             </a:pPr>
             <a:r>
-              <a:rPr lang="en-US" sz="1750" dirty="0">
+              <a:rPr lang="es-419" sz="1750" noProof="0" dirty="0">
                 <a:solidFill>
                   <a:srgbClr val="BFBFBF"/>
                 </a:solidFill>
@@ -5268,7 +4086,7 @@
               </a:rPr>
               <a:t>Para asegurar que los usuarios finales (administradores, ventas, logística) dominen el sistema mediante formación práctica y material de apoyo.</a:t>
             </a:r>
-            <a:endParaRPr lang="en-US" sz="1750" dirty="0"/>
+            <a:endParaRPr lang="es-419" sz="1750" noProof="0" dirty="0"/>
           </a:p>
         </p:txBody>
       </p:sp>
@@ -5299,7 +4117,7 @@
               </a:lnSpc>
               <a:buNone/>
             </a:pPr>
-            <a:endParaRPr lang="en-US" sz="1750" dirty="0"/>
+            <a:endParaRPr lang="es-419" sz="1750" noProof="0" dirty="0"/>
           </a:p>
         </p:txBody>
       </p:sp>
@@ -5341,7 +4159,7 @@
 </p:sld>
 </file>
 
-<file path=ppt/slides/slide12.xml><?xml version="1.0" encoding="utf-8"?>
+<file path=ppt/slides/slide11.xml><?xml version="1.0" encoding="utf-8"?>
 <p:sld xmlns:a="http://schemas.openxmlformats.org/drawingml/2006/main" xmlns:r="http://schemas.openxmlformats.org/officeDocument/2006/relationships" xmlns:p="http://schemas.openxmlformats.org/presentationml/2006/main">
   <p:cSld name="Slide 13">
     <p:spTree>
@@ -5386,7 +4204,7 @@
               <a:buNone/>
             </a:pPr>
             <a:r>
-              <a:rPr lang="en-US" sz="2800" dirty="0">
+              <a:rPr lang="es-419" sz="2800" noProof="0" dirty="0">
                 <a:solidFill>
                   <a:srgbClr val="FEFEFE"/>
                 </a:solidFill>
@@ -5396,7 +4214,7 @@
               </a:rPr>
               <a:t>Resultados y Recomendaciones</a:t>
             </a:r>
-            <a:endParaRPr lang="en-US" sz="2800" dirty="0"/>
+            <a:endParaRPr lang="es-419" sz="2800" noProof="0" dirty="0"/>
           </a:p>
         </p:txBody>
       </p:sp>
@@ -5452,7 +4270,7 @@
               <a:buNone/>
             </a:pPr>
             <a:r>
-              <a:rPr lang="en-US" sz="1100" dirty="0">
+              <a:rPr lang="es-419" sz="1100" noProof="0" dirty="0">
                 <a:solidFill>
                   <a:srgbClr val="BFBFBF"/>
                 </a:solidFill>
@@ -5462,7 +4280,7 @@
               </a:rPr>
               <a:t>Los resultados muestran una clara mejora en la eficiencia operativa y satisfacción de los usuarios. Se recomienda: incluir a usuarios con necesidades especiales en pruebas de usabilidad, implementar un programa de formación continua, optimizar el diseño para dispositivos móviles, habilitar paneles configurables según rol y establecer un canal de retroalimentación continua.</a:t>
             </a:r>
-            <a:endParaRPr lang="en-US" sz="1100" dirty="0"/>
+            <a:endParaRPr lang="es-419" sz="1100" noProof="0" dirty="0"/>
           </a:p>
         </p:txBody>
       </p:sp>
@@ -5504,7 +4322,7 @@
 </p:sld>
 </file>
 
-<file path=ppt/slides/slide13.xml><?xml version="1.0" encoding="utf-8"?>
+<file path=ppt/slides/slide12.xml><?xml version="1.0" encoding="utf-8"?>
 <p:sld xmlns:a="http://schemas.openxmlformats.org/drawingml/2006/main" xmlns:r="http://schemas.openxmlformats.org/officeDocument/2006/relationships" xmlns:p="http://schemas.openxmlformats.org/presentationml/2006/main">
   <p:cSld name="Slide 14">
     <p:spTree>
@@ -5549,7 +4367,7 @@
               <a:buNone/>
             </a:pPr>
             <a:r>
-              <a:rPr lang="en-US" sz="4450" dirty="0">
+              <a:rPr lang="es-419" sz="4450" noProof="0" dirty="0">
                 <a:solidFill>
                   <a:srgbClr val="FEFEFE"/>
                 </a:solidFill>
@@ -5559,7 +4377,7 @@
               </a:rPr>
               <a:t>Resultados cuantitativos</a:t>
             </a:r>
-            <a:endParaRPr lang="en-US" sz="4450" dirty="0"/>
+            <a:endParaRPr lang="es-419" sz="4450" noProof="0" dirty="0"/>
           </a:p>
         </p:txBody>
       </p:sp>
@@ -5591,7 +4409,7 @@
               <a:buNone/>
             </a:pPr>
             <a:r>
-              <a:rPr lang="en-US" sz="1750" dirty="0">
+              <a:rPr lang="es-419" sz="1750" noProof="0" dirty="0">
                 <a:solidFill>
                   <a:srgbClr val="BFBFBF"/>
                 </a:solidFill>
@@ -5601,7 +4419,7 @@
               </a:rPr>
               <a:t>Eficiencia operativa</a:t>
             </a:r>
-            <a:endParaRPr lang="en-US" sz="1750" dirty="0"/>
+            <a:endParaRPr lang="es-419" sz="1750" noProof="0" dirty="0"/>
           </a:p>
         </p:txBody>
       </p:sp>
@@ -5656,7 +4474,7 @@
               </a:lnSpc>
               <a:buNone/>
             </a:pPr>
-            <a:endParaRPr lang="en-US" sz="1750" dirty="0"/>
+            <a:endParaRPr lang="es-419" sz="1750" noProof="0" dirty="0"/>
           </a:p>
         </p:txBody>
       </p:sp>
@@ -5687,7 +4505,7 @@
               </a:lnSpc>
               <a:buNone/>
             </a:pPr>
-            <a:endParaRPr lang="en-US" sz="1750" dirty="0"/>
+            <a:endParaRPr lang="es-419" sz="1750" noProof="0" dirty="0"/>
           </a:p>
         </p:txBody>
       </p:sp>
@@ -5719,7 +4537,7 @@
               <a:buNone/>
             </a:pPr>
             <a:r>
-              <a:rPr lang="en-US" sz="1750" dirty="0">
+              <a:rPr lang="es-419" sz="1750" noProof="0" dirty="0">
                 <a:solidFill>
                   <a:srgbClr val="BFBFBF"/>
                 </a:solidFill>
@@ -5729,7 +4547,7 @@
               </a:rPr>
               <a:t>Satisfacción del usuario</a:t>
             </a:r>
-            <a:endParaRPr lang="en-US" sz="1750" dirty="0"/>
+            <a:endParaRPr lang="es-419" sz="1750" noProof="0" dirty="0"/>
           </a:p>
         </p:txBody>
       </p:sp>
@@ -5784,7 +4602,7 @@
               </a:lnSpc>
               <a:buNone/>
             </a:pPr>
-            <a:endParaRPr lang="en-US" sz="1750" dirty="0"/>
+            <a:endParaRPr lang="es-419" sz="1750" noProof="0" dirty="0"/>
           </a:p>
         </p:txBody>
       </p:sp>
@@ -5826,7 +4644,7 @@
 </p:sld>
 </file>
 
-<file path=ppt/slides/slide14.xml><?xml version="1.0" encoding="utf-8"?>
+<file path=ppt/slides/slide13.xml><?xml version="1.0" encoding="utf-8"?>
 <p:sld xmlns:a="http://schemas.openxmlformats.org/drawingml/2006/main" xmlns:r="http://schemas.openxmlformats.org/officeDocument/2006/relationships" xmlns:p="http://schemas.openxmlformats.org/presentationml/2006/main">
   <p:cSld name="Slide 15">
     <p:spTree>
@@ -5871,7 +4689,7 @@
               <a:buNone/>
             </a:pPr>
             <a:r>
-              <a:rPr lang="en-US" sz="4450" dirty="0">
+              <a:rPr lang="es-419" sz="4450" noProof="0" dirty="0">
                 <a:solidFill>
                   <a:srgbClr val="FEFEFE"/>
                 </a:solidFill>
@@ -5881,7 +4699,7 @@
               </a:rPr>
               <a:t>Encuesta de Satisfacción</a:t>
             </a:r>
-            <a:endParaRPr lang="en-US" sz="4450" dirty="0"/>
+            <a:endParaRPr lang="es-419" sz="4450" noProof="0" dirty="0"/>
           </a:p>
         </p:txBody>
       </p:sp>
@@ -5937,7 +4755,7 @@
               <a:buNone/>
             </a:pPr>
             <a:r>
-              <a:rPr lang="en-US" sz="2200" dirty="0">
+              <a:rPr lang="es-419" sz="2200" noProof="0" dirty="0">
                 <a:solidFill>
                   <a:srgbClr val="BFBFBF"/>
                 </a:solidFill>
@@ -5947,7 +4765,7 @@
               </a:rPr>
               <a:t>Usuarios Encuestados</a:t>
             </a:r>
-            <a:endParaRPr lang="en-US" sz="2200" dirty="0"/>
+            <a:endParaRPr lang="es-419" sz="2200" noProof="0" dirty="0"/>
           </a:p>
         </p:txBody>
       </p:sp>
@@ -5979,7 +4797,7 @@
               <a:buNone/>
             </a:pPr>
             <a:r>
-              <a:rPr lang="en-US" sz="1750" dirty="0">
+              <a:rPr lang="es-419" sz="1750" noProof="0" dirty="0">
                 <a:solidFill>
                   <a:srgbClr val="BFBFBF"/>
                 </a:solidFill>
@@ -5989,7 +4807,7 @@
               </a:rPr>
               <a:t>Participaron todos los usuarios de ventas y logística en la encuesta.</a:t>
             </a:r>
-            <a:endParaRPr lang="en-US" sz="1750" dirty="0"/>
+            <a:endParaRPr lang="es-419" sz="1750" noProof="0" dirty="0"/>
           </a:p>
         </p:txBody>
       </p:sp>
@@ -6045,7 +4863,7 @@
               <a:buNone/>
             </a:pPr>
             <a:r>
-              <a:rPr lang="en-US" sz="2200" dirty="0">
+              <a:rPr lang="es-419" sz="2200" noProof="0" dirty="0">
                 <a:solidFill>
                   <a:srgbClr val="BFBFBF"/>
                 </a:solidFill>
@@ -6055,7 +4873,7 @@
               </a:rPr>
               <a:t>Escala Likert de 5 Puntos</a:t>
             </a:r>
-            <a:endParaRPr lang="en-US" sz="2200" dirty="0"/>
+            <a:endParaRPr lang="es-419" sz="2200" noProof="0" dirty="0"/>
           </a:p>
         </p:txBody>
       </p:sp>
@@ -6087,7 +4905,7 @@
               <a:buNone/>
             </a:pPr>
             <a:r>
-              <a:rPr lang="en-US" sz="1750" dirty="0">
+              <a:rPr lang="es-419" sz="1750" noProof="0" dirty="0">
                 <a:solidFill>
                   <a:srgbClr val="BFBFBF"/>
                 </a:solidFill>
@@ -6097,7 +4915,7 @@
               </a:rPr>
               <a:t>Se utilizó para medir el nivel de acuerdo con diferentes afirmaciones.</a:t>
             </a:r>
-            <a:endParaRPr lang="en-US" sz="1750" dirty="0"/>
+            <a:endParaRPr lang="es-419" sz="1750" noProof="0" dirty="0"/>
           </a:p>
         </p:txBody>
       </p:sp>
@@ -6153,7 +4971,7 @@
               <a:buNone/>
             </a:pPr>
             <a:r>
-              <a:rPr lang="en-US" sz="2200" dirty="0">
+              <a:rPr lang="es-419" sz="2200" noProof="0" dirty="0">
                 <a:solidFill>
                   <a:srgbClr val="BFBFBF"/>
                 </a:solidFill>
@@ -6163,7 +4981,7 @@
               </a:rPr>
               <a:t>Resultados Claros</a:t>
             </a:r>
-            <a:endParaRPr lang="en-US" sz="2200" dirty="0"/>
+            <a:endParaRPr lang="es-419" sz="2200" noProof="0" dirty="0"/>
           </a:p>
         </p:txBody>
       </p:sp>
@@ -6195,7 +5013,7 @@
               <a:buNone/>
             </a:pPr>
             <a:r>
-              <a:rPr lang="en-US" sz="1750" dirty="0">
+              <a:rPr lang="es-419" sz="1750" noProof="0" dirty="0">
                 <a:solidFill>
                   <a:srgbClr val="BFBFBF"/>
                 </a:solidFill>
@@ -6205,7 +5023,7 @@
               </a:rPr>
               <a:t>Los datos reflejan satisfacción, percepción y áreas de mejora del sistema.</a:t>
             </a:r>
-            <a:endParaRPr lang="en-US" sz="1750" dirty="0"/>
+            <a:endParaRPr lang="es-419" sz="1750" noProof="0" dirty="0"/>
           </a:p>
         </p:txBody>
       </p:sp>
@@ -6225,6 +5043,868 @@
         </p:nvPicPr>
         <p:blipFill>
           <a:blip r:embed="rId6"/>
+          <a:stretch>
+            <a:fillRect/>
+          </a:stretch>
+        </p:blipFill>
+        <p:spPr>
+          <a:xfrm>
+            <a:off x="12863245" y="7647811"/>
+            <a:ext cx="1664025" cy="516422"/>
+          </a:xfrm>
+          <a:prstGeom prst="rect">
+            <a:avLst/>
+          </a:prstGeom>
+        </p:spPr>
+      </p:pic>
+    </p:spTree>
+  </p:cSld>
+  <p:clrMapOvr>
+    <a:masterClrMapping/>
+  </p:clrMapOvr>
+</p:sld>
+</file>
+
+<file path=ppt/slides/slide14.xml><?xml version="1.0" encoding="utf-8"?>
+<p:sld xmlns:a="http://schemas.openxmlformats.org/drawingml/2006/main" xmlns:r="http://schemas.openxmlformats.org/officeDocument/2006/relationships" xmlns:p="http://schemas.openxmlformats.org/presentationml/2006/main">
+  <p:cSld>
+    <p:spTree>
+      <p:nvGrpSpPr>
+        <p:cNvPr id="1" name=""/>
+        <p:cNvGrpSpPr/>
+        <p:nvPr/>
+      </p:nvGrpSpPr>
+      <p:grpSpPr>
+        <a:xfrm>
+          <a:off x="0" y="0"/>
+          <a:ext cx="0" cy="0"/>
+          <a:chOff x="0" y="0"/>
+          <a:chExt cx="0" cy="0"/>
+        </a:xfrm>
+      </p:grpSpPr>
+      <p:sp>
+        <p:nvSpPr>
+          <p:cNvPr id="2" name="Text 0"/>
+          <p:cNvSpPr/>
+          <p:nvPr/>
+        </p:nvSpPr>
+        <p:spPr>
+          <a:xfrm>
+            <a:off x="793790" y="990719"/>
+            <a:ext cx="5670590" cy="708779"/>
+          </a:xfrm>
+          <a:prstGeom prst="rect">
+            <a:avLst/>
+          </a:prstGeom>
+          <a:noFill/>
+          <a:ln/>
+        </p:spPr>
+        <p:txBody>
+          <a:bodyPr wrap="none" lIns="0" tIns="0" rIns="0" bIns="0" rtlCol="0" anchor="t"/>
+          <a:lstStyle/>
+          <a:p>
+            <a:pPr marL="0" indent="0" algn="l">
+              <a:lnSpc>
+                <a:spcPts val="5550"/>
+              </a:lnSpc>
+              <a:buNone/>
+            </a:pPr>
+            <a:r>
+              <a:rPr lang="es-419" sz="4450" noProof="0" dirty="0">
+                <a:solidFill>
+                  <a:srgbClr val="FEFEFE"/>
+                </a:solidFill>
+                <a:latin typeface="Instrument Sans Medium" pitchFamily="34" charset="0"/>
+                <a:ea typeface="Instrument Sans Medium" pitchFamily="34" charset="-122"/>
+                <a:cs typeface="Instrument Sans Medium" pitchFamily="34" charset="-120"/>
+              </a:rPr>
+              <a:t>Conclusiones </a:t>
+            </a:r>
+            <a:endParaRPr lang="es-419" sz="4450" noProof="0" dirty="0"/>
+          </a:p>
+        </p:txBody>
+      </p:sp>
+      <p:sp>
+        <p:nvSpPr>
+          <p:cNvPr id="3" name="Shape 1"/>
+          <p:cNvSpPr/>
+          <p:nvPr/>
+        </p:nvSpPr>
+        <p:spPr>
+          <a:xfrm>
+            <a:off x="1048941" y="2153126"/>
+            <a:ext cx="30480" cy="5085636"/>
+          </a:xfrm>
+          <a:prstGeom prst="roundRect">
+            <a:avLst>
+              <a:gd name="adj" fmla="val 111628"/>
+            </a:avLst>
+          </a:prstGeom>
+          <a:solidFill>
+            <a:srgbClr val="575757"/>
+          </a:solidFill>
+          <a:ln/>
+        </p:spPr>
+        <p:txBody>
+          <a:bodyPr/>
+          <a:lstStyle/>
+          <a:p>
+            <a:endParaRPr lang="es-419" noProof="0" dirty="0"/>
+          </a:p>
+        </p:txBody>
+      </p:sp>
+      <p:sp>
+        <p:nvSpPr>
+          <p:cNvPr id="4" name="Shape 2"/>
+          <p:cNvSpPr/>
+          <p:nvPr/>
+        </p:nvSpPr>
+        <p:spPr>
+          <a:xfrm>
+            <a:off x="1273612" y="2393037"/>
+            <a:ext cx="680442" cy="30480"/>
+          </a:xfrm>
+          <a:prstGeom prst="roundRect">
+            <a:avLst>
+              <a:gd name="adj" fmla="val 111628"/>
+            </a:avLst>
+          </a:prstGeom>
+          <a:solidFill>
+            <a:srgbClr val="575757"/>
+          </a:solidFill>
+          <a:ln/>
+        </p:spPr>
+        <p:txBody>
+          <a:bodyPr/>
+          <a:lstStyle/>
+          <a:p>
+            <a:endParaRPr lang="es-419" noProof="0" dirty="0"/>
+          </a:p>
+        </p:txBody>
+      </p:sp>
+      <p:sp>
+        <p:nvSpPr>
+          <p:cNvPr id="5" name="Shape 3"/>
+          <p:cNvSpPr/>
+          <p:nvPr/>
+        </p:nvSpPr>
+        <p:spPr>
+          <a:xfrm>
+            <a:off x="793790" y="2153126"/>
+            <a:ext cx="510302" cy="510302"/>
+          </a:xfrm>
+          <a:prstGeom prst="roundRect">
+            <a:avLst>
+              <a:gd name="adj" fmla="val 6667"/>
+            </a:avLst>
+          </a:prstGeom>
+          <a:solidFill>
+            <a:srgbClr val="3E3E3E"/>
+          </a:solidFill>
+          <a:ln/>
+        </p:spPr>
+        <p:txBody>
+          <a:bodyPr/>
+          <a:lstStyle/>
+          <a:p>
+            <a:endParaRPr lang="es-419" noProof="0" dirty="0"/>
+          </a:p>
+        </p:txBody>
+      </p:sp>
+      <p:sp>
+        <p:nvSpPr>
+          <p:cNvPr id="6" name="Text 4"/>
+          <p:cNvSpPr/>
+          <p:nvPr/>
+        </p:nvSpPr>
+        <p:spPr>
+          <a:xfrm>
+            <a:off x="878860" y="2195632"/>
+            <a:ext cx="340162" cy="425291"/>
+          </a:xfrm>
+          <a:prstGeom prst="rect">
+            <a:avLst/>
+          </a:prstGeom>
+          <a:noFill/>
+          <a:ln/>
+        </p:spPr>
+        <p:txBody>
+          <a:bodyPr wrap="none" lIns="0" tIns="0" rIns="0" bIns="0" rtlCol="0" anchor="t"/>
+          <a:lstStyle/>
+          <a:p>
+            <a:pPr marL="0" indent="0" algn="ctr">
+              <a:lnSpc>
+                <a:spcPts val="2650"/>
+              </a:lnSpc>
+              <a:buNone/>
+            </a:pPr>
+            <a:r>
+              <a:rPr lang="es-419" sz="2650" noProof="0" dirty="0">
+                <a:solidFill>
+                  <a:srgbClr val="BFBFBF"/>
+                </a:solidFill>
+                <a:latin typeface="Instrument Sans Medium" pitchFamily="34" charset="0"/>
+                <a:ea typeface="Instrument Sans Medium" pitchFamily="34" charset="-122"/>
+                <a:cs typeface="Instrument Sans Medium" pitchFamily="34" charset="-120"/>
+              </a:rPr>
+              <a:t>1</a:t>
+            </a:r>
+            <a:endParaRPr lang="es-419" sz="2650" noProof="0" dirty="0"/>
+          </a:p>
+        </p:txBody>
+      </p:sp>
+      <p:sp>
+        <p:nvSpPr>
+          <p:cNvPr id="7" name="Text 5"/>
+          <p:cNvSpPr/>
+          <p:nvPr/>
+        </p:nvSpPr>
+        <p:spPr>
+          <a:xfrm>
+            <a:off x="2183011" y="2230993"/>
+            <a:ext cx="2835235" cy="354330"/>
+          </a:xfrm>
+          <a:prstGeom prst="rect">
+            <a:avLst/>
+          </a:prstGeom>
+          <a:noFill/>
+          <a:ln/>
+        </p:spPr>
+        <p:txBody>
+          <a:bodyPr wrap="none" lIns="0" tIns="0" rIns="0" bIns="0" rtlCol="0" anchor="t"/>
+          <a:lstStyle/>
+          <a:p>
+            <a:pPr marL="0" indent="0" algn="l">
+              <a:lnSpc>
+                <a:spcPts val="2750"/>
+              </a:lnSpc>
+              <a:buNone/>
+            </a:pPr>
+            <a:r>
+              <a:rPr lang="es-419" sz="2200" noProof="0" dirty="0">
+                <a:solidFill>
+                  <a:srgbClr val="BFBFBF"/>
+                </a:solidFill>
+                <a:latin typeface="Instrument Sans Medium" pitchFamily="34" charset="0"/>
+                <a:ea typeface="Instrument Sans Medium" pitchFamily="34" charset="-122"/>
+                <a:cs typeface="Instrument Sans Medium" pitchFamily="34" charset="-120"/>
+              </a:rPr>
+              <a:t>Diagnóstico Inicial</a:t>
+            </a:r>
+            <a:endParaRPr lang="es-419" sz="2200" noProof="0" dirty="0"/>
+          </a:p>
+        </p:txBody>
+      </p:sp>
+      <p:sp>
+        <p:nvSpPr>
+          <p:cNvPr id="8" name="Text 6"/>
+          <p:cNvSpPr/>
+          <p:nvPr/>
+        </p:nvSpPr>
+        <p:spPr>
+          <a:xfrm>
+            <a:off x="2183011" y="2721412"/>
+            <a:ext cx="11653599" cy="362903"/>
+          </a:xfrm>
+          <a:prstGeom prst="rect">
+            <a:avLst/>
+          </a:prstGeom>
+          <a:noFill/>
+          <a:ln/>
+        </p:spPr>
+        <p:txBody>
+          <a:bodyPr wrap="none" lIns="0" tIns="0" rIns="0" bIns="0" rtlCol="0" anchor="t"/>
+          <a:lstStyle/>
+          <a:p>
+            <a:pPr marL="0" indent="0" algn="l">
+              <a:lnSpc>
+                <a:spcPts val="2850"/>
+              </a:lnSpc>
+              <a:buNone/>
+            </a:pPr>
+            <a:r>
+              <a:rPr lang="es-419" sz="1750" noProof="0" dirty="0">
+                <a:solidFill>
+                  <a:srgbClr val="BFBFBF"/>
+                </a:solidFill>
+                <a:latin typeface="Open Sans" pitchFamily="34" charset="0"/>
+                <a:ea typeface="Open Sans" pitchFamily="34" charset="-122"/>
+                <a:cs typeface="Open Sans" pitchFamily="34" charset="-120"/>
+              </a:rPr>
+              <a:t>Identificamos la falta de seguimiento en tiempo real y procesos manuales.</a:t>
+            </a:r>
+            <a:endParaRPr lang="es-419" sz="1750" noProof="0" dirty="0"/>
+          </a:p>
+        </p:txBody>
+      </p:sp>
+      <p:sp>
+        <p:nvSpPr>
+          <p:cNvPr id="9" name="Shape 7"/>
+          <p:cNvSpPr/>
+          <p:nvPr/>
+        </p:nvSpPr>
+        <p:spPr>
+          <a:xfrm>
+            <a:off x="1273612" y="3777853"/>
+            <a:ext cx="680442" cy="30480"/>
+          </a:xfrm>
+          <a:prstGeom prst="roundRect">
+            <a:avLst>
+              <a:gd name="adj" fmla="val 111628"/>
+            </a:avLst>
+          </a:prstGeom>
+          <a:solidFill>
+            <a:srgbClr val="575757"/>
+          </a:solidFill>
+          <a:ln/>
+        </p:spPr>
+        <p:txBody>
+          <a:bodyPr/>
+          <a:lstStyle/>
+          <a:p>
+            <a:endParaRPr lang="es-419" noProof="0" dirty="0"/>
+          </a:p>
+        </p:txBody>
+      </p:sp>
+      <p:sp>
+        <p:nvSpPr>
+          <p:cNvPr id="10" name="Shape 8"/>
+          <p:cNvSpPr/>
+          <p:nvPr/>
+        </p:nvSpPr>
+        <p:spPr>
+          <a:xfrm>
+            <a:off x="793790" y="3537942"/>
+            <a:ext cx="510302" cy="510302"/>
+          </a:xfrm>
+          <a:prstGeom prst="roundRect">
+            <a:avLst>
+              <a:gd name="adj" fmla="val 6667"/>
+            </a:avLst>
+          </a:prstGeom>
+          <a:solidFill>
+            <a:srgbClr val="3E3E3E"/>
+          </a:solidFill>
+          <a:ln/>
+        </p:spPr>
+        <p:txBody>
+          <a:bodyPr/>
+          <a:lstStyle/>
+          <a:p>
+            <a:endParaRPr lang="es-419" noProof="0" dirty="0"/>
+          </a:p>
+        </p:txBody>
+      </p:sp>
+      <p:sp>
+        <p:nvSpPr>
+          <p:cNvPr id="11" name="Text 9"/>
+          <p:cNvSpPr/>
+          <p:nvPr/>
+        </p:nvSpPr>
+        <p:spPr>
+          <a:xfrm>
+            <a:off x="878860" y="3580448"/>
+            <a:ext cx="340162" cy="425291"/>
+          </a:xfrm>
+          <a:prstGeom prst="rect">
+            <a:avLst/>
+          </a:prstGeom>
+          <a:noFill/>
+          <a:ln/>
+        </p:spPr>
+        <p:txBody>
+          <a:bodyPr wrap="none" lIns="0" tIns="0" rIns="0" bIns="0" rtlCol="0" anchor="t"/>
+          <a:lstStyle/>
+          <a:p>
+            <a:pPr marL="0" indent="0" algn="ctr">
+              <a:lnSpc>
+                <a:spcPts val="2650"/>
+              </a:lnSpc>
+              <a:buNone/>
+            </a:pPr>
+            <a:r>
+              <a:rPr lang="es-419" sz="2650" noProof="0" dirty="0">
+                <a:solidFill>
+                  <a:srgbClr val="BFBFBF"/>
+                </a:solidFill>
+                <a:latin typeface="Instrument Sans Medium" pitchFamily="34" charset="0"/>
+                <a:ea typeface="Instrument Sans Medium" pitchFamily="34" charset="-122"/>
+                <a:cs typeface="Instrument Sans Medium" pitchFamily="34" charset="-120"/>
+              </a:rPr>
+              <a:t>2</a:t>
+            </a:r>
+            <a:endParaRPr lang="es-419" sz="2650" noProof="0" dirty="0"/>
+          </a:p>
+        </p:txBody>
+      </p:sp>
+      <p:sp>
+        <p:nvSpPr>
+          <p:cNvPr id="12" name="Text 10"/>
+          <p:cNvSpPr/>
+          <p:nvPr/>
+        </p:nvSpPr>
+        <p:spPr>
+          <a:xfrm>
+            <a:off x="2183011" y="3615809"/>
+            <a:ext cx="2835235" cy="354330"/>
+          </a:xfrm>
+          <a:prstGeom prst="rect">
+            <a:avLst/>
+          </a:prstGeom>
+          <a:noFill/>
+          <a:ln/>
+        </p:spPr>
+        <p:txBody>
+          <a:bodyPr wrap="none" lIns="0" tIns="0" rIns="0" bIns="0" rtlCol="0" anchor="t"/>
+          <a:lstStyle/>
+          <a:p>
+            <a:pPr marL="0" indent="0" algn="l">
+              <a:lnSpc>
+                <a:spcPts val="2750"/>
+              </a:lnSpc>
+              <a:buNone/>
+            </a:pPr>
+            <a:r>
+              <a:rPr lang="es-419" sz="2200" noProof="0" dirty="0">
+                <a:solidFill>
+                  <a:srgbClr val="BFBFBF"/>
+                </a:solidFill>
+                <a:latin typeface="Instrument Sans Medium" pitchFamily="34" charset="0"/>
+                <a:ea typeface="Instrument Sans Medium" pitchFamily="34" charset="-122"/>
+                <a:cs typeface="Instrument Sans Medium" pitchFamily="34" charset="-120"/>
+              </a:rPr>
+              <a:t>Diseño del Sistema</a:t>
+            </a:r>
+            <a:endParaRPr lang="es-419" sz="2200" noProof="0" dirty="0"/>
+          </a:p>
+        </p:txBody>
+      </p:sp>
+      <p:sp>
+        <p:nvSpPr>
+          <p:cNvPr id="13" name="Text 11"/>
+          <p:cNvSpPr/>
+          <p:nvPr/>
+        </p:nvSpPr>
+        <p:spPr>
+          <a:xfrm>
+            <a:off x="2183011" y="4106228"/>
+            <a:ext cx="11653599" cy="362903"/>
+          </a:xfrm>
+          <a:prstGeom prst="rect">
+            <a:avLst/>
+          </a:prstGeom>
+          <a:noFill/>
+          <a:ln/>
+        </p:spPr>
+        <p:txBody>
+          <a:bodyPr wrap="none" lIns="0" tIns="0" rIns="0" bIns="0" rtlCol="0" anchor="t"/>
+          <a:lstStyle/>
+          <a:p>
+            <a:pPr marL="0" indent="0" algn="l">
+              <a:lnSpc>
+                <a:spcPts val="2850"/>
+              </a:lnSpc>
+              <a:buNone/>
+            </a:pPr>
+            <a:r>
+              <a:rPr lang="es-419" sz="1750" noProof="0" dirty="0">
+                <a:solidFill>
+                  <a:srgbClr val="BFBFBF"/>
+                </a:solidFill>
+                <a:latin typeface="Open Sans" pitchFamily="34" charset="0"/>
+                <a:ea typeface="Open Sans" pitchFamily="34" charset="-122"/>
+                <a:cs typeface="Open Sans" pitchFamily="34" charset="-120"/>
+              </a:rPr>
+              <a:t>Interfaz y arquitectura validan un acceso rápido y confiable para usuarios.</a:t>
+            </a:r>
+            <a:endParaRPr lang="es-419" sz="1750" noProof="0" dirty="0"/>
+          </a:p>
+        </p:txBody>
+      </p:sp>
+      <p:sp>
+        <p:nvSpPr>
+          <p:cNvPr id="14" name="Shape 12"/>
+          <p:cNvSpPr/>
+          <p:nvPr/>
+        </p:nvSpPr>
+        <p:spPr>
+          <a:xfrm>
+            <a:off x="1273612" y="5162669"/>
+            <a:ext cx="680442" cy="30480"/>
+          </a:xfrm>
+          <a:prstGeom prst="roundRect">
+            <a:avLst>
+              <a:gd name="adj" fmla="val 111628"/>
+            </a:avLst>
+          </a:prstGeom>
+          <a:solidFill>
+            <a:srgbClr val="575757"/>
+          </a:solidFill>
+          <a:ln/>
+        </p:spPr>
+        <p:txBody>
+          <a:bodyPr/>
+          <a:lstStyle/>
+          <a:p>
+            <a:endParaRPr lang="es-419" noProof="0" dirty="0"/>
+          </a:p>
+        </p:txBody>
+      </p:sp>
+      <p:sp>
+        <p:nvSpPr>
+          <p:cNvPr id="15" name="Shape 13"/>
+          <p:cNvSpPr/>
+          <p:nvPr/>
+        </p:nvSpPr>
+        <p:spPr>
+          <a:xfrm>
+            <a:off x="793790" y="4922758"/>
+            <a:ext cx="510302" cy="510302"/>
+          </a:xfrm>
+          <a:prstGeom prst="roundRect">
+            <a:avLst>
+              <a:gd name="adj" fmla="val 6667"/>
+            </a:avLst>
+          </a:prstGeom>
+          <a:solidFill>
+            <a:srgbClr val="3E3E3E"/>
+          </a:solidFill>
+          <a:ln/>
+        </p:spPr>
+        <p:txBody>
+          <a:bodyPr/>
+          <a:lstStyle/>
+          <a:p>
+            <a:endParaRPr lang="es-419" noProof="0" dirty="0"/>
+          </a:p>
+        </p:txBody>
+      </p:sp>
+      <p:sp>
+        <p:nvSpPr>
+          <p:cNvPr id="16" name="Text 14"/>
+          <p:cNvSpPr/>
+          <p:nvPr/>
+        </p:nvSpPr>
+        <p:spPr>
+          <a:xfrm>
+            <a:off x="878860" y="4965263"/>
+            <a:ext cx="340162" cy="425291"/>
+          </a:xfrm>
+          <a:prstGeom prst="rect">
+            <a:avLst/>
+          </a:prstGeom>
+          <a:noFill/>
+          <a:ln/>
+        </p:spPr>
+        <p:txBody>
+          <a:bodyPr wrap="none" lIns="0" tIns="0" rIns="0" bIns="0" rtlCol="0" anchor="t"/>
+          <a:lstStyle/>
+          <a:p>
+            <a:pPr marL="0" indent="0" algn="ctr">
+              <a:lnSpc>
+                <a:spcPts val="2650"/>
+              </a:lnSpc>
+              <a:buNone/>
+            </a:pPr>
+            <a:r>
+              <a:rPr lang="es-419" sz="2650" noProof="0" dirty="0">
+                <a:solidFill>
+                  <a:srgbClr val="BFBFBF"/>
+                </a:solidFill>
+                <a:latin typeface="Instrument Sans Medium" pitchFamily="34" charset="0"/>
+                <a:ea typeface="Instrument Sans Medium" pitchFamily="34" charset="-122"/>
+                <a:cs typeface="Instrument Sans Medium" pitchFamily="34" charset="-120"/>
+              </a:rPr>
+              <a:t>3</a:t>
+            </a:r>
+            <a:endParaRPr lang="es-419" sz="2650" noProof="0" dirty="0"/>
+          </a:p>
+        </p:txBody>
+      </p:sp>
+      <p:sp>
+        <p:nvSpPr>
+          <p:cNvPr id="17" name="Text 15"/>
+          <p:cNvSpPr/>
+          <p:nvPr/>
+        </p:nvSpPr>
+        <p:spPr>
+          <a:xfrm>
+            <a:off x="2183011" y="5000625"/>
+            <a:ext cx="2980015" cy="354330"/>
+          </a:xfrm>
+          <a:prstGeom prst="rect">
+            <a:avLst/>
+          </a:prstGeom>
+          <a:noFill/>
+          <a:ln/>
+        </p:spPr>
+        <p:txBody>
+          <a:bodyPr wrap="none" lIns="0" tIns="0" rIns="0" bIns="0" rtlCol="0" anchor="t"/>
+          <a:lstStyle/>
+          <a:p>
+            <a:pPr marL="0" indent="0" algn="l">
+              <a:lnSpc>
+                <a:spcPts val="2750"/>
+              </a:lnSpc>
+              <a:buNone/>
+            </a:pPr>
+            <a:r>
+              <a:rPr lang="es-419" sz="2200" noProof="0" dirty="0">
+                <a:solidFill>
+                  <a:srgbClr val="BFBFBF"/>
+                </a:solidFill>
+                <a:latin typeface="Instrument Sans Medium" pitchFamily="34" charset="0"/>
+                <a:ea typeface="Instrument Sans Medium" pitchFamily="34" charset="-122"/>
+                <a:cs typeface="Instrument Sans Medium" pitchFamily="34" charset="-120"/>
+              </a:rPr>
+              <a:t>Implementación Piloto</a:t>
+            </a:r>
+            <a:endParaRPr lang="es-419" sz="2200" noProof="0" dirty="0"/>
+          </a:p>
+        </p:txBody>
+      </p:sp>
+      <p:sp>
+        <p:nvSpPr>
+          <p:cNvPr id="18" name="Text 16"/>
+          <p:cNvSpPr/>
+          <p:nvPr/>
+        </p:nvSpPr>
+        <p:spPr>
+          <a:xfrm>
+            <a:off x="2183011" y="5491043"/>
+            <a:ext cx="11653599" cy="362903"/>
+          </a:xfrm>
+          <a:prstGeom prst="rect">
+            <a:avLst/>
+          </a:prstGeom>
+          <a:noFill/>
+          <a:ln/>
+        </p:spPr>
+        <p:txBody>
+          <a:bodyPr wrap="none" lIns="0" tIns="0" rIns="0" bIns="0" rtlCol="0" anchor="t"/>
+          <a:lstStyle/>
+          <a:p>
+            <a:pPr marL="0" indent="0" algn="l">
+              <a:lnSpc>
+                <a:spcPts val="2850"/>
+              </a:lnSpc>
+              <a:buNone/>
+            </a:pPr>
+            <a:r>
+              <a:rPr lang="es-419" sz="1750" noProof="0" dirty="0">
+                <a:solidFill>
+                  <a:srgbClr val="BFBFBF"/>
+                </a:solidFill>
+                <a:latin typeface="Open Sans" pitchFamily="34" charset="0"/>
+                <a:ea typeface="Open Sans" pitchFamily="34" charset="-122"/>
+                <a:cs typeface="Open Sans" pitchFamily="34" charset="-120"/>
+              </a:rPr>
+              <a:t>Disminución del 75 % en errores y coordinación efectiva entre áreas.</a:t>
+            </a:r>
+            <a:endParaRPr lang="es-419" sz="1750" noProof="0" dirty="0"/>
+          </a:p>
+        </p:txBody>
+      </p:sp>
+      <p:sp>
+        <p:nvSpPr>
+          <p:cNvPr id="19" name="Shape 17"/>
+          <p:cNvSpPr/>
+          <p:nvPr/>
+        </p:nvSpPr>
+        <p:spPr>
+          <a:xfrm>
+            <a:off x="1273612" y="6547485"/>
+            <a:ext cx="680442" cy="30480"/>
+          </a:xfrm>
+          <a:prstGeom prst="roundRect">
+            <a:avLst>
+              <a:gd name="adj" fmla="val 111628"/>
+            </a:avLst>
+          </a:prstGeom>
+          <a:solidFill>
+            <a:srgbClr val="575757"/>
+          </a:solidFill>
+          <a:ln/>
+        </p:spPr>
+        <p:txBody>
+          <a:bodyPr/>
+          <a:lstStyle/>
+          <a:p>
+            <a:endParaRPr lang="es-419" noProof="0" dirty="0"/>
+          </a:p>
+        </p:txBody>
+      </p:sp>
+      <p:sp>
+        <p:nvSpPr>
+          <p:cNvPr id="20" name="Shape 18"/>
+          <p:cNvSpPr/>
+          <p:nvPr/>
+        </p:nvSpPr>
+        <p:spPr>
+          <a:xfrm>
+            <a:off x="793790" y="6307574"/>
+            <a:ext cx="510302" cy="510302"/>
+          </a:xfrm>
+          <a:prstGeom prst="roundRect">
+            <a:avLst>
+              <a:gd name="adj" fmla="val 6667"/>
+            </a:avLst>
+          </a:prstGeom>
+          <a:solidFill>
+            <a:srgbClr val="3E3E3E"/>
+          </a:solidFill>
+          <a:ln/>
+        </p:spPr>
+        <p:txBody>
+          <a:bodyPr/>
+          <a:lstStyle/>
+          <a:p>
+            <a:endParaRPr lang="es-419" noProof="0" dirty="0"/>
+          </a:p>
+        </p:txBody>
+      </p:sp>
+      <p:sp>
+        <p:nvSpPr>
+          <p:cNvPr id="21" name="Text 19"/>
+          <p:cNvSpPr/>
+          <p:nvPr/>
+        </p:nvSpPr>
+        <p:spPr>
+          <a:xfrm>
+            <a:off x="878860" y="6350079"/>
+            <a:ext cx="340162" cy="425291"/>
+          </a:xfrm>
+          <a:prstGeom prst="rect">
+            <a:avLst/>
+          </a:prstGeom>
+          <a:noFill/>
+          <a:ln/>
+        </p:spPr>
+        <p:txBody>
+          <a:bodyPr wrap="none" lIns="0" tIns="0" rIns="0" bIns="0" rtlCol="0" anchor="t"/>
+          <a:lstStyle/>
+          <a:p>
+            <a:pPr marL="0" indent="0" algn="ctr">
+              <a:lnSpc>
+                <a:spcPts val="2650"/>
+              </a:lnSpc>
+              <a:buNone/>
+            </a:pPr>
+            <a:r>
+              <a:rPr lang="es-419" sz="2650" noProof="0" dirty="0">
+                <a:solidFill>
+                  <a:srgbClr val="BFBFBF"/>
+                </a:solidFill>
+                <a:latin typeface="Instrument Sans Medium" pitchFamily="34" charset="0"/>
+                <a:ea typeface="Instrument Sans Medium" pitchFamily="34" charset="-122"/>
+                <a:cs typeface="Instrument Sans Medium" pitchFamily="34" charset="-120"/>
+              </a:rPr>
+              <a:t>4</a:t>
+            </a:r>
+            <a:endParaRPr lang="es-419" sz="2650" noProof="0" dirty="0"/>
+          </a:p>
+        </p:txBody>
+      </p:sp>
+      <p:sp>
+        <p:nvSpPr>
+          <p:cNvPr id="22" name="Text 20"/>
+          <p:cNvSpPr/>
+          <p:nvPr/>
+        </p:nvSpPr>
+        <p:spPr>
+          <a:xfrm>
+            <a:off x="2183011" y="6385441"/>
+            <a:ext cx="2955846" cy="354330"/>
+          </a:xfrm>
+          <a:prstGeom prst="rect">
+            <a:avLst/>
+          </a:prstGeom>
+          <a:noFill/>
+          <a:ln/>
+        </p:spPr>
+        <p:txBody>
+          <a:bodyPr wrap="none" lIns="0" tIns="0" rIns="0" bIns="0" rtlCol="0" anchor="t"/>
+          <a:lstStyle/>
+          <a:p>
+            <a:pPr marL="0" indent="0" algn="l">
+              <a:lnSpc>
+                <a:spcPts val="2750"/>
+              </a:lnSpc>
+              <a:buNone/>
+            </a:pPr>
+            <a:r>
+              <a:rPr lang="es-419" sz="2200" noProof="0" dirty="0">
+                <a:solidFill>
+                  <a:srgbClr val="BFBFBF"/>
+                </a:solidFill>
+                <a:latin typeface="Instrument Sans Medium" pitchFamily="34" charset="0"/>
+                <a:ea typeface="Instrument Sans Medium" pitchFamily="34" charset="-122"/>
+                <a:cs typeface="Instrument Sans Medium" pitchFamily="34" charset="-120"/>
+              </a:rPr>
+              <a:t>Evaluación de Impacto</a:t>
+            </a:r>
+            <a:endParaRPr lang="es-419" sz="2200" noProof="0" dirty="0"/>
+          </a:p>
+        </p:txBody>
+      </p:sp>
+      <p:sp>
+        <p:nvSpPr>
+          <p:cNvPr id="23" name="Text 21"/>
+          <p:cNvSpPr/>
+          <p:nvPr/>
+        </p:nvSpPr>
+        <p:spPr>
+          <a:xfrm>
+            <a:off x="2183011" y="6875859"/>
+            <a:ext cx="11653599" cy="362903"/>
+          </a:xfrm>
+          <a:prstGeom prst="rect">
+            <a:avLst/>
+          </a:prstGeom>
+          <a:noFill/>
+          <a:ln/>
+        </p:spPr>
+        <p:txBody>
+          <a:bodyPr wrap="none" lIns="0" tIns="0" rIns="0" bIns="0" rtlCol="0" anchor="t"/>
+          <a:lstStyle/>
+          <a:p>
+            <a:pPr marL="0" indent="0" algn="l">
+              <a:lnSpc>
+                <a:spcPts val="2850"/>
+              </a:lnSpc>
+              <a:buNone/>
+            </a:pPr>
+            <a:r>
+              <a:rPr lang="es-419" sz="1750" noProof="0" dirty="0">
+                <a:solidFill>
+                  <a:srgbClr val="BFBFBF"/>
+                </a:solidFill>
+                <a:latin typeface="Open Sans" pitchFamily="34" charset="0"/>
+                <a:ea typeface="Open Sans" pitchFamily="34" charset="-122"/>
+                <a:cs typeface="Open Sans" pitchFamily="34" charset="-120"/>
+              </a:rPr>
+              <a:t>Mejoras significativas en eficiencia, reducción de tiempos y satisfacción.</a:t>
+            </a:r>
+            <a:endParaRPr lang="es-419" sz="1750" noProof="0" dirty="0"/>
+          </a:p>
+        </p:txBody>
+      </p:sp>
+      <p:pic>
+        <p:nvPicPr>
+          <p:cNvPr id="24" name="Picture 23">
+            <a:extLst>
+              <a:ext uri="{FF2B5EF4-FFF2-40B4-BE49-F238E27FC236}">
+                <a16:creationId xmlns:a16="http://schemas.microsoft.com/office/drawing/2014/main" id="{7FD13F82-AEE9-18CE-EC0C-017836257F1F}"/>
+              </a:ext>
+            </a:extLst>
+          </p:cNvPr>
+          <p:cNvPicPr>
+            <a:picLocks noChangeAspect="1"/>
+          </p:cNvPicPr>
+          <p:nvPr/>
+        </p:nvPicPr>
+        <p:blipFill>
+          <a:blip r:embed="rId3"/>
           <a:stretch>
             <a:fillRect/>
           </a:stretch>
@@ -6273,7 +5953,7 @@
         <p:spPr>
           <a:xfrm>
             <a:off x="793790" y="990719"/>
-            <a:ext cx="5670590" cy="708779"/>
+            <a:ext cx="11223308" cy="708779"/>
           </a:xfrm>
           <a:prstGeom prst="rect">
             <a:avLst/>
@@ -6292,7 +5972,7 @@
               <a:buNone/>
             </a:pPr>
             <a:r>
-              <a:rPr lang="en-US" sz="4450" dirty="0">
+              <a:rPr lang="es-419" sz="4450" noProof="0" dirty="0">
                 <a:solidFill>
                   <a:srgbClr val="FEFEFE"/>
                 </a:solidFill>
@@ -6300,9 +5980,9 @@
                 <a:ea typeface="Instrument Sans Medium" pitchFamily="34" charset="-122"/>
                 <a:cs typeface="Instrument Sans Medium" pitchFamily="34" charset="-120"/>
               </a:rPr>
-              <a:t>Conclusiones </a:t>
-            </a:r>
-            <a:endParaRPr lang="en-US" sz="4450" dirty="0"/>
+              <a:t>Recomendaciones para la Mejora Continua</a:t>
+            </a:r>
+            <a:endParaRPr lang="es-419" sz="4450" noProof="0" dirty="0"/>
           </a:p>
         </p:txBody>
       </p:sp>
@@ -6327,6 +6007,13 @@
           </a:solidFill>
           <a:ln/>
         </p:spPr>
+        <p:txBody>
+          <a:bodyPr/>
+          <a:lstStyle/>
+          <a:p>
+            <a:endParaRPr lang="es-419" noProof="0" dirty="0"/>
+          </a:p>
+        </p:txBody>
       </p:sp>
       <p:sp>
         <p:nvSpPr>
@@ -6349,6 +6036,13 @@
           </a:solidFill>
           <a:ln/>
         </p:spPr>
+        <p:txBody>
+          <a:bodyPr/>
+          <a:lstStyle/>
+          <a:p>
+            <a:endParaRPr lang="es-419" noProof="0" dirty="0"/>
+          </a:p>
+        </p:txBody>
       </p:sp>
       <p:sp>
         <p:nvSpPr>
@@ -6371,6 +6065,13 @@
           </a:solidFill>
           <a:ln/>
         </p:spPr>
+        <p:txBody>
+          <a:bodyPr/>
+          <a:lstStyle/>
+          <a:p>
+            <a:endParaRPr lang="es-419" noProof="0" dirty="0"/>
+          </a:p>
+        </p:txBody>
       </p:sp>
       <p:sp>
         <p:nvSpPr>
@@ -6400,7 +6101,7 @@
               <a:buNone/>
             </a:pPr>
             <a:r>
-              <a:rPr lang="en-US" sz="2650" dirty="0">
+              <a:rPr lang="es-419" sz="2650" noProof="0" dirty="0">
                 <a:solidFill>
                   <a:srgbClr val="BFBFBF"/>
                 </a:solidFill>
@@ -6410,7 +6111,7 @@
               </a:rPr>
               <a:t>1</a:t>
             </a:r>
-            <a:endParaRPr lang="en-US" sz="2650" dirty="0"/>
+            <a:endParaRPr lang="es-419" sz="2650" noProof="0" dirty="0"/>
           </a:p>
         </p:txBody>
       </p:sp>
@@ -6423,7 +6124,7 @@
         <p:spPr>
           <a:xfrm>
             <a:off x="2183011" y="2230993"/>
-            <a:ext cx="2835235" cy="354330"/>
+            <a:ext cx="3008828" cy="354330"/>
           </a:xfrm>
           <a:prstGeom prst="rect">
             <a:avLst/>
@@ -6442,7 +6143,7 @@
               <a:buNone/>
             </a:pPr>
             <a:r>
-              <a:rPr lang="en-US" sz="2200" dirty="0">
+              <a:rPr lang="es-419" sz="2200" noProof="0" dirty="0">
                 <a:solidFill>
                   <a:srgbClr val="BFBFBF"/>
                 </a:solidFill>
@@ -6450,9 +6151,9 @@
                 <a:ea typeface="Instrument Sans Medium" pitchFamily="34" charset="-122"/>
                 <a:cs typeface="Instrument Sans Medium" pitchFamily="34" charset="-120"/>
               </a:rPr>
-              <a:t>Diagnóstico Inicial</a:t>
-            </a:r>
-            <a:endParaRPr lang="en-US" sz="2200" dirty="0"/>
+              <a:t>Capacitación Continua</a:t>
+            </a:r>
+            <a:endParaRPr lang="es-419" sz="2200" noProof="0" dirty="0"/>
           </a:p>
         </p:txBody>
       </p:sp>
@@ -6484,7 +6185,7 @@
               <a:buNone/>
             </a:pPr>
             <a:r>
-              <a:rPr lang="en-US" sz="1750" dirty="0">
+              <a:rPr lang="es-419" sz="1750" noProof="0" dirty="0">
                 <a:solidFill>
                   <a:srgbClr val="BFBFBF"/>
                 </a:solidFill>
@@ -6492,9 +6193,9 @@
                 <a:ea typeface="Open Sans" pitchFamily="34" charset="-122"/>
                 <a:cs typeface="Open Sans" pitchFamily="34" charset="-120"/>
               </a:rPr>
-              <a:t>Identificamos la falta de seguimiento en tiempo real y procesos manuales.</a:t>
-            </a:r>
-            <a:endParaRPr lang="en-US" sz="1750" dirty="0"/>
+              <a:t>Implementar programas constantes para mejorar habilidades de los usuarios.</a:t>
+            </a:r>
+            <a:endParaRPr lang="es-419" sz="1750" noProof="0" dirty="0"/>
           </a:p>
         </p:txBody>
       </p:sp>
@@ -6519,6 +6220,13 @@
           </a:solidFill>
           <a:ln/>
         </p:spPr>
+        <p:txBody>
+          <a:bodyPr/>
+          <a:lstStyle/>
+          <a:p>
+            <a:endParaRPr lang="es-419" noProof="0" dirty="0"/>
+          </a:p>
+        </p:txBody>
       </p:sp>
       <p:sp>
         <p:nvSpPr>
@@ -6541,6 +6249,13 @@
           </a:solidFill>
           <a:ln/>
         </p:spPr>
+        <p:txBody>
+          <a:bodyPr/>
+          <a:lstStyle/>
+          <a:p>
+            <a:endParaRPr lang="es-419" noProof="0" dirty="0"/>
+          </a:p>
+        </p:txBody>
       </p:sp>
       <p:sp>
         <p:nvSpPr>
@@ -6570,7 +6285,7 @@
               <a:buNone/>
             </a:pPr>
             <a:r>
-              <a:rPr lang="en-US" sz="2650" dirty="0">
+              <a:rPr lang="es-419" sz="2650" noProof="0" dirty="0">
                 <a:solidFill>
                   <a:srgbClr val="BFBFBF"/>
                 </a:solidFill>
@@ -6580,7 +6295,7 @@
               </a:rPr>
               <a:t>2</a:t>
             </a:r>
-            <a:endParaRPr lang="en-US" sz="2650" dirty="0"/>
+            <a:endParaRPr lang="es-419" sz="2650" noProof="0" dirty="0"/>
           </a:p>
         </p:txBody>
       </p:sp>
@@ -6612,7 +6327,7 @@
               <a:buNone/>
             </a:pPr>
             <a:r>
-              <a:rPr lang="en-US" sz="2200" dirty="0">
+              <a:rPr lang="es-419" sz="2200" noProof="0" dirty="0">
                 <a:solidFill>
                   <a:srgbClr val="BFBFBF"/>
                 </a:solidFill>
@@ -6620,9 +6335,9 @@
                 <a:ea typeface="Instrument Sans Medium" pitchFamily="34" charset="-122"/>
                 <a:cs typeface="Instrument Sans Medium" pitchFamily="34" charset="-120"/>
               </a:rPr>
-              <a:t>Diseño del Sistema</a:t>
-            </a:r>
-            <a:endParaRPr lang="en-US" sz="2200" dirty="0"/>
+              <a:t>Adaptación Móvil</a:t>
+            </a:r>
+            <a:endParaRPr lang="es-419" sz="2200" noProof="0" dirty="0"/>
           </a:p>
         </p:txBody>
       </p:sp>
@@ -6654,7 +6369,7 @@
               <a:buNone/>
             </a:pPr>
             <a:r>
-              <a:rPr lang="en-US" sz="1750" dirty="0">
+              <a:rPr lang="es-419" sz="1750" noProof="0" dirty="0">
                 <a:solidFill>
                   <a:srgbClr val="BFBFBF"/>
                 </a:solidFill>
@@ -6662,9 +6377,9 @@
                 <a:ea typeface="Open Sans" pitchFamily="34" charset="-122"/>
                 <a:cs typeface="Open Sans" pitchFamily="34" charset="-120"/>
               </a:rPr>
-              <a:t>Interfaz y arquitectura validan un acceso rápido y confiable para usuarios.</a:t>
-            </a:r>
-            <a:endParaRPr lang="en-US" sz="1750" dirty="0"/>
+              <a:t>Optimizar el sistema para facilitar acceso y gestión desde dispositivos móviles.</a:t>
+            </a:r>
+            <a:endParaRPr lang="es-419" sz="1750" noProof="0" dirty="0"/>
           </a:p>
         </p:txBody>
       </p:sp>
@@ -6689,6 +6404,13 @@
           </a:solidFill>
           <a:ln/>
         </p:spPr>
+        <p:txBody>
+          <a:bodyPr/>
+          <a:lstStyle/>
+          <a:p>
+            <a:endParaRPr lang="es-419" noProof="0" dirty="0"/>
+          </a:p>
+        </p:txBody>
       </p:sp>
       <p:sp>
         <p:nvSpPr>
@@ -6711,6 +6433,13 @@
           </a:solidFill>
           <a:ln/>
         </p:spPr>
+        <p:txBody>
+          <a:bodyPr/>
+          <a:lstStyle/>
+          <a:p>
+            <a:endParaRPr lang="es-419" noProof="0" dirty="0"/>
+          </a:p>
+        </p:txBody>
       </p:sp>
       <p:sp>
         <p:nvSpPr>
@@ -6740,7 +6469,7 @@
               <a:buNone/>
             </a:pPr>
             <a:r>
-              <a:rPr lang="en-US" sz="2650" dirty="0">
+              <a:rPr lang="es-419" sz="2650" noProof="0" dirty="0">
                 <a:solidFill>
                   <a:srgbClr val="BFBFBF"/>
                 </a:solidFill>
@@ -6750,7 +6479,7 @@
               </a:rPr>
               <a:t>3</a:t>
             </a:r>
-            <a:endParaRPr lang="en-US" sz="2650" dirty="0"/>
+            <a:endParaRPr lang="es-419" sz="2650" noProof="0" dirty="0"/>
           </a:p>
         </p:txBody>
       </p:sp>
@@ -6763,7 +6492,7 @@
         <p:spPr>
           <a:xfrm>
             <a:off x="2183011" y="5000625"/>
-            <a:ext cx="2980015" cy="354330"/>
+            <a:ext cx="3348037" cy="354330"/>
           </a:xfrm>
           <a:prstGeom prst="rect">
             <a:avLst/>
@@ -6782,7 +6511,7 @@
               <a:buNone/>
             </a:pPr>
             <a:r>
-              <a:rPr lang="en-US" sz="2200" dirty="0">
+              <a:rPr lang="es-419" sz="2200" noProof="0" dirty="0">
                 <a:solidFill>
                   <a:srgbClr val="BFBFBF"/>
                 </a:solidFill>
@@ -6790,9 +6519,9 @@
                 <a:ea typeface="Instrument Sans Medium" pitchFamily="34" charset="-122"/>
                 <a:cs typeface="Instrument Sans Medium" pitchFamily="34" charset="-120"/>
               </a:rPr>
-              <a:t>Implementación Piloto</a:t>
-            </a:r>
-            <a:endParaRPr lang="en-US" sz="2200" dirty="0"/>
+              <a:t>Personalización por Roles</a:t>
+            </a:r>
+            <a:endParaRPr lang="es-419" sz="2200" noProof="0" dirty="0"/>
           </a:p>
         </p:txBody>
       </p:sp>
@@ -6824,7 +6553,7 @@
               <a:buNone/>
             </a:pPr>
             <a:r>
-              <a:rPr lang="en-US" sz="1750" dirty="0">
+              <a:rPr lang="es-419" sz="1750" noProof="0" dirty="0">
                 <a:solidFill>
                   <a:srgbClr val="BFBFBF"/>
                 </a:solidFill>
@@ -6832,9 +6561,9 @@
                 <a:ea typeface="Open Sans" pitchFamily="34" charset="-122"/>
                 <a:cs typeface="Open Sans" pitchFamily="34" charset="-120"/>
               </a:rPr>
-              <a:t>Disminución del 75 % en errores y coordinación efectiva entre áreas.</a:t>
-            </a:r>
-            <a:endParaRPr lang="en-US" sz="1750" dirty="0"/>
+              <a:t>Configurar paneles según funciones para aumentar la eficiencia operativa.</a:t>
+            </a:r>
+            <a:endParaRPr lang="es-419" sz="1750" noProof="0" dirty="0"/>
           </a:p>
         </p:txBody>
       </p:sp>
@@ -6859,6 +6588,13 @@
           </a:solidFill>
           <a:ln/>
         </p:spPr>
+        <p:txBody>
+          <a:bodyPr/>
+          <a:lstStyle/>
+          <a:p>
+            <a:endParaRPr lang="es-419" noProof="0" dirty="0"/>
+          </a:p>
+        </p:txBody>
       </p:sp>
       <p:sp>
         <p:nvSpPr>
@@ -6881,6 +6617,13 @@
           </a:solidFill>
           <a:ln/>
         </p:spPr>
+        <p:txBody>
+          <a:bodyPr/>
+          <a:lstStyle/>
+          <a:p>
+            <a:endParaRPr lang="es-419" noProof="0" dirty="0"/>
+          </a:p>
+        </p:txBody>
       </p:sp>
       <p:sp>
         <p:nvSpPr>
@@ -6910,7 +6653,7 @@
               <a:buNone/>
             </a:pPr>
             <a:r>
-              <a:rPr lang="en-US" sz="2650" dirty="0">
+              <a:rPr lang="es-419" sz="2650" noProof="0" dirty="0">
                 <a:solidFill>
                   <a:srgbClr val="BFBFBF"/>
                 </a:solidFill>
@@ -6920,7 +6663,7 @@
               </a:rPr>
               <a:t>4</a:t>
             </a:r>
-            <a:endParaRPr lang="en-US" sz="2650" dirty="0"/>
+            <a:endParaRPr lang="es-419" sz="2650" noProof="0" dirty="0"/>
           </a:p>
         </p:txBody>
       </p:sp>
@@ -6933,7 +6676,7 @@
         <p:spPr>
           <a:xfrm>
             <a:off x="2183011" y="6385441"/>
-            <a:ext cx="2955846" cy="354330"/>
+            <a:ext cx="4046339" cy="354330"/>
           </a:xfrm>
           <a:prstGeom prst="rect">
             <a:avLst/>
@@ -6952,7 +6695,7 @@
               <a:buNone/>
             </a:pPr>
             <a:r>
-              <a:rPr lang="en-US" sz="2200" dirty="0">
+              <a:rPr lang="es-419" sz="2200" noProof="0" dirty="0">
                 <a:solidFill>
                   <a:srgbClr val="BFBFBF"/>
                 </a:solidFill>
@@ -6960,9 +6703,9 @@
                 <a:ea typeface="Instrument Sans Medium" pitchFamily="34" charset="-122"/>
                 <a:cs typeface="Instrument Sans Medium" pitchFamily="34" charset="-120"/>
               </a:rPr>
-              <a:t>Evaluación de Impacto</a:t>
-            </a:r>
-            <a:endParaRPr lang="en-US" sz="2200" dirty="0"/>
+              <a:t>Inversión y Gestión del Cambio</a:t>
+            </a:r>
+            <a:endParaRPr lang="es-419" sz="2200" noProof="0" dirty="0"/>
           </a:p>
         </p:txBody>
       </p:sp>
@@ -6994,7 +6737,7 @@
               <a:buNone/>
             </a:pPr>
             <a:r>
-              <a:rPr lang="en-US" sz="1750" dirty="0">
+              <a:rPr lang="es-419" sz="1750" noProof="0" dirty="0">
                 <a:solidFill>
                   <a:srgbClr val="BFBFBF"/>
                 </a:solidFill>
@@ -7002,9 +6745,9 @@
                 <a:ea typeface="Open Sans" pitchFamily="34" charset="-122"/>
                 <a:cs typeface="Open Sans" pitchFamily="34" charset="-120"/>
               </a:rPr>
-              <a:t>Mejoras significativas en eficiencia, reducción de tiempos y satisfacción.</a:t>
-            </a:r>
-            <a:endParaRPr lang="en-US" sz="1750" dirty="0"/>
+              <a:t>Preparar recursos tecnológicos y abordar resistencia al cambio tecnológico.</a:t>
+            </a:r>
+            <a:endParaRPr lang="es-419" sz="1750" noProof="0" dirty="0"/>
           </a:p>
         </p:txBody>
       </p:sp>
@@ -7013,7 +6756,7 @@
           <p:cNvPr id="24" name="Picture 23">
             <a:extLst>
               <a:ext uri="{FF2B5EF4-FFF2-40B4-BE49-F238E27FC236}">
-                <a16:creationId xmlns:a16="http://schemas.microsoft.com/office/drawing/2014/main" id="{7FD13F82-AEE9-18CE-EC0C-017836257F1F}"/>
+                <a16:creationId xmlns:a16="http://schemas.microsoft.com/office/drawing/2014/main" id="{41FF0B35-02B9-A83B-CD95-CA6DB2E0B242}"/>
               </a:ext>
             </a:extLst>
           </p:cNvPr>
@@ -7071,8 +6814,8 @@
         </p:nvSpPr>
         <p:spPr>
           <a:xfrm>
-            <a:off x="793790" y="990719"/>
-            <a:ext cx="11223308" cy="708779"/>
+            <a:off x="3845214" y="1389688"/>
+            <a:ext cx="6752749" cy="708779"/>
           </a:xfrm>
           <a:prstGeom prst="rect">
             <a:avLst/>
@@ -7091,7 +6834,7 @@
               <a:buNone/>
             </a:pPr>
             <a:r>
-              <a:rPr lang="en-US" sz="4450" dirty="0">
+              <a:rPr lang="es-419" sz="4450" noProof="0" dirty="0">
                 <a:solidFill>
                   <a:srgbClr val="FEFEFE"/>
                 </a:solidFill>
@@ -7099,808 +6842,9 @@
                 <a:ea typeface="Instrument Sans Medium" pitchFamily="34" charset="-122"/>
                 <a:cs typeface="Instrument Sans Medium" pitchFamily="34" charset="-120"/>
               </a:rPr>
-              <a:t>Recomendaciones para la Mejora Continua</a:t>
-            </a:r>
-            <a:endParaRPr lang="en-US" sz="4450" dirty="0"/>
-          </a:p>
-        </p:txBody>
-      </p:sp>
-      <p:sp>
-        <p:nvSpPr>
-          <p:cNvPr id="3" name="Shape 1"/>
-          <p:cNvSpPr/>
-          <p:nvPr/>
-        </p:nvSpPr>
-        <p:spPr>
-          <a:xfrm>
-            <a:off x="1048941" y="2153126"/>
-            <a:ext cx="30480" cy="5085636"/>
-          </a:xfrm>
-          <a:prstGeom prst="roundRect">
-            <a:avLst>
-              <a:gd name="adj" fmla="val 111628"/>
-            </a:avLst>
-          </a:prstGeom>
-          <a:solidFill>
-            <a:srgbClr val="575757"/>
-          </a:solidFill>
-          <a:ln/>
-        </p:spPr>
-      </p:sp>
-      <p:sp>
-        <p:nvSpPr>
-          <p:cNvPr id="4" name="Shape 2"/>
-          <p:cNvSpPr/>
-          <p:nvPr/>
-        </p:nvSpPr>
-        <p:spPr>
-          <a:xfrm>
-            <a:off x="1273612" y="2393037"/>
-            <a:ext cx="680442" cy="30480"/>
-          </a:xfrm>
-          <a:prstGeom prst="roundRect">
-            <a:avLst>
-              <a:gd name="adj" fmla="val 111628"/>
-            </a:avLst>
-          </a:prstGeom>
-          <a:solidFill>
-            <a:srgbClr val="575757"/>
-          </a:solidFill>
-          <a:ln/>
-        </p:spPr>
-      </p:sp>
-      <p:sp>
-        <p:nvSpPr>
-          <p:cNvPr id="5" name="Shape 3"/>
-          <p:cNvSpPr/>
-          <p:nvPr/>
-        </p:nvSpPr>
-        <p:spPr>
-          <a:xfrm>
-            <a:off x="793790" y="2153126"/>
-            <a:ext cx="510302" cy="510302"/>
-          </a:xfrm>
-          <a:prstGeom prst="roundRect">
-            <a:avLst>
-              <a:gd name="adj" fmla="val 6667"/>
-            </a:avLst>
-          </a:prstGeom>
-          <a:solidFill>
-            <a:srgbClr val="3E3E3E"/>
-          </a:solidFill>
-          <a:ln/>
-        </p:spPr>
-      </p:sp>
-      <p:sp>
-        <p:nvSpPr>
-          <p:cNvPr id="6" name="Text 4"/>
-          <p:cNvSpPr/>
-          <p:nvPr/>
-        </p:nvSpPr>
-        <p:spPr>
-          <a:xfrm>
-            <a:off x="878860" y="2195632"/>
-            <a:ext cx="340162" cy="425291"/>
-          </a:xfrm>
-          <a:prstGeom prst="rect">
-            <a:avLst/>
-          </a:prstGeom>
-          <a:noFill/>
-          <a:ln/>
-        </p:spPr>
-        <p:txBody>
-          <a:bodyPr wrap="none" lIns="0" tIns="0" rIns="0" bIns="0" rtlCol="0" anchor="t"/>
-          <a:lstStyle/>
-          <a:p>
-            <a:pPr marL="0" indent="0" algn="ctr">
-              <a:lnSpc>
-                <a:spcPts val="2650"/>
-              </a:lnSpc>
-              <a:buNone/>
-            </a:pPr>
-            <a:r>
-              <a:rPr lang="en-US" sz="2650" dirty="0">
-                <a:solidFill>
-                  <a:srgbClr val="BFBFBF"/>
-                </a:solidFill>
-                <a:latin typeface="Instrument Sans Medium" pitchFamily="34" charset="0"/>
-                <a:ea typeface="Instrument Sans Medium" pitchFamily="34" charset="-122"/>
-                <a:cs typeface="Instrument Sans Medium" pitchFamily="34" charset="-120"/>
-              </a:rPr>
-              <a:t>1</a:t>
-            </a:r>
-            <a:endParaRPr lang="en-US" sz="2650" dirty="0"/>
-          </a:p>
-        </p:txBody>
-      </p:sp>
-      <p:sp>
-        <p:nvSpPr>
-          <p:cNvPr id="7" name="Text 5"/>
-          <p:cNvSpPr/>
-          <p:nvPr/>
-        </p:nvSpPr>
-        <p:spPr>
-          <a:xfrm>
-            <a:off x="2183011" y="2230993"/>
-            <a:ext cx="3008828" cy="354330"/>
-          </a:xfrm>
-          <a:prstGeom prst="rect">
-            <a:avLst/>
-          </a:prstGeom>
-          <a:noFill/>
-          <a:ln/>
-        </p:spPr>
-        <p:txBody>
-          <a:bodyPr wrap="none" lIns="0" tIns="0" rIns="0" bIns="0" rtlCol="0" anchor="t"/>
-          <a:lstStyle/>
-          <a:p>
-            <a:pPr marL="0" indent="0" algn="l">
-              <a:lnSpc>
-                <a:spcPts val="2750"/>
-              </a:lnSpc>
-              <a:buNone/>
-            </a:pPr>
-            <a:r>
-              <a:rPr lang="en-US" sz="2200" dirty="0">
-                <a:solidFill>
-                  <a:srgbClr val="BFBFBF"/>
-                </a:solidFill>
-                <a:latin typeface="Instrument Sans Medium" pitchFamily="34" charset="0"/>
-                <a:ea typeface="Instrument Sans Medium" pitchFamily="34" charset="-122"/>
-                <a:cs typeface="Instrument Sans Medium" pitchFamily="34" charset="-120"/>
-              </a:rPr>
-              <a:t>Capacitación Continua</a:t>
-            </a:r>
-            <a:endParaRPr lang="en-US" sz="2200" dirty="0"/>
-          </a:p>
-        </p:txBody>
-      </p:sp>
-      <p:sp>
-        <p:nvSpPr>
-          <p:cNvPr id="8" name="Text 6"/>
-          <p:cNvSpPr/>
-          <p:nvPr/>
-        </p:nvSpPr>
-        <p:spPr>
-          <a:xfrm>
-            <a:off x="2183011" y="2721412"/>
-            <a:ext cx="11653599" cy="362903"/>
-          </a:xfrm>
-          <a:prstGeom prst="rect">
-            <a:avLst/>
-          </a:prstGeom>
-          <a:noFill/>
-          <a:ln/>
-        </p:spPr>
-        <p:txBody>
-          <a:bodyPr wrap="none" lIns="0" tIns="0" rIns="0" bIns="0" rtlCol="0" anchor="t"/>
-          <a:lstStyle/>
-          <a:p>
-            <a:pPr marL="0" indent="0" algn="l">
-              <a:lnSpc>
-                <a:spcPts val="2850"/>
-              </a:lnSpc>
-              <a:buNone/>
-            </a:pPr>
-            <a:r>
-              <a:rPr lang="en-US" sz="1750" dirty="0">
-                <a:solidFill>
-                  <a:srgbClr val="BFBFBF"/>
-                </a:solidFill>
-                <a:latin typeface="Open Sans" pitchFamily="34" charset="0"/>
-                <a:ea typeface="Open Sans" pitchFamily="34" charset="-122"/>
-                <a:cs typeface="Open Sans" pitchFamily="34" charset="-120"/>
-              </a:rPr>
-              <a:t>Implementar programas constantes para mejorar habilidades de los usuarios.</a:t>
-            </a:r>
-            <a:endParaRPr lang="en-US" sz="1750" dirty="0"/>
-          </a:p>
-        </p:txBody>
-      </p:sp>
-      <p:sp>
-        <p:nvSpPr>
-          <p:cNvPr id="9" name="Shape 7"/>
-          <p:cNvSpPr/>
-          <p:nvPr/>
-        </p:nvSpPr>
-        <p:spPr>
-          <a:xfrm>
-            <a:off x="1273612" y="3777853"/>
-            <a:ext cx="680442" cy="30480"/>
-          </a:xfrm>
-          <a:prstGeom prst="roundRect">
-            <a:avLst>
-              <a:gd name="adj" fmla="val 111628"/>
-            </a:avLst>
-          </a:prstGeom>
-          <a:solidFill>
-            <a:srgbClr val="575757"/>
-          </a:solidFill>
-          <a:ln/>
-        </p:spPr>
-      </p:sp>
-      <p:sp>
-        <p:nvSpPr>
-          <p:cNvPr id="10" name="Shape 8"/>
-          <p:cNvSpPr/>
-          <p:nvPr/>
-        </p:nvSpPr>
-        <p:spPr>
-          <a:xfrm>
-            <a:off x="793790" y="3537942"/>
-            <a:ext cx="510302" cy="510302"/>
-          </a:xfrm>
-          <a:prstGeom prst="roundRect">
-            <a:avLst>
-              <a:gd name="adj" fmla="val 6667"/>
-            </a:avLst>
-          </a:prstGeom>
-          <a:solidFill>
-            <a:srgbClr val="3E3E3E"/>
-          </a:solidFill>
-          <a:ln/>
-        </p:spPr>
-      </p:sp>
-      <p:sp>
-        <p:nvSpPr>
-          <p:cNvPr id="11" name="Text 9"/>
-          <p:cNvSpPr/>
-          <p:nvPr/>
-        </p:nvSpPr>
-        <p:spPr>
-          <a:xfrm>
-            <a:off x="878860" y="3580448"/>
-            <a:ext cx="340162" cy="425291"/>
-          </a:xfrm>
-          <a:prstGeom prst="rect">
-            <a:avLst/>
-          </a:prstGeom>
-          <a:noFill/>
-          <a:ln/>
-        </p:spPr>
-        <p:txBody>
-          <a:bodyPr wrap="none" lIns="0" tIns="0" rIns="0" bIns="0" rtlCol="0" anchor="t"/>
-          <a:lstStyle/>
-          <a:p>
-            <a:pPr marL="0" indent="0" algn="ctr">
-              <a:lnSpc>
-                <a:spcPts val="2650"/>
-              </a:lnSpc>
-              <a:buNone/>
-            </a:pPr>
-            <a:r>
-              <a:rPr lang="en-US" sz="2650" dirty="0">
-                <a:solidFill>
-                  <a:srgbClr val="BFBFBF"/>
-                </a:solidFill>
-                <a:latin typeface="Instrument Sans Medium" pitchFamily="34" charset="0"/>
-                <a:ea typeface="Instrument Sans Medium" pitchFamily="34" charset="-122"/>
-                <a:cs typeface="Instrument Sans Medium" pitchFamily="34" charset="-120"/>
-              </a:rPr>
-              <a:t>2</a:t>
-            </a:r>
-            <a:endParaRPr lang="en-US" sz="2650" dirty="0"/>
-          </a:p>
-        </p:txBody>
-      </p:sp>
-      <p:sp>
-        <p:nvSpPr>
-          <p:cNvPr id="12" name="Text 10"/>
-          <p:cNvSpPr/>
-          <p:nvPr/>
-        </p:nvSpPr>
-        <p:spPr>
-          <a:xfrm>
-            <a:off x="2183011" y="3615809"/>
-            <a:ext cx="2835235" cy="354330"/>
-          </a:xfrm>
-          <a:prstGeom prst="rect">
-            <a:avLst/>
-          </a:prstGeom>
-          <a:noFill/>
-          <a:ln/>
-        </p:spPr>
-        <p:txBody>
-          <a:bodyPr wrap="none" lIns="0" tIns="0" rIns="0" bIns="0" rtlCol="0" anchor="t"/>
-          <a:lstStyle/>
-          <a:p>
-            <a:pPr marL="0" indent="0" algn="l">
-              <a:lnSpc>
-                <a:spcPts val="2750"/>
-              </a:lnSpc>
-              <a:buNone/>
-            </a:pPr>
-            <a:r>
-              <a:rPr lang="en-US" sz="2200" dirty="0">
-                <a:solidFill>
-                  <a:srgbClr val="BFBFBF"/>
-                </a:solidFill>
-                <a:latin typeface="Instrument Sans Medium" pitchFamily="34" charset="0"/>
-                <a:ea typeface="Instrument Sans Medium" pitchFamily="34" charset="-122"/>
-                <a:cs typeface="Instrument Sans Medium" pitchFamily="34" charset="-120"/>
-              </a:rPr>
-              <a:t>Adaptación Móvil</a:t>
-            </a:r>
-            <a:endParaRPr lang="en-US" sz="2200" dirty="0"/>
-          </a:p>
-        </p:txBody>
-      </p:sp>
-      <p:sp>
-        <p:nvSpPr>
-          <p:cNvPr id="13" name="Text 11"/>
-          <p:cNvSpPr/>
-          <p:nvPr/>
-        </p:nvSpPr>
-        <p:spPr>
-          <a:xfrm>
-            <a:off x="2183011" y="4106228"/>
-            <a:ext cx="11653599" cy="362903"/>
-          </a:xfrm>
-          <a:prstGeom prst="rect">
-            <a:avLst/>
-          </a:prstGeom>
-          <a:noFill/>
-          <a:ln/>
-        </p:spPr>
-        <p:txBody>
-          <a:bodyPr wrap="none" lIns="0" tIns="0" rIns="0" bIns="0" rtlCol="0" anchor="t"/>
-          <a:lstStyle/>
-          <a:p>
-            <a:pPr marL="0" indent="0" algn="l">
-              <a:lnSpc>
-                <a:spcPts val="2850"/>
-              </a:lnSpc>
-              <a:buNone/>
-            </a:pPr>
-            <a:r>
-              <a:rPr lang="en-US" sz="1750" dirty="0">
-                <a:solidFill>
-                  <a:srgbClr val="BFBFBF"/>
-                </a:solidFill>
-                <a:latin typeface="Open Sans" pitchFamily="34" charset="0"/>
-                <a:ea typeface="Open Sans" pitchFamily="34" charset="-122"/>
-                <a:cs typeface="Open Sans" pitchFamily="34" charset="-120"/>
-              </a:rPr>
-              <a:t>Optimizar el sistema para facilitar acceso y gestión desde dispositivos móviles.</a:t>
-            </a:r>
-            <a:endParaRPr lang="en-US" sz="1750" dirty="0"/>
-          </a:p>
-        </p:txBody>
-      </p:sp>
-      <p:sp>
-        <p:nvSpPr>
-          <p:cNvPr id="14" name="Shape 12"/>
-          <p:cNvSpPr/>
-          <p:nvPr/>
-        </p:nvSpPr>
-        <p:spPr>
-          <a:xfrm>
-            <a:off x="1273612" y="5162669"/>
-            <a:ext cx="680442" cy="30480"/>
-          </a:xfrm>
-          <a:prstGeom prst="roundRect">
-            <a:avLst>
-              <a:gd name="adj" fmla="val 111628"/>
-            </a:avLst>
-          </a:prstGeom>
-          <a:solidFill>
-            <a:srgbClr val="575757"/>
-          </a:solidFill>
-          <a:ln/>
-        </p:spPr>
-      </p:sp>
-      <p:sp>
-        <p:nvSpPr>
-          <p:cNvPr id="15" name="Shape 13"/>
-          <p:cNvSpPr/>
-          <p:nvPr/>
-        </p:nvSpPr>
-        <p:spPr>
-          <a:xfrm>
-            <a:off x="793790" y="4922758"/>
-            <a:ext cx="510302" cy="510302"/>
-          </a:xfrm>
-          <a:prstGeom prst="roundRect">
-            <a:avLst>
-              <a:gd name="adj" fmla="val 6667"/>
-            </a:avLst>
-          </a:prstGeom>
-          <a:solidFill>
-            <a:srgbClr val="3E3E3E"/>
-          </a:solidFill>
-          <a:ln/>
-        </p:spPr>
-      </p:sp>
-      <p:sp>
-        <p:nvSpPr>
-          <p:cNvPr id="16" name="Text 14"/>
-          <p:cNvSpPr/>
-          <p:nvPr/>
-        </p:nvSpPr>
-        <p:spPr>
-          <a:xfrm>
-            <a:off x="878860" y="4965263"/>
-            <a:ext cx="340162" cy="425291"/>
-          </a:xfrm>
-          <a:prstGeom prst="rect">
-            <a:avLst/>
-          </a:prstGeom>
-          <a:noFill/>
-          <a:ln/>
-        </p:spPr>
-        <p:txBody>
-          <a:bodyPr wrap="none" lIns="0" tIns="0" rIns="0" bIns="0" rtlCol="0" anchor="t"/>
-          <a:lstStyle/>
-          <a:p>
-            <a:pPr marL="0" indent="0" algn="ctr">
-              <a:lnSpc>
-                <a:spcPts val="2650"/>
-              </a:lnSpc>
-              <a:buNone/>
-            </a:pPr>
-            <a:r>
-              <a:rPr lang="en-US" sz="2650" dirty="0">
-                <a:solidFill>
-                  <a:srgbClr val="BFBFBF"/>
-                </a:solidFill>
-                <a:latin typeface="Instrument Sans Medium" pitchFamily="34" charset="0"/>
-                <a:ea typeface="Instrument Sans Medium" pitchFamily="34" charset="-122"/>
-                <a:cs typeface="Instrument Sans Medium" pitchFamily="34" charset="-120"/>
-              </a:rPr>
-              <a:t>3</a:t>
-            </a:r>
-            <a:endParaRPr lang="en-US" sz="2650" dirty="0"/>
-          </a:p>
-        </p:txBody>
-      </p:sp>
-      <p:sp>
-        <p:nvSpPr>
-          <p:cNvPr id="17" name="Text 15"/>
-          <p:cNvSpPr/>
-          <p:nvPr/>
-        </p:nvSpPr>
-        <p:spPr>
-          <a:xfrm>
-            <a:off x="2183011" y="5000625"/>
-            <a:ext cx="3348037" cy="354330"/>
-          </a:xfrm>
-          <a:prstGeom prst="rect">
-            <a:avLst/>
-          </a:prstGeom>
-          <a:noFill/>
-          <a:ln/>
-        </p:spPr>
-        <p:txBody>
-          <a:bodyPr wrap="none" lIns="0" tIns="0" rIns="0" bIns="0" rtlCol="0" anchor="t"/>
-          <a:lstStyle/>
-          <a:p>
-            <a:pPr marL="0" indent="0" algn="l">
-              <a:lnSpc>
-                <a:spcPts val="2750"/>
-              </a:lnSpc>
-              <a:buNone/>
-            </a:pPr>
-            <a:r>
-              <a:rPr lang="en-US" sz="2200" dirty="0">
-                <a:solidFill>
-                  <a:srgbClr val="BFBFBF"/>
-                </a:solidFill>
-                <a:latin typeface="Instrument Sans Medium" pitchFamily="34" charset="0"/>
-                <a:ea typeface="Instrument Sans Medium" pitchFamily="34" charset="-122"/>
-                <a:cs typeface="Instrument Sans Medium" pitchFamily="34" charset="-120"/>
-              </a:rPr>
-              <a:t>Personalización por Roles</a:t>
-            </a:r>
-            <a:endParaRPr lang="en-US" sz="2200" dirty="0"/>
-          </a:p>
-        </p:txBody>
-      </p:sp>
-      <p:sp>
-        <p:nvSpPr>
-          <p:cNvPr id="18" name="Text 16"/>
-          <p:cNvSpPr/>
-          <p:nvPr/>
-        </p:nvSpPr>
-        <p:spPr>
-          <a:xfrm>
-            <a:off x="2183011" y="5491043"/>
-            <a:ext cx="11653599" cy="362903"/>
-          </a:xfrm>
-          <a:prstGeom prst="rect">
-            <a:avLst/>
-          </a:prstGeom>
-          <a:noFill/>
-          <a:ln/>
-        </p:spPr>
-        <p:txBody>
-          <a:bodyPr wrap="none" lIns="0" tIns="0" rIns="0" bIns="0" rtlCol="0" anchor="t"/>
-          <a:lstStyle/>
-          <a:p>
-            <a:pPr marL="0" indent="0" algn="l">
-              <a:lnSpc>
-                <a:spcPts val="2850"/>
-              </a:lnSpc>
-              <a:buNone/>
-            </a:pPr>
-            <a:r>
-              <a:rPr lang="en-US" sz="1750" dirty="0">
-                <a:solidFill>
-                  <a:srgbClr val="BFBFBF"/>
-                </a:solidFill>
-                <a:latin typeface="Open Sans" pitchFamily="34" charset="0"/>
-                <a:ea typeface="Open Sans" pitchFamily="34" charset="-122"/>
-                <a:cs typeface="Open Sans" pitchFamily="34" charset="-120"/>
-              </a:rPr>
-              <a:t>Configurar paneles según funciones para aumentar la eficiencia operativa.</a:t>
-            </a:r>
-            <a:endParaRPr lang="en-US" sz="1750" dirty="0"/>
-          </a:p>
-        </p:txBody>
-      </p:sp>
-      <p:sp>
-        <p:nvSpPr>
-          <p:cNvPr id="19" name="Shape 17"/>
-          <p:cNvSpPr/>
-          <p:nvPr/>
-        </p:nvSpPr>
-        <p:spPr>
-          <a:xfrm>
-            <a:off x="1273612" y="6547485"/>
-            <a:ext cx="680442" cy="30480"/>
-          </a:xfrm>
-          <a:prstGeom prst="roundRect">
-            <a:avLst>
-              <a:gd name="adj" fmla="val 111628"/>
-            </a:avLst>
-          </a:prstGeom>
-          <a:solidFill>
-            <a:srgbClr val="575757"/>
-          </a:solidFill>
-          <a:ln/>
-        </p:spPr>
-      </p:sp>
-      <p:sp>
-        <p:nvSpPr>
-          <p:cNvPr id="20" name="Shape 18"/>
-          <p:cNvSpPr/>
-          <p:nvPr/>
-        </p:nvSpPr>
-        <p:spPr>
-          <a:xfrm>
-            <a:off x="793790" y="6307574"/>
-            <a:ext cx="510302" cy="510302"/>
-          </a:xfrm>
-          <a:prstGeom prst="roundRect">
-            <a:avLst>
-              <a:gd name="adj" fmla="val 6667"/>
-            </a:avLst>
-          </a:prstGeom>
-          <a:solidFill>
-            <a:srgbClr val="3E3E3E"/>
-          </a:solidFill>
-          <a:ln/>
-        </p:spPr>
-      </p:sp>
-      <p:sp>
-        <p:nvSpPr>
-          <p:cNvPr id="21" name="Text 19"/>
-          <p:cNvSpPr/>
-          <p:nvPr/>
-        </p:nvSpPr>
-        <p:spPr>
-          <a:xfrm>
-            <a:off x="878860" y="6350079"/>
-            <a:ext cx="340162" cy="425291"/>
-          </a:xfrm>
-          <a:prstGeom prst="rect">
-            <a:avLst/>
-          </a:prstGeom>
-          <a:noFill/>
-          <a:ln/>
-        </p:spPr>
-        <p:txBody>
-          <a:bodyPr wrap="none" lIns="0" tIns="0" rIns="0" bIns="0" rtlCol="0" anchor="t"/>
-          <a:lstStyle/>
-          <a:p>
-            <a:pPr marL="0" indent="0" algn="ctr">
-              <a:lnSpc>
-                <a:spcPts val="2650"/>
-              </a:lnSpc>
-              <a:buNone/>
-            </a:pPr>
-            <a:r>
-              <a:rPr lang="en-US" sz="2650" dirty="0">
-                <a:solidFill>
-                  <a:srgbClr val="BFBFBF"/>
-                </a:solidFill>
-                <a:latin typeface="Instrument Sans Medium" pitchFamily="34" charset="0"/>
-                <a:ea typeface="Instrument Sans Medium" pitchFamily="34" charset="-122"/>
-                <a:cs typeface="Instrument Sans Medium" pitchFamily="34" charset="-120"/>
-              </a:rPr>
-              <a:t>4</a:t>
-            </a:r>
-            <a:endParaRPr lang="en-US" sz="2650" dirty="0"/>
-          </a:p>
-        </p:txBody>
-      </p:sp>
-      <p:sp>
-        <p:nvSpPr>
-          <p:cNvPr id="22" name="Text 20"/>
-          <p:cNvSpPr/>
-          <p:nvPr/>
-        </p:nvSpPr>
-        <p:spPr>
-          <a:xfrm>
-            <a:off x="2183011" y="6385441"/>
-            <a:ext cx="4046339" cy="354330"/>
-          </a:xfrm>
-          <a:prstGeom prst="rect">
-            <a:avLst/>
-          </a:prstGeom>
-          <a:noFill/>
-          <a:ln/>
-        </p:spPr>
-        <p:txBody>
-          <a:bodyPr wrap="none" lIns="0" tIns="0" rIns="0" bIns="0" rtlCol="0" anchor="t"/>
-          <a:lstStyle/>
-          <a:p>
-            <a:pPr marL="0" indent="0" algn="l">
-              <a:lnSpc>
-                <a:spcPts val="2750"/>
-              </a:lnSpc>
-              <a:buNone/>
-            </a:pPr>
-            <a:r>
-              <a:rPr lang="en-US" sz="2200" dirty="0">
-                <a:solidFill>
-                  <a:srgbClr val="BFBFBF"/>
-                </a:solidFill>
-                <a:latin typeface="Instrument Sans Medium" pitchFamily="34" charset="0"/>
-                <a:ea typeface="Instrument Sans Medium" pitchFamily="34" charset="-122"/>
-                <a:cs typeface="Instrument Sans Medium" pitchFamily="34" charset="-120"/>
-              </a:rPr>
-              <a:t>Inversión y Gestión del Cambio</a:t>
-            </a:r>
-            <a:endParaRPr lang="en-US" sz="2200" dirty="0"/>
-          </a:p>
-        </p:txBody>
-      </p:sp>
-      <p:sp>
-        <p:nvSpPr>
-          <p:cNvPr id="23" name="Text 21"/>
-          <p:cNvSpPr/>
-          <p:nvPr/>
-        </p:nvSpPr>
-        <p:spPr>
-          <a:xfrm>
-            <a:off x="2183011" y="6875859"/>
-            <a:ext cx="11653599" cy="362903"/>
-          </a:xfrm>
-          <a:prstGeom prst="rect">
-            <a:avLst/>
-          </a:prstGeom>
-          <a:noFill/>
-          <a:ln/>
-        </p:spPr>
-        <p:txBody>
-          <a:bodyPr wrap="none" lIns="0" tIns="0" rIns="0" bIns="0" rtlCol="0" anchor="t"/>
-          <a:lstStyle/>
-          <a:p>
-            <a:pPr marL="0" indent="0" algn="l">
-              <a:lnSpc>
-                <a:spcPts val="2850"/>
-              </a:lnSpc>
-              <a:buNone/>
-            </a:pPr>
-            <a:r>
-              <a:rPr lang="en-US" sz="1750" dirty="0">
-                <a:solidFill>
-                  <a:srgbClr val="BFBFBF"/>
-                </a:solidFill>
-                <a:latin typeface="Open Sans" pitchFamily="34" charset="0"/>
-                <a:ea typeface="Open Sans" pitchFamily="34" charset="-122"/>
-                <a:cs typeface="Open Sans" pitchFamily="34" charset="-120"/>
-              </a:rPr>
-              <a:t>Preparar recursos tecnológicos y abordar resistencia al cambio tecnológico.</a:t>
-            </a:r>
-            <a:endParaRPr lang="en-US" sz="1750" dirty="0"/>
-          </a:p>
-        </p:txBody>
-      </p:sp>
-      <p:pic>
-        <p:nvPicPr>
-          <p:cNvPr id="24" name="Picture 23">
-            <a:extLst>
-              <a:ext uri="{FF2B5EF4-FFF2-40B4-BE49-F238E27FC236}">
-                <a16:creationId xmlns:a16="http://schemas.microsoft.com/office/drawing/2014/main" id="{41FF0B35-02B9-A83B-CD95-CA6DB2E0B242}"/>
-              </a:ext>
-            </a:extLst>
-          </p:cNvPr>
-          <p:cNvPicPr>
-            <a:picLocks noChangeAspect="1"/>
-          </p:cNvPicPr>
-          <p:nvPr/>
-        </p:nvPicPr>
-        <p:blipFill>
-          <a:blip r:embed="rId3"/>
-          <a:stretch>
-            <a:fillRect/>
-          </a:stretch>
-        </p:blipFill>
-        <p:spPr>
-          <a:xfrm>
-            <a:off x="12863245" y="7647811"/>
-            <a:ext cx="1664025" cy="516422"/>
-          </a:xfrm>
-          <a:prstGeom prst="rect">
-            <a:avLst/>
-          </a:prstGeom>
-        </p:spPr>
-      </p:pic>
-    </p:spTree>
-  </p:cSld>
-  <p:clrMapOvr>
-    <a:masterClrMapping/>
-  </p:clrMapOvr>
-</p:sld>
-</file>
-
-<file path=ppt/slides/slide17.xml><?xml version="1.0" encoding="utf-8"?>
-<p:sld xmlns:a="http://schemas.openxmlformats.org/drawingml/2006/main" xmlns:r="http://schemas.openxmlformats.org/officeDocument/2006/relationships" xmlns:p="http://schemas.openxmlformats.org/presentationml/2006/main">
-  <p:cSld>
-    <p:spTree>
-      <p:nvGrpSpPr>
-        <p:cNvPr id="1" name=""/>
-        <p:cNvGrpSpPr/>
-        <p:nvPr/>
-      </p:nvGrpSpPr>
-      <p:grpSpPr>
-        <a:xfrm>
-          <a:off x="0" y="0"/>
-          <a:ext cx="0" cy="0"/>
-          <a:chOff x="0" y="0"/>
-          <a:chExt cx="0" cy="0"/>
-        </a:xfrm>
-      </p:grpSpPr>
-      <p:sp>
-        <p:nvSpPr>
-          <p:cNvPr id="2" name="Text 0"/>
-          <p:cNvSpPr/>
-          <p:nvPr/>
-        </p:nvSpPr>
-        <p:spPr>
-          <a:xfrm>
-            <a:off x="3845214" y="1389688"/>
-            <a:ext cx="6752749" cy="708779"/>
-          </a:xfrm>
-          <a:prstGeom prst="rect">
-            <a:avLst/>
-          </a:prstGeom>
-          <a:noFill/>
-          <a:ln/>
-        </p:spPr>
-        <p:txBody>
-          <a:bodyPr wrap="none" lIns="0" tIns="0" rIns="0" bIns="0" rtlCol="0" anchor="t"/>
-          <a:lstStyle/>
-          <a:p>
-            <a:pPr marL="0" indent="0" algn="l">
-              <a:lnSpc>
-                <a:spcPts val="5550"/>
-              </a:lnSpc>
-              <a:buNone/>
-            </a:pPr>
-            <a:r>
-              <a:rPr lang="en-US" sz="4450" dirty="0">
-                <a:solidFill>
-                  <a:srgbClr val="FEFEFE"/>
-                </a:solidFill>
-                <a:latin typeface="Instrument Sans Medium" pitchFamily="34" charset="0"/>
-                <a:ea typeface="Instrument Sans Medium" pitchFamily="34" charset="-122"/>
-                <a:cs typeface="Instrument Sans Medium" pitchFamily="34" charset="-120"/>
-              </a:rPr>
               <a:t>Referencias Bibliográficas</a:t>
             </a:r>
-            <a:endParaRPr lang="en-US" sz="4450" dirty="0"/>
+            <a:endParaRPr lang="es-419" sz="4450" noProof="0" dirty="0"/>
           </a:p>
         </p:txBody>
       </p:sp>
@@ -7933,7 +6877,7 @@
               <a:buChar char="•"/>
             </a:pPr>
             <a:r>
-              <a:rPr lang="en-US" sz="1750" b="1" dirty="0">
+              <a:rPr lang="es-419" sz="1750" b="1" noProof="0" dirty="0">
                 <a:solidFill>
                   <a:srgbClr val="BFBFBF"/>
                 </a:solidFill>
@@ -7944,7 +6888,7 @@
               <a:t>IACC (2025):</a:t>
             </a:r>
             <a:r>
-              <a:rPr lang="en-US" sz="1750" dirty="0">
+              <a:rPr lang="es-419" sz="1750" noProof="0" dirty="0">
                 <a:solidFill>
                   <a:srgbClr val="BFBFBF"/>
                 </a:solidFill>
@@ -7954,7 +6898,7 @@
               </a:rPr>
               <a:t> Semana 1-8, material educativo clave para el proyecto.</a:t>
             </a:r>
-            <a:endParaRPr lang="en-US" sz="1750" dirty="0"/>
+            <a:endParaRPr lang="es-419" sz="1750" noProof="0" dirty="0"/>
           </a:p>
         </p:txBody>
       </p:sp>
@@ -7987,7 +6931,7 @@
               <a:buChar char="•"/>
             </a:pPr>
             <a:r>
-              <a:rPr lang="en-US" sz="1750" b="1" dirty="0">
+              <a:rPr lang="es-419" sz="1750" b="1" noProof="0" dirty="0">
                 <a:solidFill>
                   <a:srgbClr val="BFBFBF"/>
                 </a:solidFill>
@@ -7998,7 +6942,7 @@
               <a:t>ISO/IEC 9126 (2001):</a:t>
             </a:r>
             <a:r>
-              <a:rPr lang="en-US" sz="1750" dirty="0">
+              <a:rPr lang="es-419" sz="1750" noProof="0" dirty="0">
                 <a:solidFill>
                   <a:srgbClr val="BFBFBF"/>
                 </a:solidFill>
@@ -8008,7 +6952,7 @@
               </a:rPr>
               <a:t> Normas internacionales sobre calidad de software.</a:t>
             </a:r>
-            <a:endParaRPr lang="en-US" sz="1750" dirty="0"/>
+            <a:endParaRPr lang="es-419" sz="1750" noProof="0" dirty="0"/>
           </a:p>
         </p:txBody>
       </p:sp>
@@ -8041,7 +6985,7 @@
               <a:buChar char="•"/>
             </a:pPr>
             <a:r>
-              <a:rPr lang="en-US" sz="1750" b="1" dirty="0">
+              <a:rPr lang="es-419" sz="1750" b="1" noProof="0" dirty="0">
                 <a:solidFill>
                   <a:srgbClr val="BFBFBF"/>
                 </a:solidFill>
@@ -8052,7 +6996,7 @@
               <a:t>Nielsen (1994):</a:t>
             </a:r>
             <a:r>
-              <a:rPr lang="en-US" sz="1750" dirty="0">
+              <a:rPr lang="es-419" sz="1750" noProof="0" dirty="0">
                 <a:solidFill>
                   <a:srgbClr val="BFBFBF"/>
                 </a:solidFill>
@@ -8062,7 +7006,7 @@
               </a:rPr>
               <a:t> Diez heurísticas para diseño de interfaces de usuario.</a:t>
             </a:r>
-            <a:endParaRPr lang="en-US" sz="1750" dirty="0"/>
+            <a:endParaRPr lang="es-419" sz="1750" noProof="0" dirty="0"/>
           </a:p>
         </p:txBody>
       </p:sp>
@@ -8095,7 +7039,7 @@
               <a:buChar char="•"/>
             </a:pPr>
             <a:r>
-              <a:rPr lang="en-US" sz="1750" b="1" dirty="0">
+              <a:rPr lang="es-419" sz="1750" b="1" noProof="0" dirty="0">
                 <a:solidFill>
                   <a:srgbClr val="BFBFBF"/>
                 </a:solidFill>
@@ -8103,10 +7047,10 @@
                 <a:ea typeface="Open Sans" pitchFamily="34" charset="-122"/>
                 <a:cs typeface="Open Sans" pitchFamily="34" charset="-120"/>
               </a:rPr>
-              <a:t>Data Center Market (2023):</a:t>
-            </a:r>
-            <a:r>
-              <a:rPr lang="en-US" sz="1750" dirty="0">
+              <a:t>Data Center </a:t>
+            </a:r>
+            <a:r>
+              <a:rPr lang="es-419" sz="1750" b="1" noProof="0" dirty="0" err="1">
                 <a:solidFill>
                   <a:srgbClr val="BFBFBF"/>
                 </a:solidFill>
@@ -8114,9 +7058,31 @@
                 <a:ea typeface="Open Sans" pitchFamily="34" charset="-122"/>
                 <a:cs typeface="Open Sans" pitchFamily="34" charset="-120"/>
               </a:rPr>
+              <a:t>Market</a:t>
+            </a:r>
+            <a:r>
+              <a:rPr lang="es-419" sz="1750" b="1" noProof="0" dirty="0">
+                <a:solidFill>
+                  <a:srgbClr val="BFBFBF"/>
+                </a:solidFill>
+                <a:latin typeface="Open Sans" pitchFamily="34" charset="0"/>
+                <a:ea typeface="Open Sans" pitchFamily="34" charset="-122"/>
+                <a:cs typeface="Open Sans" pitchFamily="34" charset="-120"/>
+              </a:rPr>
+              <a:t> (2023):</a:t>
+            </a:r>
+            <a:r>
+              <a:rPr lang="es-419" sz="1750" noProof="0" dirty="0">
+                <a:solidFill>
+                  <a:srgbClr val="BFBFBF"/>
+                </a:solidFill>
+                <a:latin typeface="Open Sans" pitchFamily="34" charset="0"/>
+                <a:ea typeface="Open Sans" pitchFamily="34" charset="-122"/>
+                <a:cs typeface="Open Sans" pitchFamily="34" charset="-120"/>
+              </a:rPr>
               <a:t> Procesamiento de datos en tiempo real y análisis.</a:t>
             </a:r>
-            <a:endParaRPr lang="en-US" sz="1750" dirty="0"/>
+            <a:endParaRPr lang="es-419" sz="1750" noProof="0" dirty="0"/>
           </a:p>
         </p:txBody>
       </p:sp>
@@ -8149,7 +7115,7 @@
               <a:buChar char="•"/>
             </a:pPr>
             <a:r>
-              <a:rPr lang="en-US" sz="1750" b="1" dirty="0">
+              <a:rPr lang="es-419" sz="1750" b="1" noProof="0" dirty="0" err="1">
                 <a:solidFill>
                   <a:srgbClr val="BFBFBF"/>
                 </a:solidFill>
@@ -8157,10 +7123,10 @@
                 <a:ea typeface="Open Sans" pitchFamily="34" charset="-122"/>
                 <a:cs typeface="Open Sans" pitchFamily="34" charset="-120"/>
               </a:rPr>
-              <a:t>Zendesk (2023):</a:t>
-            </a:r>
-            <a:r>
-              <a:rPr lang="en-US" sz="1750" dirty="0">
+              <a:t>Zendesk</a:t>
+            </a:r>
+            <a:r>
+              <a:rPr lang="es-419" sz="1750" b="1" noProof="0" dirty="0">
                 <a:solidFill>
                   <a:srgbClr val="BFBFBF"/>
                 </a:solidFill>
@@ -8168,9 +7134,20 @@
                 <a:ea typeface="Open Sans" pitchFamily="34" charset="-122"/>
                 <a:cs typeface="Open Sans" pitchFamily="34" charset="-120"/>
               </a:rPr>
+              <a:t> (2023):</a:t>
+            </a:r>
+            <a:r>
+              <a:rPr lang="es-419" sz="1750" noProof="0" dirty="0">
+                <a:solidFill>
+                  <a:srgbClr val="BFBFBF"/>
+                </a:solidFill>
+                <a:latin typeface="Open Sans" pitchFamily="34" charset="0"/>
+                <a:ea typeface="Open Sans" pitchFamily="34" charset="-122"/>
+                <a:cs typeface="Open Sans" pitchFamily="34" charset="-120"/>
+              </a:rPr>
               <a:t> Importancia de la satisfacción y lealtad del cliente.</a:t>
             </a:r>
-            <a:endParaRPr lang="en-US" sz="1750" dirty="0"/>
+            <a:endParaRPr lang="es-419" sz="1750" noProof="0" dirty="0"/>
           </a:p>
         </p:txBody>
       </p:sp>
@@ -8237,7 +7214,7 @@
         </p:nvSpPr>
         <p:spPr>
           <a:xfrm>
-            <a:off x="6197997" y="614911"/>
+            <a:off x="6197997" y="476357"/>
             <a:ext cx="8087743" cy="1475252"/>
           </a:xfrm>
           <a:prstGeom prst="rect">
@@ -8257,7 +7234,7 @@
               <a:buNone/>
             </a:pPr>
             <a:r>
-              <a:rPr lang="en-US" sz="2800" dirty="0">
+              <a:rPr lang="es-419" sz="2800" noProof="0" dirty="0">
                 <a:solidFill>
                   <a:srgbClr val="FEFEFE"/>
                 </a:solidFill>
@@ -8265,9 +7242,9 @@
                 <a:ea typeface="Instrument Sans Medium" pitchFamily="34" charset="-122"/>
                 <a:cs typeface="Instrument Sans Medium" pitchFamily="34" charset="-120"/>
               </a:rPr>
-              <a:t>FABRICACIÓN Y EXPORTACIÓN DE EQUIPOS DE ANDAMIAJE Y APONTALAMIENTO</a:t>
-            </a:r>
-            <a:endParaRPr lang="en-US" sz="2800" dirty="0"/>
+              <a:t>FABRICACIÓN, VENTA Y ARRIENDO DE EQUIPOS DE ANDAMIAJE</a:t>
+            </a:r>
+            <a:endParaRPr lang="es-419" sz="2800" noProof="0" dirty="0"/>
           </a:p>
         </p:txBody>
       </p:sp>
@@ -8330,13 +7307,18 @@
         </p:blipFill>
         <p:spPr bwMode="auto">
           <a:xfrm>
-            <a:off x="262467" y="304800"/>
+            <a:off x="262467" y="338666"/>
             <a:ext cx="5653538" cy="7569200"/>
           </a:xfrm>
           <a:prstGeom prst="rect">
             <a:avLst/>
           </a:prstGeom>
-          <a:noFill/>
+          <a:ln>
+            <a:noFill/>
+          </a:ln>
+          <a:effectLst>
+            <a:softEdge rad="112500"/>
+          </a:effectLst>
           <a:extLst>
             <a:ext uri="{909E8E84-426E-40DD-AFC4-6F175D3DCCD1}">
               <a14:hiddenFill xmlns:a14="http://schemas.microsoft.com/office/drawing/2010/main">
@@ -8362,8 +7344,8 @@
         </p:nvSpPr>
         <p:spPr>
           <a:xfrm>
-            <a:off x="6389552" y="2506490"/>
-            <a:ext cx="4581837" cy="2090790"/>
+            <a:off x="6410100" y="2433484"/>
+            <a:ext cx="4581837" cy="2242712"/>
           </a:xfrm>
           <a:prstGeom prst="rect">
             <a:avLst/>
@@ -8377,14 +7359,14 @@
           <a:p>
             <a:pPr algn="just"/>
             <a:r>
-              <a:rPr lang="es-CL" dirty="0">
+              <a:rPr lang="es-419" sz="2400" noProof="0" dirty="0">
                 <a:solidFill>
                   <a:schemeClr val="bg2"/>
                 </a:solidFill>
               </a:rPr>
-              <a:t>Se enfrenta un problema relacionado con la falta de un historial o registro actualizado de los componentes de andamios despachados y pendientes. Esta carencia genera dificultades en la planificación y seguimiento de los proyectos, afectando la eficiencia operativa y la satisfacción del cliente. </a:t>
-            </a:r>
-            <a:endParaRPr lang="es-CL" b="1" dirty="0">
+              <a:t>Se enfrenta a un problema relacionado con la falta de un historial o registro actualizado de los componentes de andamios despachados y pendientes por cada obra. </a:t>
+            </a:r>
+            <a:endParaRPr lang="es-419" sz="2400" b="1" noProof="0" dirty="0">
               <a:solidFill>
                 <a:schemeClr val="bg2"/>
               </a:solidFill>
@@ -8421,8 +7403,8 @@
         </p:blipFill>
         <p:spPr bwMode="auto">
           <a:xfrm>
-            <a:off x="11486033" y="2912724"/>
-            <a:ext cx="2840804" cy="2840804"/>
+            <a:off x="11294533" y="2522557"/>
+            <a:ext cx="3032304" cy="3032304"/>
           </a:xfrm>
           <a:prstGeom prst="rect">
             <a:avLst/>
@@ -8453,8 +7435,8 @@
         </p:nvSpPr>
         <p:spPr>
           <a:xfrm>
-            <a:off x="5763303" y="4876038"/>
-            <a:ext cx="4478565" cy="831005"/>
+            <a:off x="6342368" y="4939582"/>
+            <a:ext cx="3425368" cy="831005"/>
           </a:xfrm>
           <a:prstGeom prst="rect">
             <a:avLst/>
@@ -8473,7 +7455,7 @@
               <a:buNone/>
             </a:pPr>
             <a:r>
-              <a:rPr lang="en-US" sz="2800" dirty="0">
+              <a:rPr lang="es-419" sz="2800" noProof="0" dirty="0">
                 <a:solidFill>
                   <a:srgbClr val="FEFEFE"/>
                 </a:solidFill>
@@ -8483,7 +7465,7 @@
               </a:rPr>
               <a:t>PROBLEMAS</a:t>
             </a:r>
-            <a:endParaRPr lang="en-US" sz="2800" dirty="0"/>
+            <a:endParaRPr lang="es-419" sz="2800" noProof="0" dirty="0"/>
           </a:p>
         </p:txBody>
       </p:sp>
@@ -8501,8 +7483,8 @@
         </p:nvSpPr>
         <p:spPr>
           <a:xfrm>
-            <a:off x="6519435" y="5707043"/>
-            <a:ext cx="6605317" cy="831005"/>
+            <a:off x="6519435" y="5678019"/>
+            <a:ext cx="7766305" cy="2242713"/>
           </a:xfrm>
           <a:prstGeom prst="rect">
             <a:avLst/>
@@ -8513,6 +7495,79 @@
         <p:txBody>
           <a:bodyPr wrap="square" lIns="0" tIns="0" rIns="0" bIns="0" rtlCol="0" anchor="t"/>
           <a:lstStyle/>
+          <a:p>
+            <a:pPr marL="457200" indent="-457200">
+              <a:lnSpc>
+                <a:spcPct val="200000"/>
+              </a:lnSpc>
+              <a:buFont typeface="Arial" panose="020B0604020202020204" pitchFamily="34" charset="0"/>
+              <a:buChar char="•"/>
+            </a:pPr>
+            <a:r>
+              <a:rPr lang="es-419" sz="2000" b="1" noProof="0" dirty="0">
+                <a:solidFill>
+                  <a:schemeClr val="bg2"/>
+                </a:solidFill>
+              </a:rPr>
+              <a:t>Falta de seguimiento de proyectos  en tiempo real</a:t>
+            </a:r>
+          </a:p>
+          <a:p>
+            <a:pPr marL="457200" indent="-457200">
+              <a:lnSpc>
+                <a:spcPct val="200000"/>
+              </a:lnSpc>
+              <a:buFont typeface="Arial" panose="020B0604020202020204" pitchFamily="34" charset="0"/>
+              <a:buChar char="•"/>
+            </a:pPr>
+            <a:r>
+              <a:rPr lang="es-419" sz="2000" b="1" noProof="0" dirty="0">
+                <a:solidFill>
+                  <a:schemeClr val="bg2"/>
+                </a:solidFill>
+              </a:rPr>
+              <a:t>Errores en el inventario por falta de registros </a:t>
+            </a:r>
+          </a:p>
+          <a:p>
+            <a:pPr marL="457200" indent="-457200">
+              <a:lnSpc>
+                <a:spcPct val="200000"/>
+              </a:lnSpc>
+              <a:buFont typeface="Arial" panose="020B0604020202020204" pitchFamily="34" charset="0"/>
+              <a:buChar char="•"/>
+            </a:pPr>
+            <a:r>
+              <a:rPr lang="es-419" sz="2000" b="1" dirty="0">
+                <a:solidFill>
+                  <a:schemeClr val="bg2"/>
+                </a:solidFill>
+              </a:rPr>
+              <a:t>C</a:t>
+            </a:r>
+            <a:r>
+              <a:rPr lang="es-419" sz="2000" b="1" noProof="0" dirty="0">
+                <a:solidFill>
+                  <a:schemeClr val="bg2"/>
+                </a:solidFill>
+              </a:rPr>
+              <a:t>ordinación y planificación en áreas relacionadas</a:t>
+            </a:r>
+          </a:p>
+          <a:p>
+            <a:pPr marL="457200" indent="-457200">
+              <a:lnSpc>
+                <a:spcPct val="200000"/>
+              </a:lnSpc>
+              <a:buFont typeface="Arial" panose="020B0604020202020204" pitchFamily="34" charset="0"/>
+              <a:buChar char="•"/>
+            </a:pPr>
+            <a:endParaRPr lang="es-419" sz="2000" noProof="0" dirty="0">
+              <a:solidFill>
+                <a:schemeClr val="bg2"/>
+              </a:solidFill>
+            </a:endParaRPr>
+          </a:p>
           <a:p>
             <a:pPr marL="457200" indent="-457200">
               <a:lnSpc>
@@ -8521,238 +7576,7 @@
               <a:buFont typeface="Arial" panose="020B0604020202020204" pitchFamily="34" charset="0"/>
               <a:buChar char="•"/>
             </a:pPr>
-            <a:r>
-              <a:rPr lang="en-US" sz="2000" dirty="0">
-                <a:solidFill>
-                  <a:schemeClr val="bg2"/>
-                </a:solidFill>
-              </a:rPr>
-              <a:t>Falta de </a:t>
-            </a:r>
-            <a:r>
-              <a:rPr lang="en-US" sz="2000" dirty="0" err="1">
-                <a:solidFill>
-                  <a:schemeClr val="bg2"/>
-                </a:solidFill>
-              </a:rPr>
-              <a:t>visualización</a:t>
-            </a:r>
-            <a:r>
-              <a:rPr lang="en-US" sz="2000" dirty="0">
-                <a:solidFill>
-                  <a:schemeClr val="bg2"/>
-                </a:solidFill>
-              </a:rPr>
-              <a:t> </a:t>
-            </a:r>
-            <a:r>
-              <a:rPr lang="en-US" sz="2000" dirty="0" err="1">
-                <a:solidFill>
-                  <a:schemeClr val="bg2"/>
-                </a:solidFill>
-              </a:rPr>
-              <a:t>en</a:t>
-            </a:r>
-            <a:r>
-              <a:rPr lang="en-US" sz="2000" dirty="0">
-                <a:solidFill>
-                  <a:schemeClr val="bg2"/>
-                </a:solidFill>
-              </a:rPr>
-              <a:t> </a:t>
-            </a:r>
-            <a:r>
-              <a:rPr lang="en-US" sz="2000" dirty="0" err="1">
-                <a:solidFill>
-                  <a:schemeClr val="bg2"/>
-                </a:solidFill>
-              </a:rPr>
-              <a:t>tiempo</a:t>
-            </a:r>
-            <a:r>
-              <a:rPr lang="en-US" sz="2000" dirty="0">
-                <a:solidFill>
-                  <a:schemeClr val="bg2"/>
-                </a:solidFill>
-              </a:rPr>
-              <a:t> real</a:t>
-            </a:r>
-          </a:p>
-          <a:p>
-            <a:pPr marL="457200" indent="-457200">
-              <a:lnSpc>
-                <a:spcPts val="5550"/>
-              </a:lnSpc>
-              <a:buFont typeface="Arial" panose="020B0604020202020204" pitchFamily="34" charset="0"/>
-              <a:buChar char="•"/>
-            </a:pPr>
-            <a:r>
-              <a:rPr lang="en-US" sz="2000" dirty="0" err="1">
-                <a:solidFill>
-                  <a:schemeClr val="bg2"/>
-                </a:solidFill>
-              </a:rPr>
-              <a:t>Errores</a:t>
-            </a:r>
-            <a:r>
-              <a:rPr lang="en-US" sz="2000" dirty="0">
-                <a:solidFill>
-                  <a:schemeClr val="bg2"/>
-                </a:solidFill>
-              </a:rPr>
-              <a:t> </a:t>
-            </a:r>
-            <a:r>
-              <a:rPr lang="en-US" sz="2000" dirty="0" err="1">
-                <a:solidFill>
-                  <a:schemeClr val="bg2"/>
-                </a:solidFill>
-              </a:rPr>
-              <a:t>en</a:t>
-            </a:r>
-            <a:r>
-              <a:rPr lang="en-US" sz="2000" dirty="0">
-                <a:solidFill>
-                  <a:schemeClr val="bg2"/>
-                </a:solidFill>
-              </a:rPr>
-              <a:t> </a:t>
-            </a:r>
-            <a:r>
-              <a:rPr lang="en-US" sz="2000" dirty="0" err="1">
-                <a:solidFill>
-                  <a:schemeClr val="bg2"/>
-                </a:solidFill>
-              </a:rPr>
-              <a:t>el</a:t>
-            </a:r>
-            <a:r>
-              <a:rPr lang="en-US" sz="2000" dirty="0">
-                <a:solidFill>
-                  <a:schemeClr val="bg2"/>
-                </a:solidFill>
-              </a:rPr>
-              <a:t> </a:t>
-            </a:r>
-            <a:r>
-              <a:rPr lang="en-US" sz="2000" dirty="0" err="1">
-                <a:solidFill>
-                  <a:schemeClr val="bg2"/>
-                </a:solidFill>
-              </a:rPr>
-              <a:t>inventario</a:t>
-            </a:r>
-            <a:r>
-              <a:rPr lang="en-US" sz="2000" dirty="0">
-                <a:solidFill>
-                  <a:schemeClr val="bg2"/>
-                </a:solidFill>
-              </a:rPr>
-              <a:t> </a:t>
-            </a:r>
-            <a:r>
-              <a:rPr lang="en-US" sz="2000" dirty="0" err="1">
-                <a:solidFill>
-                  <a:schemeClr val="bg2"/>
-                </a:solidFill>
-              </a:rPr>
-              <a:t>por</a:t>
-            </a:r>
-            <a:r>
-              <a:rPr lang="en-US" sz="2000" dirty="0">
-                <a:solidFill>
-                  <a:schemeClr val="bg2"/>
-                </a:solidFill>
-              </a:rPr>
-              <a:t> </a:t>
-            </a:r>
-            <a:r>
-              <a:rPr lang="en-US" sz="2000" dirty="0" err="1">
-                <a:solidFill>
-                  <a:schemeClr val="bg2"/>
-                </a:solidFill>
-              </a:rPr>
-              <a:t>falta</a:t>
-            </a:r>
-            <a:r>
-              <a:rPr lang="en-US" sz="2000" dirty="0">
-                <a:solidFill>
-                  <a:schemeClr val="bg2"/>
-                </a:solidFill>
-              </a:rPr>
-              <a:t> de </a:t>
-            </a:r>
-            <a:r>
-              <a:rPr lang="en-US" sz="2000" dirty="0" err="1">
-                <a:solidFill>
-                  <a:schemeClr val="bg2"/>
-                </a:solidFill>
-              </a:rPr>
-              <a:t>registros</a:t>
-            </a:r>
-            <a:endParaRPr lang="en-US" sz="2000" dirty="0">
-              <a:solidFill>
-                <a:schemeClr val="bg2"/>
-              </a:solidFill>
-            </a:endParaRPr>
-          </a:p>
-          <a:p>
-            <a:pPr marL="457200" indent="-457200">
-              <a:lnSpc>
-                <a:spcPts val="5550"/>
-              </a:lnSpc>
-              <a:buFont typeface="Arial" panose="020B0604020202020204" pitchFamily="34" charset="0"/>
-              <a:buChar char="•"/>
-            </a:pPr>
-            <a:r>
-              <a:rPr lang="en-US" sz="2000" dirty="0">
-                <a:solidFill>
-                  <a:schemeClr val="bg2"/>
-                </a:solidFill>
-              </a:rPr>
-              <a:t>Falta de </a:t>
-            </a:r>
-            <a:r>
-              <a:rPr lang="en-US" sz="2000" dirty="0" err="1">
-                <a:solidFill>
-                  <a:schemeClr val="bg2"/>
-                </a:solidFill>
-              </a:rPr>
-              <a:t>coordinación</a:t>
-            </a:r>
-            <a:r>
-              <a:rPr lang="en-US" sz="2000" dirty="0">
-                <a:solidFill>
-                  <a:schemeClr val="bg2"/>
-                </a:solidFill>
-              </a:rPr>
-              <a:t> </a:t>
-            </a:r>
-            <a:r>
-              <a:rPr lang="en-US" sz="2000" dirty="0" err="1">
-                <a:solidFill>
-                  <a:schemeClr val="bg2"/>
-                </a:solidFill>
-              </a:rPr>
-              <a:t>en</a:t>
-            </a:r>
-            <a:r>
-              <a:rPr lang="en-US" sz="2000" dirty="0">
-                <a:solidFill>
-                  <a:schemeClr val="bg2"/>
-                </a:solidFill>
-              </a:rPr>
-              <a:t> areas </a:t>
-            </a:r>
-            <a:r>
-              <a:rPr lang="en-US" sz="2000" dirty="0" err="1">
-                <a:solidFill>
-                  <a:schemeClr val="bg2"/>
-                </a:solidFill>
-              </a:rPr>
-              <a:t>relacionadas</a:t>
-            </a:r>
-            <a:endParaRPr lang="en-US" sz="2000" dirty="0">
+            <a:endParaRPr lang="es-419" sz="2000" noProof="0" dirty="0">
               <a:solidFill>
                 <a:schemeClr val="bg2"/>
               </a:solidFill>
@@ -8765,7 +7589,7 @@
               </a:lnSpc>
               <a:buNone/>
             </a:pPr>
-            <a:endParaRPr lang="en-US" sz="2800" dirty="0"/>
+            <a:endParaRPr lang="es-419" sz="2800" noProof="0" dirty="0"/>
           </a:p>
           <a:p>
             <a:pPr marL="0" indent="0">
@@ -8774,7 +7598,7 @@
               </a:lnSpc>
               <a:buNone/>
             </a:pPr>
-            <a:endParaRPr lang="en-US" sz="2800" dirty="0"/>
+            <a:endParaRPr lang="es-419" sz="2800" noProof="0" dirty="0"/>
           </a:p>
         </p:txBody>
       </p:sp>
@@ -8855,7 +7679,7 @@
               <a:buNone/>
             </a:pPr>
             <a:r>
-              <a:rPr lang="es-CL" sz="3450" i="1" noProof="0" dirty="0">
+              <a:rPr lang="es-419" sz="3450" i="1" noProof="0" dirty="0">
                 <a:solidFill>
                   <a:srgbClr val="FEFEFE"/>
                 </a:solidFill>
@@ -8872,7 +7696,7 @@
               </a:rPr>
               <a:t>Implementación sistema de gestión de despachos</a:t>
             </a:r>
-            <a:endParaRPr lang="es-CL" sz="3450" i="1" noProof="0" dirty="0">
+            <a:endParaRPr lang="es-419" sz="3450" i="1" noProof="0" dirty="0">
               <a:effectLst>
                 <a:outerShdw blurRad="38100" dist="38100" dir="2700000" algn="tl">
                   <a:srgbClr val="000000">
@@ -8936,7 +7760,7 @@
               <a:buNone/>
             </a:pPr>
             <a:r>
-              <a:rPr lang="es-CL" sz="1700" noProof="0" dirty="0">
+              <a:rPr lang="es-419" sz="1700" noProof="0" dirty="0">
                 <a:solidFill>
                   <a:srgbClr val="BFBFBF"/>
                 </a:solidFill>
@@ -8946,7 +7770,7 @@
               </a:rPr>
               <a:t>Diagnosticar deficiencias</a:t>
             </a:r>
-            <a:endParaRPr lang="es-CL" sz="1700" noProof="0" dirty="0"/>
+            <a:endParaRPr lang="es-419" sz="1700" noProof="0" dirty="0"/>
           </a:p>
         </p:txBody>
       </p:sp>
@@ -8978,7 +7802,7 @@
               <a:buNone/>
             </a:pPr>
             <a:r>
-              <a:rPr lang="es-CL" sz="1350" noProof="0" dirty="0">
+              <a:rPr lang="es-419" sz="1350" noProof="0" dirty="0">
                 <a:solidFill>
                   <a:srgbClr val="BFBFBF"/>
                 </a:solidFill>
@@ -8988,7 +7812,7 @@
               </a:rPr>
               <a:t>Analizar las necesidades y dificultades operativas en el proceso actual de gestión de despachos.</a:t>
             </a:r>
-            <a:endParaRPr lang="es-CL" sz="1350" noProof="0" dirty="0"/>
+            <a:endParaRPr lang="es-419" sz="1350" noProof="0" dirty="0"/>
           </a:p>
         </p:txBody>
       </p:sp>
@@ -9044,7 +7868,7 @@
               <a:buNone/>
             </a:pPr>
             <a:r>
-              <a:rPr lang="es-CL" sz="1700" noProof="0" dirty="0">
+              <a:rPr lang="es-419" sz="1700" noProof="0" dirty="0">
                 <a:solidFill>
                   <a:srgbClr val="BFBFBF"/>
                 </a:solidFill>
@@ -9054,7 +7878,7 @@
               </a:rPr>
               <a:t>Diseñar sistema</a:t>
             </a:r>
-            <a:endParaRPr lang="es-CL" sz="1700" noProof="0" dirty="0"/>
+            <a:endParaRPr lang="es-419" sz="1700" noProof="0" dirty="0"/>
           </a:p>
         </p:txBody>
       </p:sp>
@@ -9086,7 +7910,7 @@
               <a:buNone/>
             </a:pPr>
             <a:r>
-              <a:rPr lang="es-CL" sz="1350" noProof="0" dirty="0">
+              <a:rPr lang="es-419" sz="1350" noProof="0" dirty="0">
                 <a:solidFill>
                   <a:srgbClr val="BFBFBF"/>
                 </a:solidFill>
@@ -9096,7 +7920,7 @@
               </a:rPr>
               <a:t>Crear un sistema que registre en tiempo real el estado de los componentes de andamios de las diferentes sucursales</a:t>
             </a:r>
-            <a:endParaRPr lang="es-CL" sz="1350" noProof="0" dirty="0"/>
+            <a:endParaRPr lang="es-419" sz="1350" noProof="0" dirty="0"/>
           </a:p>
         </p:txBody>
       </p:sp>
@@ -9152,7 +7976,7 @@
               <a:buNone/>
             </a:pPr>
             <a:r>
-              <a:rPr lang="es-CL" sz="1700" noProof="0" dirty="0">
+              <a:rPr lang="es-419" sz="1700" noProof="0" dirty="0">
                 <a:solidFill>
                   <a:srgbClr val="BFBFBF"/>
                 </a:solidFill>
@@ -9162,7 +7986,7 @@
               </a:rPr>
               <a:t>Implementar en pruebas</a:t>
             </a:r>
-            <a:endParaRPr lang="es-CL" sz="1700" noProof="0" dirty="0"/>
+            <a:endParaRPr lang="es-419" sz="1700" noProof="0" dirty="0"/>
           </a:p>
         </p:txBody>
       </p:sp>
@@ -9194,7 +8018,7 @@
               <a:buNone/>
             </a:pPr>
             <a:r>
-              <a:rPr lang="es-CL" sz="1350" noProof="0" dirty="0">
+              <a:rPr lang="es-419" sz="1350" noProof="0" dirty="0">
                 <a:solidFill>
                   <a:srgbClr val="BFBFBF"/>
                 </a:solidFill>
@@ -9204,7 +8028,7 @@
               </a:rPr>
               <a:t>Poner en marcha el sistema en un entorno controlado para evaluar su funcionalidad y eficiencia.</a:t>
             </a:r>
-            <a:endParaRPr lang="es-CL" sz="1350" noProof="0" dirty="0"/>
+            <a:endParaRPr lang="es-419" sz="1350" noProof="0" dirty="0"/>
           </a:p>
         </p:txBody>
       </p:sp>
@@ -9260,7 +8084,7 @@
               <a:buNone/>
             </a:pPr>
             <a:r>
-              <a:rPr lang="es-CL" sz="1700" noProof="0" dirty="0">
+              <a:rPr lang="es-419" sz="1700" noProof="0" dirty="0">
                 <a:solidFill>
                   <a:srgbClr val="BFBFBF"/>
                 </a:solidFill>
@@ -9270,7 +8094,7 @@
               </a:rPr>
               <a:t>Evaluar impacto</a:t>
             </a:r>
-            <a:endParaRPr lang="es-CL" sz="1700" noProof="0" dirty="0"/>
+            <a:endParaRPr lang="es-419" sz="1700" noProof="0" dirty="0"/>
           </a:p>
         </p:txBody>
       </p:sp>
@@ -9302,7 +8126,7 @@
               <a:buNone/>
             </a:pPr>
             <a:r>
-              <a:rPr lang="es-CL" sz="1350" noProof="0" dirty="0">
+              <a:rPr lang="es-419" sz="1350" noProof="0" dirty="0">
                 <a:solidFill>
                   <a:srgbClr val="BFBFBF"/>
                 </a:solidFill>
@@ -9312,7 +8136,7 @@
               </a:rPr>
               <a:t>Medir la eficiencia operativa y satisfacción del cliente mediante métricas de desempeño y encuestas.</a:t>
             </a:r>
-            <a:endParaRPr lang="es-CL" sz="1350" noProof="0" dirty="0"/>
+            <a:endParaRPr lang="es-419" sz="1350" noProof="0" dirty="0"/>
           </a:p>
         </p:txBody>
       </p:sp>
@@ -9399,7 +8223,7 @@
               <a:buNone/>
             </a:pPr>
             <a:r>
-              <a:rPr lang="en-US" sz="4450" dirty="0">
+              <a:rPr lang="es-419" sz="4450" noProof="0" dirty="0">
                 <a:solidFill>
                   <a:srgbClr val="FEFEFE"/>
                 </a:solidFill>
@@ -9409,7 +8233,7 @@
               </a:rPr>
               <a:t>Justificación de la Investigación</a:t>
             </a:r>
-            <a:endParaRPr lang="en-US" sz="4450" dirty="0"/>
+            <a:endParaRPr lang="es-419" sz="4450" noProof="0" dirty="0"/>
           </a:p>
         </p:txBody>
       </p:sp>
@@ -9434,6 +8258,13 @@
           </a:solidFill>
           <a:ln/>
         </p:spPr>
+        <p:txBody>
+          <a:bodyPr/>
+          <a:lstStyle/>
+          <a:p>
+            <a:endParaRPr lang="es-419" noProof="0" dirty="0"/>
+          </a:p>
+        </p:txBody>
       </p:sp>
       <p:sp>
         <p:nvSpPr>
@@ -9463,7 +8294,7 @@
               <a:buNone/>
             </a:pPr>
             <a:r>
-              <a:rPr lang="en-US" sz="2200" dirty="0">
+              <a:rPr lang="es-419" sz="2200" noProof="0" dirty="0">
                 <a:solidFill>
                   <a:srgbClr val="BFBFBF"/>
                 </a:solidFill>
@@ -9473,7 +8304,7 @@
               </a:rPr>
               <a:t>Justificación Teórica</a:t>
             </a:r>
-            <a:endParaRPr lang="en-US" sz="2200" dirty="0"/>
+            <a:endParaRPr lang="es-419" sz="2200" noProof="0" dirty="0"/>
           </a:p>
         </p:txBody>
       </p:sp>
@@ -9505,7 +8336,7 @@
               <a:buNone/>
             </a:pPr>
             <a:r>
-              <a:rPr lang="en-US" sz="1750" dirty="0">
+              <a:rPr lang="es-419" sz="1750" noProof="0" dirty="0">
                 <a:solidFill>
                   <a:srgbClr val="BFBFBF"/>
                 </a:solidFill>
@@ -9513,9 +8344,31 @@
                 <a:ea typeface="Open Sans" pitchFamily="34" charset="-122"/>
                 <a:cs typeface="Open Sans" pitchFamily="34" charset="-120"/>
               </a:rPr>
-              <a:t>Contribuye al conocimiento sobre la aplicación de soluciones tecnológicas en la gestión de despachos, generando un marco de referencia para futuras investigaciones sobre sistemas de gestión logística en empresas de construcción.</a:t>
-            </a:r>
-            <a:endParaRPr lang="en-US" sz="1750" dirty="0"/>
+              <a:t>Posibles mejoras </a:t>
+            </a:r>
+            <a:r>
+              <a:rPr lang="es-419" sz="1750" dirty="0">
+                <a:solidFill>
+                  <a:srgbClr val="BFBFBF"/>
+                </a:solidFill>
+                <a:latin typeface="Open Sans" pitchFamily="34" charset="0"/>
+                <a:ea typeface="Open Sans" pitchFamily="34" charset="-122"/>
+                <a:cs typeface="Open Sans" pitchFamily="34" charset="-120"/>
+              </a:rPr>
+              <a:t>posteriores a la </a:t>
+            </a:r>
+            <a:r>
+              <a:rPr lang="es-419" sz="1750" noProof="0" dirty="0">
+                <a:solidFill>
+                  <a:srgbClr val="BFBFBF"/>
+                </a:solidFill>
+                <a:latin typeface="Open Sans" pitchFamily="34" charset="0"/>
+                <a:ea typeface="Open Sans" pitchFamily="34" charset="-122"/>
+                <a:cs typeface="Open Sans" pitchFamily="34" charset="-120"/>
+              </a:rPr>
+              <a:t>aplicación de soluciones tecnológicas en la gestión de despachos, generando un marco de referencia para futuras investigaciones sobre la implementación tecnológica en el área de la construcción.</a:t>
+            </a:r>
+            <a:endParaRPr lang="es-419" sz="1750" noProof="0" dirty="0"/>
           </a:p>
         </p:txBody>
       </p:sp>
@@ -9540,6 +8393,13 @@
           </a:solidFill>
           <a:ln/>
         </p:spPr>
+        <p:txBody>
+          <a:bodyPr/>
+          <a:lstStyle/>
+          <a:p>
+            <a:endParaRPr lang="es-419" noProof="0" dirty="0"/>
+          </a:p>
+        </p:txBody>
       </p:sp>
       <p:sp>
         <p:nvSpPr>
@@ -9569,7 +8429,7 @@
               <a:buNone/>
             </a:pPr>
             <a:r>
-              <a:rPr lang="en-US" sz="2200" dirty="0">
+              <a:rPr lang="es-419" sz="2200" noProof="0" dirty="0">
                 <a:solidFill>
                   <a:srgbClr val="BFBFBF"/>
                 </a:solidFill>
@@ -9579,7 +8439,7 @@
               </a:rPr>
               <a:t>Justificación Práctica</a:t>
             </a:r>
-            <a:endParaRPr lang="en-US" sz="2200" dirty="0"/>
+            <a:endParaRPr lang="es-419" sz="2200" noProof="0" dirty="0"/>
           </a:p>
         </p:txBody>
       </p:sp>
@@ -9611,7 +8471,7 @@
               <a:buNone/>
             </a:pPr>
             <a:r>
-              <a:rPr lang="en-US" sz="1750" dirty="0">
+              <a:rPr lang="es-419" sz="1750" noProof="0" dirty="0">
                 <a:solidFill>
                   <a:srgbClr val="BFBFBF"/>
                 </a:solidFill>
@@ -9621,7 +8481,7 @@
               </a:rPr>
               <a:t>Permite una mejora significativa en los procesos operativos, reduciendo errores, mejorando la trazabilidad de los despachos y aumentando la satisfacción del cliente, facilitando una mejor coordinación entre ventas y despacho.</a:t>
             </a:r>
-            <a:endParaRPr lang="en-US" sz="1750" dirty="0"/>
+            <a:endParaRPr lang="es-419" sz="1750" noProof="0" dirty="0"/>
           </a:p>
         </p:txBody>
       </p:sp>
@@ -9646,6 +8506,13 @@
           </a:solidFill>
           <a:ln/>
         </p:spPr>
+        <p:txBody>
+          <a:bodyPr/>
+          <a:lstStyle/>
+          <a:p>
+            <a:endParaRPr lang="es-419" noProof="0" dirty="0"/>
+          </a:p>
+        </p:txBody>
       </p:sp>
       <p:sp>
         <p:nvSpPr>
@@ -9675,7 +8542,7 @@
               <a:buNone/>
             </a:pPr>
             <a:r>
-              <a:rPr lang="en-US" sz="2200" dirty="0">
+              <a:rPr lang="es-419" sz="2200" noProof="0" dirty="0">
                 <a:solidFill>
                   <a:srgbClr val="BFBFBF"/>
                 </a:solidFill>
@@ -9685,7 +8552,7 @@
               </a:rPr>
               <a:t>Justificación Metodológica</a:t>
             </a:r>
-            <a:endParaRPr lang="en-US" sz="2200" dirty="0"/>
+            <a:endParaRPr lang="es-419" sz="2200" noProof="0" dirty="0"/>
           </a:p>
         </p:txBody>
       </p:sp>
@@ -9717,7 +8584,7 @@
               <a:buNone/>
             </a:pPr>
             <a:r>
-              <a:rPr lang="en-US" sz="1750" dirty="0">
+              <a:rPr lang="es-419" sz="1750" noProof="0" dirty="0">
                 <a:solidFill>
                   <a:srgbClr val="BFBFBF"/>
                 </a:solidFill>
@@ -9725,9 +8592,9 @@
                 <a:ea typeface="Open Sans" pitchFamily="34" charset="-122"/>
                 <a:cs typeface="Open Sans" pitchFamily="34" charset="-120"/>
               </a:rPr>
-              <a:t>Utiliza una metodología basada en el desarrollo de software iterativo, permitiendo pruebas y ajustes constantes para garantizar que el sistema cumpla con los requerimientos y se adapte a las necesidades operacionales.</a:t>
-            </a:r>
-            <a:endParaRPr lang="en-US" sz="1750" dirty="0"/>
+              <a:t>Basada en el desarrollo de software iterativo, permitiendo pruebas y ajustes constantes para garantizar que el sistema cumpla con los requerimientos y se adapte a las necesidades operacionales.</a:t>
+            </a:r>
+            <a:endParaRPr lang="es-419" sz="1750" noProof="0" dirty="0"/>
           </a:p>
         </p:txBody>
       </p:sp>
@@ -9752,6 +8619,13 @@
           </a:solidFill>
           <a:ln/>
         </p:spPr>
+        <p:txBody>
+          <a:bodyPr/>
+          <a:lstStyle/>
+          <a:p>
+            <a:endParaRPr lang="es-419" noProof="0" dirty="0"/>
+          </a:p>
+        </p:txBody>
       </p:sp>
       <p:sp>
         <p:nvSpPr>
@@ -9781,7 +8655,7 @@
               <a:buNone/>
             </a:pPr>
             <a:r>
-              <a:rPr lang="en-US" sz="2200" dirty="0">
+              <a:rPr lang="es-419" sz="2200" noProof="0" dirty="0">
                 <a:solidFill>
                   <a:srgbClr val="BFBFBF"/>
                 </a:solidFill>
@@ -9791,7 +8665,7 @@
               </a:rPr>
               <a:t>Justificación Social</a:t>
             </a:r>
-            <a:endParaRPr lang="en-US" sz="2200" dirty="0"/>
+            <a:endParaRPr lang="es-419" sz="2200" noProof="0" dirty="0"/>
           </a:p>
         </p:txBody>
       </p:sp>
@@ -9823,7 +8697,7 @@
               <a:buNone/>
             </a:pPr>
             <a:r>
-              <a:rPr lang="en-US" sz="1750" dirty="0">
+              <a:rPr lang="es-419" sz="1750" noProof="0" dirty="0">
                 <a:solidFill>
                   <a:srgbClr val="BFBFBF"/>
                 </a:solidFill>
@@ -9833,7 +8707,7 @@
               </a:rPr>
               <a:t>Al mejorar la eficiencia de los procesos, la empresa podrá ofrecer un servicio más rápido y confiable, beneficiando tanto a clientes directos como a trabajadores, reduciendo la carga laboral y la probabilidad de errores.</a:t>
             </a:r>
-            <a:endParaRPr lang="en-US" sz="1750" dirty="0"/>
+            <a:endParaRPr lang="es-419" sz="1750" noProof="0" dirty="0"/>
           </a:p>
         </p:txBody>
       </p:sp>
@@ -9876,1357 +8750,6 @@
 </file>
 
 <file path=ppt/slides/slide5.xml><?xml version="1.0" encoding="utf-8"?>
-<p:sld xmlns:a="http://schemas.openxmlformats.org/drawingml/2006/main" xmlns:r="http://schemas.openxmlformats.org/officeDocument/2006/relationships" xmlns:p="http://schemas.openxmlformats.org/presentationml/2006/main">
-  <p:cSld name="Slide 4">
-    <p:spTree>
-      <p:nvGrpSpPr>
-        <p:cNvPr id="1" name=""/>
-        <p:cNvGrpSpPr/>
-        <p:nvPr/>
-      </p:nvGrpSpPr>
-      <p:grpSpPr>
-        <a:xfrm>
-          <a:off x="0" y="0"/>
-          <a:ext cx="0" cy="0"/>
-          <a:chOff x="0" y="0"/>
-          <a:chExt cx="0" cy="0"/>
-        </a:xfrm>
-      </p:grpSpPr>
-      <p:sp>
-        <p:nvSpPr>
-          <p:cNvPr id="2" name="Text 0"/>
-          <p:cNvSpPr/>
-          <p:nvPr/>
-        </p:nvSpPr>
-        <p:spPr>
-          <a:xfrm>
-            <a:off x="782955" y="615196"/>
-            <a:ext cx="5592961" cy="699135"/>
-          </a:xfrm>
-          <a:prstGeom prst="rect">
-            <a:avLst/>
-          </a:prstGeom>
-          <a:noFill/>
-          <a:ln/>
-        </p:spPr>
-        <p:txBody>
-          <a:bodyPr wrap="none" lIns="0" tIns="0" rIns="0" bIns="0" rtlCol="0" anchor="t"/>
-          <a:lstStyle/>
-          <a:p>
-            <a:pPr marL="0" indent="0" algn="l">
-              <a:lnSpc>
-                <a:spcPts val="5500"/>
-              </a:lnSpc>
-              <a:buNone/>
-            </a:pPr>
-            <a:r>
-              <a:rPr lang="en-US" sz="4400" dirty="0">
-                <a:solidFill>
-                  <a:srgbClr val="FEFEFE"/>
-                </a:solidFill>
-                <a:latin typeface="Instrument Sans Medium" pitchFamily="34" charset="0"/>
-                <a:ea typeface="Instrument Sans Medium" pitchFamily="34" charset="-122"/>
-                <a:cs typeface="Instrument Sans Medium" pitchFamily="34" charset="-120"/>
-              </a:rPr>
-              <a:t>Marco Teórico</a:t>
-            </a:r>
-            <a:endParaRPr lang="en-US" sz="4400" dirty="0"/>
-          </a:p>
-        </p:txBody>
-      </p:sp>
-      <p:sp>
-        <p:nvSpPr>
-          <p:cNvPr id="3" name="Shape 1"/>
-          <p:cNvSpPr/>
-          <p:nvPr/>
-        </p:nvSpPr>
-        <p:spPr>
-          <a:xfrm>
-            <a:off x="7299960" y="1761768"/>
-            <a:ext cx="30480" cy="5855018"/>
-          </a:xfrm>
-          <a:prstGeom prst="roundRect">
-            <a:avLst>
-              <a:gd name="adj" fmla="val 110099"/>
-            </a:avLst>
-          </a:prstGeom>
-          <a:solidFill>
-            <a:srgbClr val="575757"/>
-          </a:solidFill>
-          <a:ln/>
-        </p:spPr>
-      </p:sp>
-      <p:sp>
-        <p:nvSpPr>
-          <p:cNvPr id="4" name="Shape 2"/>
-          <p:cNvSpPr/>
-          <p:nvPr/>
-        </p:nvSpPr>
-        <p:spPr>
-          <a:xfrm>
-            <a:off x="6422886" y="1998107"/>
-            <a:ext cx="671155" cy="30480"/>
-          </a:xfrm>
-          <a:prstGeom prst="roundRect">
-            <a:avLst>
-              <a:gd name="adj" fmla="val 110099"/>
-            </a:avLst>
-          </a:prstGeom>
-          <a:solidFill>
-            <a:srgbClr val="575757"/>
-          </a:solidFill>
-          <a:ln/>
-        </p:spPr>
-      </p:sp>
-      <p:sp>
-        <p:nvSpPr>
-          <p:cNvPr id="5" name="Shape 3"/>
-          <p:cNvSpPr/>
-          <p:nvPr/>
-        </p:nvSpPr>
-        <p:spPr>
-          <a:xfrm>
-            <a:off x="7063561" y="1761768"/>
-            <a:ext cx="503277" cy="503277"/>
-          </a:xfrm>
-          <a:prstGeom prst="roundRect">
-            <a:avLst>
-              <a:gd name="adj" fmla="val 6668"/>
-            </a:avLst>
-          </a:prstGeom>
-          <a:solidFill>
-            <a:srgbClr val="3E3E3E"/>
-          </a:solidFill>
-          <a:ln/>
-        </p:spPr>
-      </p:sp>
-      <p:pic>
-        <p:nvPicPr>
-          <p:cNvPr id="6" name="Image 0" descr="preencoded.png"/>
-          <p:cNvPicPr>
-            <a:picLocks noChangeAspect="1"/>
-          </p:cNvPicPr>
-          <p:nvPr/>
-        </p:nvPicPr>
-        <p:blipFill>
-          <a:blip r:embed="rId3"/>
-          <a:stretch>
-            <a:fillRect/>
-          </a:stretch>
-        </p:blipFill>
-        <p:spPr>
-          <a:xfrm>
-            <a:off x="7147381" y="1803618"/>
-            <a:ext cx="335518" cy="419457"/>
-          </a:xfrm>
-          <a:prstGeom prst="rect">
-            <a:avLst/>
-          </a:prstGeom>
-        </p:spPr>
-      </p:pic>
-      <p:sp>
-        <p:nvSpPr>
-          <p:cNvPr id="7" name="Text 4"/>
-          <p:cNvSpPr/>
-          <p:nvPr/>
-        </p:nvSpPr>
-        <p:spPr>
-          <a:xfrm>
-            <a:off x="782955" y="1838563"/>
-            <a:ext cx="5413653" cy="699135"/>
-          </a:xfrm>
-          <a:prstGeom prst="rect">
-            <a:avLst/>
-          </a:prstGeom>
-          <a:noFill/>
-          <a:ln/>
-        </p:spPr>
-        <p:txBody>
-          <a:bodyPr wrap="square" lIns="0" tIns="0" rIns="0" bIns="0" rtlCol="0" anchor="t"/>
-          <a:lstStyle/>
-          <a:p>
-            <a:pPr marL="0" indent="0" algn="r">
-              <a:lnSpc>
-                <a:spcPts val="2750"/>
-              </a:lnSpc>
-              <a:buNone/>
-            </a:pPr>
-            <a:r>
-              <a:rPr lang="en-US" sz="2200" dirty="0">
-                <a:solidFill>
-                  <a:srgbClr val="BFBFBF"/>
-                </a:solidFill>
-                <a:latin typeface="Instrument Sans Medium" pitchFamily="34" charset="0"/>
-                <a:ea typeface="Instrument Sans Medium" pitchFamily="34" charset="-122"/>
-                <a:cs typeface="Instrument Sans Medium" pitchFamily="34" charset="-120"/>
-              </a:rPr>
-              <a:t>Sistemas de información para eficiencia operativa</a:t>
-            </a:r>
-            <a:endParaRPr lang="en-US" sz="2200" dirty="0"/>
-          </a:p>
-        </p:txBody>
-      </p:sp>
-      <p:sp>
-        <p:nvSpPr>
-          <p:cNvPr id="8" name="Text 5"/>
-          <p:cNvSpPr/>
-          <p:nvPr/>
-        </p:nvSpPr>
-        <p:spPr>
-          <a:xfrm>
-            <a:off x="782955" y="2671882"/>
-            <a:ext cx="5413653" cy="2147411"/>
-          </a:xfrm>
-          <a:prstGeom prst="rect">
-            <a:avLst/>
-          </a:prstGeom>
-          <a:noFill/>
-          <a:ln/>
-        </p:spPr>
-        <p:txBody>
-          <a:bodyPr wrap="square" lIns="0" tIns="0" rIns="0" bIns="0" rtlCol="0" anchor="t"/>
-          <a:lstStyle/>
-          <a:p>
-            <a:pPr marL="0" indent="0" algn="r">
-              <a:lnSpc>
-                <a:spcPts val="2800"/>
-              </a:lnSpc>
-              <a:buNone/>
-            </a:pPr>
-            <a:r>
-              <a:rPr lang="en-US" sz="1750" dirty="0">
-                <a:solidFill>
-                  <a:srgbClr val="BFBFBF"/>
-                </a:solidFill>
-                <a:latin typeface="Open Sans" pitchFamily="34" charset="0"/>
-                <a:ea typeface="Open Sans" pitchFamily="34" charset="-122"/>
-                <a:cs typeface="Open Sans" pitchFamily="34" charset="-120"/>
-              </a:rPr>
-              <a:t>Los sistemas de información son herramientas clave para mejorar la trazabilidad, eficiencia y toma de decisiones en tiempo real. Un sistema bien diseñado debe incluir usabilidad, eficiencia operativa y capacidad de generar reportes históricos para la mejora continua.</a:t>
-            </a:r>
-            <a:endParaRPr lang="en-US" sz="1750" dirty="0"/>
-          </a:p>
-        </p:txBody>
-      </p:sp>
-      <p:sp>
-        <p:nvSpPr>
-          <p:cNvPr id="9" name="Shape 6"/>
-          <p:cNvSpPr/>
-          <p:nvPr/>
-        </p:nvSpPr>
-        <p:spPr>
-          <a:xfrm>
-            <a:off x="7536359" y="3340418"/>
-            <a:ext cx="671155" cy="30480"/>
-          </a:xfrm>
-          <a:prstGeom prst="roundRect">
-            <a:avLst>
-              <a:gd name="adj" fmla="val 110099"/>
-            </a:avLst>
-          </a:prstGeom>
-          <a:solidFill>
-            <a:srgbClr val="575757"/>
-          </a:solidFill>
-          <a:ln/>
-        </p:spPr>
-      </p:sp>
-      <p:sp>
-        <p:nvSpPr>
-          <p:cNvPr id="10" name="Shape 7"/>
-          <p:cNvSpPr/>
-          <p:nvPr/>
-        </p:nvSpPr>
-        <p:spPr>
-          <a:xfrm>
-            <a:off x="7063561" y="3104078"/>
-            <a:ext cx="503277" cy="503277"/>
-          </a:xfrm>
-          <a:prstGeom prst="roundRect">
-            <a:avLst>
-              <a:gd name="adj" fmla="val 6668"/>
-            </a:avLst>
-          </a:prstGeom>
-          <a:solidFill>
-            <a:srgbClr val="3E3E3E"/>
-          </a:solidFill>
-          <a:ln/>
-        </p:spPr>
-      </p:sp>
-      <p:pic>
-        <p:nvPicPr>
-          <p:cNvPr id="11" name="Image 1" descr="preencoded.png"/>
-          <p:cNvPicPr>
-            <a:picLocks noChangeAspect="1"/>
-          </p:cNvPicPr>
-          <p:nvPr/>
-        </p:nvPicPr>
-        <p:blipFill>
-          <a:blip r:embed="rId4"/>
-          <a:stretch>
-            <a:fillRect/>
-          </a:stretch>
-        </p:blipFill>
-        <p:spPr>
-          <a:xfrm>
-            <a:off x="7147381" y="3145929"/>
-            <a:ext cx="335518" cy="419457"/>
-          </a:xfrm>
-          <a:prstGeom prst="rect">
-            <a:avLst/>
-          </a:prstGeom>
-        </p:spPr>
-      </p:pic>
-      <p:sp>
-        <p:nvSpPr>
-          <p:cNvPr id="12" name="Text 8"/>
-          <p:cNvSpPr/>
-          <p:nvPr/>
-        </p:nvSpPr>
-        <p:spPr>
-          <a:xfrm>
-            <a:off x="8433792" y="3180874"/>
-            <a:ext cx="3953828" cy="349568"/>
-          </a:xfrm>
-          <a:prstGeom prst="rect">
-            <a:avLst/>
-          </a:prstGeom>
-          <a:noFill/>
-          <a:ln/>
-        </p:spPr>
-        <p:txBody>
-          <a:bodyPr wrap="none" lIns="0" tIns="0" rIns="0" bIns="0" rtlCol="0" anchor="t"/>
-          <a:lstStyle/>
-          <a:p>
-            <a:pPr marL="0" indent="0" algn="l">
-              <a:lnSpc>
-                <a:spcPts val="2750"/>
-              </a:lnSpc>
-              <a:buNone/>
-            </a:pPr>
-            <a:r>
-              <a:rPr lang="en-US" sz="2200" dirty="0" err="1">
-                <a:solidFill>
-                  <a:srgbClr val="BFBFBF"/>
-                </a:solidFill>
-                <a:latin typeface="Instrument Sans Medium" pitchFamily="34" charset="0"/>
-                <a:ea typeface="Instrument Sans Medium" pitchFamily="34" charset="-122"/>
-                <a:cs typeface="Instrument Sans Medium" pitchFamily="34" charset="-120"/>
-              </a:rPr>
-              <a:t>Gestión</a:t>
-            </a:r>
-            <a:r>
-              <a:rPr lang="en-US" sz="2200" dirty="0">
-                <a:solidFill>
-                  <a:srgbClr val="BFBFBF"/>
-                </a:solidFill>
-                <a:latin typeface="Instrument Sans Medium" pitchFamily="34" charset="0"/>
-                <a:ea typeface="Instrument Sans Medium" pitchFamily="34" charset="-122"/>
-                <a:cs typeface="Instrument Sans Medium" pitchFamily="34" charset="-120"/>
-              </a:rPr>
-              <a:t> </a:t>
-            </a:r>
-            <a:r>
-              <a:rPr lang="en-US" sz="2200" dirty="0" err="1">
-                <a:solidFill>
-                  <a:srgbClr val="BFBFBF"/>
-                </a:solidFill>
-                <a:latin typeface="Instrument Sans Medium" pitchFamily="34" charset="0"/>
-                <a:ea typeface="Instrument Sans Medium" pitchFamily="34" charset="-122"/>
-                <a:cs typeface="Instrument Sans Medium" pitchFamily="34" charset="-120"/>
-              </a:rPr>
-              <a:t>logística</a:t>
-            </a:r>
-            <a:endParaRPr lang="en-US" sz="2200" dirty="0"/>
-          </a:p>
-        </p:txBody>
-      </p:sp>
-      <p:sp>
-        <p:nvSpPr>
-          <p:cNvPr id="13" name="Text 9"/>
-          <p:cNvSpPr/>
-          <p:nvPr/>
-        </p:nvSpPr>
-        <p:spPr>
-          <a:xfrm>
-            <a:off x="8433792" y="3664625"/>
-            <a:ext cx="5413653" cy="1789509"/>
-          </a:xfrm>
-          <a:prstGeom prst="rect">
-            <a:avLst/>
-          </a:prstGeom>
-          <a:noFill/>
-          <a:ln/>
-        </p:spPr>
-        <p:txBody>
-          <a:bodyPr wrap="square" lIns="0" tIns="0" rIns="0" bIns="0" rtlCol="0" anchor="t"/>
-          <a:lstStyle/>
-          <a:p>
-            <a:pPr marL="0" indent="0" algn="l">
-              <a:lnSpc>
-                <a:spcPts val="2800"/>
-              </a:lnSpc>
-              <a:buNone/>
-            </a:pPr>
-            <a:r>
-              <a:rPr lang="en-US" sz="1750" dirty="0">
-                <a:solidFill>
-                  <a:srgbClr val="BFBFBF"/>
-                </a:solidFill>
-                <a:latin typeface="Open Sans" pitchFamily="34" charset="0"/>
-                <a:ea typeface="Open Sans" pitchFamily="34" charset="-122"/>
-                <a:cs typeface="Open Sans" pitchFamily="34" charset="-120"/>
-              </a:rPr>
-              <a:t>La digitalización de los procesos de despacho permite mejorar la planificación interna y responder más rápidamente a los requerimientos del cliente.</a:t>
-            </a:r>
-            <a:endParaRPr lang="en-US" sz="1750" dirty="0"/>
-          </a:p>
-        </p:txBody>
-      </p:sp>
-      <p:sp>
-        <p:nvSpPr>
-          <p:cNvPr id="14" name="Shape 10"/>
-          <p:cNvSpPr/>
-          <p:nvPr/>
-        </p:nvSpPr>
-        <p:spPr>
-          <a:xfrm>
-            <a:off x="6422886" y="5503069"/>
-            <a:ext cx="671155" cy="30480"/>
-          </a:xfrm>
-          <a:prstGeom prst="roundRect">
-            <a:avLst>
-              <a:gd name="adj" fmla="val 110099"/>
-            </a:avLst>
-          </a:prstGeom>
-          <a:solidFill>
-            <a:srgbClr val="575757"/>
-          </a:solidFill>
-          <a:ln/>
-        </p:spPr>
-      </p:sp>
-      <p:sp>
-        <p:nvSpPr>
-          <p:cNvPr id="15" name="Shape 11"/>
-          <p:cNvSpPr/>
-          <p:nvPr/>
-        </p:nvSpPr>
-        <p:spPr>
-          <a:xfrm>
-            <a:off x="7063561" y="5266730"/>
-            <a:ext cx="503277" cy="503277"/>
-          </a:xfrm>
-          <a:prstGeom prst="roundRect">
-            <a:avLst>
-              <a:gd name="adj" fmla="val 6668"/>
-            </a:avLst>
-          </a:prstGeom>
-          <a:solidFill>
-            <a:srgbClr val="3E3E3E"/>
-          </a:solidFill>
-          <a:ln/>
-        </p:spPr>
-      </p:sp>
-      <p:pic>
-        <p:nvPicPr>
-          <p:cNvPr id="16" name="Image 2" descr="preencoded.png"/>
-          <p:cNvPicPr>
-            <a:picLocks noChangeAspect="1"/>
-          </p:cNvPicPr>
-          <p:nvPr/>
-        </p:nvPicPr>
-        <p:blipFill>
-          <a:blip r:embed="rId5"/>
-          <a:stretch>
-            <a:fillRect/>
-          </a:stretch>
-        </p:blipFill>
-        <p:spPr>
-          <a:xfrm>
-            <a:off x="7147381" y="5308580"/>
-            <a:ext cx="335518" cy="419457"/>
-          </a:xfrm>
-          <a:prstGeom prst="rect">
-            <a:avLst/>
-          </a:prstGeom>
-        </p:spPr>
-      </p:pic>
-      <p:sp>
-        <p:nvSpPr>
-          <p:cNvPr id="17" name="Text 12"/>
-          <p:cNvSpPr/>
-          <p:nvPr/>
-        </p:nvSpPr>
-        <p:spPr>
-          <a:xfrm>
-            <a:off x="1638300" y="5343525"/>
-            <a:ext cx="4558308" cy="349568"/>
-          </a:xfrm>
-          <a:prstGeom prst="rect">
-            <a:avLst/>
-          </a:prstGeom>
-          <a:noFill/>
-          <a:ln/>
-        </p:spPr>
-        <p:txBody>
-          <a:bodyPr wrap="none" lIns="0" tIns="0" rIns="0" bIns="0" rtlCol="0" anchor="t"/>
-          <a:lstStyle/>
-          <a:p>
-            <a:pPr marL="0" indent="0" algn="r">
-              <a:lnSpc>
-                <a:spcPts val="2750"/>
-              </a:lnSpc>
-              <a:buNone/>
-            </a:pPr>
-            <a:r>
-              <a:rPr lang="en-US" sz="2200" dirty="0">
-                <a:solidFill>
-                  <a:srgbClr val="BFBFBF"/>
-                </a:solidFill>
-                <a:latin typeface="Instrument Sans Medium" pitchFamily="34" charset="0"/>
-                <a:ea typeface="Instrument Sans Medium" pitchFamily="34" charset="-122"/>
-                <a:cs typeface="Instrument Sans Medium" pitchFamily="34" charset="-120"/>
-              </a:rPr>
-              <a:t>Usabilidad y satisfacción del cliente</a:t>
-            </a:r>
-            <a:endParaRPr lang="en-US" sz="2200" dirty="0"/>
-          </a:p>
-        </p:txBody>
-      </p:sp>
-      <p:sp>
-        <p:nvSpPr>
-          <p:cNvPr id="18" name="Text 13"/>
-          <p:cNvSpPr/>
-          <p:nvPr/>
-        </p:nvSpPr>
-        <p:spPr>
-          <a:xfrm>
-            <a:off x="782955" y="5827276"/>
-            <a:ext cx="5413653" cy="1789509"/>
-          </a:xfrm>
-          <a:prstGeom prst="rect">
-            <a:avLst/>
-          </a:prstGeom>
-          <a:noFill/>
-          <a:ln/>
-        </p:spPr>
-        <p:txBody>
-          <a:bodyPr wrap="square" lIns="0" tIns="0" rIns="0" bIns="0" rtlCol="0" anchor="t"/>
-          <a:lstStyle/>
-          <a:p>
-            <a:pPr marL="0" indent="0" algn="r">
-              <a:lnSpc>
-                <a:spcPts val="2800"/>
-              </a:lnSpc>
-              <a:buNone/>
-            </a:pPr>
-            <a:r>
-              <a:rPr lang="en-US" sz="1750" dirty="0">
-                <a:solidFill>
-                  <a:srgbClr val="BFBFBF"/>
-                </a:solidFill>
-                <a:latin typeface="Open Sans" pitchFamily="34" charset="0"/>
-                <a:ea typeface="Open Sans" pitchFamily="34" charset="-122"/>
-                <a:cs typeface="Open Sans" pitchFamily="34" charset="-120"/>
-              </a:rPr>
-              <a:t>La usabilidad se refiere a la facilidad con que los usuarios interactúan con un sistema. La satisfacción del cliente mejora cuando los productos o servicios se entregan de manera más rápida y con menos errores.</a:t>
-            </a:r>
-            <a:endParaRPr lang="en-US" sz="1750" dirty="0"/>
-          </a:p>
-        </p:txBody>
-      </p:sp>
-      <p:pic>
-        <p:nvPicPr>
-          <p:cNvPr id="19" name="Picture 18">
-            <a:extLst>
-              <a:ext uri="{FF2B5EF4-FFF2-40B4-BE49-F238E27FC236}">
-                <a16:creationId xmlns:a16="http://schemas.microsoft.com/office/drawing/2014/main" id="{53191DAF-64D1-C92B-0BB1-0619FD75ED13}"/>
-              </a:ext>
-            </a:extLst>
-          </p:cNvPr>
-          <p:cNvPicPr>
-            <a:picLocks noChangeAspect="1"/>
-          </p:cNvPicPr>
-          <p:nvPr/>
-        </p:nvPicPr>
-        <p:blipFill>
-          <a:blip r:embed="rId6"/>
-          <a:stretch>
-            <a:fillRect/>
-          </a:stretch>
-        </p:blipFill>
-        <p:spPr>
-          <a:xfrm>
-            <a:off x="12863245" y="7647811"/>
-            <a:ext cx="1664025" cy="516422"/>
-          </a:xfrm>
-          <a:prstGeom prst="rect">
-            <a:avLst/>
-          </a:prstGeom>
-        </p:spPr>
-      </p:pic>
-    </p:spTree>
-  </p:cSld>
-  <p:clrMapOvr>
-    <a:masterClrMapping/>
-  </p:clrMapOvr>
-</p:sld>
-</file>
-
-<file path=ppt/slides/slide6.xml><?xml version="1.0" encoding="utf-8"?>
-<p:sld xmlns:a="http://schemas.openxmlformats.org/drawingml/2006/main" xmlns:r="http://schemas.openxmlformats.org/officeDocument/2006/relationships" xmlns:p="http://schemas.openxmlformats.org/presentationml/2006/main">
-  <p:cSld name="Slide 5">
-    <p:spTree>
-      <p:nvGrpSpPr>
-        <p:cNvPr id="1" name=""/>
-        <p:cNvGrpSpPr/>
-        <p:nvPr/>
-      </p:nvGrpSpPr>
-      <p:grpSpPr>
-        <a:xfrm>
-          <a:off x="0" y="0"/>
-          <a:ext cx="0" cy="0"/>
-          <a:chOff x="0" y="0"/>
-          <a:chExt cx="0" cy="0"/>
-        </a:xfrm>
-      </p:grpSpPr>
-      <p:sp>
-        <p:nvSpPr>
-          <p:cNvPr id="2" name="Text 0"/>
-          <p:cNvSpPr/>
-          <p:nvPr/>
-        </p:nvSpPr>
-        <p:spPr>
-          <a:xfrm>
-            <a:off x="793790" y="899993"/>
-            <a:ext cx="5670590" cy="708779"/>
-          </a:xfrm>
-          <a:prstGeom prst="rect">
-            <a:avLst/>
-          </a:prstGeom>
-          <a:noFill/>
-          <a:ln/>
-        </p:spPr>
-        <p:txBody>
-          <a:bodyPr wrap="none" lIns="0" tIns="0" rIns="0" bIns="0" rtlCol="0" anchor="t"/>
-          <a:lstStyle/>
-          <a:p>
-            <a:pPr marL="0" indent="0" algn="l">
-              <a:lnSpc>
-                <a:spcPts val="5550"/>
-              </a:lnSpc>
-              <a:buNone/>
-            </a:pPr>
-            <a:r>
-              <a:rPr lang="en-US" sz="4450" dirty="0">
-                <a:solidFill>
-                  <a:srgbClr val="FEFEFE"/>
-                </a:solidFill>
-                <a:latin typeface="Instrument Sans Medium" pitchFamily="34" charset="0"/>
-                <a:ea typeface="Instrument Sans Medium" pitchFamily="34" charset="-122"/>
-                <a:cs typeface="Instrument Sans Medium" pitchFamily="34" charset="-120"/>
-              </a:rPr>
-              <a:t>Variables de Estudio</a:t>
-            </a:r>
-            <a:endParaRPr lang="en-US" sz="4450" dirty="0"/>
-          </a:p>
-        </p:txBody>
-      </p:sp>
-      <p:sp>
-        <p:nvSpPr>
-          <p:cNvPr id="3" name="Text 1"/>
-          <p:cNvSpPr/>
-          <p:nvPr/>
-        </p:nvSpPr>
-        <p:spPr>
-          <a:xfrm>
-            <a:off x="873919" y="3464243"/>
-            <a:ext cx="3705106" cy="354330"/>
-          </a:xfrm>
-          <a:prstGeom prst="rect">
-            <a:avLst/>
-          </a:prstGeom>
-          <a:noFill/>
-          <a:ln/>
-        </p:spPr>
-        <p:txBody>
-          <a:bodyPr wrap="none" lIns="0" tIns="0" rIns="0" bIns="0" rtlCol="0" anchor="t"/>
-          <a:lstStyle/>
-          <a:p>
-            <a:pPr marL="0" indent="0" algn="r">
-              <a:lnSpc>
-                <a:spcPts val="2750"/>
-              </a:lnSpc>
-              <a:buNone/>
-            </a:pPr>
-            <a:r>
-              <a:rPr lang="en-US" sz="2200" dirty="0">
-                <a:solidFill>
-                  <a:srgbClr val="BFBFBF"/>
-                </a:solidFill>
-                <a:latin typeface="Instrument Sans Medium" pitchFamily="34" charset="0"/>
-                <a:ea typeface="Instrument Sans Medium" pitchFamily="34" charset="-122"/>
-                <a:cs typeface="Instrument Sans Medium" pitchFamily="34" charset="-120"/>
-              </a:rPr>
-              <a:t>Implementación del sistema</a:t>
-            </a:r>
-            <a:endParaRPr lang="en-US" sz="2200" dirty="0"/>
-          </a:p>
-        </p:txBody>
-      </p:sp>
-      <p:sp>
-        <p:nvSpPr>
-          <p:cNvPr id="4" name="Text 2"/>
-          <p:cNvSpPr/>
-          <p:nvPr/>
-        </p:nvSpPr>
-        <p:spPr>
-          <a:xfrm>
-            <a:off x="793790" y="3954661"/>
-            <a:ext cx="3785235" cy="725805"/>
-          </a:xfrm>
-          <a:prstGeom prst="rect">
-            <a:avLst/>
-          </a:prstGeom>
-          <a:noFill/>
-          <a:ln/>
-        </p:spPr>
-        <p:txBody>
-          <a:bodyPr wrap="square" lIns="0" tIns="0" rIns="0" bIns="0" rtlCol="0" anchor="t"/>
-          <a:lstStyle/>
-          <a:p>
-            <a:pPr marL="342900" indent="-342900" algn="l">
-              <a:lnSpc>
-                <a:spcPts val="2850"/>
-              </a:lnSpc>
-              <a:buSzPct val="100000"/>
-              <a:buChar char="•"/>
-            </a:pPr>
-            <a:r>
-              <a:rPr lang="en-US" sz="1750" dirty="0">
-                <a:solidFill>
-                  <a:srgbClr val="BFBFBF"/>
-                </a:solidFill>
-                <a:latin typeface="Open Sans" pitchFamily="34" charset="0"/>
-                <a:ea typeface="Open Sans" pitchFamily="34" charset="-122"/>
-                <a:cs typeface="Open Sans" pitchFamily="34" charset="-120"/>
-              </a:rPr>
-              <a:t>Disponibilidad de información en tiempo real</a:t>
-            </a:r>
-            <a:endParaRPr lang="en-US" sz="1750" dirty="0"/>
-          </a:p>
-        </p:txBody>
-      </p:sp>
-      <p:sp>
-        <p:nvSpPr>
-          <p:cNvPr id="5" name="Text 3"/>
-          <p:cNvSpPr/>
-          <p:nvPr/>
-        </p:nvSpPr>
-        <p:spPr>
-          <a:xfrm>
-            <a:off x="793790" y="4759762"/>
-            <a:ext cx="3785235" cy="362903"/>
-          </a:xfrm>
-          <a:prstGeom prst="rect">
-            <a:avLst/>
-          </a:prstGeom>
-          <a:noFill/>
-          <a:ln/>
-        </p:spPr>
-        <p:txBody>
-          <a:bodyPr wrap="none" lIns="0" tIns="0" rIns="0" bIns="0" rtlCol="0" anchor="t"/>
-          <a:lstStyle/>
-          <a:p>
-            <a:pPr marL="342900" indent="-342900" algn="l">
-              <a:lnSpc>
-                <a:spcPts val="2850"/>
-              </a:lnSpc>
-              <a:buSzPct val="100000"/>
-              <a:buChar char="•"/>
-            </a:pPr>
-            <a:r>
-              <a:rPr lang="en-US" sz="1750" dirty="0">
-                <a:solidFill>
-                  <a:srgbClr val="BFBFBF"/>
-                </a:solidFill>
-                <a:latin typeface="Open Sans" pitchFamily="34" charset="0"/>
-                <a:ea typeface="Open Sans" pitchFamily="34" charset="-122"/>
-                <a:cs typeface="Open Sans" pitchFamily="34" charset="-120"/>
-              </a:rPr>
-              <a:t>Automatización de registros</a:t>
-            </a:r>
-            <a:endParaRPr lang="en-US" sz="1750" dirty="0"/>
-          </a:p>
-        </p:txBody>
-      </p:sp>
-      <p:sp>
-        <p:nvSpPr>
-          <p:cNvPr id="6" name="Text 4"/>
-          <p:cNvSpPr/>
-          <p:nvPr/>
-        </p:nvSpPr>
-        <p:spPr>
-          <a:xfrm>
-            <a:off x="793790" y="5201960"/>
-            <a:ext cx="3785235" cy="725805"/>
-          </a:xfrm>
-          <a:prstGeom prst="rect">
-            <a:avLst/>
-          </a:prstGeom>
-          <a:noFill/>
-          <a:ln/>
-        </p:spPr>
-        <p:txBody>
-          <a:bodyPr wrap="square" lIns="0" tIns="0" rIns="0" bIns="0" rtlCol="0" anchor="t"/>
-          <a:lstStyle/>
-          <a:p>
-            <a:pPr marL="342900" indent="-342900" algn="l">
-              <a:lnSpc>
-                <a:spcPts val="2850"/>
-              </a:lnSpc>
-              <a:buSzPct val="100000"/>
-              <a:buChar char="•"/>
-            </a:pPr>
-            <a:r>
-              <a:rPr lang="en-US" sz="1750" dirty="0">
-                <a:solidFill>
-                  <a:srgbClr val="BFBFBF"/>
-                </a:solidFill>
-                <a:latin typeface="Open Sans" pitchFamily="34" charset="0"/>
-                <a:ea typeface="Open Sans" pitchFamily="34" charset="-122"/>
-                <a:cs typeface="Open Sans" pitchFamily="34" charset="-120"/>
-              </a:rPr>
-              <a:t>Generación de reportes históricos</a:t>
-            </a:r>
-            <a:endParaRPr lang="en-US" sz="1750" dirty="0"/>
-          </a:p>
-        </p:txBody>
-      </p:sp>
-      <p:pic>
-        <p:nvPicPr>
-          <p:cNvPr id="7" name="Image 0" descr="preencoded.png"/>
-          <p:cNvPicPr>
-            <a:picLocks noChangeAspect="1"/>
-          </p:cNvPicPr>
-          <p:nvPr/>
-        </p:nvPicPr>
-        <p:blipFill>
-          <a:blip r:embed="rId3"/>
-          <a:stretch>
-            <a:fillRect/>
-          </a:stretch>
-        </p:blipFill>
-        <p:spPr>
-          <a:xfrm>
-            <a:off x="5032653" y="2413516"/>
-            <a:ext cx="4564975" cy="4564975"/>
-          </a:xfrm>
-          <a:prstGeom prst="rect">
-            <a:avLst/>
-          </a:prstGeom>
-        </p:spPr>
-      </p:pic>
-      <p:pic>
-        <p:nvPicPr>
-          <p:cNvPr id="8" name="Image 1" descr="preencoded.png"/>
-          <p:cNvPicPr>
-            <a:picLocks noChangeAspect="1"/>
-          </p:cNvPicPr>
-          <p:nvPr/>
-        </p:nvPicPr>
-        <p:blipFill>
-          <a:blip r:embed="rId4"/>
-          <a:stretch>
-            <a:fillRect/>
-          </a:stretch>
-        </p:blipFill>
-        <p:spPr>
-          <a:xfrm>
-            <a:off x="5980033" y="4496633"/>
-            <a:ext cx="318968" cy="398621"/>
-          </a:xfrm>
-          <a:prstGeom prst="rect">
-            <a:avLst/>
-          </a:prstGeom>
-        </p:spPr>
-      </p:pic>
-      <p:sp>
-        <p:nvSpPr>
-          <p:cNvPr id="9" name="Text 5"/>
-          <p:cNvSpPr/>
-          <p:nvPr/>
-        </p:nvSpPr>
-        <p:spPr>
-          <a:xfrm>
-            <a:off x="9597628" y="2062401"/>
-            <a:ext cx="2835235" cy="354330"/>
-          </a:xfrm>
-          <a:prstGeom prst="rect">
-            <a:avLst/>
-          </a:prstGeom>
-          <a:noFill/>
-          <a:ln/>
-        </p:spPr>
-        <p:txBody>
-          <a:bodyPr wrap="none" lIns="0" tIns="0" rIns="0" bIns="0" rtlCol="0" anchor="t"/>
-          <a:lstStyle/>
-          <a:p>
-            <a:pPr marL="0" indent="0" algn="l">
-              <a:lnSpc>
-                <a:spcPts val="2750"/>
-              </a:lnSpc>
-              <a:buNone/>
-            </a:pPr>
-            <a:r>
-              <a:rPr lang="en-US" sz="2200" dirty="0">
-                <a:solidFill>
-                  <a:srgbClr val="BFBFBF"/>
-                </a:solidFill>
-                <a:latin typeface="Instrument Sans Medium" pitchFamily="34" charset="0"/>
-                <a:ea typeface="Instrument Sans Medium" pitchFamily="34" charset="-122"/>
-                <a:cs typeface="Instrument Sans Medium" pitchFamily="34" charset="-120"/>
-              </a:rPr>
-              <a:t>Eficiencia operativa</a:t>
-            </a:r>
-            <a:endParaRPr lang="en-US" sz="2200" dirty="0"/>
-          </a:p>
-        </p:txBody>
-      </p:sp>
-      <p:sp>
-        <p:nvSpPr>
-          <p:cNvPr id="10" name="Text 6"/>
-          <p:cNvSpPr/>
-          <p:nvPr/>
-        </p:nvSpPr>
-        <p:spPr>
-          <a:xfrm>
-            <a:off x="9597628" y="2552819"/>
-            <a:ext cx="4238982" cy="725805"/>
-          </a:xfrm>
-          <a:prstGeom prst="rect">
-            <a:avLst/>
-          </a:prstGeom>
-          <a:noFill/>
-          <a:ln/>
-        </p:spPr>
-        <p:txBody>
-          <a:bodyPr wrap="square" lIns="0" tIns="0" rIns="0" bIns="0" rtlCol="0" anchor="t"/>
-          <a:lstStyle/>
-          <a:p>
-            <a:pPr marL="342900" indent="-342900" algn="l">
-              <a:lnSpc>
-                <a:spcPts val="2850"/>
-              </a:lnSpc>
-              <a:buSzPct val="100000"/>
-              <a:buChar char="•"/>
-            </a:pPr>
-            <a:r>
-              <a:rPr lang="en-US" sz="1750" dirty="0">
-                <a:solidFill>
-                  <a:srgbClr val="BFBFBF"/>
-                </a:solidFill>
-                <a:latin typeface="Open Sans" pitchFamily="34" charset="0"/>
-                <a:ea typeface="Open Sans" pitchFamily="34" charset="-122"/>
-                <a:cs typeface="Open Sans" pitchFamily="34" charset="-120"/>
-              </a:rPr>
-              <a:t>Número de errores en los despachos</a:t>
-            </a:r>
-            <a:endParaRPr lang="en-US" sz="1750" dirty="0"/>
-          </a:p>
-        </p:txBody>
-      </p:sp>
-      <p:sp>
-        <p:nvSpPr>
-          <p:cNvPr id="11" name="Text 7"/>
-          <p:cNvSpPr/>
-          <p:nvPr/>
-        </p:nvSpPr>
-        <p:spPr>
-          <a:xfrm>
-            <a:off x="9597628" y="3357920"/>
-            <a:ext cx="4238982" cy="362903"/>
-          </a:xfrm>
-          <a:prstGeom prst="rect">
-            <a:avLst/>
-          </a:prstGeom>
-          <a:noFill/>
-          <a:ln/>
-        </p:spPr>
-        <p:txBody>
-          <a:bodyPr wrap="none" lIns="0" tIns="0" rIns="0" bIns="0" rtlCol="0" anchor="t"/>
-          <a:lstStyle/>
-          <a:p>
-            <a:pPr marL="342900" indent="-342900" algn="l">
-              <a:lnSpc>
-                <a:spcPts val="2850"/>
-              </a:lnSpc>
-              <a:buSzPct val="100000"/>
-              <a:buChar char="•"/>
-            </a:pPr>
-            <a:r>
-              <a:rPr lang="en-US" sz="1750" dirty="0">
-                <a:solidFill>
-                  <a:srgbClr val="BFBFBF"/>
-                </a:solidFill>
-                <a:latin typeface="Open Sans" pitchFamily="34" charset="0"/>
-                <a:ea typeface="Open Sans" pitchFamily="34" charset="-122"/>
-                <a:cs typeface="Open Sans" pitchFamily="34" charset="-120"/>
-              </a:rPr>
-              <a:t>Tiempo promedio de entrega</a:t>
-            </a:r>
-            <a:endParaRPr lang="en-US" sz="1750" dirty="0"/>
-          </a:p>
-        </p:txBody>
-      </p:sp>
-      <p:sp>
-        <p:nvSpPr>
-          <p:cNvPr id="12" name="Text 8"/>
-          <p:cNvSpPr/>
-          <p:nvPr/>
-        </p:nvSpPr>
-        <p:spPr>
-          <a:xfrm>
-            <a:off x="9597628" y="3800118"/>
-            <a:ext cx="4238982" cy="362903"/>
-          </a:xfrm>
-          <a:prstGeom prst="rect">
-            <a:avLst/>
-          </a:prstGeom>
-          <a:noFill/>
-          <a:ln/>
-        </p:spPr>
-        <p:txBody>
-          <a:bodyPr wrap="none" lIns="0" tIns="0" rIns="0" bIns="0" rtlCol="0" anchor="t"/>
-          <a:lstStyle/>
-          <a:p>
-            <a:pPr marL="342900" indent="-342900" algn="l">
-              <a:lnSpc>
-                <a:spcPts val="2850"/>
-              </a:lnSpc>
-              <a:buSzPct val="100000"/>
-              <a:buChar char="•"/>
-            </a:pPr>
-            <a:r>
-              <a:rPr lang="en-US" sz="1750" dirty="0">
-                <a:solidFill>
-                  <a:srgbClr val="BFBFBF"/>
-                </a:solidFill>
-                <a:latin typeface="Open Sans" pitchFamily="34" charset="0"/>
-                <a:ea typeface="Open Sans" pitchFamily="34" charset="-122"/>
-                <a:cs typeface="Open Sans" pitchFamily="34" charset="-120"/>
-              </a:rPr>
-              <a:t>Coordinación entre áreas</a:t>
-            </a:r>
-            <a:endParaRPr lang="en-US" sz="1750" dirty="0"/>
-          </a:p>
-        </p:txBody>
-      </p:sp>
-      <p:pic>
-        <p:nvPicPr>
-          <p:cNvPr id="13" name="Image 2" descr="preencoded.png"/>
-          <p:cNvPicPr>
-            <a:picLocks noChangeAspect="1"/>
-          </p:cNvPicPr>
-          <p:nvPr/>
-        </p:nvPicPr>
-        <p:blipFill>
-          <a:blip r:embed="rId5"/>
-          <a:stretch>
-            <a:fillRect/>
-          </a:stretch>
-        </p:blipFill>
-        <p:spPr>
-          <a:xfrm>
-            <a:off x="5032653" y="2413516"/>
-            <a:ext cx="4564975" cy="4564975"/>
-          </a:xfrm>
-          <a:prstGeom prst="rect">
-            <a:avLst/>
-          </a:prstGeom>
-        </p:spPr>
-      </p:pic>
-      <p:pic>
-        <p:nvPicPr>
-          <p:cNvPr id="14" name="Image 3" descr="preencoded.png"/>
-          <p:cNvPicPr>
-            <a:picLocks noChangeAspect="1"/>
-          </p:cNvPicPr>
-          <p:nvPr/>
-        </p:nvPicPr>
-        <p:blipFill>
-          <a:blip r:embed="rId6"/>
-          <a:stretch>
-            <a:fillRect/>
-          </a:stretch>
-        </p:blipFill>
-        <p:spPr>
-          <a:xfrm>
-            <a:off x="7743230" y="3478649"/>
-            <a:ext cx="318968" cy="398621"/>
-          </a:xfrm>
-          <a:prstGeom prst="rect">
-            <a:avLst/>
-          </a:prstGeom>
-        </p:spPr>
-      </p:pic>
-      <p:sp>
-        <p:nvSpPr>
-          <p:cNvPr id="15" name="Text 9"/>
-          <p:cNvSpPr/>
-          <p:nvPr/>
-        </p:nvSpPr>
-        <p:spPr>
-          <a:xfrm>
-            <a:off x="9597628" y="4503182"/>
-            <a:ext cx="3015615" cy="354330"/>
-          </a:xfrm>
-          <a:prstGeom prst="rect">
-            <a:avLst/>
-          </a:prstGeom>
-          <a:noFill/>
-          <a:ln/>
-        </p:spPr>
-        <p:txBody>
-          <a:bodyPr wrap="none" lIns="0" tIns="0" rIns="0" bIns="0" rtlCol="0" anchor="t"/>
-          <a:lstStyle/>
-          <a:p>
-            <a:pPr marL="0" indent="0" algn="l">
-              <a:lnSpc>
-                <a:spcPts val="2750"/>
-              </a:lnSpc>
-              <a:buNone/>
-            </a:pPr>
-            <a:r>
-              <a:rPr lang="en-US" sz="2200" dirty="0">
-                <a:solidFill>
-                  <a:srgbClr val="BFBFBF"/>
-                </a:solidFill>
-                <a:latin typeface="Instrument Sans Medium" pitchFamily="34" charset="0"/>
-                <a:ea typeface="Instrument Sans Medium" pitchFamily="34" charset="-122"/>
-                <a:cs typeface="Instrument Sans Medium" pitchFamily="34" charset="-120"/>
-              </a:rPr>
-              <a:t>Satisfacción del cliente</a:t>
-            </a:r>
-            <a:endParaRPr lang="en-US" sz="2200" dirty="0"/>
-          </a:p>
-        </p:txBody>
-      </p:sp>
-      <p:sp>
-        <p:nvSpPr>
-          <p:cNvPr id="16" name="Text 10"/>
-          <p:cNvSpPr/>
-          <p:nvPr/>
-        </p:nvSpPr>
-        <p:spPr>
-          <a:xfrm>
-            <a:off x="9597628" y="4993600"/>
-            <a:ext cx="4238982" cy="725805"/>
-          </a:xfrm>
-          <a:prstGeom prst="rect">
-            <a:avLst/>
-          </a:prstGeom>
-          <a:noFill/>
-          <a:ln/>
-        </p:spPr>
-        <p:txBody>
-          <a:bodyPr wrap="square" lIns="0" tIns="0" rIns="0" bIns="0" rtlCol="0" anchor="t"/>
-          <a:lstStyle/>
-          <a:p>
-            <a:pPr marL="342900" indent="-342900" algn="l">
-              <a:lnSpc>
-                <a:spcPts val="2850"/>
-              </a:lnSpc>
-              <a:buSzPct val="100000"/>
-              <a:buChar char="•"/>
-            </a:pPr>
-            <a:r>
-              <a:rPr lang="en-US" sz="1750" dirty="0">
-                <a:solidFill>
-                  <a:srgbClr val="BFBFBF"/>
-                </a:solidFill>
-                <a:latin typeface="Open Sans" pitchFamily="34" charset="0"/>
-                <a:ea typeface="Open Sans" pitchFamily="34" charset="-122"/>
-                <a:cs typeface="Open Sans" pitchFamily="34" charset="-120"/>
-              </a:rPr>
-              <a:t>Nivel de reclamos por despachos incompletos</a:t>
-            </a:r>
-            <a:endParaRPr lang="en-US" sz="1750" dirty="0"/>
-          </a:p>
-        </p:txBody>
-      </p:sp>
-      <p:sp>
-        <p:nvSpPr>
-          <p:cNvPr id="17" name="Text 11"/>
-          <p:cNvSpPr/>
-          <p:nvPr/>
-        </p:nvSpPr>
-        <p:spPr>
-          <a:xfrm>
-            <a:off x="9597628" y="5798701"/>
-            <a:ext cx="4238982" cy="725805"/>
-          </a:xfrm>
-          <a:prstGeom prst="rect">
-            <a:avLst/>
-          </a:prstGeom>
-          <a:noFill/>
-          <a:ln/>
-        </p:spPr>
-        <p:txBody>
-          <a:bodyPr wrap="square" lIns="0" tIns="0" rIns="0" bIns="0" rtlCol="0" anchor="t"/>
-          <a:lstStyle/>
-          <a:p>
-            <a:pPr marL="342900" indent="-342900" algn="l">
-              <a:lnSpc>
-                <a:spcPts val="2850"/>
-              </a:lnSpc>
-              <a:buSzPct val="100000"/>
-              <a:buChar char="•"/>
-            </a:pPr>
-            <a:r>
-              <a:rPr lang="en-US" sz="1750" dirty="0">
-                <a:solidFill>
-                  <a:srgbClr val="BFBFBF"/>
-                </a:solidFill>
-                <a:latin typeface="Open Sans" pitchFamily="34" charset="0"/>
-                <a:ea typeface="Open Sans" pitchFamily="34" charset="-122"/>
-                <a:cs typeface="Open Sans" pitchFamily="34" charset="-120"/>
-              </a:rPr>
-              <a:t>Resultados de encuestas de satisfacción</a:t>
-            </a:r>
-            <a:endParaRPr lang="en-US" sz="1750" dirty="0"/>
-          </a:p>
-        </p:txBody>
-      </p:sp>
-      <p:sp>
-        <p:nvSpPr>
-          <p:cNvPr id="18" name="Text 12"/>
-          <p:cNvSpPr/>
-          <p:nvPr/>
-        </p:nvSpPr>
-        <p:spPr>
-          <a:xfrm>
-            <a:off x="9597628" y="6603802"/>
-            <a:ext cx="4238982" cy="725805"/>
-          </a:xfrm>
-          <a:prstGeom prst="rect">
-            <a:avLst/>
-          </a:prstGeom>
-          <a:noFill/>
-          <a:ln/>
-        </p:spPr>
-        <p:txBody>
-          <a:bodyPr wrap="square" lIns="0" tIns="0" rIns="0" bIns="0" rtlCol="0" anchor="t"/>
-          <a:lstStyle/>
-          <a:p>
-            <a:pPr marL="342900" indent="-342900" algn="l">
-              <a:lnSpc>
-                <a:spcPts val="2850"/>
-              </a:lnSpc>
-              <a:buSzPct val="100000"/>
-              <a:buChar char="•"/>
-            </a:pPr>
-            <a:r>
-              <a:rPr lang="en-US" sz="1750" dirty="0">
-                <a:solidFill>
-                  <a:srgbClr val="BFBFBF"/>
-                </a:solidFill>
-                <a:latin typeface="Open Sans" pitchFamily="34" charset="0"/>
-                <a:ea typeface="Open Sans" pitchFamily="34" charset="-122"/>
-                <a:cs typeface="Open Sans" pitchFamily="34" charset="-120"/>
-              </a:rPr>
-              <a:t>Tiempos de respuesta ante errores o consultas</a:t>
-            </a:r>
-            <a:endParaRPr lang="en-US" sz="1750" dirty="0"/>
-          </a:p>
-        </p:txBody>
-      </p:sp>
-      <p:pic>
-        <p:nvPicPr>
-          <p:cNvPr id="19" name="Image 4" descr="preencoded.png"/>
-          <p:cNvPicPr>
-            <a:picLocks noChangeAspect="1"/>
-          </p:cNvPicPr>
-          <p:nvPr/>
-        </p:nvPicPr>
-        <p:blipFill>
-          <a:blip r:embed="rId7"/>
-          <a:stretch>
-            <a:fillRect/>
-          </a:stretch>
-        </p:blipFill>
-        <p:spPr>
-          <a:xfrm>
-            <a:off x="5032653" y="2413516"/>
-            <a:ext cx="4564975" cy="4564975"/>
-          </a:xfrm>
-          <a:prstGeom prst="rect">
-            <a:avLst/>
-          </a:prstGeom>
-        </p:spPr>
-      </p:pic>
-      <p:pic>
-        <p:nvPicPr>
-          <p:cNvPr id="20" name="Image 5" descr="preencoded.png"/>
-          <p:cNvPicPr>
-            <a:picLocks noChangeAspect="1"/>
-          </p:cNvPicPr>
-          <p:nvPr/>
-        </p:nvPicPr>
-        <p:blipFill>
-          <a:blip r:embed="rId8"/>
-          <a:stretch>
-            <a:fillRect/>
-          </a:stretch>
-        </p:blipFill>
-        <p:spPr>
-          <a:xfrm>
-            <a:off x="7743230" y="5514618"/>
-            <a:ext cx="318968" cy="398621"/>
-          </a:xfrm>
-          <a:prstGeom prst="rect">
-            <a:avLst/>
-          </a:prstGeom>
-        </p:spPr>
-      </p:pic>
-      <p:pic>
-        <p:nvPicPr>
-          <p:cNvPr id="21" name="Picture 20">
-            <a:extLst>
-              <a:ext uri="{FF2B5EF4-FFF2-40B4-BE49-F238E27FC236}">
-                <a16:creationId xmlns:a16="http://schemas.microsoft.com/office/drawing/2014/main" id="{86A3AF7A-F356-980C-7A61-A13A96BA4EE9}"/>
-              </a:ext>
-            </a:extLst>
-          </p:cNvPr>
-          <p:cNvPicPr>
-            <a:picLocks noChangeAspect="1"/>
-          </p:cNvPicPr>
-          <p:nvPr/>
-        </p:nvPicPr>
-        <p:blipFill>
-          <a:blip r:embed="rId9"/>
-          <a:stretch>
-            <a:fillRect/>
-          </a:stretch>
-        </p:blipFill>
-        <p:spPr>
-          <a:xfrm>
-            <a:off x="12863245" y="7647811"/>
-            <a:ext cx="1664025" cy="516422"/>
-          </a:xfrm>
-          <a:prstGeom prst="rect">
-            <a:avLst/>
-          </a:prstGeom>
-        </p:spPr>
-      </p:pic>
-    </p:spTree>
-  </p:cSld>
-  <p:clrMapOvr>
-    <a:masterClrMapping/>
-  </p:clrMapOvr>
-</p:sld>
-</file>
-
-<file path=ppt/slides/slide7.xml><?xml version="1.0" encoding="utf-8"?>
 <p:sld xmlns:a="http://schemas.openxmlformats.org/drawingml/2006/main" xmlns:r="http://schemas.openxmlformats.org/officeDocument/2006/relationships" xmlns:p="http://schemas.openxmlformats.org/presentationml/2006/main">
   <p:cSld name="Slide 6">
     <p:spTree>
@@ -11251,7 +8774,7 @@
         </p:nvSpPr>
         <p:spPr>
           <a:xfrm>
-            <a:off x="793790" y="1286828"/>
+            <a:off x="878860" y="880971"/>
             <a:ext cx="7738110" cy="708779"/>
           </a:xfrm>
           <a:prstGeom prst="rect">
@@ -11271,7 +8794,7 @@
               <a:buNone/>
             </a:pPr>
             <a:r>
-              <a:rPr lang="en-US" sz="4450" dirty="0">
+              <a:rPr lang="es-419" sz="4450" noProof="0" dirty="0">
                 <a:solidFill>
                   <a:srgbClr val="FEFEFE"/>
                 </a:solidFill>
@@ -11281,7 +8804,7 @@
               </a:rPr>
               <a:t>Metodología de Investigación</a:t>
             </a:r>
-            <a:endParaRPr lang="en-US" sz="4450" dirty="0"/>
+            <a:endParaRPr lang="es-419" sz="4450" noProof="0" dirty="0"/>
           </a:p>
         </p:txBody>
       </p:sp>
@@ -11306,6 +8829,13 @@
           </a:solidFill>
           <a:ln/>
         </p:spPr>
+        <p:txBody>
+          <a:bodyPr/>
+          <a:lstStyle/>
+          <a:p>
+            <a:endParaRPr lang="es-419" noProof="0" dirty="0"/>
+          </a:p>
+        </p:txBody>
       </p:sp>
       <p:pic>
         <p:nvPicPr>
@@ -11359,7 +8889,7 @@
               <a:buNone/>
             </a:pPr>
             <a:r>
-              <a:rPr lang="en-US" sz="2200" dirty="0">
+              <a:rPr lang="es-419" sz="2200" noProof="0" dirty="0">
                 <a:solidFill>
                   <a:srgbClr val="BFBFBF"/>
                 </a:solidFill>
@@ -11369,7 +8899,7 @@
               </a:rPr>
               <a:t>Tipo de investigación</a:t>
             </a:r>
-            <a:endParaRPr lang="en-US" sz="2200" dirty="0"/>
+            <a:endParaRPr lang="es-419" sz="2200" noProof="0" dirty="0"/>
           </a:p>
         </p:txBody>
       </p:sp>
@@ -11401,7 +8931,7 @@
               <a:buNone/>
             </a:pPr>
             <a:r>
-              <a:rPr lang="en-US" sz="1750" dirty="0">
+              <a:rPr lang="es-419" sz="1750" noProof="0" dirty="0">
                 <a:solidFill>
                   <a:srgbClr val="BFBFBF"/>
                 </a:solidFill>
@@ -11411,7 +8941,7 @@
               </a:rPr>
               <a:t>Investigación cuantitativa de enfoque descriptivo, que permite recopilar datos objetivos para evaluar la eficiencia operativa y la satisfacción del cliente antes y después de implementar el sistema.</a:t>
             </a:r>
-            <a:endParaRPr lang="en-US" sz="1750" dirty="0"/>
+            <a:endParaRPr lang="es-419" sz="1750" noProof="0" dirty="0"/>
           </a:p>
         </p:txBody>
       </p:sp>
@@ -11436,6 +8966,13 @@
           </a:solidFill>
           <a:ln/>
         </p:spPr>
+        <p:txBody>
+          <a:bodyPr/>
+          <a:lstStyle/>
+          <a:p>
+            <a:endParaRPr lang="es-419" noProof="0" dirty="0"/>
+          </a:p>
+        </p:txBody>
       </p:sp>
       <p:pic>
         <p:nvPicPr>
@@ -11489,7 +9026,7 @@
               <a:buNone/>
             </a:pPr>
             <a:r>
-              <a:rPr lang="en-US" sz="2200" dirty="0">
+              <a:rPr lang="es-419" sz="2200" noProof="0" dirty="0">
                 <a:solidFill>
                   <a:srgbClr val="BFBFBF"/>
                 </a:solidFill>
@@ -11499,7 +9036,7 @@
               </a:rPr>
               <a:t>Diseño de investigación</a:t>
             </a:r>
-            <a:endParaRPr lang="en-US" sz="2200" dirty="0"/>
+            <a:endParaRPr lang="es-419" sz="2200" noProof="0" dirty="0"/>
           </a:p>
         </p:txBody>
       </p:sp>
@@ -11531,7 +9068,7 @@
               <a:buNone/>
             </a:pPr>
             <a:r>
-              <a:rPr lang="en-US" sz="1750" dirty="0">
+              <a:rPr lang="es-419" sz="1750" noProof="0" dirty="0">
                 <a:solidFill>
                   <a:srgbClr val="BFBFBF"/>
                 </a:solidFill>
@@ -11541,7 +9078,7 @@
               </a:rPr>
               <a:t>Diseño no experimental y longitudinal, observando y midiendo los cambios en el sistema real a lo largo del tiempo, antes y después de la intervención, respetando los ritmos reales de trabajo.</a:t>
             </a:r>
-            <a:endParaRPr lang="en-US" sz="1750" dirty="0"/>
+            <a:endParaRPr lang="es-419" sz="1750" noProof="0" dirty="0"/>
           </a:p>
         </p:txBody>
       </p:sp>
@@ -11566,6 +9103,13 @@
           </a:solidFill>
           <a:ln/>
         </p:spPr>
+        <p:txBody>
+          <a:bodyPr/>
+          <a:lstStyle/>
+          <a:p>
+            <a:endParaRPr lang="es-419" noProof="0" dirty="0"/>
+          </a:p>
+        </p:txBody>
       </p:sp>
       <p:pic>
         <p:nvPicPr>
@@ -11619,7 +9163,7 @@
               <a:buNone/>
             </a:pPr>
             <a:r>
-              <a:rPr lang="en-US" sz="2200" dirty="0">
+              <a:rPr lang="es-419" sz="2200" noProof="0" dirty="0">
                 <a:solidFill>
                   <a:srgbClr val="BFBFBF"/>
                 </a:solidFill>
@@ -11629,7 +9173,7 @@
               </a:rPr>
               <a:t>Población y muestra</a:t>
             </a:r>
-            <a:endParaRPr lang="en-US" sz="2200" dirty="0"/>
+            <a:endParaRPr lang="es-419" sz="2200" noProof="0" dirty="0"/>
           </a:p>
         </p:txBody>
       </p:sp>
@@ -11661,7 +9205,7 @@
               <a:buNone/>
             </a:pPr>
             <a:r>
-              <a:rPr lang="en-US" sz="1750" dirty="0">
+              <a:rPr lang="es-419" sz="1750" noProof="0" dirty="0">
                 <a:solidFill>
                   <a:srgbClr val="BFBFBF"/>
                 </a:solidFill>
@@ -11671,7 +9215,7 @@
               </a:rPr>
               <a:t>La población objetivo son los trabajadores que participan directamente en el proceso de gestión de despachos (aproximadamente 12 personas). Se utilizará una muestra censal (100% de la población).</a:t>
             </a:r>
-            <a:endParaRPr lang="en-US" sz="1750" dirty="0"/>
+            <a:endParaRPr lang="es-419" sz="1750" noProof="0" dirty="0"/>
           </a:p>
         </p:txBody>
       </p:sp>
@@ -11696,6 +9240,13 @@
           </a:solidFill>
           <a:ln/>
         </p:spPr>
+        <p:txBody>
+          <a:bodyPr/>
+          <a:lstStyle/>
+          <a:p>
+            <a:endParaRPr lang="es-419" noProof="0" dirty="0"/>
+          </a:p>
+        </p:txBody>
       </p:sp>
       <p:pic>
         <p:nvPicPr>
@@ -11749,7 +9300,7 @@
               <a:buNone/>
             </a:pPr>
             <a:r>
-              <a:rPr lang="en-US" sz="2200" dirty="0">
+              <a:rPr lang="es-419" sz="2200" noProof="0" dirty="0">
                 <a:solidFill>
                   <a:srgbClr val="BFBFBF"/>
                 </a:solidFill>
@@ -11759,7 +9310,7 @@
               </a:rPr>
               <a:t>Técnicas e instrumentos</a:t>
             </a:r>
-            <a:endParaRPr lang="en-US" sz="2200" dirty="0"/>
+            <a:endParaRPr lang="es-419" sz="2200" noProof="0" dirty="0"/>
           </a:p>
         </p:txBody>
       </p:sp>
@@ -11791,7 +9342,7 @@
               <a:buNone/>
             </a:pPr>
             <a:r>
-              <a:rPr lang="en-US" sz="1750" dirty="0">
+              <a:rPr lang="es-419" sz="1750" noProof="0" dirty="0">
                 <a:solidFill>
                   <a:srgbClr val="BFBFBF"/>
                 </a:solidFill>
@@ -11801,7 +9352,7 @@
               </a:rPr>
               <a:t>Se utilizará una encuesta estructurada con escala Likert de 5 puntos para medir la eficiencia operativa y la satisfacción del usuario con el nuevo sistema.</a:t>
             </a:r>
-            <a:endParaRPr lang="en-US" sz="1750" dirty="0"/>
+            <a:endParaRPr lang="es-419" sz="1750" noProof="0" dirty="0"/>
           </a:p>
         </p:txBody>
       </p:sp>
@@ -11843,7 +9394,7 @@
 </p:sld>
 </file>
 
-<file path=ppt/slides/slide8.xml><?xml version="1.0" encoding="utf-8"?>
+<file path=ppt/slides/slide6.xml><?xml version="1.0" encoding="utf-8"?>
 <p:sld xmlns:a="http://schemas.openxmlformats.org/drawingml/2006/main" xmlns:r="http://schemas.openxmlformats.org/officeDocument/2006/relationships" xmlns:p="http://schemas.openxmlformats.org/presentationml/2006/main">
   <p:cSld name="Slide 7">
     <p:spTree>
@@ -11912,7 +9463,7 @@
               <a:buNone/>
             </a:pPr>
             <a:r>
-              <a:rPr lang="en-US" sz="3850" dirty="0">
+              <a:rPr lang="es-419" sz="3850" noProof="0" dirty="0">
                 <a:solidFill>
                   <a:srgbClr val="FEFEFE"/>
                 </a:solidFill>
@@ -11920,9 +9471,31 @@
                 <a:ea typeface="Instrument Sans Medium" pitchFamily="34" charset="-122"/>
                 <a:cs typeface="Instrument Sans Medium" pitchFamily="34" charset="-120"/>
               </a:rPr>
-              <a:t>Metodología de Desarrollo del Proyecto</a:t>
-            </a:r>
-            <a:endParaRPr lang="en-US" sz="3850" dirty="0"/>
+              <a:t>Metodología de Desarrollo e implementación del  </a:t>
+            </a:r>
+            <a:r>
+              <a:rPr lang="es-419" sz="3850" dirty="0">
+                <a:solidFill>
+                  <a:srgbClr val="FEFEFE"/>
+                </a:solidFill>
+                <a:latin typeface="Instrument Sans Medium" pitchFamily="34" charset="0"/>
+                <a:ea typeface="Instrument Sans Medium" pitchFamily="34" charset="-122"/>
+                <a:cs typeface="Instrument Sans Medium" pitchFamily="34" charset="-120"/>
+              </a:rPr>
+              <a:t>p</a:t>
+            </a:r>
+            <a:r>
+              <a:rPr lang="es-419" sz="3850" noProof="0" dirty="0" err="1">
+                <a:solidFill>
+                  <a:srgbClr val="FEFEFE"/>
+                </a:solidFill>
+                <a:latin typeface="Instrument Sans Medium" pitchFamily="34" charset="0"/>
+                <a:ea typeface="Instrument Sans Medium" pitchFamily="34" charset="-122"/>
+                <a:cs typeface="Instrument Sans Medium" pitchFamily="34" charset="-120"/>
+              </a:rPr>
+              <a:t>royecto</a:t>
+            </a:r>
+            <a:endParaRPr lang="es-419" sz="3850" noProof="0" dirty="0"/>
           </a:p>
         </p:txBody>
       </p:sp>
@@ -11947,6 +9520,13 @@
           </a:solidFill>
           <a:ln/>
         </p:spPr>
+        <p:txBody>
+          <a:bodyPr/>
+          <a:lstStyle/>
+          <a:p>
+            <a:endParaRPr lang="es-419" noProof="0" dirty="0"/>
+          </a:p>
+        </p:txBody>
       </p:sp>
       <p:sp>
         <p:nvSpPr>
@@ -11976,7 +9556,7 @@
               <a:buNone/>
             </a:pPr>
             <a:r>
-              <a:rPr lang="en-US" sz="1900" dirty="0">
+              <a:rPr lang="es-419" sz="1900" noProof="0" dirty="0">
                 <a:solidFill>
                   <a:srgbClr val="BFBFBF"/>
                 </a:solidFill>
@@ -11986,7 +9566,7 @@
               </a:rPr>
               <a:t>Inicio y Diseño</a:t>
             </a:r>
-            <a:endParaRPr lang="en-US" sz="1900" dirty="0"/>
+            <a:endParaRPr lang="es-419" sz="1900" noProof="0" dirty="0"/>
           </a:p>
         </p:txBody>
       </p:sp>
@@ -12018,7 +9598,7 @@
               <a:buNone/>
             </a:pPr>
             <a:r>
-              <a:rPr lang="en-US" sz="1500" dirty="0">
+              <a:rPr lang="es-419" sz="1500" noProof="0" dirty="0">
                 <a:solidFill>
                   <a:srgbClr val="BFBFBF"/>
                 </a:solidFill>
@@ -12028,7 +9608,7 @@
               </a:rPr>
               <a:t>Reunión con equipos de ventas y despacho para levantar requerimientos. Análisis de procesos actuales y detección de puntos críticos. Definición del alcance del sistema (MVP). Creación del backlog inicial. Diseño de la interfaz y arquitectura del sistema.</a:t>
             </a:r>
-            <a:endParaRPr lang="en-US" sz="1500" dirty="0"/>
+            <a:endParaRPr lang="es-419" sz="1500" noProof="0" dirty="0"/>
           </a:p>
         </p:txBody>
       </p:sp>
@@ -12053,6 +9633,13 @@
           </a:solidFill>
           <a:ln/>
         </p:spPr>
+        <p:txBody>
+          <a:bodyPr/>
+          <a:lstStyle/>
+          <a:p>
+            <a:endParaRPr lang="es-419" noProof="0" dirty="0"/>
+          </a:p>
+        </p:txBody>
       </p:sp>
       <p:sp>
         <p:nvSpPr>
@@ -12062,7 +9649,7 @@
         </p:nvSpPr>
         <p:spPr>
           <a:xfrm>
-            <a:off x="6909673" y="3938588"/>
+            <a:off x="6909673" y="4245293"/>
             <a:ext cx="2454354" cy="306705"/>
           </a:xfrm>
           <a:prstGeom prst="rect">
@@ -12082,7 +9669,7 @@
               <a:buNone/>
             </a:pPr>
             <a:r>
-              <a:rPr lang="en-US" sz="1900" dirty="0">
+              <a:rPr lang="es-419" sz="1900" noProof="0" dirty="0">
                 <a:solidFill>
                   <a:srgbClr val="BFBFBF"/>
                 </a:solidFill>
@@ -12092,7 +9679,7 @@
               </a:rPr>
               <a:t>Desarrollo Iterativo</a:t>
             </a:r>
-            <a:endParaRPr lang="en-US" sz="1900" dirty="0"/>
+            <a:endParaRPr lang="es-419" sz="1900" noProof="0" dirty="0"/>
           </a:p>
         </p:txBody>
       </p:sp>
@@ -12104,8 +9691,8 @@
         </p:nvSpPr>
         <p:spPr>
           <a:xfrm>
-            <a:off x="6909673" y="4363045"/>
-            <a:ext cx="7033498" cy="1256348"/>
+            <a:off x="6909792" y="4682305"/>
+            <a:ext cx="7033498" cy="949643"/>
           </a:xfrm>
           <a:prstGeom prst="rect">
             <a:avLst/>
@@ -12124,7 +9711,7 @@
               <a:buNone/>
             </a:pPr>
             <a:r>
-              <a:rPr lang="en-US" sz="1500" dirty="0">
+              <a:rPr lang="es-419" sz="1500" noProof="0" dirty="0">
                 <a:solidFill>
                   <a:srgbClr val="BFBFBF"/>
                 </a:solidFill>
@@ -12132,9 +9719,9 @@
                 <a:ea typeface="Open Sans" pitchFamily="34" charset="-122"/>
                 <a:cs typeface="Open Sans" pitchFamily="34" charset="-120"/>
               </a:rPr>
-              <a:t>Desarrollo de funcionalidades en sprints de 2 semanas (módulo de ingreso de despacho, visualización en tiempo real, generación de reportes). Pruebas unitarias y correcciones. Retroalimentación de usuarios y ajustes según observaciones.</a:t>
-            </a:r>
-            <a:endParaRPr lang="en-US" sz="1500" dirty="0"/>
+              <a:t>Desarrollo de funcionalidades en ciclos iterativos. Pruebas unitarias y correcciones. Retroalimentación de usuarios y ajustes según observaciones.</a:t>
+            </a:r>
+            <a:endParaRPr lang="es-419" sz="1500" noProof="0" dirty="0"/>
           </a:p>
         </p:txBody>
       </p:sp>
@@ -12159,6 +9746,13 @@
           </a:solidFill>
           <a:ln/>
         </p:spPr>
+        <p:txBody>
+          <a:bodyPr/>
+          <a:lstStyle/>
+          <a:p>
+            <a:endParaRPr lang="es-419" noProof="0" dirty="0"/>
+          </a:p>
+        </p:txBody>
       </p:sp>
       <p:sp>
         <p:nvSpPr>
@@ -12188,7 +9782,7 @@
               <a:buNone/>
             </a:pPr>
             <a:r>
-              <a:rPr lang="en-US" sz="1900" dirty="0">
+              <a:rPr lang="es-419" sz="1900" noProof="0" dirty="0">
                 <a:solidFill>
                   <a:srgbClr val="BFBFBF"/>
                 </a:solidFill>
@@ -12198,7 +9792,7 @@
               </a:rPr>
               <a:t>Implementación y Evaluación</a:t>
             </a:r>
-            <a:endParaRPr lang="en-US" sz="1900" dirty="0"/>
+            <a:endParaRPr lang="es-419" sz="1900" noProof="0" dirty="0"/>
           </a:p>
         </p:txBody>
       </p:sp>
@@ -12230,7 +9824,7 @@
               <a:buNone/>
             </a:pPr>
             <a:r>
-              <a:rPr lang="en-US" sz="1500" dirty="0">
+              <a:rPr lang="es-419" sz="1500" noProof="0" dirty="0">
                 <a:solidFill>
                   <a:srgbClr val="BFBFBF"/>
                 </a:solidFill>
@@ -12240,7 +9834,7 @@
               </a:rPr>
               <a:t>Prueba funcional completa del sistema en entorno controlado. Capacitación a usuarios internos. Implementación del sistema en la empresa. Aplicación de encuestas y observación directa. Análisis de métricas y comparación de desempeño.</a:t>
             </a:r>
-            <a:endParaRPr lang="en-US" sz="1500" dirty="0"/>
+            <a:endParaRPr lang="es-419" sz="1500" noProof="0" dirty="0"/>
           </a:p>
         </p:txBody>
       </p:sp>
@@ -12282,7 +9876,7 @@
 </p:sld>
 </file>
 
-<file path=ppt/slides/slide9.xml><?xml version="1.0" encoding="utf-8"?>
+<file path=ppt/slides/slide7.xml><?xml version="1.0" encoding="utf-8"?>
 <p:sld xmlns:a="http://schemas.openxmlformats.org/drawingml/2006/main" xmlns:r="http://schemas.openxmlformats.org/officeDocument/2006/relationships" xmlns:p="http://schemas.openxmlformats.org/presentationml/2006/main">
   <p:cSld name="Slide 8">
     <p:spTree>
@@ -12327,7 +9921,7 @@
               <a:buNone/>
             </a:pPr>
             <a:r>
-              <a:rPr lang="en-US" sz="3000" dirty="0">
+              <a:rPr lang="es-419" sz="3000" noProof="0" dirty="0">
                 <a:solidFill>
                   <a:srgbClr val="FEFEFE"/>
                 </a:solidFill>
@@ -12337,7 +9931,7 @@
               </a:rPr>
               <a:t>Arquitectura del Sistema</a:t>
             </a:r>
-            <a:endParaRPr lang="en-US" sz="3000" dirty="0"/>
+            <a:endParaRPr lang="es-419" sz="3000" noProof="0" dirty="0"/>
           </a:p>
         </p:txBody>
       </p:sp>
@@ -12369,7 +9963,7 @@
               <a:buNone/>
             </a:pPr>
             <a:r>
-              <a:rPr lang="en-US" sz="1500" dirty="0">
+              <a:rPr lang="es-419" sz="1500" noProof="0" dirty="0">
                 <a:solidFill>
                   <a:srgbClr val="FEFEFE"/>
                 </a:solidFill>
@@ -12379,7 +9973,7 @@
               </a:rPr>
               <a:t>Componentes de la Arquitectura</a:t>
             </a:r>
-            <a:endParaRPr lang="en-US" sz="1500" dirty="0"/>
+            <a:endParaRPr lang="es-419" sz="1500" noProof="0" dirty="0"/>
           </a:p>
         </p:txBody>
       </p:sp>
@@ -12411,7 +10005,7 @@
               <a:buNone/>
             </a:pPr>
             <a:r>
-              <a:rPr lang="en-US" sz="1200" dirty="0">
+              <a:rPr lang="es-419" sz="1200" noProof="0" dirty="0">
                 <a:solidFill>
                   <a:srgbClr val="BFBFBF"/>
                 </a:solidFill>
@@ -12421,7 +10015,7 @@
               </a:rPr>
               <a:t>El sistema utiliza una arquitectura basada en capas (cliente-servidor) con los siguientes componentes:</a:t>
             </a:r>
-            <a:endParaRPr lang="en-US" sz="1200" dirty="0"/>
+            <a:endParaRPr lang="es-419" sz="1200" noProof="0" dirty="0"/>
           </a:p>
         </p:txBody>
       </p:sp>
@@ -12454,7 +10048,7 @@
               <a:buChar char="•"/>
             </a:pPr>
             <a:r>
-              <a:rPr lang="en-US" sz="1200" dirty="0">
+              <a:rPr lang="es-419" sz="1200" noProof="0" dirty="0">
                 <a:solidFill>
                   <a:srgbClr val="BFBFBF"/>
                 </a:solidFill>
@@ -12462,9 +10056,31 @@
                 <a:ea typeface="Open Sans" pitchFamily="34" charset="-122"/>
                 <a:cs typeface="Open Sans" pitchFamily="34" charset="-120"/>
               </a:rPr>
-              <a:t>Cliente (Frontend): Interfaz web responsiva (HTML, CSS, JavaScript )</a:t>
-            </a:r>
-            <a:endParaRPr lang="en-US" sz="1200" dirty="0"/>
+              <a:t>Cliente (</a:t>
+            </a:r>
+            <a:r>
+              <a:rPr lang="es-419" sz="1200" noProof="0" dirty="0" err="1">
+                <a:solidFill>
+                  <a:srgbClr val="BFBFBF"/>
+                </a:solidFill>
+                <a:latin typeface="Open Sans" pitchFamily="34" charset="0"/>
+                <a:ea typeface="Open Sans" pitchFamily="34" charset="-122"/>
+                <a:cs typeface="Open Sans" pitchFamily="34" charset="-120"/>
+              </a:rPr>
+              <a:t>Frontend</a:t>
+            </a:r>
+            <a:r>
+              <a:rPr lang="es-419" sz="1200" noProof="0" dirty="0">
+                <a:solidFill>
+                  <a:srgbClr val="BFBFBF"/>
+                </a:solidFill>
+                <a:latin typeface="Open Sans" pitchFamily="34" charset="0"/>
+                <a:ea typeface="Open Sans" pitchFamily="34" charset="-122"/>
+                <a:cs typeface="Open Sans" pitchFamily="34" charset="-120"/>
+              </a:rPr>
+              <a:t>): Interfaz web responsiva (HTML, CSS, JavaScript )</a:t>
+            </a:r>
+            <a:endParaRPr lang="es-419" sz="1200" noProof="0" dirty="0"/>
           </a:p>
         </p:txBody>
       </p:sp>
@@ -12497,7 +10113,7 @@
               <a:buChar char="•"/>
             </a:pPr>
             <a:r>
-              <a:rPr lang="en-US" sz="1200" dirty="0">
+              <a:rPr lang="es-419" sz="1200" noProof="0" dirty="0">
                 <a:solidFill>
                   <a:srgbClr val="BFBFBF"/>
                 </a:solidFill>
@@ -12505,9 +10121,31 @@
                 <a:ea typeface="Open Sans" pitchFamily="34" charset="-122"/>
                 <a:cs typeface="Open Sans" pitchFamily="34" charset="-120"/>
               </a:rPr>
-              <a:t>Servidor Web (Backend): Node.js para manejo de peticiones HTTP, autenticación y comunicación con la base de datos</a:t>
-            </a:r>
-            <a:endParaRPr lang="en-US" sz="1200" dirty="0"/>
+              <a:t>Servidor Web (</a:t>
+            </a:r>
+            <a:r>
+              <a:rPr lang="es-419" sz="1200" noProof="0" dirty="0" err="1">
+                <a:solidFill>
+                  <a:srgbClr val="BFBFBF"/>
+                </a:solidFill>
+                <a:latin typeface="Open Sans" pitchFamily="34" charset="0"/>
+                <a:ea typeface="Open Sans" pitchFamily="34" charset="-122"/>
+                <a:cs typeface="Open Sans" pitchFamily="34" charset="-120"/>
+              </a:rPr>
+              <a:t>Backend</a:t>
+            </a:r>
+            <a:r>
+              <a:rPr lang="es-419" sz="1200" noProof="0" dirty="0">
+                <a:solidFill>
+                  <a:srgbClr val="BFBFBF"/>
+                </a:solidFill>
+                <a:latin typeface="Open Sans" pitchFamily="34" charset="0"/>
+                <a:ea typeface="Open Sans" pitchFamily="34" charset="-122"/>
+                <a:cs typeface="Open Sans" pitchFamily="34" charset="-120"/>
+              </a:rPr>
+              <a:t>): Node.js para manejo de peticiones HTTP, autenticación y comunicación con la base de datos</a:t>
+            </a:r>
+            <a:endParaRPr lang="es-419" sz="1200" noProof="0" dirty="0"/>
           </a:p>
         </p:txBody>
       </p:sp>
@@ -12540,7 +10178,7 @@
               <a:buChar char="•"/>
             </a:pPr>
             <a:r>
-              <a:rPr lang="en-US" sz="1200" dirty="0">
+              <a:rPr lang="es-419" sz="1200" noProof="0" dirty="0">
                 <a:solidFill>
                   <a:srgbClr val="BFBFBF"/>
                 </a:solidFill>
@@ -12551,7 +10189,7 @@
               <a:t>Base de Datos: MongoDB con </a:t>
             </a:r>
             <a:r>
-              <a:rPr lang="en-US" sz="1200" dirty="0" err="1">
+              <a:rPr lang="es-419" sz="1200" noProof="0" dirty="0" err="1">
                 <a:solidFill>
                   <a:srgbClr val="BFBFBF"/>
                 </a:solidFill>
@@ -12562,7 +10200,7 @@
               <a:t>visualizacion</a:t>
             </a:r>
             <a:r>
-              <a:rPr lang="en-US" sz="1200" dirty="0">
+              <a:rPr lang="es-419" sz="1200" noProof="0" dirty="0">
                 <a:solidFill>
                   <a:srgbClr val="BFBFBF"/>
                 </a:solidFill>
@@ -12570,10 +10208,10 @@
                 <a:ea typeface="Open Sans" pitchFamily="34" charset="-122"/>
                 <a:cs typeface="Open Sans" pitchFamily="34" charset="-120"/>
               </a:rPr>
-              <a:t> </a:t>
-            </a:r>
-            <a:r>
-              <a:rPr lang="en-US" sz="1200" dirty="0" err="1">
+              <a:t> en MongoDB </a:t>
+            </a:r>
+            <a:r>
+              <a:rPr lang="es-419" sz="1200" noProof="0" dirty="0" err="1">
                 <a:solidFill>
                   <a:srgbClr val="BFBFBF"/>
                 </a:solidFill>
@@ -12581,20 +10219,9 @@
                 <a:ea typeface="Open Sans" pitchFamily="34" charset="-122"/>
                 <a:cs typeface="Open Sans" pitchFamily="34" charset="-120"/>
               </a:rPr>
-              <a:t>en</a:t>
-            </a:r>
-            <a:r>
-              <a:rPr lang="en-US" sz="1200" dirty="0">
-                <a:solidFill>
-                  <a:srgbClr val="BFBFBF"/>
-                </a:solidFill>
-                <a:latin typeface="Open Sans" pitchFamily="34" charset="0"/>
-                <a:ea typeface="Open Sans" pitchFamily="34" charset="-122"/>
-                <a:cs typeface="Open Sans" pitchFamily="34" charset="-120"/>
-              </a:rPr>
-              <a:t> MongoDB Compass</a:t>
-            </a:r>
-            <a:endParaRPr lang="en-US" sz="1200" dirty="0"/>
+              <a:t>Compass</a:t>
+            </a:r>
+            <a:endParaRPr lang="es-419" sz="1200" noProof="0" dirty="0"/>
           </a:p>
         </p:txBody>
       </p:sp>
@@ -12626,7 +10253,7 @@
               <a:buNone/>
             </a:pPr>
             <a:r>
-              <a:rPr lang="en-US" sz="1500" dirty="0">
+              <a:rPr lang="es-419" sz="1500" noProof="0" dirty="0">
                 <a:solidFill>
                   <a:srgbClr val="FEFEFE"/>
                 </a:solidFill>
@@ -12636,7 +10263,7 @@
               </a:rPr>
               <a:t>Módulos Clave</a:t>
             </a:r>
-            <a:endParaRPr lang="en-US" sz="1500" dirty="0"/>
+            <a:endParaRPr lang="es-419" sz="1500" noProof="0" dirty="0"/>
           </a:p>
         </p:txBody>
       </p:sp>
@@ -12669,7 +10296,7 @@
               <a:buChar char="•"/>
             </a:pPr>
             <a:r>
-              <a:rPr lang="en-US" sz="1200" dirty="0">
+              <a:rPr lang="es-419" sz="1200" noProof="0" dirty="0">
                 <a:solidFill>
                   <a:srgbClr val="BFBFBF"/>
                 </a:solidFill>
@@ -12679,7 +10306,7 @@
               </a:rPr>
               <a:t>Gestión de Despachos: Registro y seguimiento en tiempo real</a:t>
             </a:r>
-            <a:endParaRPr lang="en-US" sz="1200" dirty="0"/>
+            <a:endParaRPr lang="es-419" sz="1200" noProof="0" dirty="0"/>
           </a:p>
         </p:txBody>
       </p:sp>
@@ -12712,7 +10339,7 @@
               <a:buChar char="•"/>
             </a:pPr>
             <a:r>
-              <a:rPr lang="en-US" sz="1200" dirty="0">
+              <a:rPr lang="es-419" sz="1200" noProof="0" dirty="0">
                 <a:solidFill>
                   <a:srgbClr val="BFBFBF"/>
                 </a:solidFill>
@@ -12720,10 +10347,10 @@
                 <a:ea typeface="Open Sans" pitchFamily="34" charset="-122"/>
                 <a:cs typeface="Open Sans" pitchFamily="34" charset="-120"/>
               </a:rPr>
-              <a:t>Inventario: </a:t>
-            </a:r>
-            <a:r>
-              <a:rPr lang="en-US" sz="1200" dirty="0" err="1">
+              <a:t>Inventario: Visualización de stock y </a:t>
+            </a:r>
+            <a:r>
+              <a:rPr lang="es-419" sz="1200" noProof="0" dirty="0" err="1">
                 <a:solidFill>
                   <a:srgbClr val="BFBFBF"/>
                 </a:solidFill>
@@ -12731,31 +10358,9 @@
                 <a:ea typeface="Open Sans" pitchFamily="34" charset="-122"/>
                 <a:cs typeface="Open Sans" pitchFamily="34" charset="-120"/>
               </a:rPr>
-              <a:t>Visualización</a:t>
-            </a:r>
-            <a:r>
-              <a:rPr lang="en-US" sz="1200" dirty="0">
-                <a:solidFill>
-                  <a:srgbClr val="BFBFBF"/>
-                </a:solidFill>
-                <a:latin typeface="Open Sans" pitchFamily="34" charset="0"/>
-                <a:ea typeface="Open Sans" pitchFamily="34" charset="-122"/>
-                <a:cs typeface="Open Sans" pitchFamily="34" charset="-120"/>
-              </a:rPr>
-              <a:t> de stock y </a:t>
-            </a:r>
-            <a:r>
-              <a:rPr lang="en-US" sz="1200" dirty="0" err="1">
-                <a:solidFill>
-                  <a:srgbClr val="BFBFBF"/>
-                </a:solidFill>
-                <a:latin typeface="Open Sans" pitchFamily="34" charset="0"/>
-                <a:ea typeface="Open Sans" pitchFamily="34" charset="-122"/>
-                <a:cs typeface="Open Sans" pitchFamily="34" charset="-120"/>
-              </a:rPr>
               <a:t>envios</a:t>
             </a:r>
-            <a:endParaRPr lang="en-US" sz="1200" dirty="0"/>
+            <a:endParaRPr lang="es-419" sz="1200" noProof="0" dirty="0"/>
           </a:p>
         </p:txBody>
       </p:sp>
@@ -12788,7 +10393,7 @@
               <a:buChar char="•"/>
             </a:pPr>
             <a:r>
-              <a:rPr lang="en-US" sz="1200" dirty="0">
+              <a:rPr lang="es-419" sz="1200" noProof="0" dirty="0">
                 <a:solidFill>
                   <a:srgbClr val="BFBFBF"/>
                 </a:solidFill>
@@ -12796,10 +10401,10 @@
                 <a:ea typeface="Open Sans" pitchFamily="34" charset="-122"/>
                 <a:cs typeface="Open Sans" pitchFamily="34" charset="-120"/>
               </a:rPr>
-              <a:t>Reportes: </a:t>
-            </a:r>
-            <a:r>
-              <a:rPr lang="en-US" sz="1200" dirty="0" err="1">
+              <a:t>Reportes: entrega de </a:t>
+            </a:r>
+            <a:r>
+              <a:rPr lang="es-419" sz="1200" noProof="0" dirty="0" err="1">
                 <a:solidFill>
                   <a:srgbClr val="BFBFBF"/>
                 </a:solidFill>
@@ -12807,10 +10412,10 @@
                 <a:ea typeface="Open Sans" pitchFamily="34" charset="-122"/>
                 <a:cs typeface="Open Sans" pitchFamily="34" charset="-120"/>
               </a:rPr>
-              <a:t>ingresar</a:t>
-            </a:r>
-            <a:r>
-              <a:rPr lang="en-US" sz="1200" dirty="0">
+              <a:t>envios</a:t>
+            </a:r>
+            <a:r>
+              <a:rPr lang="es-419" sz="1200" noProof="0" dirty="0">
                 <a:solidFill>
                   <a:srgbClr val="BFBFBF"/>
                 </a:solidFill>
@@ -12818,75 +10423,9 @@
                 <a:ea typeface="Open Sans" pitchFamily="34" charset="-122"/>
                 <a:cs typeface="Open Sans" pitchFamily="34" charset="-120"/>
               </a:rPr>
-              <a:t> </a:t>
-            </a:r>
-            <a:r>
-              <a:rPr lang="en-US" sz="1200" dirty="0" err="1">
-                <a:solidFill>
-                  <a:srgbClr val="BFBFBF"/>
-                </a:solidFill>
-                <a:latin typeface="Open Sans" pitchFamily="34" charset="0"/>
-                <a:ea typeface="Open Sans" pitchFamily="34" charset="-122"/>
-                <a:cs typeface="Open Sans" pitchFamily="34" charset="-120"/>
-              </a:rPr>
-              <a:t>cantidades</a:t>
-            </a:r>
-            <a:r>
-              <a:rPr lang="en-US" sz="1200" dirty="0">
-                <a:solidFill>
-                  <a:srgbClr val="BFBFBF"/>
-                </a:solidFill>
-                <a:latin typeface="Open Sans" pitchFamily="34" charset="0"/>
-                <a:ea typeface="Open Sans" pitchFamily="34" charset="-122"/>
-                <a:cs typeface="Open Sans" pitchFamily="34" charset="-120"/>
-              </a:rPr>
-              <a:t> </a:t>
-            </a:r>
-            <a:r>
-              <a:rPr lang="en-US" sz="1200" dirty="0" err="1">
-                <a:solidFill>
-                  <a:srgbClr val="BFBFBF"/>
-                </a:solidFill>
-                <a:latin typeface="Open Sans" pitchFamily="34" charset="0"/>
-                <a:ea typeface="Open Sans" pitchFamily="34" charset="-122"/>
-                <a:cs typeface="Open Sans" pitchFamily="34" charset="-120"/>
-              </a:rPr>
-              <a:t>mediante</a:t>
-            </a:r>
-            <a:r>
-              <a:rPr lang="en-US" sz="1200" dirty="0">
-                <a:solidFill>
-                  <a:srgbClr val="BFBFBF"/>
-                </a:solidFill>
-                <a:latin typeface="Open Sans" pitchFamily="34" charset="0"/>
-                <a:ea typeface="Open Sans" pitchFamily="34" charset="-122"/>
-                <a:cs typeface="Open Sans" pitchFamily="34" charset="-120"/>
-              </a:rPr>
-              <a:t> </a:t>
-            </a:r>
-            <a:r>
-              <a:rPr lang="en-US" sz="1200" dirty="0" err="1">
-                <a:solidFill>
-                  <a:srgbClr val="BFBFBF"/>
-                </a:solidFill>
-                <a:latin typeface="Open Sans" pitchFamily="34" charset="0"/>
-                <a:ea typeface="Open Sans" pitchFamily="34" charset="-122"/>
-                <a:cs typeface="Open Sans" pitchFamily="34" charset="-120"/>
-              </a:rPr>
-              <a:t>archivos</a:t>
-            </a:r>
-            <a:r>
-              <a:rPr lang="en-US" sz="1200" dirty="0">
-                <a:solidFill>
-                  <a:srgbClr val="BFBFBF"/>
-                </a:solidFill>
-                <a:latin typeface="Open Sans" pitchFamily="34" charset="0"/>
-                <a:ea typeface="Open Sans" pitchFamily="34" charset="-122"/>
-                <a:cs typeface="Open Sans" pitchFamily="34" charset="-120"/>
-              </a:rPr>
-              <a:t> excel</a:t>
-            </a:r>
-            <a:endParaRPr lang="en-US" sz="1200" dirty="0"/>
+              <a:t> y registros </a:t>
+            </a:r>
+            <a:endParaRPr lang="es-419" sz="1200" noProof="0" dirty="0"/>
           </a:p>
         </p:txBody>
       </p:sp>
@@ -12944,6 +10483,806 @@
           </a:prstGeom>
         </p:spPr>
       </p:pic>
+    </p:spTree>
+  </p:cSld>
+  <p:clrMapOvr>
+    <a:masterClrMapping/>
+  </p:clrMapOvr>
+</p:sld>
+</file>
+
+<file path=ppt/slides/slide8.xml><?xml version="1.0" encoding="utf-8"?>
+<p:sld xmlns:a="http://schemas.openxmlformats.org/drawingml/2006/main" xmlns:r="http://schemas.openxmlformats.org/officeDocument/2006/relationships" xmlns:p="http://schemas.openxmlformats.org/presentationml/2006/main">
+  <p:cSld>
+    <p:spTree>
+      <p:nvGrpSpPr>
+        <p:cNvPr id="1" name="">
+          <a:extLst>
+            <a:ext uri="{FF2B5EF4-FFF2-40B4-BE49-F238E27FC236}">
+              <a16:creationId xmlns:a16="http://schemas.microsoft.com/office/drawing/2014/main" id="{556D31C3-8C74-BC62-3DC2-AAFAF60EE1CF}"/>
+            </a:ext>
+          </a:extLst>
+        </p:cNvPr>
+        <p:cNvGrpSpPr/>
+        <p:nvPr/>
+      </p:nvGrpSpPr>
+      <p:grpSpPr>
+        <a:xfrm>
+          <a:off x="0" y="0"/>
+          <a:ext cx="0" cy="0"/>
+          <a:chOff x="0" y="0"/>
+          <a:chExt cx="0" cy="0"/>
+        </a:xfrm>
+      </p:grpSpPr>
+      <p:pic>
+        <p:nvPicPr>
+          <p:cNvPr id="15" name="Picture 14">
+            <a:extLst>
+              <a:ext uri="{FF2B5EF4-FFF2-40B4-BE49-F238E27FC236}">
+                <a16:creationId xmlns:a16="http://schemas.microsoft.com/office/drawing/2014/main" id="{31212FAE-D3AB-BB29-2F2E-7C1299A612F0}"/>
+              </a:ext>
+            </a:extLst>
+          </p:cNvPr>
+          <p:cNvPicPr>
+            <a:picLocks noChangeAspect="1"/>
+          </p:cNvPicPr>
+          <p:nvPr/>
+        </p:nvPicPr>
+        <p:blipFill>
+          <a:blip r:embed="rId3"/>
+          <a:stretch>
+            <a:fillRect/>
+          </a:stretch>
+        </p:blipFill>
+        <p:spPr>
+          <a:xfrm>
+            <a:off x="12863245" y="7647811"/>
+            <a:ext cx="1664025" cy="516422"/>
+          </a:xfrm>
+          <a:prstGeom prst="rect">
+            <a:avLst/>
+          </a:prstGeom>
+        </p:spPr>
+      </p:pic>
+      <p:pic>
+        <p:nvPicPr>
+          <p:cNvPr id="13" name="Imagen 12">
+            <a:extLst>
+              <a:ext uri="{FF2B5EF4-FFF2-40B4-BE49-F238E27FC236}">
+                <a16:creationId xmlns:a16="http://schemas.microsoft.com/office/drawing/2014/main" id="{566F2063-3304-44F4-7E2F-8EA51EABE5D2}"/>
+              </a:ext>
+            </a:extLst>
+          </p:cNvPr>
+          <p:cNvPicPr>
+            <a:picLocks noChangeAspect="1"/>
+          </p:cNvPicPr>
+          <p:nvPr/>
+        </p:nvPicPr>
+        <p:blipFill>
+          <a:blip r:embed="rId4">
+            <a:extLst>
+              <a:ext uri="{28A0092B-C50C-407E-A947-70E740481C1C}">
+                <a14:useLocalDpi xmlns:a14="http://schemas.microsoft.com/office/drawing/2010/main" val="0"/>
+              </a:ext>
+            </a:extLst>
+          </a:blip>
+          <a:srcRect/>
+          <a:stretch>
+            <a:fillRect/>
+          </a:stretch>
+        </p:blipFill>
+        <p:spPr bwMode="auto">
+          <a:xfrm>
+            <a:off x="2404534" y="223836"/>
+            <a:ext cx="10058400" cy="7781927"/>
+          </a:xfrm>
+          <a:prstGeom prst="rect">
+            <a:avLst/>
+          </a:prstGeom>
+          <a:noFill/>
+          <a:ln>
+            <a:noFill/>
+          </a:ln>
+        </p:spPr>
+      </p:pic>
+    </p:spTree>
+    <p:extLst>
+      <p:ext uri="{BB962C8B-B14F-4D97-AF65-F5344CB8AC3E}">
+        <p14:creationId xmlns:p14="http://schemas.microsoft.com/office/powerpoint/2010/main" val="3873527897"/>
+      </p:ext>
+    </p:extLst>
+  </p:cSld>
+  <p:clrMapOvr>
+    <a:masterClrMapping/>
+  </p:clrMapOvr>
+</p:sld>
+</file>
+
+<file path=ppt/slides/slide9.xml><?xml version="1.0" encoding="utf-8"?>
+<p:sld xmlns:a="http://schemas.openxmlformats.org/drawingml/2006/main" xmlns:r="http://schemas.openxmlformats.org/officeDocument/2006/relationships" xmlns:p="http://schemas.openxmlformats.org/presentationml/2006/main">
+  <p:cSld name="Slide 10">
+    <p:spTree>
+      <p:nvGrpSpPr>
+        <p:cNvPr id="1" name=""/>
+        <p:cNvGrpSpPr/>
+        <p:nvPr/>
+      </p:nvGrpSpPr>
+      <p:grpSpPr>
+        <a:xfrm>
+          <a:off x="0" y="0"/>
+          <a:ext cx="0" cy="0"/>
+          <a:chOff x="0" y="0"/>
+          <a:chExt cx="0" cy="0"/>
+        </a:xfrm>
+      </p:grpSpPr>
+      <p:sp>
+        <p:nvSpPr>
+          <p:cNvPr id="2" name="Text 0"/>
+          <p:cNvSpPr/>
+          <p:nvPr/>
+        </p:nvSpPr>
+        <p:spPr>
+          <a:xfrm>
+            <a:off x="2817799" y="555889"/>
+            <a:ext cx="8214360" cy="708779"/>
+          </a:xfrm>
+          <a:prstGeom prst="rect">
+            <a:avLst/>
+          </a:prstGeom>
+          <a:noFill/>
+          <a:ln/>
+        </p:spPr>
+        <p:txBody>
+          <a:bodyPr wrap="none" lIns="0" tIns="0" rIns="0" bIns="0" rtlCol="0" anchor="t"/>
+          <a:lstStyle/>
+          <a:p>
+            <a:pPr marL="0" indent="0" algn="l">
+              <a:lnSpc>
+                <a:spcPts val="5550"/>
+              </a:lnSpc>
+              <a:buNone/>
+            </a:pPr>
+            <a:r>
+              <a:rPr lang="es-419" sz="4450" noProof="0" dirty="0">
+                <a:solidFill>
+                  <a:srgbClr val="FEFEFE"/>
+                </a:solidFill>
+                <a:latin typeface="Instrument Sans Medium" pitchFamily="34" charset="0"/>
+                <a:ea typeface="Instrument Sans Medium" pitchFamily="34" charset="-122"/>
+                <a:cs typeface="Instrument Sans Medium" pitchFamily="34" charset="-120"/>
+              </a:rPr>
+              <a:t>Diseño de la Interfaz de Usuario</a:t>
+            </a:r>
+            <a:endParaRPr lang="es-419" sz="4450" noProof="0" dirty="0"/>
+          </a:p>
+        </p:txBody>
+      </p:sp>
+      <p:sp>
+        <p:nvSpPr>
+          <p:cNvPr id="4" name="Text 2"/>
+          <p:cNvSpPr/>
+          <p:nvPr/>
+        </p:nvSpPr>
+        <p:spPr>
+          <a:xfrm>
+            <a:off x="3680828" y="1217192"/>
+            <a:ext cx="6244709" cy="725805"/>
+          </a:xfrm>
+          <a:prstGeom prst="rect">
+            <a:avLst/>
+          </a:prstGeom>
+          <a:noFill/>
+          <a:ln/>
+        </p:spPr>
+        <p:txBody>
+          <a:bodyPr wrap="square" lIns="0" tIns="0" rIns="0" bIns="0" rtlCol="0" anchor="t"/>
+          <a:lstStyle/>
+          <a:p>
+            <a:pPr marL="0" indent="0" algn="l">
+              <a:lnSpc>
+                <a:spcPts val="2850"/>
+              </a:lnSpc>
+              <a:buNone/>
+            </a:pPr>
+            <a:r>
+              <a:rPr lang="es-419" sz="1750" noProof="0" dirty="0">
+                <a:solidFill>
+                  <a:srgbClr val="BFBFBF"/>
+                </a:solidFill>
+                <a:latin typeface="Open Sans" pitchFamily="34" charset="0"/>
+                <a:ea typeface="Open Sans" pitchFamily="34" charset="-122"/>
+                <a:cs typeface="Open Sans" pitchFamily="34" charset="-120"/>
+              </a:rPr>
+              <a:t>Se emplean HTML, CSS y JavaScript para desarrollo flexible.</a:t>
+            </a:r>
+            <a:endParaRPr lang="es-419" sz="1750" noProof="0" dirty="0"/>
+          </a:p>
+        </p:txBody>
+      </p:sp>
+      <p:pic>
+        <p:nvPicPr>
+          <p:cNvPr id="9" name="Picture 8">
+            <a:extLst>
+              <a:ext uri="{FF2B5EF4-FFF2-40B4-BE49-F238E27FC236}">
+                <a16:creationId xmlns:a16="http://schemas.microsoft.com/office/drawing/2014/main" id="{8A6C7585-09D4-4F50-3168-78C4D63E1A6C}"/>
+              </a:ext>
+            </a:extLst>
+          </p:cNvPr>
+          <p:cNvPicPr>
+            <a:picLocks noChangeAspect="1"/>
+          </p:cNvPicPr>
+          <p:nvPr/>
+        </p:nvPicPr>
+        <p:blipFill>
+          <a:blip r:embed="rId3"/>
+          <a:stretch>
+            <a:fillRect/>
+          </a:stretch>
+        </p:blipFill>
+        <p:spPr>
+          <a:xfrm>
+            <a:off x="12863245" y="7647811"/>
+            <a:ext cx="1664025" cy="516422"/>
+          </a:xfrm>
+          <a:prstGeom prst="rect">
+            <a:avLst/>
+          </a:prstGeom>
+        </p:spPr>
+      </p:pic>
+      <p:pic>
+        <p:nvPicPr>
+          <p:cNvPr id="11" name="Picture 10">
+            <a:extLst>
+              <a:ext uri="{FF2B5EF4-FFF2-40B4-BE49-F238E27FC236}">
+                <a16:creationId xmlns:a16="http://schemas.microsoft.com/office/drawing/2014/main" id="{D9F30594-7239-2212-8ABC-C3BDF23E6860}"/>
+              </a:ext>
+            </a:extLst>
+          </p:cNvPr>
+          <p:cNvPicPr>
+            <a:picLocks noChangeAspect="1"/>
+          </p:cNvPicPr>
+          <p:nvPr/>
+        </p:nvPicPr>
+        <p:blipFill>
+          <a:blip r:embed="rId4"/>
+          <a:stretch>
+            <a:fillRect/>
+          </a:stretch>
+        </p:blipFill>
+        <p:spPr>
+          <a:xfrm>
+            <a:off x="6447933" y="1910780"/>
+            <a:ext cx="7662329" cy="3686826"/>
+          </a:xfrm>
+          <a:prstGeom prst="rect">
+            <a:avLst/>
+          </a:prstGeom>
+        </p:spPr>
+      </p:pic>
+      <p:sp>
+        <p:nvSpPr>
+          <p:cNvPr id="3" name="Text 2"/>
+          <p:cNvSpPr/>
+          <p:nvPr/>
+        </p:nvSpPr>
+        <p:spPr>
+          <a:xfrm>
+            <a:off x="539266" y="1843144"/>
+            <a:ext cx="5428893" cy="3166137"/>
+          </a:xfrm>
+          <a:prstGeom prst="rect">
+            <a:avLst/>
+          </a:prstGeom>
+          <a:noFill/>
+          <a:ln/>
+        </p:spPr>
+        <p:txBody>
+          <a:bodyPr wrap="square" lIns="0" tIns="0" rIns="0" bIns="0" rtlCol="0" anchor="t"/>
+          <a:lstStyle/>
+          <a:p>
+            <a:pPr marL="342900" indent="-342900" algn="l">
+              <a:lnSpc>
+                <a:spcPts val="2850"/>
+              </a:lnSpc>
+              <a:buSzPct val="100000"/>
+              <a:buAutoNum type="arabicPeriod"/>
+            </a:pPr>
+            <a:r>
+              <a:rPr lang="es-419" sz="1750" noProof="0" dirty="0" err="1">
+                <a:solidFill>
+                  <a:srgbClr val="BFBFBF"/>
+                </a:solidFill>
+                <a:latin typeface="Open Sans" pitchFamily="34" charset="0"/>
+                <a:ea typeface="Open Sans" pitchFamily="34" charset="-122"/>
+                <a:cs typeface="Open Sans" pitchFamily="34" charset="-120"/>
+              </a:rPr>
+              <a:t>Busqueda</a:t>
+            </a:r>
+            <a:r>
+              <a:rPr lang="es-419" sz="1750" noProof="0" dirty="0">
+                <a:solidFill>
+                  <a:srgbClr val="BFBFBF"/>
+                </a:solidFill>
+                <a:latin typeface="Open Sans" pitchFamily="34" charset="0"/>
+                <a:ea typeface="Open Sans" pitchFamily="34" charset="-122"/>
+                <a:cs typeface="Open Sans" pitchFamily="34" charset="-120"/>
+              </a:rPr>
+              <a:t> rápida por ID de proyecto con filtro y botón interactivo.</a:t>
+            </a:r>
+          </a:p>
+          <a:p>
+            <a:pPr marL="342900" indent="-342900" algn="l">
+              <a:lnSpc>
+                <a:spcPts val="2850"/>
+              </a:lnSpc>
+              <a:buSzPct val="100000"/>
+              <a:buAutoNum type="arabicPeriod"/>
+            </a:pPr>
+            <a:r>
+              <a:rPr lang="es-419" sz="1750" noProof="0" dirty="0" err="1">
+                <a:solidFill>
+                  <a:srgbClr val="BFBFBF"/>
+                </a:solidFill>
+                <a:latin typeface="Open Sans" pitchFamily="34" charset="0"/>
+                <a:ea typeface="Open Sans" pitchFamily="34" charset="-122"/>
+                <a:cs typeface="Open Sans" pitchFamily="34" charset="-120"/>
+              </a:rPr>
+              <a:t>Boton</a:t>
+            </a:r>
+            <a:r>
+              <a:rPr lang="es-419" sz="1750" noProof="0" dirty="0">
+                <a:solidFill>
+                  <a:srgbClr val="BFBFBF"/>
+                </a:solidFill>
+                <a:latin typeface="Open Sans" pitchFamily="34" charset="0"/>
+                <a:ea typeface="Open Sans" pitchFamily="34" charset="-122"/>
+                <a:cs typeface="Open Sans" pitchFamily="34" charset="-120"/>
+              </a:rPr>
+              <a:t> destacado para agregar proyectos nuevos.</a:t>
+            </a:r>
+          </a:p>
+          <a:p>
+            <a:pPr marL="342900" indent="-342900" algn="l">
+              <a:lnSpc>
+                <a:spcPts val="2850"/>
+              </a:lnSpc>
+              <a:buSzPct val="100000"/>
+              <a:buAutoNum type="arabicPeriod"/>
+            </a:pPr>
+            <a:r>
+              <a:rPr lang="es-419" sz="1750" noProof="0" dirty="0">
+                <a:solidFill>
+                  <a:srgbClr val="BFBFBF"/>
+                </a:solidFill>
+                <a:latin typeface="Open Sans" pitchFamily="34" charset="0"/>
+                <a:ea typeface="Open Sans" pitchFamily="34" charset="-122"/>
+                <a:cs typeface="Open Sans" pitchFamily="34" charset="-120"/>
+              </a:rPr>
+              <a:t>Proyectos con sus respectivos ID, nombre y constructora </a:t>
+            </a:r>
+            <a:r>
+              <a:rPr lang="es-419" sz="1750" noProof="0" dirty="0" err="1">
+                <a:solidFill>
+                  <a:srgbClr val="BFBFBF"/>
+                </a:solidFill>
+                <a:latin typeface="Open Sans" pitchFamily="34" charset="0"/>
+                <a:ea typeface="Open Sans" pitchFamily="34" charset="-122"/>
+                <a:cs typeface="Open Sans" pitchFamily="34" charset="-120"/>
+              </a:rPr>
+              <a:t>responsible</a:t>
+            </a:r>
+            <a:endParaRPr lang="es-419" sz="1750" noProof="0" dirty="0">
+              <a:solidFill>
+                <a:srgbClr val="BFBFBF"/>
+              </a:solidFill>
+              <a:latin typeface="Open Sans" pitchFamily="34" charset="0"/>
+              <a:ea typeface="Open Sans" pitchFamily="34" charset="-122"/>
+              <a:cs typeface="Open Sans" pitchFamily="34" charset="-120"/>
+            </a:endParaRPr>
+          </a:p>
+          <a:p>
+            <a:pPr marL="342900" indent="-342900" algn="l">
+              <a:lnSpc>
+                <a:spcPts val="2850"/>
+              </a:lnSpc>
+              <a:buSzPct val="100000"/>
+              <a:buAutoNum type="arabicPeriod"/>
+            </a:pPr>
+            <a:r>
+              <a:rPr lang="es-419" sz="1750" noProof="0" dirty="0">
+                <a:solidFill>
+                  <a:srgbClr val="BFBFBF"/>
+                </a:solidFill>
+                <a:latin typeface="Open Sans" pitchFamily="34" charset="0"/>
+                <a:ea typeface="Open Sans" pitchFamily="34" charset="-122"/>
+                <a:cs typeface="Open Sans" pitchFamily="34" charset="-120"/>
+              </a:rPr>
+              <a:t>Funcionalidades para agregar </a:t>
+            </a:r>
+            <a:r>
+              <a:rPr lang="es-419" sz="1750" noProof="0" dirty="0" err="1">
+                <a:solidFill>
+                  <a:srgbClr val="BFBFBF"/>
+                </a:solidFill>
+                <a:latin typeface="Open Sans" pitchFamily="34" charset="0"/>
+                <a:ea typeface="Open Sans" pitchFamily="34" charset="-122"/>
+                <a:cs typeface="Open Sans" pitchFamily="34" charset="-120"/>
+              </a:rPr>
+              <a:t>components</a:t>
+            </a:r>
+            <a:r>
+              <a:rPr lang="es-419" sz="1750" noProof="0" dirty="0">
+                <a:solidFill>
+                  <a:srgbClr val="BFBFBF"/>
+                </a:solidFill>
+                <a:latin typeface="Open Sans" pitchFamily="34" charset="0"/>
+                <a:ea typeface="Open Sans" pitchFamily="34" charset="-122"/>
+                <a:cs typeface="Open Sans" pitchFamily="34" charset="-120"/>
+              </a:rPr>
+              <a:t> del Proyecto </a:t>
+            </a:r>
+            <a:r>
+              <a:rPr lang="es-419" sz="1750" noProof="0" dirty="0" err="1">
+                <a:solidFill>
+                  <a:srgbClr val="BFBFBF"/>
+                </a:solidFill>
+                <a:latin typeface="Open Sans" pitchFamily="34" charset="0"/>
+                <a:ea typeface="Open Sans" pitchFamily="34" charset="-122"/>
+                <a:cs typeface="Open Sans" pitchFamily="34" charset="-120"/>
+              </a:rPr>
+              <a:t>mediantes</a:t>
+            </a:r>
+            <a:r>
+              <a:rPr lang="es-419" sz="1750" noProof="0" dirty="0">
+                <a:solidFill>
+                  <a:srgbClr val="BFBFBF"/>
+                </a:solidFill>
+                <a:latin typeface="Open Sans" pitchFamily="34" charset="0"/>
+                <a:ea typeface="Open Sans" pitchFamily="34" charset="-122"/>
+                <a:cs typeface="Open Sans" pitchFamily="34" charset="-120"/>
+              </a:rPr>
+              <a:t> archivos </a:t>
+            </a:r>
+            <a:r>
+              <a:rPr lang="es-419" sz="1750" noProof="0" dirty="0" err="1">
+                <a:solidFill>
+                  <a:srgbClr val="BFBFBF"/>
+                </a:solidFill>
+                <a:latin typeface="Open Sans" pitchFamily="34" charset="0"/>
+                <a:ea typeface="Open Sans" pitchFamily="34" charset="-122"/>
+                <a:cs typeface="Open Sans" pitchFamily="34" charset="-120"/>
+              </a:rPr>
+              <a:t>excel</a:t>
+            </a:r>
+            <a:r>
+              <a:rPr lang="es-419" sz="1750" noProof="0" dirty="0">
+                <a:solidFill>
+                  <a:srgbClr val="BFBFBF"/>
+                </a:solidFill>
+                <a:latin typeface="Open Sans" pitchFamily="34" charset="0"/>
+                <a:ea typeface="Open Sans" pitchFamily="34" charset="-122"/>
+                <a:cs typeface="Open Sans" pitchFamily="34" charset="-120"/>
+              </a:rPr>
+              <a:t>. </a:t>
+            </a:r>
+          </a:p>
+          <a:p>
+            <a:pPr marL="342900" indent="-342900" algn="l">
+              <a:lnSpc>
+                <a:spcPts val="2850"/>
+              </a:lnSpc>
+              <a:buSzPct val="100000"/>
+              <a:buAutoNum type="arabicPeriod"/>
+            </a:pPr>
+            <a:r>
+              <a:rPr lang="es-419" sz="1750" noProof="0" dirty="0">
+                <a:solidFill>
+                  <a:srgbClr val="BFBFBF"/>
+                </a:solidFill>
+                <a:latin typeface="Open Sans" pitchFamily="34" charset="0"/>
+                <a:ea typeface="Open Sans" pitchFamily="34" charset="-122"/>
+                <a:cs typeface="Open Sans" pitchFamily="34" charset="-120"/>
+              </a:rPr>
+              <a:t>Muestra legible de componentes al usuario </a:t>
+            </a:r>
+            <a:endParaRPr lang="es-419" sz="1750" noProof="0" dirty="0"/>
+          </a:p>
+        </p:txBody>
+      </p:sp>
+      <p:pic>
+        <p:nvPicPr>
+          <p:cNvPr id="10" name="Imagen 9">
+            <a:extLst>
+              <a:ext uri="{FF2B5EF4-FFF2-40B4-BE49-F238E27FC236}">
+                <a16:creationId xmlns:a16="http://schemas.microsoft.com/office/drawing/2014/main" id="{3F2D6984-B122-E75F-5494-E687ADB9CC8D}"/>
+              </a:ext>
+            </a:extLst>
+          </p:cNvPr>
+          <p:cNvPicPr>
+            <a:picLocks noChangeAspect="1"/>
+          </p:cNvPicPr>
+          <p:nvPr/>
+        </p:nvPicPr>
+        <p:blipFill>
+          <a:blip r:embed="rId5"/>
+          <a:stretch>
+            <a:fillRect/>
+          </a:stretch>
+        </p:blipFill>
+        <p:spPr>
+          <a:xfrm>
+            <a:off x="4433359" y="4980225"/>
+            <a:ext cx="1407842" cy="2989354"/>
+          </a:xfrm>
+          <a:prstGeom prst="rect">
+            <a:avLst/>
+          </a:prstGeom>
+        </p:spPr>
+      </p:pic>
+      <p:pic>
+        <p:nvPicPr>
+          <p:cNvPr id="13" name="Imagen 12">
+            <a:extLst>
+              <a:ext uri="{FF2B5EF4-FFF2-40B4-BE49-F238E27FC236}">
+                <a16:creationId xmlns:a16="http://schemas.microsoft.com/office/drawing/2014/main" id="{5A121720-5B2A-2DC5-1E3C-31C33E59E668}"/>
+              </a:ext>
+            </a:extLst>
+          </p:cNvPr>
+          <p:cNvPicPr>
+            <a:picLocks noChangeAspect="1"/>
+          </p:cNvPicPr>
+          <p:nvPr/>
+        </p:nvPicPr>
+        <p:blipFill>
+          <a:blip r:embed="rId6"/>
+          <a:stretch>
+            <a:fillRect/>
+          </a:stretch>
+        </p:blipFill>
+        <p:spPr>
+          <a:xfrm>
+            <a:off x="6183927" y="6253145"/>
+            <a:ext cx="1848153" cy="1298571"/>
+          </a:xfrm>
+          <a:prstGeom prst="rect">
+            <a:avLst/>
+          </a:prstGeom>
+        </p:spPr>
+      </p:pic>
+      <p:pic>
+        <p:nvPicPr>
+          <p:cNvPr id="15" name="Imagen 14">
+            <a:extLst>
+              <a:ext uri="{FF2B5EF4-FFF2-40B4-BE49-F238E27FC236}">
+                <a16:creationId xmlns:a16="http://schemas.microsoft.com/office/drawing/2014/main" id="{005550E2-6F5E-BE71-E8A0-32B2468ABD7A}"/>
+              </a:ext>
+            </a:extLst>
+          </p:cNvPr>
+          <p:cNvPicPr>
+            <a:picLocks noChangeAspect="1"/>
+          </p:cNvPicPr>
+          <p:nvPr/>
+        </p:nvPicPr>
+        <p:blipFill>
+          <a:blip r:embed="rId7"/>
+          <a:stretch>
+            <a:fillRect/>
+          </a:stretch>
+        </p:blipFill>
+        <p:spPr>
+          <a:xfrm>
+            <a:off x="8355952" y="6230998"/>
+            <a:ext cx="1848153" cy="1381093"/>
+          </a:xfrm>
+          <a:prstGeom prst="rect">
+            <a:avLst/>
+          </a:prstGeom>
+        </p:spPr>
+      </p:pic>
+      <p:pic>
+        <p:nvPicPr>
+          <p:cNvPr id="17" name="Imagen 16">
+            <a:extLst>
+              <a:ext uri="{FF2B5EF4-FFF2-40B4-BE49-F238E27FC236}">
+                <a16:creationId xmlns:a16="http://schemas.microsoft.com/office/drawing/2014/main" id="{C52A3B9F-2A91-7958-E5D4-6F3457A9FE94}"/>
+              </a:ext>
+            </a:extLst>
+          </p:cNvPr>
+          <p:cNvPicPr>
+            <a:picLocks noChangeAspect="1"/>
+          </p:cNvPicPr>
+          <p:nvPr/>
+        </p:nvPicPr>
+        <p:blipFill>
+          <a:blip r:embed="rId8"/>
+          <a:stretch>
+            <a:fillRect/>
+          </a:stretch>
+        </p:blipFill>
+        <p:spPr>
+          <a:xfrm>
+            <a:off x="10617734" y="4697323"/>
+            <a:ext cx="2015051" cy="3337263"/>
+          </a:xfrm>
+          <a:prstGeom prst="rect">
+            <a:avLst/>
+          </a:prstGeom>
+        </p:spPr>
+      </p:pic>
+      <p:cxnSp>
+        <p:nvCxnSpPr>
+          <p:cNvPr id="19" name="Conector recto de flecha 18">
+            <a:extLst>
+              <a:ext uri="{FF2B5EF4-FFF2-40B4-BE49-F238E27FC236}">
+                <a16:creationId xmlns:a16="http://schemas.microsoft.com/office/drawing/2014/main" id="{49A852CB-874E-1562-B817-A353417F9CE1}"/>
+              </a:ext>
+            </a:extLst>
+          </p:cNvPr>
+          <p:cNvCxnSpPr/>
+          <p:nvPr/>
+        </p:nvCxnSpPr>
+        <p:spPr>
+          <a:xfrm flipH="1">
+            <a:off x="5850628" y="5121630"/>
+            <a:ext cx="757562" cy="0"/>
+          </a:xfrm>
+          <a:prstGeom prst="straightConnector1">
+            <a:avLst/>
+          </a:prstGeom>
+          <a:ln w="38100">
+            <a:solidFill>
+              <a:srgbClr val="FF0000"/>
+            </a:solidFill>
+            <a:tailEnd type="triangle"/>
+          </a:ln>
+        </p:spPr>
+        <p:style>
+          <a:lnRef idx="1">
+            <a:schemeClr val="accent1"/>
+          </a:lnRef>
+          <a:fillRef idx="0">
+            <a:schemeClr val="accent1"/>
+          </a:fillRef>
+          <a:effectRef idx="0">
+            <a:schemeClr val="accent1"/>
+          </a:effectRef>
+          <a:fontRef idx="minor">
+            <a:schemeClr val="tx1"/>
+          </a:fontRef>
+        </p:style>
+      </p:cxnSp>
+      <p:cxnSp>
+        <p:nvCxnSpPr>
+          <p:cNvPr id="20" name="Conector recto de flecha 19">
+            <a:extLst>
+              <a:ext uri="{FF2B5EF4-FFF2-40B4-BE49-F238E27FC236}">
+                <a16:creationId xmlns:a16="http://schemas.microsoft.com/office/drawing/2014/main" id="{AE6F2913-F06C-E7E5-DED2-2BC7BE64FECF}"/>
+              </a:ext>
+            </a:extLst>
+          </p:cNvPr>
+          <p:cNvCxnSpPr>
+            <a:cxnSpLocks/>
+          </p:cNvCxnSpPr>
+          <p:nvPr/>
+        </p:nvCxnSpPr>
+        <p:spPr>
+          <a:xfrm>
+            <a:off x="7070103" y="5213390"/>
+            <a:ext cx="0" cy="970473"/>
+          </a:xfrm>
+          <a:prstGeom prst="straightConnector1">
+            <a:avLst/>
+          </a:prstGeom>
+          <a:ln w="38100">
+            <a:solidFill>
+              <a:srgbClr val="FF0000"/>
+            </a:solidFill>
+            <a:tailEnd type="triangle"/>
+          </a:ln>
+        </p:spPr>
+        <p:style>
+          <a:lnRef idx="1">
+            <a:schemeClr val="accent1"/>
+          </a:lnRef>
+          <a:fillRef idx="0">
+            <a:schemeClr val="accent1"/>
+          </a:fillRef>
+          <a:effectRef idx="0">
+            <a:schemeClr val="accent1"/>
+          </a:effectRef>
+          <a:fontRef idx="minor">
+            <a:schemeClr val="tx1"/>
+          </a:fontRef>
+        </p:style>
+      </p:cxnSp>
+      <p:cxnSp>
+        <p:nvCxnSpPr>
+          <p:cNvPr id="23" name="Conector recto de flecha 22">
+            <a:extLst>
+              <a:ext uri="{FF2B5EF4-FFF2-40B4-BE49-F238E27FC236}">
+                <a16:creationId xmlns:a16="http://schemas.microsoft.com/office/drawing/2014/main" id="{C6040EE5-19DB-17FA-C152-AFDF7CEED557}"/>
+              </a:ext>
+            </a:extLst>
+          </p:cNvPr>
+          <p:cNvCxnSpPr>
+            <a:cxnSpLocks/>
+          </p:cNvCxnSpPr>
+          <p:nvPr/>
+        </p:nvCxnSpPr>
+        <p:spPr>
+          <a:xfrm>
+            <a:off x="9626338" y="5213390"/>
+            <a:ext cx="0" cy="970473"/>
+          </a:xfrm>
+          <a:prstGeom prst="straightConnector1">
+            <a:avLst/>
+          </a:prstGeom>
+          <a:ln w="38100">
+            <a:solidFill>
+              <a:srgbClr val="FF0000"/>
+            </a:solidFill>
+            <a:tailEnd type="triangle"/>
+          </a:ln>
+        </p:spPr>
+        <p:style>
+          <a:lnRef idx="1">
+            <a:schemeClr val="accent1"/>
+          </a:lnRef>
+          <a:fillRef idx="0">
+            <a:schemeClr val="accent1"/>
+          </a:fillRef>
+          <a:effectRef idx="0">
+            <a:schemeClr val="accent1"/>
+          </a:effectRef>
+          <a:fontRef idx="minor">
+            <a:schemeClr val="tx1"/>
+          </a:fontRef>
+        </p:style>
+      </p:cxnSp>
+      <p:cxnSp>
+        <p:nvCxnSpPr>
+          <p:cNvPr id="24" name="Conector recto de flecha 23">
+            <a:extLst>
+              <a:ext uri="{FF2B5EF4-FFF2-40B4-BE49-F238E27FC236}">
+                <a16:creationId xmlns:a16="http://schemas.microsoft.com/office/drawing/2014/main" id="{B00B8D6D-C42B-7DF1-C41A-39C932215C87}"/>
+              </a:ext>
+            </a:extLst>
+          </p:cNvPr>
+          <p:cNvCxnSpPr>
+            <a:cxnSpLocks/>
+          </p:cNvCxnSpPr>
+          <p:nvPr/>
+        </p:nvCxnSpPr>
+        <p:spPr>
+          <a:xfrm>
+            <a:off x="9484049" y="6886014"/>
+            <a:ext cx="1083399" cy="0"/>
+          </a:xfrm>
+          <a:prstGeom prst="straightConnector1">
+            <a:avLst/>
+          </a:prstGeom>
+          <a:ln w="38100">
+            <a:solidFill>
+              <a:srgbClr val="FF0000"/>
+            </a:solidFill>
+            <a:tailEnd type="triangle"/>
+          </a:ln>
+        </p:spPr>
+        <p:style>
+          <a:lnRef idx="1">
+            <a:schemeClr val="accent1"/>
+          </a:lnRef>
+          <a:fillRef idx="0">
+            <a:schemeClr val="accent1"/>
+          </a:fillRef>
+          <a:effectRef idx="0">
+            <a:schemeClr val="accent1"/>
+          </a:effectRef>
+          <a:fontRef idx="minor">
+            <a:schemeClr val="tx1"/>
+          </a:fontRef>
+        </p:style>
+      </p:cxnSp>
     </p:spTree>
   </p:cSld>
   <p:clrMapOvr>
